--- a/Power Query List Functions Part 3.pptx
+++ b/Power Query List Functions Part 3.pptx
@@ -9,8 +9,7 @@
     <p:sldId id="258" r:id="rId3"/>
     <p:sldId id="259" r:id="rId4"/>
     <p:sldId id="260" r:id="rId5"/>
-    <p:sldId id="261" r:id="rId6"/>
-    <p:sldId id="262" r:id="rId7"/>
+    <p:sldId id="262" r:id="rId6"/>
   </p:sldIdLst>
   <p:sldSz cx="12192000" cy="6858000"/>
   <p:notesSz cx="6858000" cy="9144000"/>
@@ -120,8 +119,7 @@
 <file path=ppt/revisionInfo.xml><?xml version="1.0" encoding="utf-8"?>
 <p1510:revInfo xmlns:a="http://schemas.openxmlformats.org/drawingml/2006/main" xmlns:r="http://schemas.openxmlformats.org/officeDocument/2006/relationships" xmlns:p1510="http://schemas.microsoft.com/office/powerpoint/2015/10/main">
   <p1510:revLst>
-    <p1510:client id="{77AFCB8B-3E06-488A-9E9B-28F27AC1A50F}" v="8" dt="2025-01-15T12:25:32.367"/>
-    <p1510:client id="{AB0446AA-BEDC-4E91-8971-06DA74877953}" v="10" dt="2025-01-16T06:40:48.206"/>
+    <p1510:client id="{AB0446AA-BEDC-4E91-8971-06DA74877953}" v="41" dt="2025-01-17T04:47:20.296"/>
   </p1510:revLst>
 </p1510:revInfo>
 </file>
@@ -130,8 +128,8 @@
 <pc:chgInfo xmlns:a="http://schemas.openxmlformats.org/drawingml/2006/main" xmlns:r="http://schemas.openxmlformats.org/officeDocument/2006/relationships" xmlns:ac="http://schemas.microsoft.com/office/drawing/2013/main/command" xmlns:pc="http://schemas.microsoft.com/office/powerpoint/2013/main/command">
   <pc:docChgLst>
     <pc:chgData name="Krishna Prajapati" userId="bea6a3d7-1adf-41a4-85e0-620d5f15a9a1" providerId="ADAL" clId="{AB0446AA-BEDC-4E91-8971-06DA74877953}"/>
-    <pc:docChg chg="delSld modSld">
-      <pc:chgData name="Krishna Prajapati" userId="bea6a3d7-1adf-41a4-85e0-620d5f15a9a1" providerId="ADAL" clId="{AB0446AA-BEDC-4E91-8971-06DA74877953}" dt="2025-01-16T06:40:55.049" v="12" actId="14100"/>
+    <pc:docChg chg="delSld modSld sldOrd">
+      <pc:chgData name="Krishna Prajapati" userId="bea6a3d7-1adf-41a4-85e0-620d5f15a9a1" providerId="ADAL" clId="{AB0446AA-BEDC-4E91-8971-06DA74877953}" dt="2025-01-17T04:47:20.296" v="48" actId="20577"/>
       <pc:docMkLst>
         <pc:docMk/>
       </pc:docMkLst>
@@ -151,13 +149,13 @@
         </pc:spChg>
       </pc:sldChg>
       <pc:sldChg chg="modSp">
-        <pc:chgData name="Krishna Prajapati" userId="bea6a3d7-1adf-41a4-85e0-620d5f15a9a1" providerId="ADAL" clId="{AB0446AA-BEDC-4E91-8971-06DA74877953}" dt="2025-01-15T12:27:36.892" v="2"/>
+        <pc:chgData name="Krishna Prajapati" userId="bea6a3d7-1adf-41a4-85e0-620d5f15a9a1" providerId="ADAL" clId="{AB0446AA-BEDC-4E91-8971-06DA74877953}" dt="2025-01-17T04:43:40.554" v="32" actId="255"/>
         <pc:sldMkLst>
           <pc:docMk/>
           <pc:sldMk cId="805949893" sldId="258"/>
         </pc:sldMkLst>
         <pc:graphicFrameChg chg="mod">
-          <ac:chgData name="Krishna Prajapati" userId="bea6a3d7-1adf-41a4-85e0-620d5f15a9a1" providerId="ADAL" clId="{AB0446AA-BEDC-4E91-8971-06DA74877953}" dt="2025-01-15T12:27:36.892" v="2"/>
+          <ac:chgData name="Krishna Prajapati" userId="bea6a3d7-1adf-41a4-85e0-620d5f15a9a1" providerId="ADAL" clId="{AB0446AA-BEDC-4E91-8971-06DA74877953}" dt="2025-01-17T04:43:40.554" v="32" actId="255"/>
           <ac:graphicFrameMkLst>
             <pc:docMk/>
             <pc:sldMk cId="805949893" sldId="258"/>
@@ -166,13 +164,13 @@
         </pc:graphicFrameChg>
       </pc:sldChg>
       <pc:sldChg chg="modSp">
-        <pc:chgData name="Krishna Prajapati" userId="bea6a3d7-1adf-41a4-85e0-620d5f15a9a1" providerId="ADAL" clId="{AB0446AA-BEDC-4E91-8971-06DA74877953}" dt="2025-01-15T12:27:50.499" v="3"/>
+        <pc:chgData name="Krishna Prajapati" userId="bea6a3d7-1adf-41a4-85e0-620d5f15a9a1" providerId="ADAL" clId="{AB0446AA-BEDC-4E91-8971-06DA74877953}" dt="2025-01-17T04:43:48.426" v="33" actId="255"/>
         <pc:sldMkLst>
           <pc:docMk/>
           <pc:sldMk cId="3644343622" sldId="259"/>
         </pc:sldMkLst>
         <pc:graphicFrameChg chg="mod">
-          <ac:chgData name="Krishna Prajapati" userId="bea6a3d7-1adf-41a4-85e0-620d5f15a9a1" providerId="ADAL" clId="{AB0446AA-BEDC-4E91-8971-06DA74877953}" dt="2025-01-15T12:27:50.499" v="3"/>
+          <ac:chgData name="Krishna Prajapati" userId="bea6a3d7-1adf-41a4-85e0-620d5f15a9a1" providerId="ADAL" clId="{AB0446AA-BEDC-4E91-8971-06DA74877953}" dt="2025-01-17T04:43:48.426" v="33" actId="255"/>
           <ac:graphicFrameMkLst>
             <pc:docMk/>
             <pc:sldMk cId="3644343622" sldId="259"/>
@@ -181,13 +179,13 @@
         </pc:graphicFrameChg>
       </pc:sldChg>
       <pc:sldChg chg="modSp">
-        <pc:chgData name="Krishna Prajapati" userId="bea6a3d7-1adf-41a4-85e0-620d5f15a9a1" providerId="ADAL" clId="{AB0446AA-BEDC-4E91-8971-06DA74877953}" dt="2025-01-15T12:28:14.573" v="5"/>
+        <pc:chgData name="Krishna Prajapati" userId="bea6a3d7-1adf-41a4-85e0-620d5f15a9a1" providerId="ADAL" clId="{AB0446AA-BEDC-4E91-8971-06DA74877953}" dt="2025-01-17T04:43:54.013" v="34" actId="255"/>
         <pc:sldMkLst>
           <pc:docMk/>
           <pc:sldMk cId="3758182400" sldId="260"/>
         </pc:sldMkLst>
         <pc:graphicFrameChg chg="mod">
-          <ac:chgData name="Krishna Prajapati" userId="bea6a3d7-1adf-41a4-85e0-620d5f15a9a1" providerId="ADAL" clId="{AB0446AA-BEDC-4E91-8971-06DA74877953}" dt="2025-01-15T12:28:14.573" v="5"/>
+          <ac:chgData name="Krishna Prajapati" userId="bea6a3d7-1adf-41a4-85e0-620d5f15a9a1" providerId="ADAL" clId="{AB0446AA-BEDC-4E91-8971-06DA74877953}" dt="2025-01-17T04:43:54.013" v="34" actId="255"/>
           <ac:graphicFrameMkLst>
             <pc:docMk/>
             <pc:sldMk cId="3758182400" sldId="260"/>
@@ -195,14 +193,14 @@
           </ac:graphicFrameMkLst>
         </pc:graphicFrameChg>
       </pc:sldChg>
-      <pc:sldChg chg="modSp">
-        <pc:chgData name="Krishna Prajapati" userId="bea6a3d7-1adf-41a4-85e0-620d5f15a9a1" providerId="ADAL" clId="{AB0446AA-BEDC-4E91-8971-06DA74877953}" dt="2025-01-15T12:29:34.866" v="6"/>
+      <pc:sldChg chg="modSp del">
+        <pc:chgData name="Krishna Prajapati" userId="bea6a3d7-1adf-41a4-85e0-620d5f15a9a1" providerId="ADAL" clId="{AB0446AA-BEDC-4E91-8971-06DA74877953}" dt="2025-01-17T04:47:02.269" v="40" actId="2696"/>
         <pc:sldMkLst>
           <pc:docMk/>
           <pc:sldMk cId="3101508634" sldId="261"/>
         </pc:sldMkLst>
         <pc:graphicFrameChg chg="mod">
-          <ac:chgData name="Krishna Prajapati" userId="bea6a3d7-1adf-41a4-85e0-620d5f15a9a1" providerId="ADAL" clId="{AB0446AA-BEDC-4E91-8971-06DA74877953}" dt="2025-01-15T12:29:34.866" v="6"/>
+          <ac:chgData name="Krishna Prajapati" userId="bea6a3d7-1adf-41a4-85e0-620d5f15a9a1" providerId="ADAL" clId="{AB0446AA-BEDC-4E91-8971-06DA74877953}" dt="2025-01-17T04:42:36.555" v="20"/>
           <ac:graphicFrameMkLst>
             <pc:docMk/>
             <pc:sldMk cId="3101508634" sldId="261"/>
@@ -210,14 +208,14 @@
           </ac:graphicFrameMkLst>
         </pc:graphicFrameChg>
       </pc:sldChg>
-      <pc:sldChg chg="modSp mod">
-        <pc:chgData name="Krishna Prajapati" userId="bea6a3d7-1adf-41a4-85e0-620d5f15a9a1" providerId="ADAL" clId="{AB0446AA-BEDC-4E91-8971-06DA74877953}" dt="2025-01-16T06:40:55.049" v="12" actId="14100"/>
+      <pc:sldChg chg="modSp mod ord">
+        <pc:chgData name="Krishna Prajapati" userId="bea6a3d7-1adf-41a4-85e0-620d5f15a9a1" providerId="ADAL" clId="{AB0446AA-BEDC-4E91-8971-06DA74877953}" dt="2025-01-17T04:47:20.296" v="48" actId="20577"/>
         <pc:sldMkLst>
           <pc:docMk/>
           <pc:sldMk cId="115691333" sldId="262"/>
         </pc:sldMkLst>
         <pc:graphicFrameChg chg="mod">
-          <ac:chgData name="Krishna Prajapati" userId="bea6a3d7-1adf-41a4-85e0-620d5f15a9a1" providerId="ADAL" clId="{AB0446AA-BEDC-4E91-8971-06DA74877953}" dt="2025-01-16T06:40:55.049" v="12" actId="14100"/>
+          <ac:chgData name="Krishna Prajapati" userId="bea6a3d7-1adf-41a4-85e0-620d5f15a9a1" providerId="ADAL" clId="{AB0446AA-BEDC-4E91-8971-06DA74877953}" dt="2025-01-17T04:47:20.296" v="48" actId="20577"/>
           <ac:graphicFrameMkLst>
             <pc:docMk/>
             <pc:sldMk cId="115691333" sldId="262"/>
@@ -4069,925 +4067,6 @@
 </dgm:colorsDef>
 </file>
 
-<file path=ppt/diagrams/colors5.xml><?xml version="1.0" encoding="utf-8"?>
-<dgm:colorsDef xmlns:dgm="http://schemas.openxmlformats.org/drawingml/2006/diagram" xmlns:a="http://schemas.openxmlformats.org/drawingml/2006/main" uniqueId="urn:microsoft.com/office/officeart/2005/8/colors/colorful1">
-  <dgm:title val=""/>
-  <dgm:desc val=""/>
-  <dgm:catLst>
-    <dgm:cat type="colorful" pri="10100"/>
-  </dgm:catLst>
-  <dgm:styleLbl name="node0">
-    <dgm:fillClrLst meth="repeat">
-      <a:schemeClr val="accent1"/>
-    </dgm:fillClrLst>
-    <dgm:linClrLst meth="repeat">
-      <a:schemeClr val="lt1"/>
-    </dgm:linClrLst>
-    <dgm:effectClrLst/>
-    <dgm:txLinClrLst/>
-    <dgm:txFillClrLst/>
-    <dgm:txEffectClrLst/>
-  </dgm:styleLbl>
-  <dgm:styleLbl name="node1">
-    <dgm:fillClrLst meth="repeat">
-      <a:schemeClr val="accent2"/>
-      <a:schemeClr val="accent3"/>
-      <a:schemeClr val="accent4"/>
-      <a:schemeClr val="accent5"/>
-      <a:schemeClr val="accent6"/>
-    </dgm:fillClrLst>
-    <dgm:linClrLst meth="repeat">
-      <a:schemeClr val="lt1"/>
-    </dgm:linClrLst>
-    <dgm:effectClrLst/>
-    <dgm:txLinClrLst/>
-    <dgm:txFillClrLst/>
-    <dgm:txEffectClrLst/>
-  </dgm:styleLbl>
-  <dgm:styleLbl name="alignNode1">
-    <dgm:fillClrLst meth="repeat">
-      <a:schemeClr val="accent2"/>
-      <a:schemeClr val="accent3"/>
-      <a:schemeClr val="accent4"/>
-      <a:schemeClr val="accent5"/>
-      <a:schemeClr val="accent6"/>
-    </dgm:fillClrLst>
-    <dgm:linClrLst meth="repeat">
-      <a:schemeClr val="accent2"/>
-      <a:schemeClr val="accent3"/>
-      <a:schemeClr val="accent4"/>
-      <a:schemeClr val="accent5"/>
-      <a:schemeClr val="accent6"/>
-    </dgm:linClrLst>
-    <dgm:effectClrLst/>
-    <dgm:txLinClrLst/>
-    <dgm:txFillClrLst/>
-    <dgm:txEffectClrLst/>
-  </dgm:styleLbl>
-  <dgm:styleLbl name="lnNode1">
-    <dgm:fillClrLst meth="repeat">
-      <a:schemeClr val="accent2"/>
-      <a:schemeClr val="accent3"/>
-      <a:schemeClr val="accent4"/>
-      <a:schemeClr val="accent5"/>
-      <a:schemeClr val="accent6"/>
-    </dgm:fillClrLst>
-    <dgm:linClrLst meth="repeat">
-      <a:schemeClr val="lt1"/>
-    </dgm:linClrLst>
-    <dgm:effectClrLst/>
-    <dgm:txLinClrLst/>
-    <dgm:txFillClrLst/>
-    <dgm:txEffectClrLst/>
-  </dgm:styleLbl>
-  <dgm:styleLbl name="vennNode1">
-    <dgm:fillClrLst meth="repeat">
-      <a:schemeClr val="accent2">
-        <a:alpha val="50000"/>
-      </a:schemeClr>
-      <a:schemeClr val="accent3">
-        <a:alpha val="50000"/>
-      </a:schemeClr>
-      <a:schemeClr val="accent4">
-        <a:alpha val="50000"/>
-      </a:schemeClr>
-      <a:schemeClr val="accent5">
-        <a:alpha val="50000"/>
-      </a:schemeClr>
-      <a:schemeClr val="accent6">
-        <a:alpha val="50000"/>
-      </a:schemeClr>
-    </dgm:fillClrLst>
-    <dgm:linClrLst meth="repeat">
-      <a:schemeClr val="lt1"/>
-    </dgm:linClrLst>
-    <dgm:effectClrLst/>
-    <dgm:txLinClrLst/>
-    <dgm:txFillClrLst/>
-    <dgm:txEffectClrLst/>
-  </dgm:styleLbl>
-  <dgm:styleLbl name="node2">
-    <dgm:fillClrLst>
-      <a:schemeClr val="accent2"/>
-    </dgm:fillClrLst>
-    <dgm:linClrLst meth="repeat">
-      <a:schemeClr val="lt1"/>
-    </dgm:linClrLst>
-    <dgm:effectClrLst/>
-    <dgm:txLinClrLst/>
-    <dgm:txFillClrLst/>
-    <dgm:txEffectClrLst/>
-  </dgm:styleLbl>
-  <dgm:styleLbl name="node3">
-    <dgm:fillClrLst>
-      <a:schemeClr val="accent3"/>
-    </dgm:fillClrLst>
-    <dgm:linClrLst meth="repeat">
-      <a:schemeClr val="lt1"/>
-    </dgm:linClrLst>
-    <dgm:effectClrLst/>
-    <dgm:txLinClrLst/>
-    <dgm:txFillClrLst/>
-    <dgm:txEffectClrLst/>
-  </dgm:styleLbl>
-  <dgm:styleLbl name="node4">
-    <dgm:fillClrLst>
-      <a:schemeClr val="accent4"/>
-    </dgm:fillClrLst>
-    <dgm:linClrLst meth="repeat">
-      <a:schemeClr val="lt1"/>
-    </dgm:linClrLst>
-    <dgm:effectClrLst/>
-    <dgm:txLinClrLst/>
-    <dgm:txFillClrLst/>
-    <dgm:txEffectClrLst/>
-  </dgm:styleLbl>
-  <dgm:styleLbl name="fgImgPlace1">
-    <dgm:fillClrLst meth="repeat">
-      <a:schemeClr val="accent2">
-        <a:tint val="50000"/>
-      </a:schemeClr>
-      <a:schemeClr val="accent3">
-        <a:tint val="50000"/>
-      </a:schemeClr>
-      <a:schemeClr val="accent4">
-        <a:tint val="50000"/>
-      </a:schemeClr>
-      <a:schemeClr val="accent5">
-        <a:tint val="50000"/>
-      </a:schemeClr>
-      <a:schemeClr val="accent6">
-        <a:tint val="50000"/>
-      </a:schemeClr>
-    </dgm:fillClrLst>
-    <dgm:linClrLst meth="repeat">
-      <a:schemeClr val="lt1"/>
-    </dgm:linClrLst>
-    <dgm:effectClrLst/>
-    <dgm:txLinClrLst/>
-    <dgm:txFillClrLst meth="repeat">
-      <a:schemeClr val="lt1"/>
-    </dgm:txFillClrLst>
-    <dgm:txEffectClrLst/>
-  </dgm:styleLbl>
-  <dgm:styleLbl name="alignImgPlace1">
-    <dgm:fillClrLst>
-      <a:schemeClr val="accent1">
-        <a:tint val="50000"/>
-      </a:schemeClr>
-      <a:schemeClr val="accent2">
-        <a:tint val="20000"/>
-      </a:schemeClr>
-    </dgm:fillClrLst>
-    <dgm:linClrLst meth="repeat">
-      <a:schemeClr val="lt1"/>
-    </dgm:linClrLst>
-    <dgm:effectClrLst/>
-    <dgm:txLinClrLst/>
-    <dgm:txFillClrLst meth="repeat">
-      <a:schemeClr val="lt1"/>
-    </dgm:txFillClrLst>
-    <dgm:txEffectClrLst/>
-  </dgm:styleLbl>
-  <dgm:styleLbl name="bgImgPlace1">
-    <dgm:fillClrLst>
-      <a:schemeClr val="accent1">
-        <a:tint val="50000"/>
-      </a:schemeClr>
-      <a:schemeClr val="accent2">
-        <a:tint val="20000"/>
-      </a:schemeClr>
-    </dgm:fillClrLst>
-    <dgm:linClrLst meth="repeat">
-      <a:schemeClr val="lt1"/>
-    </dgm:linClrLst>
-    <dgm:effectClrLst/>
-    <dgm:txLinClrLst/>
-    <dgm:txFillClrLst meth="repeat">
-      <a:schemeClr val="lt1"/>
-    </dgm:txFillClrLst>
-    <dgm:txEffectClrLst/>
-  </dgm:styleLbl>
-  <dgm:styleLbl name="sibTrans2D1">
-    <dgm:fillClrLst meth="repeat">
-      <a:schemeClr val="accent2"/>
-      <a:schemeClr val="accent3"/>
-      <a:schemeClr val="accent4"/>
-      <a:schemeClr val="accent5"/>
-      <a:schemeClr val="accent6"/>
-    </dgm:fillClrLst>
-    <dgm:linClrLst meth="cycle">
-      <a:schemeClr val="lt1"/>
-    </dgm:linClrLst>
-    <dgm:effectClrLst/>
-    <dgm:txLinClrLst/>
-    <dgm:txFillClrLst/>
-    <dgm:txEffectClrLst/>
-  </dgm:styleLbl>
-  <dgm:styleLbl name="fgSibTrans2D1">
-    <dgm:fillClrLst meth="repeat">
-      <a:schemeClr val="accent2"/>
-      <a:schemeClr val="accent3"/>
-      <a:schemeClr val="accent4"/>
-      <a:schemeClr val="accent5"/>
-      <a:schemeClr val="accent6"/>
-    </dgm:fillClrLst>
-    <dgm:linClrLst meth="cycle">
-      <a:schemeClr val="lt1"/>
-    </dgm:linClrLst>
-    <dgm:effectClrLst/>
-    <dgm:txLinClrLst/>
-    <dgm:txFillClrLst meth="repeat">
-      <a:schemeClr val="lt1"/>
-    </dgm:txFillClrLst>
-    <dgm:txEffectClrLst/>
-  </dgm:styleLbl>
-  <dgm:styleLbl name="bgSibTrans2D1">
-    <dgm:fillClrLst meth="repeat">
-      <a:schemeClr val="accent2"/>
-      <a:schemeClr val="accent3"/>
-      <a:schemeClr val="accent4"/>
-      <a:schemeClr val="accent5"/>
-      <a:schemeClr val="accent6"/>
-    </dgm:fillClrLst>
-    <dgm:linClrLst meth="cycle">
-      <a:schemeClr val="lt1"/>
-    </dgm:linClrLst>
-    <dgm:effectClrLst/>
-    <dgm:txLinClrLst/>
-    <dgm:txFillClrLst meth="repeat">
-      <a:schemeClr val="lt1"/>
-    </dgm:txFillClrLst>
-    <dgm:txEffectClrLst/>
-  </dgm:styleLbl>
-  <dgm:styleLbl name="sibTrans1D1">
-    <dgm:fillClrLst meth="repeat">
-      <a:schemeClr val="accent2"/>
-      <a:schemeClr val="accent3"/>
-      <a:schemeClr val="accent4"/>
-      <a:schemeClr val="accent5"/>
-      <a:schemeClr val="accent6"/>
-    </dgm:fillClrLst>
-    <dgm:linClrLst meth="repeat">
-      <a:schemeClr val="accent2"/>
-      <a:schemeClr val="accent3"/>
-      <a:schemeClr val="accent4"/>
-      <a:schemeClr val="accent5"/>
-      <a:schemeClr val="accent6"/>
-    </dgm:linClrLst>
-    <dgm:effectClrLst/>
-    <dgm:txLinClrLst/>
-    <dgm:txFillClrLst meth="repeat">
-      <a:schemeClr val="tx1"/>
-    </dgm:txFillClrLst>
-    <dgm:txEffectClrLst/>
-  </dgm:styleLbl>
-  <dgm:styleLbl name="callout">
-    <dgm:fillClrLst meth="repeat">
-      <a:schemeClr val="accent2"/>
-    </dgm:fillClrLst>
-    <dgm:linClrLst meth="repeat">
-      <a:schemeClr val="accent2">
-        <a:tint val="50000"/>
-      </a:schemeClr>
-    </dgm:linClrLst>
-    <dgm:effectClrLst/>
-    <dgm:txLinClrLst/>
-    <dgm:txFillClrLst meth="repeat">
-      <a:schemeClr val="tx1"/>
-    </dgm:txFillClrLst>
-    <dgm:txEffectClrLst/>
-  </dgm:styleLbl>
-  <dgm:styleLbl name="asst0">
-    <dgm:fillClrLst meth="repeat">
-      <a:schemeClr val="accent1"/>
-    </dgm:fillClrLst>
-    <dgm:linClrLst meth="repeat">
-      <a:schemeClr val="lt1"/>
-    </dgm:linClrLst>
-    <dgm:effectClrLst/>
-    <dgm:txLinClrLst/>
-    <dgm:txFillClrLst/>
-    <dgm:txEffectClrLst/>
-  </dgm:styleLbl>
-  <dgm:styleLbl name="asst1">
-    <dgm:fillClrLst meth="repeat">
-      <a:schemeClr val="accent2"/>
-    </dgm:fillClrLst>
-    <dgm:linClrLst meth="repeat">
-      <a:schemeClr val="lt1"/>
-    </dgm:linClrLst>
-    <dgm:effectClrLst/>
-    <dgm:txLinClrLst/>
-    <dgm:txFillClrLst/>
-    <dgm:txEffectClrLst/>
-  </dgm:styleLbl>
-  <dgm:styleLbl name="asst2">
-    <dgm:fillClrLst>
-      <a:schemeClr val="accent3"/>
-    </dgm:fillClrLst>
-    <dgm:linClrLst meth="repeat">
-      <a:schemeClr val="lt1"/>
-    </dgm:linClrLst>
-    <dgm:effectClrLst/>
-    <dgm:txLinClrLst/>
-    <dgm:txFillClrLst/>
-    <dgm:txEffectClrLst/>
-  </dgm:styleLbl>
-  <dgm:styleLbl name="asst3">
-    <dgm:fillClrLst>
-      <a:schemeClr val="accent4"/>
-    </dgm:fillClrLst>
-    <dgm:linClrLst meth="repeat">
-      <a:schemeClr val="lt1"/>
-    </dgm:linClrLst>
-    <dgm:effectClrLst/>
-    <dgm:txLinClrLst/>
-    <dgm:txFillClrLst/>
-    <dgm:txEffectClrLst/>
-  </dgm:styleLbl>
-  <dgm:styleLbl name="asst4">
-    <dgm:fillClrLst>
-      <a:schemeClr val="accent5"/>
-    </dgm:fillClrLst>
-    <dgm:linClrLst meth="repeat">
-      <a:schemeClr val="lt1"/>
-    </dgm:linClrLst>
-    <dgm:effectClrLst/>
-    <dgm:txLinClrLst/>
-    <dgm:txFillClrLst/>
-    <dgm:txEffectClrLst/>
-  </dgm:styleLbl>
-  <dgm:styleLbl name="parChTrans2D1">
-    <dgm:fillClrLst meth="repeat">
-      <a:schemeClr val="accent2"/>
-    </dgm:fillClrLst>
-    <dgm:linClrLst meth="repeat">
-      <a:schemeClr val="lt1"/>
-    </dgm:linClrLst>
-    <dgm:effectClrLst/>
-    <dgm:txLinClrLst/>
-    <dgm:txFillClrLst meth="repeat">
-      <a:schemeClr val="lt1"/>
-    </dgm:txFillClrLst>
-    <dgm:txEffectClrLst/>
-  </dgm:styleLbl>
-  <dgm:styleLbl name="parChTrans2D2">
-    <dgm:fillClrLst meth="repeat">
-      <a:schemeClr val="accent3"/>
-    </dgm:fillClrLst>
-    <dgm:linClrLst meth="repeat">
-      <a:schemeClr val="lt1"/>
-    </dgm:linClrLst>
-    <dgm:effectClrLst/>
-    <dgm:txLinClrLst/>
-    <dgm:txFillClrLst/>
-    <dgm:txEffectClrLst/>
-  </dgm:styleLbl>
-  <dgm:styleLbl name="parChTrans2D3">
-    <dgm:fillClrLst meth="repeat">
-      <a:schemeClr val="accent4"/>
-    </dgm:fillClrLst>
-    <dgm:linClrLst meth="repeat">
-      <a:schemeClr val="lt1"/>
-    </dgm:linClrLst>
-    <dgm:effectClrLst/>
-    <dgm:txLinClrLst/>
-    <dgm:txFillClrLst/>
-    <dgm:txEffectClrLst/>
-  </dgm:styleLbl>
-  <dgm:styleLbl name="parChTrans2D4">
-    <dgm:fillClrLst meth="repeat">
-      <a:schemeClr val="accent5"/>
-    </dgm:fillClrLst>
-    <dgm:linClrLst meth="repeat">
-      <a:schemeClr val="lt1"/>
-    </dgm:linClrLst>
-    <dgm:effectClrLst/>
-    <dgm:txLinClrLst/>
-    <dgm:txFillClrLst meth="repeat">
-      <a:schemeClr val="lt1"/>
-    </dgm:txFillClrLst>
-    <dgm:txEffectClrLst/>
-  </dgm:styleLbl>
-  <dgm:styleLbl name="parChTrans1D1">
-    <dgm:fillClrLst meth="repeat">
-      <a:schemeClr val="accent2"/>
-    </dgm:fillClrLst>
-    <dgm:linClrLst meth="repeat">
-      <a:schemeClr val="accent1"/>
-    </dgm:linClrLst>
-    <dgm:effectClrLst/>
-    <dgm:txLinClrLst/>
-    <dgm:txFillClrLst meth="repeat">
-      <a:schemeClr val="tx1"/>
-    </dgm:txFillClrLst>
-    <dgm:txEffectClrLst/>
-  </dgm:styleLbl>
-  <dgm:styleLbl name="parChTrans1D2">
-    <dgm:fillClrLst meth="repeat">
-      <a:schemeClr val="accent3">
-        <a:tint val="90000"/>
-      </a:schemeClr>
-    </dgm:fillClrLst>
-    <dgm:linClrLst meth="repeat">
-      <a:schemeClr val="accent2"/>
-    </dgm:linClrLst>
-    <dgm:effectClrLst/>
-    <dgm:txLinClrLst/>
-    <dgm:txFillClrLst meth="repeat">
-      <a:schemeClr val="tx1"/>
-    </dgm:txFillClrLst>
-    <dgm:txEffectClrLst/>
-  </dgm:styleLbl>
-  <dgm:styleLbl name="parChTrans1D3">
-    <dgm:fillClrLst meth="repeat">
-      <a:schemeClr val="accent4">
-        <a:tint val="70000"/>
-      </a:schemeClr>
-    </dgm:fillClrLst>
-    <dgm:linClrLst meth="repeat">
-      <a:schemeClr val="accent3"/>
-    </dgm:linClrLst>
-    <dgm:effectClrLst/>
-    <dgm:txLinClrLst/>
-    <dgm:txFillClrLst meth="repeat">
-      <a:schemeClr val="tx1"/>
-    </dgm:txFillClrLst>
-    <dgm:txEffectClrLst/>
-  </dgm:styleLbl>
-  <dgm:styleLbl name="parChTrans1D4">
-    <dgm:fillClrLst meth="repeat">
-      <a:schemeClr val="accent5">
-        <a:tint val="50000"/>
-      </a:schemeClr>
-    </dgm:fillClrLst>
-    <dgm:linClrLst meth="repeat">
-      <a:schemeClr val="accent4"/>
-    </dgm:linClrLst>
-    <dgm:effectClrLst/>
-    <dgm:txLinClrLst/>
-    <dgm:txFillClrLst meth="repeat">
-      <a:schemeClr val="tx1"/>
-    </dgm:txFillClrLst>
-    <dgm:txEffectClrLst/>
-  </dgm:styleLbl>
-  <dgm:styleLbl name="fgAcc1">
-    <dgm:fillClrLst meth="repeat">
-      <a:schemeClr val="lt1">
-        <a:alpha val="90000"/>
-      </a:schemeClr>
-    </dgm:fillClrLst>
-    <dgm:linClrLst meth="repeat">
-      <a:schemeClr val="accent2"/>
-      <a:schemeClr val="accent3"/>
-      <a:schemeClr val="accent4"/>
-      <a:schemeClr val="accent5"/>
-      <a:schemeClr val="accent6"/>
-    </dgm:linClrLst>
-    <dgm:effectClrLst/>
-    <dgm:txLinClrLst/>
-    <dgm:txFillClrLst meth="repeat">
-      <a:schemeClr val="dk1"/>
-    </dgm:txFillClrLst>
-    <dgm:txEffectClrLst/>
-  </dgm:styleLbl>
-  <dgm:styleLbl name="conFgAcc1">
-    <dgm:fillClrLst meth="repeat">
-      <a:schemeClr val="lt1">
-        <a:alpha val="90000"/>
-      </a:schemeClr>
-    </dgm:fillClrLst>
-    <dgm:linClrLst meth="repeat">
-      <a:schemeClr val="accent2"/>
-      <a:schemeClr val="accent3"/>
-      <a:schemeClr val="accent4"/>
-      <a:schemeClr val="accent5"/>
-      <a:schemeClr val="accent6"/>
-    </dgm:linClrLst>
-    <dgm:effectClrLst/>
-    <dgm:txLinClrLst/>
-    <dgm:txFillClrLst meth="repeat">
-      <a:schemeClr val="dk1"/>
-    </dgm:txFillClrLst>
-    <dgm:txEffectClrLst/>
-  </dgm:styleLbl>
-  <dgm:styleLbl name="alignAcc1">
-    <dgm:fillClrLst meth="repeat">
-      <a:schemeClr val="lt1">
-        <a:alpha val="90000"/>
-      </a:schemeClr>
-    </dgm:fillClrLst>
-    <dgm:linClrLst meth="repeat">
-      <a:schemeClr val="accent2"/>
-      <a:schemeClr val="accent3"/>
-      <a:schemeClr val="accent4"/>
-      <a:schemeClr val="accent5"/>
-      <a:schemeClr val="accent6"/>
-    </dgm:linClrLst>
-    <dgm:effectClrLst/>
-    <dgm:txLinClrLst/>
-    <dgm:txFillClrLst meth="repeat">
-      <a:schemeClr val="dk1"/>
-    </dgm:txFillClrLst>
-    <dgm:txEffectClrLst/>
-  </dgm:styleLbl>
-  <dgm:styleLbl name="trAlignAcc1">
-    <dgm:fillClrLst meth="repeat">
-      <a:schemeClr val="lt1">
-        <a:alpha val="40000"/>
-      </a:schemeClr>
-    </dgm:fillClrLst>
-    <dgm:linClrLst meth="repeat">
-      <a:schemeClr val="accent1"/>
-    </dgm:linClrLst>
-    <dgm:effectClrLst/>
-    <dgm:txLinClrLst/>
-    <dgm:txFillClrLst meth="repeat">
-      <a:schemeClr val="dk1"/>
-    </dgm:txFillClrLst>
-    <dgm:txEffectClrLst/>
-  </dgm:styleLbl>
-  <dgm:styleLbl name="bgAcc1">
-    <dgm:fillClrLst meth="repeat">
-      <a:schemeClr val="lt1">
-        <a:alpha val="90000"/>
-      </a:schemeClr>
-    </dgm:fillClrLst>
-    <dgm:linClrLst meth="repeat">
-      <a:schemeClr val="accent2"/>
-      <a:schemeClr val="accent3"/>
-      <a:schemeClr val="accent4"/>
-      <a:schemeClr val="accent5"/>
-      <a:schemeClr val="accent6"/>
-    </dgm:linClrLst>
-    <dgm:effectClrLst/>
-    <dgm:txLinClrLst/>
-    <dgm:txFillClrLst meth="repeat">
-      <a:schemeClr val="dk1"/>
-    </dgm:txFillClrLst>
-    <dgm:txEffectClrLst/>
-  </dgm:styleLbl>
-  <dgm:styleLbl name="solidFgAcc1">
-    <dgm:fillClrLst meth="repeat">
-      <a:schemeClr val="lt1"/>
-    </dgm:fillClrLst>
-    <dgm:linClrLst meth="repeat">
-      <a:schemeClr val="accent2"/>
-      <a:schemeClr val="accent3"/>
-      <a:schemeClr val="accent4"/>
-      <a:schemeClr val="accent5"/>
-      <a:schemeClr val="accent6"/>
-    </dgm:linClrLst>
-    <dgm:effectClrLst/>
-    <dgm:txLinClrLst/>
-    <dgm:txFillClrLst meth="repeat">
-      <a:schemeClr val="dk1"/>
-    </dgm:txFillClrLst>
-    <dgm:txEffectClrLst/>
-  </dgm:styleLbl>
-  <dgm:styleLbl name="solidAlignAcc1">
-    <dgm:fillClrLst meth="repeat">
-      <a:schemeClr val="lt1"/>
-    </dgm:fillClrLst>
-    <dgm:linClrLst meth="repeat">
-      <a:schemeClr val="accent2"/>
-      <a:schemeClr val="accent3"/>
-      <a:schemeClr val="accent4"/>
-      <a:schemeClr val="accent5"/>
-      <a:schemeClr val="accent6"/>
-    </dgm:linClrLst>
-    <dgm:effectClrLst/>
-    <dgm:txLinClrLst/>
-    <dgm:txFillClrLst meth="repeat">
-      <a:schemeClr val="dk1"/>
-    </dgm:txFillClrLst>
-    <dgm:txEffectClrLst/>
-  </dgm:styleLbl>
-  <dgm:styleLbl name="solidBgAcc1">
-    <dgm:fillClrLst meth="repeat">
-      <a:schemeClr val="lt1"/>
-    </dgm:fillClrLst>
-    <dgm:linClrLst meth="repeat">
-      <a:schemeClr val="accent2"/>
-      <a:schemeClr val="accent3"/>
-      <a:schemeClr val="accent4"/>
-      <a:schemeClr val="accent5"/>
-      <a:schemeClr val="accent6"/>
-    </dgm:linClrLst>
-    <dgm:effectClrLst/>
-    <dgm:txLinClrLst/>
-    <dgm:txFillClrLst meth="repeat">
-      <a:schemeClr val="dk1"/>
-    </dgm:txFillClrLst>
-    <dgm:txEffectClrLst/>
-  </dgm:styleLbl>
-  <dgm:styleLbl name="fgAccFollowNode1">
-    <dgm:fillClrLst meth="repeat">
-      <a:schemeClr val="accent2">
-        <a:tint val="40000"/>
-        <a:alpha val="90000"/>
-      </a:schemeClr>
-      <a:schemeClr val="accent3">
-        <a:tint val="40000"/>
-        <a:alpha val="90000"/>
-      </a:schemeClr>
-      <a:schemeClr val="accent4">
-        <a:tint val="40000"/>
-        <a:alpha val="90000"/>
-      </a:schemeClr>
-      <a:schemeClr val="accent5">
-        <a:tint val="40000"/>
-        <a:alpha val="90000"/>
-      </a:schemeClr>
-      <a:schemeClr val="accent6">
-        <a:tint val="40000"/>
-        <a:alpha val="90000"/>
-      </a:schemeClr>
-    </dgm:fillClrLst>
-    <dgm:linClrLst meth="repeat">
-      <a:schemeClr val="accent2">
-        <a:tint val="40000"/>
-        <a:alpha val="90000"/>
-      </a:schemeClr>
-      <a:schemeClr val="accent3">
-        <a:tint val="40000"/>
-        <a:alpha val="90000"/>
-      </a:schemeClr>
-      <a:schemeClr val="accent4">
-        <a:tint val="40000"/>
-        <a:alpha val="90000"/>
-      </a:schemeClr>
-      <a:schemeClr val="accent5">
-        <a:tint val="40000"/>
-        <a:alpha val="90000"/>
-      </a:schemeClr>
-      <a:schemeClr val="accent6">
-        <a:tint val="40000"/>
-        <a:alpha val="90000"/>
-      </a:schemeClr>
-    </dgm:linClrLst>
-    <dgm:effectClrLst/>
-    <dgm:txLinClrLst/>
-    <dgm:txFillClrLst meth="repeat">
-      <a:schemeClr val="dk1"/>
-    </dgm:txFillClrLst>
-    <dgm:txEffectClrLst/>
-  </dgm:styleLbl>
-  <dgm:styleLbl name="alignAccFollowNode1">
-    <dgm:fillClrLst meth="repeat">
-      <a:schemeClr val="accent2">
-        <a:tint val="40000"/>
-        <a:alpha val="90000"/>
-      </a:schemeClr>
-      <a:schemeClr val="accent3">
-        <a:tint val="40000"/>
-        <a:alpha val="90000"/>
-      </a:schemeClr>
-      <a:schemeClr val="accent4">
-        <a:tint val="40000"/>
-        <a:alpha val="90000"/>
-      </a:schemeClr>
-      <a:schemeClr val="accent5">
-        <a:tint val="40000"/>
-        <a:alpha val="90000"/>
-      </a:schemeClr>
-      <a:schemeClr val="accent6">
-        <a:tint val="40000"/>
-        <a:alpha val="90000"/>
-      </a:schemeClr>
-    </dgm:fillClrLst>
-    <dgm:linClrLst meth="repeat">
-      <a:schemeClr val="accent2">
-        <a:tint val="40000"/>
-        <a:alpha val="90000"/>
-      </a:schemeClr>
-      <a:schemeClr val="accent3">
-        <a:tint val="40000"/>
-        <a:alpha val="90000"/>
-      </a:schemeClr>
-      <a:schemeClr val="accent4">
-        <a:tint val="40000"/>
-        <a:alpha val="90000"/>
-      </a:schemeClr>
-      <a:schemeClr val="accent5">
-        <a:tint val="40000"/>
-        <a:alpha val="90000"/>
-      </a:schemeClr>
-      <a:schemeClr val="accent6">
-        <a:tint val="40000"/>
-        <a:alpha val="90000"/>
-      </a:schemeClr>
-    </dgm:linClrLst>
-    <dgm:effectClrLst/>
-    <dgm:txLinClrLst/>
-    <dgm:txFillClrLst meth="repeat">
-      <a:schemeClr val="dk1"/>
-    </dgm:txFillClrLst>
-    <dgm:txEffectClrLst/>
-  </dgm:styleLbl>
-  <dgm:styleLbl name="bgAccFollowNode1">
-    <dgm:fillClrLst meth="repeat">
-      <a:schemeClr val="accent2">
-        <a:tint val="40000"/>
-        <a:alpha val="90000"/>
-      </a:schemeClr>
-      <a:schemeClr val="accent3">
-        <a:tint val="40000"/>
-        <a:alpha val="90000"/>
-      </a:schemeClr>
-      <a:schemeClr val="accent4">
-        <a:tint val="40000"/>
-        <a:alpha val="90000"/>
-      </a:schemeClr>
-      <a:schemeClr val="accent5">
-        <a:tint val="40000"/>
-        <a:alpha val="90000"/>
-      </a:schemeClr>
-      <a:schemeClr val="accent6">
-        <a:tint val="40000"/>
-        <a:alpha val="90000"/>
-      </a:schemeClr>
-    </dgm:fillClrLst>
-    <dgm:linClrLst meth="repeat">
-      <a:schemeClr val="accent2">
-        <a:tint val="40000"/>
-        <a:alpha val="90000"/>
-      </a:schemeClr>
-      <a:schemeClr val="accent3">
-        <a:tint val="40000"/>
-        <a:alpha val="90000"/>
-      </a:schemeClr>
-      <a:schemeClr val="accent4">
-        <a:tint val="40000"/>
-        <a:alpha val="90000"/>
-      </a:schemeClr>
-      <a:schemeClr val="accent5">
-        <a:tint val="40000"/>
-        <a:alpha val="90000"/>
-      </a:schemeClr>
-      <a:schemeClr val="accent6">
-        <a:tint val="40000"/>
-        <a:alpha val="90000"/>
-      </a:schemeClr>
-    </dgm:linClrLst>
-    <dgm:effectClrLst/>
-    <dgm:txLinClrLst/>
-    <dgm:txFillClrLst meth="repeat">
-      <a:schemeClr val="dk1"/>
-    </dgm:txFillClrLst>
-    <dgm:txEffectClrLst/>
-  </dgm:styleLbl>
-  <dgm:styleLbl name="fgAcc0">
-    <dgm:fillClrLst meth="repeat">
-      <a:schemeClr val="lt1">
-        <a:alpha val="90000"/>
-      </a:schemeClr>
-    </dgm:fillClrLst>
-    <dgm:linClrLst>
-      <a:schemeClr val="accent1"/>
-    </dgm:linClrLst>
-    <dgm:effectClrLst/>
-    <dgm:txLinClrLst/>
-    <dgm:txFillClrLst meth="repeat">
-      <a:schemeClr val="dk1"/>
-    </dgm:txFillClrLst>
-    <dgm:txEffectClrLst/>
-  </dgm:styleLbl>
-  <dgm:styleLbl name="fgAcc2">
-    <dgm:fillClrLst meth="repeat">
-      <a:schemeClr val="lt1">
-        <a:alpha val="90000"/>
-      </a:schemeClr>
-    </dgm:fillClrLst>
-    <dgm:linClrLst>
-      <a:schemeClr val="accent2"/>
-    </dgm:linClrLst>
-    <dgm:effectClrLst/>
-    <dgm:txLinClrLst/>
-    <dgm:txFillClrLst meth="repeat">
-      <a:schemeClr val="dk1"/>
-    </dgm:txFillClrLst>
-    <dgm:txEffectClrLst/>
-  </dgm:styleLbl>
-  <dgm:styleLbl name="fgAcc3">
-    <dgm:fillClrLst meth="repeat">
-      <a:schemeClr val="lt1">
-        <a:alpha val="90000"/>
-      </a:schemeClr>
-    </dgm:fillClrLst>
-    <dgm:linClrLst>
-      <a:schemeClr val="accent3"/>
-    </dgm:linClrLst>
-    <dgm:effectClrLst/>
-    <dgm:txLinClrLst/>
-    <dgm:txFillClrLst meth="repeat">
-      <a:schemeClr val="dk1"/>
-    </dgm:txFillClrLst>
-    <dgm:txEffectClrLst/>
-  </dgm:styleLbl>
-  <dgm:styleLbl name="fgAcc4">
-    <dgm:fillClrLst meth="repeat">
-      <a:schemeClr val="lt1">
-        <a:alpha val="90000"/>
-      </a:schemeClr>
-    </dgm:fillClrLst>
-    <dgm:linClrLst>
-      <a:schemeClr val="accent4"/>
-    </dgm:linClrLst>
-    <dgm:effectClrLst/>
-    <dgm:txLinClrLst/>
-    <dgm:txFillClrLst meth="repeat">
-      <a:schemeClr val="dk1"/>
-    </dgm:txFillClrLst>
-    <dgm:txEffectClrLst/>
-  </dgm:styleLbl>
-  <dgm:styleLbl name="bgShp">
-    <dgm:fillClrLst meth="repeat">
-      <a:schemeClr val="accent2">
-        <a:tint val="40000"/>
-      </a:schemeClr>
-    </dgm:fillClrLst>
-    <dgm:linClrLst meth="repeat">
-      <a:schemeClr val="dk1"/>
-    </dgm:linClrLst>
-    <dgm:effectClrLst/>
-    <dgm:txLinClrLst/>
-    <dgm:txFillClrLst meth="repeat">
-      <a:schemeClr val="dk1"/>
-    </dgm:txFillClrLst>
-    <dgm:txEffectClrLst/>
-  </dgm:styleLbl>
-  <dgm:styleLbl name="dkBgShp">
-    <dgm:fillClrLst meth="repeat">
-      <a:schemeClr val="accent2">
-        <a:shade val="90000"/>
-      </a:schemeClr>
-    </dgm:fillClrLst>
-    <dgm:linClrLst meth="repeat">
-      <a:schemeClr val="dk1"/>
-    </dgm:linClrLst>
-    <dgm:effectClrLst/>
-    <dgm:txLinClrLst/>
-    <dgm:txFillClrLst meth="repeat">
-      <a:schemeClr val="lt1"/>
-    </dgm:txFillClrLst>
-    <dgm:txEffectClrLst/>
-  </dgm:styleLbl>
-  <dgm:styleLbl name="trBgShp">
-    <dgm:fillClrLst meth="repeat">
-      <a:schemeClr val="accent1">
-        <a:tint val="50000"/>
-        <a:alpha val="40000"/>
-      </a:schemeClr>
-    </dgm:fillClrLst>
-    <dgm:linClrLst meth="repeat">
-      <a:schemeClr val="accent2"/>
-    </dgm:linClrLst>
-    <dgm:effectClrLst/>
-    <dgm:txLinClrLst/>
-    <dgm:txFillClrLst meth="repeat">
-      <a:schemeClr val="lt1"/>
-    </dgm:txFillClrLst>
-    <dgm:txEffectClrLst/>
-  </dgm:styleLbl>
-  <dgm:styleLbl name="fgShp">
-    <dgm:fillClrLst meth="repeat">
-      <a:schemeClr val="accent2">
-        <a:tint val="40000"/>
-      </a:schemeClr>
-    </dgm:fillClrLst>
-    <dgm:linClrLst meth="repeat">
-      <a:schemeClr val="lt1"/>
-    </dgm:linClrLst>
-    <dgm:effectClrLst/>
-    <dgm:txLinClrLst/>
-    <dgm:txFillClrLst meth="repeat">
-      <a:schemeClr val="dk1"/>
-    </dgm:txFillClrLst>
-    <dgm:txEffectClrLst/>
-  </dgm:styleLbl>
-  <dgm:styleLbl name="revTx">
-    <dgm:fillClrLst meth="repeat">
-      <a:schemeClr val="lt1">
-        <a:alpha val="0"/>
-      </a:schemeClr>
-    </dgm:fillClrLst>
-    <dgm:linClrLst meth="repeat">
-      <a:schemeClr val="dk1">
-        <a:alpha val="0"/>
-      </a:schemeClr>
-    </dgm:linClrLst>
-    <dgm:effectClrLst/>
-    <dgm:txLinClrLst/>
-    <dgm:txFillClrLst meth="repeat">
-      <a:schemeClr val="tx1"/>
-    </dgm:txFillClrLst>
-    <dgm:txEffectClrLst/>
-  </dgm:styleLbl>
-</dgm:colorsDef>
-</file>
-
 <file path=ppt/diagrams/data1.xml><?xml version="1.0" encoding="utf-8"?>
 <dgm:dataModel xmlns:dgm="http://schemas.openxmlformats.org/drawingml/2006/diagram" xmlns:a="http://schemas.openxmlformats.org/drawingml/2006/main">
   <dgm:ptLst>
@@ -5002,49 +4081,49 @@
         </a:p>
       </dgm:t>
     </dgm:pt>
-    <dgm:pt modelId="{858D758D-C9DA-4221-8831-DADF75F6DB97}">
-      <dgm:prSet/>
+    <dgm:pt modelId="{C248F077-4F63-486B-88F9-F5777DFDF019}">
+      <dgm:prSet custT="1"/>
       <dgm:spPr/>
       <dgm:t>
         <a:bodyPr/>
         <a:lstStyle/>
         <a:p>
           <a:r>
-            <a:rPr lang="en-IN" b="1" dirty="0"/>
+            <a:rPr lang="en-IN" sz="1400" b="1" dirty="0"/>
             <a:t>40. </a:t>
           </a:r>
           <a:r>
-            <a:rPr lang="en-IN" b="1" dirty="0" err="1"/>
-            <a:t>List.FirstPosition</a:t>
-          </a:r>
-          <a:endParaRPr lang="en-US" dirty="0"/>
+            <a:rPr lang="en-IN" sz="1400" b="1" dirty="0" err="1"/>
+            <a:t>List.InsertRange</a:t>
+          </a:r>
+          <a:endParaRPr lang="en-IN" sz="1400" b="1" dirty="0"/>
         </a:p>
       </dgm:t>
     </dgm:pt>
-    <dgm:pt modelId="{E51EAC58-5F25-453A-AAC0-6382B2449A9F}" type="parTrans" cxnId="{A24E0D8F-6753-4028-B4BE-10AA5A1851B9}">
+    <dgm:pt modelId="{C373546C-D96A-4B48-AE6B-F325E1D7BDC1}" type="parTrans" cxnId="{F3ED7BDC-E813-4605-A159-1C6E2892BF2D}">
       <dgm:prSet/>
       <dgm:spPr/>
       <dgm:t>
         <a:bodyPr/>
         <a:lstStyle/>
         <a:p>
-          <a:endParaRPr lang="en-US"/>
+          <a:endParaRPr lang="en-IN"/>
         </a:p>
       </dgm:t>
     </dgm:pt>
-    <dgm:pt modelId="{773D25EE-8080-43B2-ADB7-03E0CE8B0BE4}" type="sibTrans" cxnId="{A24E0D8F-6753-4028-B4BE-10AA5A1851B9}">
+    <dgm:pt modelId="{FB3A9CE2-66DE-406C-A55F-A118A44C7A7A}" type="sibTrans" cxnId="{F3ED7BDC-E813-4605-A159-1C6E2892BF2D}">
       <dgm:prSet/>
       <dgm:spPr/>
       <dgm:t>
         <a:bodyPr/>
         <a:lstStyle/>
         <a:p>
-          <a:endParaRPr lang="en-US"/>
+          <a:endParaRPr lang="en-IN"/>
         </a:p>
       </dgm:t>
     </dgm:pt>
-    <dgm:pt modelId="{6E564E4F-ED47-4949-A89B-B8B65A99F043}">
-      <dgm:prSet/>
+    <dgm:pt modelId="{E61B2DD2-AB9C-4DF1-963D-33249C211C03}">
+      <dgm:prSet custT="1"/>
       <dgm:spPr/>
       <dgm:t>
         <a:bodyPr/>
@@ -5055,17 +4134,17 @@
             <a:buChar char="•"/>
           </a:pPr>
           <a:r>
-            <a:rPr lang="en-US" b="1"/>
+            <a:rPr lang="en-US" sz="1400" b="1"/>
             <a:t>Description</a:t>
           </a:r>
           <a:r>
-            <a:rPr lang="en-US"/>
-            <a:t>: Returns the position (index) of the first occurrence of a value.</a:t>
+            <a:rPr lang="en-US" sz="1400"/>
+            <a:t>: Inserts elements into a list at a specified position.</a:t>
           </a:r>
         </a:p>
       </dgm:t>
     </dgm:pt>
-    <dgm:pt modelId="{43E50458-F594-420F-A1EA-270BB0C7AE36}" type="parTrans" cxnId="{143AE384-1FE1-46BE-A943-8CEBF26746CB}">
+    <dgm:pt modelId="{45165D06-0252-4E2C-9079-2B071FCCE592}" type="parTrans" cxnId="{56B7CBD7-ABC2-4A70-862D-CC7DF804E0DD}">
       <dgm:prSet/>
       <dgm:spPr/>
       <dgm:t>
@@ -5076,7 +4155,7 @@
         </a:p>
       </dgm:t>
     </dgm:pt>
-    <dgm:pt modelId="{2A2075EF-BDEC-4F54-B8A9-6A5A7572D6BA}" type="sibTrans" cxnId="{143AE384-1FE1-46BE-A943-8CEBF26746CB}">
+    <dgm:pt modelId="{7AE64D71-34C8-40AC-AE95-23C6D13A5A9C}" type="sibTrans" cxnId="{56B7CBD7-ABC2-4A70-862D-CC7DF804E0DD}">
       <dgm:prSet/>
       <dgm:spPr/>
       <dgm:t>
@@ -5087,8 +4166,8 @@
         </a:p>
       </dgm:t>
     </dgm:pt>
-    <dgm:pt modelId="{3030E37A-C831-4EBE-B38B-F75BD2567ABD}">
-      <dgm:prSet/>
+    <dgm:pt modelId="{91F2B7F4-97EB-42C7-A830-DFADB64986ED}">
+      <dgm:prSet custT="1"/>
       <dgm:spPr/>
       <dgm:t>
         <a:bodyPr/>
@@ -5099,17 +4178,17 @@
             <a:buChar char="•"/>
           </a:pPr>
           <a:r>
-            <a:rPr lang="en-US" b="1"/>
+            <a:rPr lang="fr-FR" sz="1400" b="1"/>
             <a:t>Example</a:t>
           </a:r>
           <a:r>
-            <a:rPr lang="en-US"/>
-            <a:t>: List.FirstPosition({1, 2, 3, 2}, 2)</a:t>
+            <a:rPr lang="fr-FR" sz="1400"/>
+            <a:t>: List.InsertRange({1, 2, 4}, 2, {3, 5})</a:t>
           </a:r>
         </a:p>
       </dgm:t>
     </dgm:pt>
-    <dgm:pt modelId="{100A3048-4ECA-4267-8260-BF9FB1C915C0}" type="parTrans" cxnId="{4CB39860-8869-44E6-9189-66C688A39AD8}">
+    <dgm:pt modelId="{F15DA7CB-48F5-4FF3-9063-65D75E880964}" type="parTrans" cxnId="{2BB4672A-D6FF-4744-879D-69E0FF9ABC65}">
       <dgm:prSet/>
       <dgm:spPr/>
       <dgm:t>
@@ -5120,7 +4199,7 @@
         </a:p>
       </dgm:t>
     </dgm:pt>
-    <dgm:pt modelId="{998B7DF6-6247-4FB7-BBB6-09AAA61F36C0}" type="sibTrans" cxnId="{4CB39860-8869-44E6-9189-66C688A39AD8}">
+    <dgm:pt modelId="{FB6D75A2-09C4-4129-8704-2987C6F004DE}" type="sibTrans" cxnId="{2BB4672A-D6FF-4744-879D-69E0FF9ABC65}">
       <dgm:prSet/>
       <dgm:spPr/>
       <dgm:t>
@@ -5131,8 +4210,8 @@
         </a:p>
       </dgm:t>
     </dgm:pt>
-    <dgm:pt modelId="{446A07D9-D5FB-41BE-B675-5EA09E3E55CD}">
-      <dgm:prSet/>
+    <dgm:pt modelId="{75A24BBC-A972-436C-A759-73BC5733701F}">
+      <dgm:prSet custT="1"/>
       <dgm:spPr/>
       <dgm:t>
         <a:bodyPr/>
@@ -5143,17 +4222,17 @@
             <a:buChar char="•"/>
           </a:pPr>
           <a:r>
-            <a:rPr lang="en-IN" b="1"/>
+            <a:rPr lang="en-US" sz="1400" b="1"/>
             <a:t>Result</a:t>
           </a:r>
           <a:r>
-            <a:rPr lang="en-IN"/>
-            <a:t>: 1</a:t>
+            <a:rPr lang="en-US" sz="1400"/>
+            <a:t>: {1, 2, 3, 5, 4}</a:t>
           </a:r>
         </a:p>
       </dgm:t>
     </dgm:pt>
-    <dgm:pt modelId="{C55FA380-456F-41B4-858F-1AC9CAEC177A}" type="parTrans" cxnId="{7956F8F2-8DEC-49C4-AA8D-697E9E8A2EE5}">
+    <dgm:pt modelId="{290655EB-0ED3-41EC-8CE0-9196C675069E}" type="parTrans" cxnId="{0FD2A3E7-33FD-4433-BD1F-E309B8EE7CE4}">
       <dgm:prSet/>
       <dgm:spPr/>
       <dgm:t>
@@ -5164,7 +4243,7 @@
         </a:p>
       </dgm:t>
     </dgm:pt>
-    <dgm:pt modelId="{CDBC45E3-9946-4523-9A7B-96CBC1CBDBDE}" type="sibTrans" cxnId="{7956F8F2-8DEC-49C4-AA8D-697E9E8A2EE5}">
+    <dgm:pt modelId="{63B24951-0261-48B6-AFC2-199570288951}" type="sibTrans" cxnId="{0FD2A3E7-33FD-4433-BD1F-E309B8EE7CE4}">
       <dgm:prSet/>
       <dgm:spPr/>
       <dgm:t>
@@ -5175,8 +4254,8 @@
         </a:p>
       </dgm:t>
     </dgm:pt>
-    <dgm:pt modelId="{ED329D87-35BF-49BA-B004-73595149C6C1}">
-      <dgm:prSet/>
+    <dgm:pt modelId="{C22AF756-312D-4DF1-8D5C-D1CA1AE5FD26}">
+      <dgm:prSet custT="1"/>
       <dgm:spPr/>
       <dgm:t>
         <a:bodyPr/>
@@ -5187,17 +4266,17 @@
             <a:buChar char="•"/>
           </a:pPr>
           <a:r>
-            <a:rPr lang="en-US" b="1"/>
+            <a:rPr lang="en-US" sz="1400" b="1" dirty="0"/>
             <a:t>Use case</a:t>
           </a:r>
           <a:r>
-            <a:rPr lang="en-US"/>
-            <a:t>: Useful for finding where a specific value first appears in a list.</a:t>
+            <a:rPr lang="en-US" sz="1400" dirty="0"/>
+            <a:t>: Use when you need to insert values dynamically into a list at a specific position.</a:t>
           </a:r>
         </a:p>
       </dgm:t>
     </dgm:pt>
-    <dgm:pt modelId="{4C18AAD3-0487-417B-8FBD-ED83F00BD465}" type="parTrans" cxnId="{474C94DA-9D98-4BEF-A182-835484C8F159}">
+    <dgm:pt modelId="{DB2CA273-F52F-4F01-9610-B15E1775DA9F}" type="parTrans" cxnId="{BABFD788-F8C5-4AC8-A2AD-F66B3F18F040}">
       <dgm:prSet/>
       <dgm:spPr/>
       <dgm:t>
@@ -5208,7 +4287,7 @@
         </a:p>
       </dgm:t>
     </dgm:pt>
-    <dgm:pt modelId="{6C548541-625A-4C40-B3DA-D05ABD1B3DA6}" type="sibTrans" cxnId="{474C94DA-9D98-4BEF-A182-835484C8F159}">
+    <dgm:pt modelId="{6C34CA87-7C37-4E03-BC12-0BFD49F37BC6}" type="sibTrans" cxnId="{BABFD788-F8C5-4AC8-A2AD-F66B3F18F040}">
       <dgm:prSet/>
       <dgm:spPr/>
       <dgm:t>
@@ -5219,21 +4298,30 @@
         </a:p>
       </dgm:t>
     </dgm:pt>
-    <dgm:pt modelId="{76C5FC50-7957-4D75-B077-45D7440A8392}">
-      <dgm:prSet/>
+    <dgm:pt modelId="{B084AC33-2418-4FE4-9BFD-48C758805873}">
+      <dgm:prSet custT="1"/>
       <dgm:spPr/>
       <dgm:t>
         <a:bodyPr/>
         <a:lstStyle/>
         <a:p>
           <a:r>
-            <a:rPr lang="en-IN" b="1"/>
-            <a:t>41. List.LastPosition</a:t>
-          </a:r>
+            <a:rPr lang="en-US" sz="1400" b="1" dirty="0"/>
+            <a:t>41. </a:t>
+          </a:r>
+          <a:r>
+            <a:rPr lang="en-US" sz="1400" b="1" dirty="0" err="1"/>
+            <a:t>List.Generate</a:t>
+          </a:r>
+          <a:r>
+            <a:rPr lang="en-US" sz="1400" b="1" dirty="0"/>
+            <a:t> (Advanced Usage)</a:t>
+          </a:r>
+          <a:endParaRPr lang="en-US" sz="1400" dirty="0"/>
         </a:p>
       </dgm:t>
     </dgm:pt>
-    <dgm:pt modelId="{56842A17-2C16-46AE-95D5-3C9F0E4AD180}" type="parTrans" cxnId="{49DBA898-BE6B-4BDD-81EC-19778EFAB944}">
+    <dgm:pt modelId="{D5426F35-9BA8-468D-AE82-9A68B9FF74F1}" type="parTrans" cxnId="{AD32557E-A4FE-4B8F-8B20-C174B837537A}">
       <dgm:prSet/>
       <dgm:spPr/>
       <dgm:t>
@@ -5244,7 +4332,7 @@
         </a:p>
       </dgm:t>
     </dgm:pt>
-    <dgm:pt modelId="{AB5391F0-2A44-4802-BFB9-71890200A882}" type="sibTrans" cxnId="{49DBA898-BE6B-4BDD-81EC-19778EFAB944}">
+    <dgm:pt modelId="{88E52323-3066-4CD9-9CE8-33B038EBCA04}" type="sibTrans" cxnId="{AD32557E-A4FE-4B8F-8B20-C174B837537A}">
       <dgm:prSet/>
       <dgm:spPr/>
       <dgm:t>
@@ -5255,8 +4343,8 @@
         </a:p>
       </dgm:t>
     </dgm:pt>
-    <dgm:pt modelId="{78AF6D12-2CFB-4A37-B4A6-E555083C83C6}">
-      <dgm:prSet/>
+    <dgm:pt modelId="{01B38152-7B63-4CC8-B42A-0E3EB9875739}">
+      <dgm:prSet custT="1"/>
       <dgm:spPr/>
       <dgm:t>
         <a:bodyPr/>
@@ -5267,17 +4355,17 @@
             <a:buChar char="•"/>
           </a:pPr>
           <a:r>
-            <a:rPr lang="en-US" b="1"/>
+            <a:rPr lang="en-US" sz="1400" b="1" dirty="0"/>
             <a:t>Description</a:t>
           </a:r>
           <a:r>
-            <a:rPr lang="en-US"/>
-            <a:t>: Returns the position (index) of the last occurrence of a value.</a:t>
+            <a:rPr lang="en-US" sz="1400" dirty="0"/>
+            <a:t>: Generates lists with more complex rules.</a:t>
           </a:r>
         </a:p>
       </dgm:t>
     </dgm:pt>
-    <dgm:pt modelId="{38E8F1AC-291B-40EC-8DF6-739AA5C5D483}" type="parTrans" cxnId="{6AADC27A-B133-4088-92D5-90828B32D8D5}">
+    <dgm:pt modelId="{CDF4895D-E72C-4B9C-833F-F96AC0A42CCE}" type="parTrans" cxnId="{C9009C35-2556-4280-8FC0-B1419BA356AF}">
       <dgm:prSet/>
       <dgm:spPr/>
       <dgm:t>
@@ -5288,7 +4376,7 @@
         </a:p>
       </dgm:t>
     </dgm:pt>
-    <dgm:pt modelId="{70849A6A-FE02-4310-BB2B-160F26724420}" type="sibTrans" cxnId="{6AADC27A-B133-4088-92D5-90828B32D8D5}">
+    <dgm:pt modelId="{90E76C34-916E-4EED-820C-F2A93BD00039}" type="sibTrans" cxnId="{C9009C35-2556-4280-8FC0-B1419BA356AF}">
       <dgm:prSet/>
       <dgm:spPr/>
       <dgm:t>
@@ -5299,8 +4387,8 @@
         </a:p>
       </dgm:t>
     </dgm:pt>
-    <dgm:pt modelId="{9BE3FC2E-CA0B-426A-B951-97EF60B9AC95}">
-      <dgm:prSet/>
+    <dgm:pt modelId="{C28103C1-DEAB-4E21-AD9B-844639A3DD37}">
+      <dgm:prSet custT="1"/>
       <dgm:spPr/>
       <dgm:t>
         <a:bodyPr/>
@@ -5311,17 +4399,17 @@
             <a:buChar char="•"/>
           </a:pPr>
           <a:r>
-            <a:rPr lang="en-IN" b="1"/>
+            <a:rPr lang="en-US" sz="1400" b="1"/>
             <a:t>Example</a:t>
           </a:r>
           <a:r>
-            <a:rPr lang="en-IN"/>
-            <a:t>: List.LastPosition({1, 2, 3, 2}, 2)</a:t>
+            <a:rPr lang="en-US" sz="1400"/>
+            <a:t>: List.Generate(() =&gt; 1, each _ &lt;= 10, each _ + 1, each _ * 2)</a:t>
           </a:r>
         </a:p>
       </dgm:t>
     </dgm:pt>
-    <dgm:pt modelId="{A5DA8757-F2CE-4A45-8E08-FE52E554494A}" type="parTrans" cxnId="{8377E5AF-7637-4298-A85D-862D53702F15}">
+    <dgm:pt modelId="{0066B379-1253-4F38-8039-0A0D6727D33F}" type="parTrans" cxnId="{32FA1368-96FB-47CE-9FD3-A4CEB3D61832}">
       <dgm:prSet/>
       <dgm:spPr/>
       <dgm:t>
@@ -5332,7 +4420,7 @@
         </a:p>
       </dgm:t>
     </dgm:pt>
-    <dgm:pt modelId="{AAC30BEE-357D-42B2-AD8D-8A11720E7BC9}" type="sibTrans" cxnId="{8377E5AF-7637-4298-A85D-862D53702F15}">
+    <dgm:pt modelId="{50F6C230-D3D8-4022-8121-5011B6DEB5D4}" type="sibTrans" cxnId="{32FA1368-96FB-47CE-9FD3-A4CEB3D61832}">
       <dgm:prSet/>
       <dgm:spPr/>
       <dgm:t>
@@ -5343,8 +4431,8 @@
         </a:p>
       </dgm:t>
     </dgm:pt>
-    <dgm:pt modelId="{09B53BD4-063E-403A-9AAD-78940125F437}">
-      <dgm:prSet/>
+    <dgm:pt modelId="{8F5D2AB2-4A38-4597-AF4A-057A2B357868}">
+      <dgm:prSet custT="1"/>
       <dgm:spPr/>
       <dgm:t>
         <a:bodyPr/>
@@ -5355,17 +4443,17 @@
             <a:buChar char="•"/>
           </a:pPr>
           <a:r>
-            <a:rPr lang="en-IN" b="1"/>
+            <a:rPr lang="en-US" sz="1400" b="1"/>
             <a:t>Result</a:t>
           </a:r>
           <a:r>
-            <a:rPr lang="en-IN"/>
-            <a:t>: 3</a:t>
+            <a:rPr lang="en-US" sz="1400"/>
+            <a:t>: {2, 4, 6, 8, 10, 12, 14, 16, 18, 20}</a:t>
           </a:r>
         </a:p>
       </dgm:t>
     </dgm:pt>
-    <dgm:pt modelId="{236DBD2F-F13B-4F17-8B09-F9D68D1A1F6F}" type="parTrans" cxnId="{315D86BC-B7DA-49A6-9185-09F8E2C6E4B0}">
+    <dgm:pt modelId="{D7AC492F-A149-40DF-8B15-A6DD9B994D51}" type="parTrans" cxnId="{5247846C-9301-4C3A-BB6F-9503F40CDD0B}">
       <dgm:prSet/>
       <dgm:spPr/>
       <dgm:t>
@@ -5376,7 +4464,7 @@
         </a:p>
       </dgm:t>
     </dgm:pt>
-    <dgm:pt modelId="{DF89E5C9-EB38-4D46-A392-2FA12861CF43}" type="sibTrans" cxnId="{315D86BC-B7DA-49A6-9185-09F8E2C6E4B0}">
+    <dgm:pt modelId="{3D398AB0-8140-4880-9209-2B3CFA0E699A}" type="sibTrans" cxnId="{5247846C-9301-4C3A-BB6F-9503F40CDD0B}">
       <dgm:prSet/>
       <dgm:spPr/>
       <dgm:t>
@@ -5387,8 +4475,8 @@
         </a:p>
       </dgm:t>
     </dgm:pt>
-    <dgm:pt modelId="{D52E7B34-51CB-4932-B3FB-B889C64D421A}">
-      <dgm:prSet/>
+    <dgm:pt modelId="{1AFE1578-4338-4C04-B4B8-B6B35A21E8DC}">
+      <dgm:prSet custT="1"/>
       <dgm:spPr/>
       <dgm:t>
         <a:bodyPr/>
@@ -5399,17 +4487,17 @@
             <a:buChar char="•"/>
           </a:pPr>
           <a:r>
-            <a:rPr lang="en-US" b="1"/>
+            <a:rPr lang="en-US" sz="1400" b="1" dirty="0"/>
             <a:t>Use case</a:t>
           </a:r>
           <a:r>
-            <a:rPr lang="en-US"/>
-            <a:t>: Similar to List.FirstPosition, but for the last occurrence, e.g., finding the last purchase date of a customer.</a:t>
+            <a:rPr lang="en-US" sz="1400" dirty="0"/>
+            <a:t>: Create lists with custom transformations, such as doubling a sequence of numbers.</a:t>
           </a:r>
         </a:p>
       </dgm:t>
     </dgm:pt>
-    <dgm:pt modelId="{280E77D6-66E4-4094-AA54-5FFC1E875AEA}" type="parTrans" cxnId="{33DAC72D-D6B2-4DBE-9339-61D970152D2F}">
+    <dgm:pt modelId="{AF3AF46D-21C0-4121-AB05-8403A52292A9}" type="parTrans" cxnId="{5873D49B-798F-4C18-90E7-62D2BE8C71F9}">
       <dgm:prSet/>
       <dgm:spPr/>
       <dgm:t>
@@ -5420,7 +4508,7 @@
         </a:p>
       </dgm:t>
     </dgm:pt>
-    <dgm:pt modelId="{F8700914-A59B-407B-970A-8E741F7D577C}" type="sibTrans" cxnId="{33DAC72D-D6B2-4DBE-9339-61D970152D2F}">
+    <dgm:pt modelId="{53F9F447-3E89-4450-A17A-DFE0D8E16218}" type="sibTrans" cxnId="{5873D49B-798F-4C18-90E7-62D2BE8C71F9}">
       <dgm:prSet/>
       <dgm:spPr/>
       <dgm:t>
@@ -5431,21 +4519,26 @@
         </a:p>
       </dgm:t>
     </dgm:pt>
-    <dgm:pt modelId="{C248F077-4F63-486B-88F9-F5777DFDF019}">
-      <dgm:prSet/>
+    <dgm:pt modelId="{9F054394-E816-4072-8393-09FF26F6509B}">
+      <dgm:prSet custT="1"/>
       <dgm:spPr/>
       <dgm:t>
         <a:bodyPr/>
         <a:lstStyle/>
         <a:p>
           <a:r>
-            <a:rPr lang="en-IN" b="1"/>
-            <a:t>42. List.InsertRange</a:t>
-          </a:r>
+            <a:rPr lang="en-IN" sz="1400" b="1" dirty="0"/>
+            <a:t>42. </a:t>
+          </a:r>
+          <a:r>
+            <a:rPr lang="en-IN" sz="1400" b="1" dirty="0" err="1"/>
+            <a:t>List.Alternate</a:t>
+          </a:r>
+          <a:endParaRPr lang="en-US" sz="1400" dirty="0"/>
         </a:p>
       </dgm:t>
     </dgm:pt>
-    <dgm:pt modelId="{C373546C-D96A-4B48-AE6B-F325E1D7BDC1}" type="parTrans" cxnId="{F3ED7BDC-E813-4605-A159-1C6E2892BF2D}">
+    <dgm:pt modelId="{1E7B8A3E-84A8-4397-9A96-DB9743675766}" type="parTrans" cxnId="{008B8DC8-C8D3-403F-AB21-65E691873436}">
       <dgm:prSet/>
       <dgm:spPr/>
       <dgm:t>
@@ -5456,7 +4549,7 @@
         </a:p>
       </dgm:t>
     </dgm:pt>
-    <dgm:pt modelId="{FB3A9CE2-66DE-406C-A55F-A118A44C7A7A}" type="sibTrans" cxnId="{F3ED7BDC-E813-4605-A159-1C6E2892BF2D}">
+    <dgm:pt modelId="{E03E36A7-D522-4421-ADC5-261F43DB7AB8}" type="sibTrans" cxnId="{008B8DC8-C8D3-403F-AB21-65E691873436}">
       <dgm:prSet/>
       <dgm:spPr/>
       <dgm:t>
@@ -5467,8 +4560,8 @@
         </a:p>
       </dgm:t>
     </dgm:pt>
-    <dgm:pt modelId="{E61B2DD2-AB9C-4DF1-963D-33249C211C03}">
-      <dgm:prSet/>
+    <dgm:pt modelId="{5D13FDA4-5792-4822-ABEE-25567BC8B77A}">
+      <dgm:prSet custT="1"/>
       <dgm:spPr/>
       <dgm:t>
         <a:bodyPr/>
@@ -5479,17 +4572,17 @@
             <a:buChar char="•"/>
           </a:pPr>
           <a:r>
-            <a:rPr lang="en-US" b="1"/>
+            <a:rPr lang="en-US" sz="1400" b="1" dirty="0"/>
             <a:t>Description</a:t>
           </a:r>
           <a:r>
-            <a:rPr lang="en-US"/>
-            <a:t>: Inserts elements into a list at a specified position.</a:t>
+            <a:rPr lang="en-US" sz="1400" dirty="0"/>
+            <a:t>: Extracts every nth element from a list.</a:t>
           </a:r>
         </a:p>
       </dgm:t>
     </dgm:pt>
-    <dgm:pt modelId="{45165D06-0252-4E2C-9079-2B071FCCE592}" type="parTrans" cxnId="{56B7CBD7-ABC2-4A70-862D-CC7DF804E0DD}">
+    <dgm:pt modelId="{DC963FD6-7927-4119-BF9B-473E05062325}" type="parTrans" cxnId="{7D8F81A6-F738-4605-A46E-277420B942B7}">
       <dgm:prSet/>
       <dgm:spPr/>
       <dgm:t>
@@ -5500,7 +4593,7 @@
         </a:p>
       </dgm:t>
     </dgm:pt>
-    <dgm:pt modelId="{7AE64D71-34C8-40AC-AE95-23C6D13A5A9C}" type="sibTrans" cxnId="{56B7CBD7-ABC2-4A70-862D-CC7DF804E0DD}">
+    <dgm:pt modelId="{FF21A0A5-BEB0-44CA-81BA-FC289A0DB8A5}" type="sibTrans" cxnId="{7D8F81A6-F738-4605-A46E-277420B942B7}">
       <dgm:prSet/>
       <dgm:spPr/>
       <dgm:t>
@@ -5511,8 +4604,8 @@
         </a:p>
       </dgm:t>
     </dgm:pt>
-    <dgm:pt modelId="{91F2B7F4-97EB-42C7-A830-DFADB64986ED}">
-      <dgm:prSet/>
+    <dgm:pt modelId="{17C83BAD-0244-4167-BD3C-4D0348422688}">
+      <dgm:prSet custT="1"/>
       <dgm:spPr/>
       <dgm:t>
         <a:bodyPr/>
@@ -5523,17 +4616,25 @@
             <a:buChar char="•"/>
           </a:pPr>
           <a:r>
-            <a:rPr lang="fr-FR" b="1"/>
+            <a:rPr lang="en-IN" sz="1400" b="1" dirty="0"/>
             <a:t>Example</a:t>
           </a:r>
           <a:r>
-            <a:rPr lang="fr-FR"/>
-            <a:t>: List.InsertRange({1, 2, 4}, 2, {3, 5})</a:t>
+            <a:rPr lang="en-IN" sz="1400" dirty="0"/>
+            <a:t>: </a:t>
+          </a:r>
+          <a:r>
+            <a:rPr lang="en-IN" sz="1400" dirty="0" err="1"/>
+            <a:t>List.Alternate</a:t>
+          </a:r>
+          <a:r>
+            <a:rPr lang="en-IN" sz="1400" dirty="0"/>
+            <a:t>({1, 2, 3, 4, 5, 6}, 2)</a:t>
           </a:r>
         </a:p>
       </dgm:t>
     </dgm:pt>
-    <dgm:pt modelId="{F15DA7CB-48F5-4FF3-9063-65D75E880964}" type="parTrans" cxnId="{2BB4672A-D6FF-4744-879D-69E0FF9ABC65}">
+    <dgm:pt modelId="{2A5D7BBD-C1D8-489B-B904-CB275029A43D}" type="parTrans" cxnId="{A5FE41BA-5C27-4115-B9EC-771CAFE941B7}">
       <dgm:prSet/>
       <dgm:spPr/>
       <dgm:t>
@@ -5544,7 +4645,7 @@
         </a:p>
       </dgm:t>
     </dgm:pt>
-    <dgm:pt modelId="{FB6D75A2-09C4-4129-8704-2987C6F004DE}" type="sibTrans" cxnId="{2BB4672A-D6FF-4744-879D-69E0FF9ABC65}">
+    <dgm:pt modelId="{BC164632-342E-4432-91FE-44346B6D10E7}" type="sibTrans" cxnId="{A5FE41BA-5C27-4115-B9EC-771CAFE941B7}">
       <dgm:prSet/>
       <dgm:spPr/>
       <dgm:t>
@@ -5555,8 +4656,8 @@
         </a:p>
       </dgm:t>
     </dgm:pt>
-    <dgm:pt modelId="{75A24BBC-A972-436C-A759-73BC5733701F}">
-      <dgm:prSet/>
+    <dgm:pt modelId="{F0CC5716-BB3D-4422-A8DC-D298D74CD9F4}">
+      <dgm:prSet custT="1"/>
       <dgm:spPr/>
       <dgm:t>
         <a:bodyPr/>
@@ -5567,17 +4668,17 @@
             <a:buChar char="•"/>
           </a:pPr>
           <a:r>
-            <a:rPr lang="en-US" b="1"/>
+            <a:rPr lang="en-IN" sz="1400" b="1" dirty="0"/>
             <a:t>Result</a:t>
           </a:r>
           <a:r>
-            <a:rPr lang="en-US"/>
-            <a:t>: {1, 2, 3, 5, 4}</a:t>
+            <a:rPr lang="en-IN" sz="1400" dirty="0"/>
+            <a:t>: {1, 3, 5}</a:t>
           </a:r>
         </a:p>
       </dgm:t>
     </dgm:pt>
-    <dgm:pt modelId="{290655EB-0ED3-41EC-8CE0-9196C675069E}" type="parTrans" cxnId="{0FD2A3E7-33FD-4433-BD1F-E309B8EE7CE4}">
+    <dgm:pt modelId="{FFD13916-C8A3-4C85-9D64-B686C2171339}" type="parTrans" cxnId="{209B6C65-2F43-4D17-A86E-813C928106D1}">
       <dgm:prSet/>
       <dgm:spPr/>
       <dgm:t>
@@ -5588,7 +4689,7 @@
         </a:p>
       </dgm:t>
     </dgm:pt>
-    <dgm:pt modelId="{63B24951-0261-48B6-AFC2-199570288951}" type="sibTrans" cxnId="{0FD2A3E7-33FD-4433-BD1F-E309B8EE7CE4}">
+    <dgm:pt modelId="{D7E05066-0D13-450E-8EE2-9CBC67202A9D}" type="sibTrans" cxnId="{209B6C65-2F43-4D17-A86E-813C928106D1}">
       <dgm:prSet/>
       <dgm:spPr/>
       <dgm:t>
@@ -5599,8 +4700,8 @@
         </a:p>
       </dgm:t>
     </dgm:pt>
-    <dgm:pt modelId="{C22AF756-312D-4DF1-8D5C-D1CA1AE5FD26}">
-      <dgm:prSet/>
+    <dgm:pt modelId="{047106B3-CCE1-4674-975C-C425C101499D}">
+      <dgm:prSet custT="1"/>
       <dgm:spPr/>
       <dgm:t>
         <a:bodyPr/>
@@ -5611,17 +4712,17 @@
             <a:buChar char="•"/>
           </a:pPr>
           <a:r>
-            <a:rPr lang="en-US" b="1"/>
+            <a:rPr lang="en-US" sz="1400" b="1" dirty="0"/>
             <a:t>Use case</a:t>
           </a:r>
           <a:r>
-            <a:rPr lang="en-US"/>
-            <a:t>: Use when you need to insert values dynamically into a list at a specific position.</a:t>
+            <a:rPr lang="en-US" sz="1400" dirty="0"/>
+            <a:t>: For extracting alternate rows or values, such as odd or even indexes.</a:t>
           </a:r>
         </a:p>
       </dgm:t>
     </dgm:pt>
-    <dgm:pt modelId="{DB2CA273-F52F-4F01-9610-B15E1775DA9F}" type="parTrans" cxnId="{BABFD788-F8C5-4AC8-A2AD-F66B3F18F040}">
+    <dgm:pt modelId="{A4417C9A-564B-49DD-AB6F-27EC8D6D4B3A}" type="parTrans" cxnId="{1F4003EC-F23E-4195-BC31-7BF756576E0E}">
       <dgm:prSet/>
       <dgm:spPr/>
       <dgm:t>
@@ -5632,7 +4733,7 @@
         </a:p>
       </dgm:t>
     </dgm:pt>
-    <dgm:pt modelId="{6C34CA87-7C37-4E03-BC12-0BFD49F37BC6}" type="sibTrans" cxnId="{BABFD788-F8C5-4AC8-A2AD-F66B3F18F040}">
+    <dgm:pt modelId="{583A0C05-D464-44CA-8025-106FE39B4A6D}" type="sibTrans" cxnId="{1F4003EC-F23E-4195-BC31-7BF756576E0E}">
       <dgm:prSet/>
       <dgm:spPr/>
       <dgm:t>
@@ -5652,176 +4753,176 @@
       </dgm:prSet>
       <dgm:spPr/>
     </dgm:pt>
-    <dgm:pt modelId="{E53D8AE9-C679-4CEF-85A0-C6D81F0DFFA7}" type="pres">
-      <dgm:prSet presAssocID="{858D758D-C9DA-4221-8831-DADF75F6DB97}" presName="node" presStyleLbl="node1" presStyleIdx="0" presStyleCnt="15">
+    <dgm:pt modelId="{5F67DC1E-E931-4694-8DA5-D0EF51F56985}" type="pres">
+      <dgm:prSet presAssocID="{C248F077-4F63-486B-88F9-F5777DFDF019}" presName="node" presStyleLbl="node1" presStyleIdx="0" presStyleCnt="15">
         <dgm:presLayoutVars>
           <dgm:bulletEnabled val="1"/>
         </dgm:presLayoutVars>
       </dgm:prSet>
       <dgm:spPr/>
     </dgm:pt>
-    <dgm:pt modelId="{71A0E8DC-579C-4B83-BFBC-ADB2E9BCED14}" type="pres">
-      <dgm:prSet presAssocID="{773D25EE-8080-43B2-ADB7-03E0CE8B0BE4}" presName="sibTrans" presStyleCnt="0"/>
-      <dgm:spPr/>
-    </dgm:pt>
-    <dgm:pt modelId="{D5830787-FFBF-464B-97DD-E7BF46FD2D7E}" type="pres">
-      <dgm:prSet presAssocID="{6E564E4F-ED47-4949-A89B-B8B65A99F043}" presName="node" presStyleLbl="node1" presStyleIdx="1" presStyleCnt="15">
+    <dgm:pt modelId="{350EACBE-F4DC-48BF-96B0-453F656BBE99}" type="pres">
+      <dgm:prSet presAssocID="{FB3A9CE2-66DE-406C-A55F-A118A44C7A7A}" presName="sibTrans" presStyleCnt="0"/>
+      <dgm:spPr/>
+    </dgm:pt>
+    <dgm:pt modelId="{C0014ADE-3F70-4652-B2E3-4394F237CF6C}" type="pres">
+      <dgm:prSet presAssocID="{E61B2DD2-AB9C-4DF1-963D-33249C211C03}" presName="node" presStyleLbl="node1" presStyleIdx="1" presStyleCnt="15">
         <dgm:presLayoutVars>
           <dgm:bulletEnabled val="1"/>
         </dgm:presLayoutVars>
       </dgm:prSet>
       <dgm:spPr/>
     </dgm:pt>
-    <dgm:pt modelId="{E4757315-EC3A-4243-BFD0-5ED0C7A1BBE6}" type="pres">
-      <dgm:prSet presAssocID="{2A2075EF-BDEC-4F54-B8A9-6A5A7572D6BA}" presName="sibTrans" presStyleCnt="0"/>
-      <dgm:spPr/>
-    </dgm:pt>
-    <dgm:pt modelId="{A36444C3-361F-4567-9E4C-46283B0DD130}" type="pres">
-      <dgm:prSet presAssocID="{3030E37A-C831-4EBE-B38B-F75BD2567ABD}" presName="node" presStyleLbl="node1" presStyleIdx="2" presStyleCnt="15">
+    <dgm:pt modelId="{FD573853-D1F5-48A9-A3F0-BA961AF1DC5A}" type="pres">
+      <dgm:prSet presAssocID="{7AE64D71-34C8-40AC-AE95-23C6D13A5A9C}" presName="sibTrans" presStyleCnt="0"/>
+      <dgm:spPr/>
+    </dgm:pt>
+    <dgm:pt modelId="{B508A2BA-5F58-47B3-BFC5-D9AB9B6741D7}" type="pres">
+      <dgm:prSet presAssocID="{91F2B7F4-97EB-42C7-A830-DFADB64986ED}" presName="node" presStyleLbl="node1" presStyleIdx="2" presStyleCnt="15">
         <dgm:presLayoutVars>
           <dgm:bulletEnabled val="1"/>
         </dgm:presLayoutVars>
       </dgm:prSet>
       <dgm:spPr/>
     </dgm:pt>
-    <dgm:pt modelId="{7110FA6A-2509-420C-9E44-A43DF466C948}" type="pres">
-      <dgm:prSet presAssocID="{998B7DF6-6247-4FB7-BBB6-09AAA61F36C0}" presName="sibTrans" presStyleCnt="0"/>
-      <dgm:spPr/>
-    </dgm:pt>
-    <dgm:pt modelId="{9BB1AA09-9B81-4819-938D-0E677ED298EE}" type="pres">
-      <dgm:prSet presAssocID="{446A07D9-D5FB-41BE-B675-5EA09E3E55CD}" presName="node" presStyleLbl="node1" presStyleIdx="3" presStyleCnt="15">
+    <dgm:pt modelId="{B6360790-F545-4C19-A17E-713FD5664868}" type="pres">
+      <dgm:prSet presAssocID="{FB6D75A2-09C4-4129-8704-2987C6F004DE}" presName="sibTrans" presStyleCnt="0"/>
+      <dgm:spPr/>
+    </dgm:pt>
+    <dgm:pt modelId="{0C640E14-0B15-4F78-9A69-374684C63DDD}" type="pres">
+      <dgm:prSet presAssocID="{75A24BBC-A972-436C-A759-73BC5733701F}" presName="node" presStyleLbl="node1" presStyleIdx="3" presStyleCnt="15">
         <dgm:presLayoutVars>
           <dgm:bulletEnabled val="1"/>
         </dgm:presLayoutVars>
       </dgm:prSet>
       <dgm:spPr/>
     </dgm:pt>
-    <dgm:pt modelId="{F455D510-9E67-4248-88E4-89195B4D8C98}" type="pres">
-      <dgm:prSet presAssocID="{CDBC45E3-9946-4523-9A7B-96CBC1CBDBDE}" presName="sibTrans" presStyleCnt="0"/>
-      <dgm:spPr/>
-    </dgm:pt>
-    <dgm:pt modelId="{4FE4893F-8A78-4B12-B4B2-911DA057C679}" type="pres">
-      <dgm:prSet presAssocID="{ED329D87-35BF-49BA-B004-73595149C6C1}" presName="node" presStyleLbl="node1" presStyleIdx="4" presStyleCnt="15">
+    <dgm:pt modelId="{2883FD9D-DFCE-471B-B383-6297604B21BE}" type="pres">
+      <dgm:prSet presAssocID="{63B24951-0261-48B6-AFC2-199570288951}" presName="sibTrans" presStyleCnt="0"/>
+      <dgm:spPr/>
+    </dgm:pt>
+    <dgm:pt modelId="{3038EE2D-7A3C-4AF1-9EE5-B64F406976F7}" type="pres">
+      <dgm:prSet presAssocID="{C22AF756-312D-4DF1-8D5C-D1CA1AE5FD26}" presName="node" presStyleLbl="node1" presStyleIdx="4" presStyleCnt="15">
         <dgm:presLayoutVars>
           <dgm:bulletEnabled val="1"/>
         </dgm:presLayoutVars>
       </dgm:prSet>
       <dgm:spPr/>
     </dgm:pt>
-    <dgm:pt modelId="{A60A2C59-26B4-481F-AC98-A814C21D333F}" type="pres">
-      <dgm:prSet presAssocID="{6C548541-625A-4C40-B3DA-D05ABD1B3DA6}" presName="sibTrans" presStyleCnt="0"/>
-      <dgm:spPr/>
-    </dgm:pt>
-    <dgm:pt modelId="{413BD8B3-5968-4274-A4D9-08C7368CEB2D}" type="pres">
-      <dgm:prSet presAssocID="{76C5FC50-7957-4D75-B077-45D7440A8392}" presName="node" presStyleLbl="node1" presStyleIdx="5" presStyleCnt="15">
+    <dgm:pt modelId="{1694C11C-900C-4D72-9F60-ABF0CB9321BC}" type="pres">
+      <dgm:prSet presAssocID="{6C34CA87-7C37-4E03-BC12-0BFD49F37BC6}" presName="sibTrans" presStyleCnt="0"/>
+      <dgm:spPr/>
+    </dgm:pt>
+    <dgm:pt modelId="{2E1F8917-8B3B-4298-ACCF-1258C19C96BA}" type="pres">
+      <dgm:prSet presAssocID="{B084AC33-2418-4FE4-9BFD-48C758805873}" presName="node" presStyleLbl="node1" presStyleIdx="5" presStyleCnt="15">
         <dgm:presLayoutVars>
           <dgm:bulletEnabled val="1"/>
         </dgm:presLayoutVars>
       </dgm:prSet>
       <dgm:spPr/>
     </dgm:pt>
-    <dgm:pt modelId="{AC040E29-00D8-427F-8CAE-E00302FA800A}" type="pres">
-      <dgm:prSet presAssocID="{AB5391F0-2A44-4802-BFB9-71890200A882}" presName="sibTrans" presStyleCnt="0"/>
-      <dgm:spPr/>
-    </dgm:pt>
-    <dgm:pt modelId="{B54F230D-35EA-45CA-8649-9F3830529962}" type="pres">
-      <dgm:prSet presAssocID="{78AF6D12-2CFB-4A37-B4A6-E555083C83C6}" presName="node" presStyleLbl="node1" presStyleIdx="6" presStyleCnt="15">
+    <dgm:pt modelId="{B5B4EA38-B374-42B1-951E-DB5092405B66}" type="pres">
+      <dgm:prSet presAssocID="{88E52323-3066-4CD9-9CE8-33B038EBCA04}" presName="sibTrans" presStyleCnt="0"/>
+      <dgm:spPr/>
+    </dgm:pt>
+    <dgm:pt modelId="{E8CE7F6D-18C4-4F51-8569-D0E9EA983D7F}" type="pres">
+      <dgm:prSet presAssocID="{01B38152-7B63-4CC8-B42A-0E3EB9875739}" presName="node" presStyleLbl="node1" presStyleIdx="6" presStyleCnt="15">
         <dgm:presLayoutVars>
           <dgm:bulletEnabled val="1"/>
         </dgm:presLayoutVars>
       </dgm:prSet>
       <dgm:spPr/>
     </dgm:pt>
-    <dgm:pt modelId="{35E367CA-9233-4F0B-A981-5C40A999856E}" type="pres">
-      <dgm:prSet presAssocID="{70849A6A-FE02-4310-BB2B-160F26724420}" presName="sibTrans" presStyleCnt="0"/>
-      <dgm:spPr/>
-    </dgm:pt>
-    <dgm:pt modelId="{A673FA62-EC7D-4224-BD1B-68FB2B56DC67}" type="pres">
-      <dgm:prSet presAssocID="{9BE3FC2E-CA0B-426A-B951-97EF60B9AC95}" presName="node" presStyleLbl="node1" presStyleIdx="7" presStyleCnt="15">
+    <dgm:pt modelId="{F6E59952-0EFD-4686-BD8A-5A5A83C2074A}" type="pres">
+      <dgm:prSet presAssocID="{90E76C34-916E-4EED-820C-F2A93BD00039}" presName="sibTrans" presStyleCnt="0"/>
+      <dgm:spPr/>
+    </dgm:pt>
+    <dgm:pt modelId="{1624D8F6-4E27-4291-9D11-9F472BB539E9}" type="pres">
+      <dgm:prSet presAssocID="{C28103C1-DEAB-4E21-AD9B-844639A3DD37}" presName="node" presStyleLbl="node1" presStyleIdx="7" presStyleCnt="15">
         <dgm:presLayoutVars>
           <dgm:bulletEnabled val="1"/>
         </dgm:presLayoutVars>
       </dgm:prSet>
       <dgm:spPr/>
     </dgm:pt>
-    <dgm:pt modelId="{F45BFDAA-7721-4CF5-B6B6-34BD2DD80FEE}" type="pres">
-      <dgm:prSet presAssocID="{AAC30BEE-357D-42B2-AD8D-8A11720E7BC9}" presName="sibTrans" presStyleCnt="0"/>
-      <dgm:spPr/>
-    </dgm:pt>
-    <dgm:pt modelId="{B3F7F754-790F-4581-BF7B-3C80891A8202}" type="pres">
-      <dgm:prSet presAssocID="{09B53BD4-063E-403A-9AAD-78940125F437}" presName="node" presStyleLbl="node1" presStyleIdx="8" presStyleCnt="15">
+    <dgm:pt modelId="{006FDDD0-277D-41BA-B9A4-CBC3E8F8CF83}" type="pres">
+      <dgm:prSet presAssocID="{50F6C230-D3D8-4022-8121-5011B6DEB5D4}" presName="sibTrans" presStyleCnt="0"/>
+      <dgm:spPr/>
+    </dgm:pt>
+    <dgm:pt modelId="{F3BA467D-5AAB-411B-B7F7-83C540D8935B}" type="pres">
+      <dgm:prSet presAssocID="{8F5D2AB2-4A38-4597-AF4A-057A2B357868}" presName="node" presStyleLbl="node1" presStyleIdx="8" presStyleCnt="15">
         <dgm:presLayoutVars>
           <dgm:bulletEnabled val="1"/>
         </dgm:presLayoutVars>
       </dgm:prSet>
       <dgm:spPr/>
     </dgm:pt>
-    <dgm:pt modelId="{A909C5A4-9D48-4A6D-BCDE-F819BC58B31A}" type="pres">
-      <dgm:prSet presAssocID="{DF89E5C9-EB38-4D46-A392-2FA12861CF43}" presName="sibTrans" presStyleCnt="0"/>
-      <dgm:spPr/>
-    </dgm:pt>
-    <dgm:pt modelId="{A6E92CF4-9B86-4FF6-8C85-FADB8E47F80B}" type="pres">
-      <dgm:prSet presAssocID="{D52E7B34-51CB-4932-B3FB-B889C64D421A}" presName="node" presStyleLbl="node1" presStyleIdx="9" presStyleCnt="15">
+    <dgm:pt modelId="{A1BE56A2-F230-4886-B0E1-05A0F3942CAE}" type="pres">
+      <dgm:prSet presAssocID="{3D398AB0-8140-4880-9209-2B3CFA0E699A}" presName="sibTrans" presStyleCnt="0"/>
+      <dgm:spPr/>
+    </dgm:pt>
+    <dgm:pt modelId="{9F74DFB4-4889-49B3-8216-EACC246765D4}" type="pres">
+      <dgm:prSet presAssocID="{1AFE1578-4338-4C04-B4B8-B6B35A21E8DC}" presName="node" presStyleLbl="node1" presStyleIdx="9" presStyleCnt="15">
         <dgm:presLayoutVars>
           <dgm:bulletEnabled val="1"/>
         </dgm:presLayoutVars>
       </dgm:prSet>
       <dgm:spPr/>
     </dgm:pt>
-    <dgm:pt modelId="{DF2A342E-4363-4B63-BC7B-EC0CEA2F0D4E}" type="pres">
-      <dgm:prSet presAssocID="{F8700914-A59B-407B-970A-8E741F7D577C}" presName="sibTrans" presStyleCnt="0"/>
-      <dgm:spPr/>
-    </dgm:pt>
-    <dgm:pt modelId="{5F67DC1E-E931-4694-8DA5-D0EF51F56985}" type="pres">
-      <dgm:prSet presAssocID="{C248F077-4F63-486B-88F9-F5777DFDF019}" presName="node" presStyleLbl="node1" presStyleIdx="10" presStyleCnt="15">
+    <dgm:pt modelId="{A0D5F9B8-0CA3-42D0-91EF-89407A312600}" type="pres">
+      <dgm:prSet presAssocID="{53F9F447-3E89-4450-A17A-DFE0D8E16218}" presName="sibTrans" presStyleCnt="0"/>
+      <dgm:spPr/>
+    </dgm:pt>
+    <dgm:pt modelId="{E2490CF1-9350-4448-9ED3-79706D93BB5E}" type="pres">
+      <dgm:prSet presAssocID="{9F054394-E816-4072-8393-09FF26F6509B}" presName="node" presStyleLbl="node1" presStyleIdx="10" presStyleCnt="15">
         <dgm:presLayoutVars>
           <dgm:bulletEnabled val="1"/>
         </dgm:presLayoutVars>
       </dgm:prSet>
       <dgm:spPr/>
     </dgm:pt>
-    <dgm:pt modelId="{350EACBE-F4DC-48BF-96B0-453F656BBE99}" type="pres">
-      <dgm:prSet presAssocID="{FB3A9CE2-66DE-406C-A55F-A118A44C7A7A}" presName="sibTrans" presStyleCnt="0"/>
-      <dgm:spPr/>
-    </dgm:pt>
-    <dgm:pt modelId="{C0014ADE-3F70-4652-B2E3-4394F237CF6C}" type="pres">
-      <dgm:prSet presAssocID="{E61B2DD2-AB9C-4DF1-963D-33249C211C03}" presName="node" presStyleLbl="node1" presStyleIdx="11" presStyleCnt="15">
+    <dgm:pt modelId="{AC663FA8-A5AE-4BA9-B128-7F7A55C1D349}" type="pres">
+      <dgm:prSet presAssocID="{E03E36A7-D522-4421-ADC5-261F43DB7AB8}" presName="sibTrans" presStyleCnt="0"/>
+      <dgm:spPr/>
+    </dgm:pt>
+    <dgm:pt modelId="{55E8FF1E-931B-49C1-90A0-FE1325044B75}" type="pres">
+      <dgm:prSet presAssocID="{5D13FDA4-5792-4822-ABEE-25567BC8B77A}" presName="node" presStyleLbl="node1" presStyleIdx="11" presStyleCnt="15">
         <dgm:presLayoutVars>
           <dgm:bulletEnabled val="1"/>
         </dgm:presLayoutVars>
       </dgm:prSet>
       <dgm:spPr/>
     </dgm:pt>
-    <dgm:pt modelId="{FD573853-D1F5-48A9-A3F0-BA961AF1DC5A}" type="pres">
-      <dgm:prSet presAssocID="{7AE64D71-34C8-40AC-AE95-23C6D13A5A9C}" presName="sibTrans" presStyleCnt="0"/>
-      <dgm:spPr/>
-    </dgm:pt>
-    <dgm:pt modelId="{B508A2BA-5F58-47B3-BFC5-D9AB9B6741D7}" type="pres">
-      <dgm:prSet presAssocID="{91F2B7F4-97EB-42C7-A830-DFADB64986ED}" presName="node" presStyleLbl="node1" presStyleIdx="12" presStyleCnt="15">
+    <dgm:pt modelId="{459F9FBA-C819-4995-8EE7-8870BD38A0AF}" type="pres">
+      <dgm:prSet presAssocID="{FF21A0A5-BEB0-44CA-81BA-FC289A0DB8A5}" presName="sibTrans" presStyleCnt="0"/>
+      <dgm:spPr/>
+    </dgm:pt>
+    <dgm:pt modelId="{AAF98E69-1513-4072-A02E-D4D6653FEA6B}" type="pres">
+      <dgm:prSet presAssocID="{17C83BAD-0244-4167-BD3C-4D0348422688}" presName="node" presStyleLbl="node1" presStyleIdx="12" presStyleCnt="15">
         <dgm:presLayoutVars>
           <dgm:bulletEnabled val="1"/>
         </dgm:presLayoutVars>
       </dgm:prSet>
       <dgm:spPr/>
     </dgm:pt>
-    <dgm:pt modelId="{B6360790-F545-4C19-A17E-713FD5664868}" type="pres">
-      <dgm:prSet presAssocID="{FB6D75A2-09C4-4129-8704-2987C6F004DE}" presName="sibTrans" presStyleCnt="0"/>
-      <dgm:spPr/>
-    </dgm:pt>
-    <dgm:pt modelId="{0C640E14-0B15-4F78-9A69-374684C63DDD}" type="pres">
-      <dgm:prSet presAssocID="{75A24BBC-A972-436C-A759-73BC5733701F}" presName="node" presStyleLbl="node1" presStyleIdx="13" presStyleCnt="15">
+    <dgm:pt modelId="{B7BFC022-D268-4FFD-B8C0-3A2AFF788EC8}" type="pres">
+      <dgm:prSet presAssocID="{BC164632-342E-4432-91FE-44346B6D10E7}" presName="sibTrans" presStyleCnt="0"/>
+      <dgm:spPr/>
+    </dgm:pt>
+    <dgm:pt modelId="{71B6F575-B687-491C-9327-1C80A45327E8}" type="pres">
+      <dgm:prSet presAssocID="{F0CC5716-BB3D-4422-A8DC-D298D74CD9F4}" presName="node" presStyleLbl="node1" presStyleIdx="13" presStyleCnt="15">
         <dgm:presLayoutVars>
           <dgm:bulletEnabled val="1"/>
         </dgm:presLayoutVars>
       </dgm:prSet>
       <dgm:spPr/>
     </dgm:pt>
-    <dgm:pt modelId="{2883FD9D-DFCE-471B-B383-6297604B21BE}" type="pres">
-      <dgm:prSet presAssocID="{63B24951-0261-48B6-AFC2-199570288951}" presName="sibTrans" presStyleCnt="0"/>
-      <dgm:spPr/>
-    </dgm:pt>
-    <dgm:pt modelId="{3038EE2D-7A3C-4AF1-9EE5-B64F406976F7}" type="pres">
-      <dgm:prSet presAssocID="{C22AF756-312D-4DF1-8D5C-D1CA1AE5FD26}" presName="node" presStyleLbl="node1" presStyleIdx="14" presStyleCnt="15">
+    <dgm:pt modelId="{E3B2A443-3CDA-44EE-A7EF-8E752BACBE40}" type="pres">
+      <dgm:prSet presAssocID="{D7E05066-0D13-450E-8EE2-9CBC67202A9D}" presName="sibTrans" presStyleCnt="0"/>
+      <dgm:spPr/>
+    </dgm:pt>
+    <dgm:pt modelId="{2EE59FE5-27E9-47BC-A75F-B16A8840F852}" type="pres">
+      <dgm:prSet presAssocID="{047106B3-CCE1-4674-975C-C425C101499D}" presName="node" presStyleLbl="node1" presStyleIdx="14" presStyleCnt="15">
         <dgm:presLayoutVars>
           <dgm:bulletEnabled val="1"/>
         </dgm:presLayoutVars>
@@ -5832,64 +4933,64 @@
   <dgm:cxnLst>
     <dgm:cxn modelId="{B9D5F009-5E45-4256-A7DF-FE63CCE56325}" type="presOf" srcId="{C248F077-4F63-486B-88F9-F5777DFDF019}" destId="{5F67DC1E-E931-4694-8DA5-D0EF51F56985}" srcOrd="0" destOrd="0" presId="urn:microsoft.com/office/officeart/2005/8/layout/default"/>
     <dgm:cxn modelId="{87EE3E10-C9D9-4428-A100-6C785782BF0D}" type="presOf" srcId="{75A24BBC-A972-436C-A759-73BC5733701F}" destId="{0C640E14-0B15-4F78-9A69-374684C63DDD}" srcOrd="0" destOrd="0" presId="urn:microsoft.com/office/officeart/2005/8/layout/default"/>
+    <dgm:cxn modelId="{5071811A-1777-467C-AC8A-CB62B729ACA9}" type="presOf" srcId="{1AFE1578-4338-4C04-B4B8-B6B35A21E8DC}" destId="{9F74DFB4-4889-49B3-8216-EACC246765D4}" srcOrd="0" destOrd="0" presId="urn:microsoft.com/office/officeart/2005/8/layout/default"/>
     <dgm:cxn modelId="{FB6ED021-3363-464E-A6BF-2F75CC533678}" type="presOf" srcId="{C54F5361-285B-42E6-8F81-A7C032D9CAFF}" destId="{4D999559-19D5-460B-9928-0B9D885782C0}" srcOrd="0" destOrd="0" presId="urn:microsoft.com/office/officeart/2005/8/layout/default"/>
     <dgm:cxn modelId="{A0226422-9A2B-406F-BB51-64382B0A609E}" type="presOf" srcId="{E61B2DD2-AB9C-4DF1-963D-33249C211C03}" destId="{C0014ADE-3F70-4652-B2E3-4394F237CF6C}" srcOrd="0" destOrd="0" presId="urn:microsoft.com/office/officeart/2005/8/layout/default"/>
-    <dgm:cxn modelId="{2BB4672A-D6FF-4744-879D-69E0FF9ABC65}" srcId="{C54F5361-285B-42E6-8F81-A7C032D9CAFF}" destId="{91F2B7F4-97EB-42C7-A830-DFADB64986ED}" srcOrd="12" destOrd="0" parTransId="{F15DA7CB-48F5-4FF3-9063-65D75E880964}" sibTransId="{FB6D75A2-09C4-4129-8704-2987C6F004DE}"/>
-    <dgm:cxn modelId="{5C8F322D-84BF-482F-940C-30A48E590407}" type="presOf" srcId="{858D758D-C9DA-4221-8831-DADF75F6DB97}" destId="{E53D8AE9-C679-4CEF-85A0-C6D81F0DFFA7}" srcOrd="0" destOrd="0" presId="urn:microsoft.com/office/officeart/2005/8/layout/default"/>
-    <dgm:cxn modelId="{33DAC72D-D6B2-4DBE-9339-61D970152D2F}" srcId="{C54F5361-285B-42E6-8F81-A7C032D9CAFF}" destId="{D52E7B34-51CB-4932-B3FB-B889C64D421A}" srcOrd="9" destOrd="0" parTransId="{280E77D6-66E4-4094-AA54-5FFC1E875AEA}" sibTransId="{F8700914-A59B-407B-970A-8E741F7D577C}"/>
-    <dgm:cxn modelId="{4C09953D-F027-43F2-8DDC-61D0BBF28D5C}" type="presOf" srcId="{D52E7B34-51CB-4932-B3FB-B889C64D421A}" destId="{A6E92CF4-9B86-4FF6-8C85-FADB8E47F80B}" srcOrd="0" destOrd="0" presId="urn:microsoft.com/office/officeart/2005/8/layout/default"/>
-    <dgm:cxn modelId="{4CB39860-8869-44E6-9189-66C688A39AD8}" srcId="{C54F5361-285B-42E6-8F81-A7C032D9CAFF}" destId="{3030E37A-C831-4EBE-B38B-F75BD2567ABD}" srcOrd="2" destOrd="0" parTransId="{100A3048-4ECA-4267-8260-BF9FB1C915C0}" sibTransId="{998B7DF6-6247-4FB7-BBB6-09AAA61F36C0}"/>
-    <dgm:cxn modelId="{CC710945-33C9-4376-BB87-4672027FFAB1}" type="presOf" srcId="{09B53BD4-063E-403A-9AAD-78940125F437}" destId="{B3F7F754-790F-4581-BF7B-3C80891A8202}" srcOrd="0" destOrd="0" presId="urn:microsoft.com/office/officeart/2005/8/layout/default"/>
-    <dgm:cxn modelId="{2E05E450-7076-4E3F-879D-2ECEA4E9112A}" type="presOf" srcId="{446A07D9-D5FB-41BE-B675-5EA09E3E55CD}" destId="{9BB1AA09-9B81-4819-938D-0E677ED298EE}" srcOrd="0" destOrd="0" presId="urn:microsoft.com/office/officeart/2005/8/layout/default"/>
-    <dgm:cxn modelId="{589EB351-CBE5-417D-B363-DD6B60B27D74}" type="presOf" srcId="{6E564E4F-ED47-4949-A89B-B8B65A99F043}" destId="{D5830787-FFBF-464B-97DD-E7BF46FD2D7E}" srcOrd="0" destOrd="0" presId="urn:microsoft.com/office/officeart/2005/8/layout/default"/>
+    <dgm:cxn modelId="{2BB4672A-D6FF-4744-879D-69E0FF9ABC65}" srcId="{C54F5361-285B-42E6-8F81-A7C032D9CAFF}" destId="{91F2B7F4-97EB-42C7-A830-DFADB64986ED}" srcOrd="2" destOrd="0" parTransId="{F15DA7CB-48F5-4FF3-9063-65D75E880964}" sibTransId="{FB6D75A2-09C4-4129-8704-2987C6F004DE}"/>
+    <dgm:cxn modelId="{C9009C35-2556-4280-8FC0-B1419BA356AF}" srcId="{C54F5361-285B-42E6-8F81-A7C032D9CAFF}" destId="{01B38152-7B63-4CC8-B42A-0E3EB9875739}" srcOrd="6" destOrd="0" parTransId="{CDF4895D-E72C-4B9C-833F-F96AC0A42CCE}" sibTransId="{90E76C34-916E-4EED-820C-F2A93BD00039}"/>
+    <dgm:cxn modelId="{62AA8143-3672-4C9D-B1E7-35218F261311}" type="presOf" srcId="{F0CC5716-BB3D-4422-A8DC-D298D74CD9F4}" destId="{71B6F575-B687-491C-9327-1C80A45327E8}" srcOrd="0" destOrd="0" presId="urn:microsoft.com/office/officeart/2005/8/layout/default"/>
+    <dgm:cxn modelId="{209B6C65-2F43-4D17-A86E-813C928106D1}" srcId="{C54F5361-285B-42E6-8F81-A7C032D9CAFF}" destId="{F0CC5716-BB3D-4422-A8DC-D298D74CD9F4}" srcOrd="13" destOrd="0" parTransId="{FFD13916-C8A3-4C85-9D64-B686C2171339}" sibTransId="{D7E05066-0D13-450E-8EE2-9CBC67202A9D}"/>
+    <dgm:cxn modelId="{C4F04467-A1D0-44A0-A1C8-40D1B1C3C2E2}" type="presOf" srcId="{8F5D2AB2-4A38-4597-AF4A-057A2B357868}" destId="{F3BA467D-5AAB-411B-B7F7-83C540D8935B}" srcOrd="0" destOrd="0" presId="urn:microsoft.com/office/officeart/2005/8/layout/default"/>
+    <dgm:cxn modelId="{32FA1368-96FB-47CE-9FD3-A4CEB3D61832}" srcId="{C54F5361-285B-42E6-8F81-A7C032D9CAFF}" destId="{C28103C1-DEAB-4E21-AD9B-844639A3DD37}" srcOrd="7" destOrd="0" parTransId="{0066B379-1253-4F38-8039-0A0D6727D33F}" sibTransId="{50F6C230-D3D8-4022-8121-5011B6DEB5D4}"/>
+    <dgm:cxn modelId="{5247846C-9301-4C3A-BB6F-9503F40CDD0B}" srcId="{C54F5361-285B-42E6-8F81-A7C032D9CAFF}" destId="{8F5D2AB2-4A38-4597-AF4A-057A2B357868}" srcOrd="8" destOrd="0" parTransId="{D7AC492F-A149-40DF-8B15-A6DD9B994D51}" sibTransId="{3D398AB0-8140-4880-9209-2B3CFA0E699A}"/>
     <dgm:cxn modelId="{50C62C77-6259-4A92-8F2C-AEDB8BB21D3D}" type="presOf" srcId="{C22AF756-312D-4DF1-8D5C-D1CA1AE5FD26}" destId="{3038EE2D-7A3C-4AF1-9EE5-B64F406976F7}" srcOrd="0" destOrd="0" presId="urn:microsoft.com/office/officeart/2005/8/layout/default"/>
-    <dgm:cxn modelId="{BC5C6B77-C169-45D9-A435-A790DF20171F}" type="presOf" srcId="{3030E37A-C831-4EBE-B38B-F75BD2567ABD}" destId="{A36444C3-361F-4567-9E4C-46283B0DD130}" srcOrd="0" destOrd="0" presId="urn:microsoft.com/office/officeart/2005/8/layout/default"/>
-    <dgm:cxn modelId="{6AADC27A-B133-4088-92D5-90828B32D8D5}" srcId="{C54F5361-285B-42E6-8F81-A7C032D9CAFF}" destId="{78AF6D12-2CFB-4A37-B4A6-E555083C83C6}" srcOrd="6" destOrd="0" parTransId="{38E8F1AC-291B-40EC-8DF6-739AA5C5D483}" sibTransId="{70849A6A-FE02-4310-BB2B-160F26724420}"/>
-    <dgm:cxn modelId="{143AE384-1FE1-46BE-A943-8CEBF26746CB}" srcId="{C54F5361-285B-42E6-8F81-A7C032D9CAFF}" destId="{6E564E4F-ED47-4949-A89B-B8B65A99F043}" srcOrd="1" destOrd="0" parTransId="{43E50458-F594-420F-A1EA-270BB0C7AE36}" sibTransId="{2A2075EF-BDEC-4F54-B8A9-6A5A7572D6BA}"/>
-    <dgm:cxn modelId="{BABFD788-F8C5-4AC8-A2AD-F66B3F18F040}" srcId="{C54F5361-285B-42E6-8F81-A7C032D9CAFF}" destId="{C22AF756-312D-4DF1-8D5C-D1CA1AE5FD26}" srcOrd="14" destOrd="0" parTransId="{DB2CA273-F52F-4F01-9610-B15E1775DA9F}" sibTransId="{6C34CA87-7C37-4E03-BC12-0BFD49F37BC6}"/>
-    <dgm:cxn modelId="{A24E0D8F-6753-4028-B4BE-10AA5A1851B9}" srcId="{C54F5361-285B-42E6-8F81-A7C032D9CAFF}" destId="{858D758D-C9DA-4221-8831-DADF75F6DB97}" srcOrd="0" destOrd="0" parTransId="{E51EAC58-5F25-453A-AAC0-6382B2449A9F}" sibTransId="{773D25EE-8080-43B2-ADB7-03E0CE8B0BE4}"/>
+    <dgm:cxn modelId="{AD32557E-A4FE-4B8F-8B20-C174B837537A}" srcId="{C54F5361-285B-42E6-8F81-A7C032D9CAFF}" destId="{B084AC33-2418-4FE4-9BFD-48C758805873}" srcOrd="5" destOrd="0" parTransId="{D5426F35-9BA8-468D-AE82-9A68B9FF74F1}" sibTransId="{88E52323-3066-4CD9-9CE8-33B038EBCA04}"/>
+    <dgm:cxn modelId="{3904BC7F-3424-4D51-9B42-BD272D514CA1}" type="presOf" srcId="{047106B3-CCE1-4674-975C-C425C101499D}" destId="{2EE59FE5-27E9-47BC-A75F-B16A8840F852}" srcOrd="0" destOrd="0" presId="urn:microsoft.com/office/officeart/2005/8/layout/default"/>
+    <dgm:cxn modelId="{BABFD788-F8C5-4AC8-A2AD-F66B3F18F040}" srcId="{C54F5361-285B-42E6-8F81-A7C032D9CAFF}" destId="{C22AF756-312D-4DF1-8D5C-D1CA1AE5FD26}" srcOrd="4" destOrd="0" parTransId="{DB2CA273-F52F-4F01-9610-B15E1775DA9F}" sibTransId="{6C34CA87-7C37-4E03-BC12-0BFD49F37BC6}"/>
     <dgm:cxn modelId="{15021491-126A-48E3-8ACB-7BDC161C873F}" type="presOf" srcId="{91F2B7F4-97EB-42C7-A830-DFADB64986ED}" destId="{B508A2BA-5F58-47B3-BFC5-D9AB9B6741D7}" srcOrd="0" destOrd="0" presId="urn:microsoft.com/office/officeart/2005/8/layout/default"/>
-    <dgm:cxn modelId="{49DBA898-BE6B-4BDD-81EC-19778EFAB944}" srcId="{C54F5361-285B-42E6-8F81-A7C032D9CAFF}" destId="{76C5FC50-7957-4D75-B077-45D7440A8392}" srcOrd="5" destOrd="0" parTransId="{56842A17-2C16-46AE-95D5-3C9F0E4AD180}" sibTransId="{AB5391F0-2A44-4802-BFB9-71890200A882}"/>
-    <dgm:cxn modelId="{41C6499C-4330-4242-9D89-E8AAB24CEC69}" type="presOf" srcId="{78AF6D12-2CFB-4A37-B4A6-E555083C83C6}" destId="{B54F230D-35EA-45CA-8649-9F3830529962}" srcOrd="0" destOrd="0" presId="urn:microsoft.com/office/officeart/2005/8/layout/default"/>
-    <dgm:cxn modelId="{DD8ADCAA-E0F8-46D2-B482-E2A10ED2BE5F}" type="presOf" srcId="{76C5FC50-7957-4D75-B077-45D7440A8392}" destId="{413BD8B3-5968-4274-A4D9-08C7368CEB2D}" srcOrd="0" destOrd="0" presId="urn:microsoft.com/office/officeart/2005/8/layout/default"/>
-    <dgm:cxn modelId="{8377E5AF-7637-4298-A85D-862D53702F15}" srcId="{C54F5361-285B-42E6-8F81-A7C032D9CAFF}" destId="{9BE3FC2E-CA0B-426A-B951-97EF60B9AC95}" srcOrd="7" destOrd="0" parTransId="{A5DA8757-F2CE-4A45-8E08-FE52E554494A}" sibTransId="{AAC30BEE-357D-42B2-AD8D-8A11720E7BC9}"/>
-    <dgm:cxn modelId="{315D86BC-B7DA-49A6-9185-09F8E2C6E4B0}" srcId="{C54F5361-285B-42E6-8F81-A7C032D9CAFF}" destId="{09B53BD4-063E-403A-9AAD-78940125F437}" srcOrd="8" destOrd="0" parTransId="{236DBD2F-F13B-4F17-8B09-F9D68D1A1F6F}" sibTransId="{DF89E5C9-EB38-4D46-A392-2FA12861CF43}"/>
-    <dgm:cxn modelId="{6B46D4C8-2A21-4312-90D3-C49C2EDF1E26}" type="presOf" srcId="{9BE3FC2E-CA0B-426A-B951-97EF60B9AC95}" destId="{A673FA62-EC7D-4224-BD1B-68FB2B56DC67}" srcOrd="0" destOrd="0" presId="urn:microsoft.com/office/officeart/2005/8/layout/default"/>
-    <dgm:cxn modelId="{5F687AC9-6511-437C-8E57-2B60CE3C5474}" type="presOf" srcId="{ED329D87-35BF-49BA-B004-73595149C6C1}" destId="{4FE4893F-8A78-4B12-B4B2-911DA057C679}" srcOrd="0" destOrd="0" presId="urn:microsoft.com/office/officeart/2005/8/layout/default"/>
-    <dgm:cxn modelId="{56B7CBD7-ABC2-4A70-862D-CC7DF804E0DD}" srcId="{C54F5361-285B-42E6-8F81-A7C032D9CAFF}" destId="{E61B2DD2-AB9C-4DF1-963D-33249C211C03}" srcOrd="11" destOrd="0" parTransId="{45165D06-0252-4E2C-9079-2B071FCCE592}" sibTransId="{7AE64D71-34C8-40AC-AE95-23C6D13A5A9C}"/>
-    <dgm:cxn modelId="{474C94DA-9D98-4BEF-A182-835484C8F159}" srcId="{C54F5361-285B-42E6-8F81-A7C032D9CAFF}" destId="{ED329D87-35BF-49BA-B004-73595149C6C1}" srcOrd="4" destOrd="0" parTransId="{4C18AAD3-0487-417B-8FBD-ED83F00BD465}" sibTransId="{6C548541-625A-4C40-B3DA-D05ABD1B3DA6}"/>
-    <dgm:cxn modelId="{F3ED7BDC-E813-4605-A159-1C6E2892BF2D}" srcId="{C54F5361-285B-42E6-8F81-A7C032D9CAFF}" destId="{C248F077-4F63-486B-88F9-F5777DFDF019}" srcOrd="10" destOrd="0" parTransId="{C373546C-D96A-4B48-AE6B-F325E1D7BDC1}" sibTransId="{FB3A9CE2-66DE-406C-A55F-A118A44C7A7A}"/>
-    <dgm:cxn modelId="{0FD2A3E7-33FD-4433-BD1F-E309B8EE7CE4}" srcId="{C54F5361-285B-42E6-8F81-A7C032D9CAFF}" destId="{75A24BBC-A972-436C-A759-73BC5733701F}" srcOrd="13" destOrd="0" parTransId="{290655EB-0ED3-41EC-8CE0-9196C675069E}" sibTransId="{63B24951-0261-48B6-AFC2-199570288951}"/>
-    <dgm:cxn modelId="{7956F8F2-8DEC-49C4-AA8D-697E9E8A2EE5}" srcId="{C54F5361-285B-42E6-8F81-A7C032D9CAFF}" destId="{446A07D9-D5FB-41BE-B675-5EA09E3E55CD}" srcOrd="3" destOrd="0" parTransId="{C55FA380-456F-41B4-858F-1AC9CAEC177A}" sibTransId="{CDBC45E3-9946-4523-9A7B-96CBC1CBDBDE}"/>
-    <dgm:cxn modelId="{B3376EC6-5EDB-48EE-ABB8-63316DB0EA2F}" type="presParOf" srcId="{4D999559-19D5-460B-9928-0B9D885782C0}" destId="{E53D8AE9-C679-4CEF-85A0-C6D81F0DFFA7}" srcOrd="0" destOrd="0" presId="urn:microsoft.com/office/officeart/2005/8/layout/default"/>
-    <dgm:cxn modelId="{9D13FA44-BBA3-4C91-A917-DA24BE18F625}" type="presParOf" srcId="{4D999559-19D5-460B-9928-0B9D885782C0}" destId="{71A0E8DC-579C-4B83-BFBC-ADB2E9BCED14}" srcOrd="1" destOrd="0" presId="urn:microsoft.com/office/officeart/2005/8/layout/default"/>
-    <dgm:cxn modelId="{40DC7F87-6AD6-46EC-B644-F535745EAD7A}" type="presParOf" srcId="{4D999559-19D5-460B-9928-0B9D885782C0}" destId="{D5830787-FFBF-464B-97DD-E7BF46FD2D7E}" srcOrd="2" destOrd="0" presId="urn:microsoft.com/office/officeart/2005/8/layout/default"/>
-    <dgm:cxn modelId="{A3566456-788A-4843-96B2-920612DFB1DF}" type="presParOf" srcId="{4D999559-19D5-460B-9928-0B9D885782C0}" destId="{E4757315-EC3A-4243-BFD0-5ED0C7A1BBE6}" srcOrd="3" destOrd="0" presId="urn:microsoft.com/office/officeart/2005/8/layout/default"/>
-    <dgm:cxn modelId="{003DB509-B81C-44E8-A138-C2228216E4AE}" type="presParOf" srcId="{4D999559-19D5-460B-9928-0B9D885782C0}" destId="{A36444C3-361F-4567-9E4C-46283B0DD130}" srcOrd="4" destOrd="0" presId="urn:microsoft.com/office/officeart/2005/8/layout/default"/>
-    <dgm:cxn modelId="{E26409A5-9B29-4D58-A873-B2724D78DFCE}" type="presParOf" srcId="{4D999559-19D5-460B-9928-0B9D885782C0}" destId="{7110FA6A-2509-420C-9E44-A43DF466C948}" srcOrd="5" destOrd="0" presId="urn:microsoft.com/office/officeart/2005/8/layout/default"/>
-    <dgm:cxn modelId="{7578B5FB-7529-4A15-837E-0C10A23EE888}" type="presParOf" srcId="{4D999559-19D5-460B-9928-0B9D885782C0}" destId="{9BB1AA09-9B81-4819-938D-0E677ED298EE}" srcOrd="6" destOrd="0" presId="urn:microsoft.com/office/officeart/2005/8/layout/default"/>
-    <dgm:cxn modelId="{465938ED-D264-4140-B431-058FC3A49C4C}" type="presParOf" srcId="{4D999559-19D5-460B-9928-0B9D885782C0}" destId="{F455D510-9E67-4248-88E4-89195B4D8C98}" srcOrd="7" destOrd="0" presId="urn:microsoft.com/office/officeart/2005/8/layout/default"/>
-    <dgm:cxn modelId="{FBB9B3E8-A081-4D6E-815B-16D49BA4FF6D}" type="presParOf" srcId="{4D999559-19D5-460B-9928-0B9D885782C0}" destId="{4FE4893F-8A78-4B12-B4B2-911DA057C679}" srcOrd="8" destOrd="0" presId="urn:microsoft.com/office/officeart/2005/8/layout/default"/>
-    <dgm:cxn modelId="{77ABEF2C-2E53-4958-B158-6A122F092CA9}" type="presParOf" srcId="{4D999559-19D5-460B-9928-0B9D885782C0}" destId="{A60A2C59-26B4-481F-AC98-A814C21D333F}" srcOrd="9" destOrd="0" presId="urn:microsoft.com/office/officeart/2005/8/layout/default"/>
-    <dgm:cxn modelId="{B3CA056D-8290-4D11-99C4-F2C23824006F}" type="presParOf" srcId="{4D999559-19D5-460B-9928-0B9D885782C0}" destId="{413BD8B3-5968-4274-A4D9-08C7368CEB2D}" srcOrd="10" destOrd="0" presId="urn:microsoft.com/office/officeart/2005/8/layout/default"/>
-    <dgm:cxn modelId="{657B58B6-44BC-41C2-9466-EA9C4B07271C}" type="presParOf" srcId="{4D999559-19D5-460B-9928-0B9D885782C0}" destId="{AC040E29-00D8-427F-8CAE-E00302FA800A}" srcOrd="11" destOrd="0" presId="urn:microsoft.com/office/officeart/2005/8/layout/default"/>
-    <dgm:cxn modelId="{1B223FEF-C0AF-4963-B8E4-8F979D16BFDC}" type="presParOf" srcId="{4D999559-19D5-460B-9928-0B9D885782C0}" destId="{B54F230D-35EA-45CA-8649-9F3830529962}" srcOrd="12" destOrd="0" presId="urn:microsoft.com/office/officeart/2005/8/layout/default"/>
-    <dgm:cxn modelId="{87979A55-FDF1-43D0-A068-57F11ED1FF8B}" type="presParOf" srcId="{4D999559-19D5-460B-9928-0B9D885782C0}" destId="{35E367CA-9233-4F0B-A981-5C40A999856E}" srcOrd="13" destOrd="0" presId="urn:microsoft.com/office/officeart/2005/8/layout/default"/>
-    <dgm:cxn modelId="{5E005A3D-9F5C-49D0-9649-03FB80924F7B}" type="presParOf" srcId="{4D999559-19D5-460B-9928-0B9D885782C0}" destId="{A673FA62-EC7D-4224-BD1B-68FB2B56DC67}" srcOrd="14" destOrd="0" presId="urn:microsoft.com/office/officeart/2005/8/layout/default"/>
-    <dgm:cxn modelId="{78D93793-5719-45DC-A239-C98CDB372F15}" type="presParOf" srcId="{4D999559-19D5-460B-9928-0B9D885782C0}" destId="{F45BFDAA-7721-4CF5-B6B6-34BD2DD80FEE}" srcOrd="15" destOrd="0" presId="urn:microsoft.com/office/officeart/2005/8/layout/default"/>
-    <dgm:cxn modelId="{519626E2-A983-4108-B5DF-E87563415789}" type="presParOf" srcId="{4D999559-19D5-460B-9928-0B9D885782C0}" destId="{B3F7F754-790F-4581-BF7B-3C80891A8202}" srcOrd="16" destOrd="0" presId="urn:microsoft.com/office/officeart/2005/8/layout/default"/>
-    <dgm:cxn modelId="{DFDCFDE4-6A21-427E-A8A7-2AC04946C956}" type="presParOf" srcId="{4D999559-19D5-460B-9928-0B9D885782C0}" destId="{A909C5A4-9D48-4A6D-BCDE-F819BC58B31A}" srcOrd="17" destOrd="0" presId="urn:microsoft.com/office/officeart/2005/8/layout/default"/>
-    <dgm:cxn modelId="{8ABB6D40-D2AA-40CA-AEC6-C8A338C1BB04}" type="presParOf" srcId="{4D999559-19D5-460B-9928-0B9D885782C0}" destId="{A6E92CF4-9B86-4FF6-8C85-FADB8E47F80B}" srcOrd="18" destOrd="0" presId="urn:microsoft.com/office/officeart/2005/8/layout/default"/>
-    <dgm:cxn modelId="{710096B8-BC2F-421E-9C32-9D8C846A2B30}" type="presParOf" srcId="{4D999559-19D5-460B-9928-0B9D885782C0}" destId="{DF2A342E-4363-4B63-BC7B-EC0CEA2F0D4E}" srcOrd="19" destOrd="0" presId="urn:microsoft.com/office/officeart/2005/8/layout/default"/>
-    <dgm:cxn modelId="{E577BCF8-6CFE-4765-83D5-9306A1794F0D}" type="presParOf" srcId="{4D999559-19D5-460B-9928-0B9D885782C0}" destId="{5F67DC1E-E931-4694-8DA5-D0EF51F56985}" srcOrd="20" destOrd="0" presId="urn:microsoft.com/office/officeart/2005/8/layout/default"/>
-    <dgm:cxn modelId="{838132D5-C779-45C7-A214-2CBFC370D375}" type="presParOf" srcId="{4D999559-19D5-460B-9928-0B9D885782C0}" destId="{350EACBE-F4DC-48BF-96B0-453F656BBE99}" srcOrd="21" destOrd="0" presId="urn:microsoft.com/office/officeart/2005/8/layout/default"/>
-    <dgm:cxn modelId="{22C2325D-E315-4655-A96C-820C1A05998C}" type="presParOf" srcId="{4D999559-19D5-460B-9928-0B9D885782C0}" destId="{C0014ADE-3F70-4652-B2E3-4394F237CF6C}" srcOrd="22" destOrd="0" presId="urn:microsoft.com/office/officeart/2005/8/layout/default"/>
-    <dgm:cxn modelId="{9BE57E53-7233-458F-A4D1-CEEEE6393B68}" type="presParOf" srcId="{4D999559-19D5-460B-9928-0B9D885782C0}" destId="{FD573853-D1F5-48A9-A3F0-BA961AF1DC5A}" srcOrd="23" destOrd="0" presId="urn:microsoft.com/office/officeart/2005/8/layout/default"/>
-    <dgm:cxn modelId="{C725176D-0D7D-46DF-937A-0DF337A111F8}" type="presParOf" srcId="{4D999559-19D5-460B-9928-0B9D885782C0}" destId="{B508A2BA-5F58-47B3-BFC5-D9AB9B6741D7}" srcOrd="24" destOrd="0" presId="urn:microsoft.com/office/officeart/2005/8/layout/default"/>
-    <dgm:cxn modelId="{A6E4F623-8BEC-4E60-846F-B82F7BE7A8C4}" type="presParOf" srcId="{4D999559-19D5-460B-9928-0B9D885782C0}" destId="{B6360790-F545-4C19-A17E-713FD5664868}" srcOrd="25" destOrd="0" presId="urn:microsoft.com/office/officeart/2005/8/layout/default"/>
-    <dgm:cxn modelId="{7E13C262-E9D0-49D2-8242-569B8A198EFE}" type="presParOf" srcId="{4D999559-19D5-460B-9928-0B9D885782C0}" destId="{0C640E14-0B15-4F78-9A69-374684C63DDD}" srcOrd="26" destOrd="0" presId="urn:microsoft.com/office/officeart/2005/8/layout/default"/>
-    <dgm:cxn modelId="{372893E7-8E11-495F-B3E8-44637BD922B6}" type="presParOf" srcId="{4D999559-19D5-460B-9928-0B9D885782C0}" destId="{2883FD9D-DFCE-471B-B383-6297604B21BE}" srcOrd="27" destOrd="0" presId="urn:microsoft.com/office/officeart/2005/8/layout/default"/>
-    <dgm:cxn modelId="{FE7C9DEA-51FA-4F84-BFE4-8762E20EC427}" type="presParOf" srcId="{4D999559-19D5-460B-9928-0B9D885782C0}" destId="{3038EE2D-7A3C-4AF1-9EE5-B64F406976F7}" srcOrd="28" destOrd="0" presId="urn:microsoft.com/office/officeart/2005/8/layout/default"/>
+    <dgm:cxn modelId="{5873D49B-798F-4C18-90E7-62D2BE8C71F9}" srcId="{C54F5361-285B-42E6-8F81-A7C032D9CAFF}" destId="{1AFE1578-4338-4C04-B4B8-B6B35A21E8DC}" srcOrd="9" destOrd="0" parTransId="{AF3AF46D-21C0-4121-AB05-8403A52292A9}" sibTransId="{53F9F447-3E89-4450-A17A-DFE0D8E16218}"/>
+    <dgm:cxn modelId="{F31475A5-66B2-4A27-BA92-375CA3982350}" type="presOf" srcId="{5D13FDA4-5792-4822-ABEE-25567BC8B77A}" destId="{55E8FF1E-931B-49C1-90A0-FE1325044B75}" srcOrd="0" destOrd="0" presId="urn:microsoft.com/office/officeart/2005/8/layout/default"/>
+    <dgm:cxn modelId="{7D8F81A6-F738-4605-A46E-277420B942B7}" srcId="{C54F5361-285B-42E6-8F81-A7C032D9CAFF}" destId="{5D13FDA4-5792-4822-ABEE-25567BC8B77A}" srcOrd="11" destOrd="0" parTransId="{DC963FD6-7927-4119-BF9B-473E05062325}" sibTransId="{FF21A0A5-BEB0-44CA-81BA-FC289A0DB8A5}"/>
+    <dgm:cxn modelId="{4C12B2B4-4E59-43B2-A007-52C6DBA27045}" type="presOf" srcId="{B084AC33-2418-4FE4-9BFD-48C758805873}" destId="{2E1F8917-8B3B-4298-ACCF-1258C19C96BA}" srcOrd="0" destOrd="0" presId="urn:microsoft.com/office/officeart/2005/8/layout/default"/>
+    <dgm:cxn modelId="{E8AFF6B9-FC34-4723-9FCF-528F3A358A80}" type="presOf" srcId="{9F054394-E816-4072-8393-09FF26F6509B}" destId="{E2490CF1-9350-4448-9ED3-79706D93BB5E}" srcOrd="0" destOrd="0" presId="urn:microsoft.com/office/officeart/2005/8/layout/default"/>
+    <dgm:cxn modelId="{A5FE41BA-5C27-4115-B9EC-771CAFE941B7}" srcId="{C54F5361-285B-42E6-8F81-A7C032D9CAFF}" destId="{17C83BAD-0244-4167-BD3C-4D0348422688}" srcOrd="12" destOrd="0" parTransId="{2A5D7BBD-C1D8-489B-B904-CB275029A43D}" sibTransId="{BC164632-342E-4432-91FE-44346B6D10E7}"/>
+    <dgm:cxn modelId="{008B8DC8-C8D3-403F-AB21-65E691873436}" srcId="{C54F5361-285B-42E6-8F81-A7C032D9CAFF}" destId="{9F054394-E816-4072-8393-09FF26F6509B}" srcOrd="10" destOrd="0" parTransId="{1E7B8A3E-84A8-4397-9A96-DB9743675766}" sibTransId="{E03E36A7-D522-4421-ADC5-261F43DB7AB8}"/>
+    <dgm:cxn modelId="{7183ACCB-AC4A-4D61-B744-990BC81647DC}" type="presOf" srcId="{17C83BAD-0244-4167-BD3C-4D0348422688}" destId="{AAF98E69-1513-4072-A02E-D4D6653FEA6B}" srcOrd="0" destOrd="0" presId="urn:microsoft.com/office/officeart/2005/8/layout/default"/>
+    <dgm:cxn modelId="{5B79D1D0-9F9B-4979-A323-DF2A17BEFBC9}" type="presOf" srcId="{C28103C1-DEAB-4E21-AD9B-844639A3DD37}" destId="{1624D8F6-4E27-4291-9D11-9F472BB539E9}" srcOrd="0" destOrd="0" presId="urn:microsoft.com/office/officeart/2005/8/layout/default"/>
+    <dgm:cxn modelId="{56B7CBD7-ABC2-4A70-862D-CC7DF804E0DD}" srcId="{C54F5361-285B-42E6-8F81-A7C032D9CAFF}" destId="{E61B2DD2-AB9C-4DF1-963D-33249C211C03}" srcOrd="1" destOrd="0" parTransId="{45165D06-0252-4E2C-9079-2B071FCCE592}" sibTransId="{7AE64D71-34C8-40AC-AE95-23C6D13A5A9C}"/>
+    <dgm:cxn modelId="{95C968DC-EBB2-42BA-B27F-BC421F3ABBDE}" type="presOf" srcId="{01B38152-7B63-4CC8-B42A-0E3EB9875739}" destId="{E8CE7F6D-18C4-4F51-8569-D0E9EA983D7F}" srcOrd="0" destOrd="0" presId="urn:microsoft.com/office/officeart/2005/8/layout/default"/>
+    <dgm:cxn modelId="{F3ED7BDC-E813-4605-A159-1C6E2892BF2D}" srcId="{C54F5361-285B-42E6-8F81-A7C032D9CAFF}" destId="{C248F077-4F63-486B-88F9-F5777DFDF019}" srcOrd="0" destOrd="0" parTransId="{C373546C-D96A-4B48-AE6B-F325E1D7BDC1}" sibTransId="{FB3A9CE2-66DE-406C-A55F-A118A44C7A7A}"/>
+    <dgm:cxn modelId="{0FD2A3E7-33FD-4433-BD1F-E309B8EE7CE4}" srcId="{C54F5361-285B-42E6-8F81-A7C032D9CAFF}" destId="{75A24BBC-A972-436C-A759-73BC5733701F}" srcOrd="3" destOrd="0" parTransId="{290655EB-0ED3-41EC-8CE0-9196C675069E}" sibTransId="{63B24951-0261-48B6-AFC2-199570288951}"/>
+    <dgm:cxn modelId="{1F4003EC-F23E-4195-BC31-7BF756576E0E}" srcId="{C54F5361-285B-42E6-8F81-A7C032D9CAFF}" destId="{047106B3-CCE1-4674-975C-C425C101499D}" srcOrd="14" destOrd="0" parTransId="{A4417C9A-564B-49DD-AB6F-27EC8D6D4B3A}" sibTransId="{583A0C05-D464-44CA-8025-106FE39B4A6D}"/>
+    <dgm:cxn modelId="{E577BCF8-6CFE-4765-83D5-9306A1794F0D}" type="presParOf" srcId="{4D999559-19D5-460B-9928-0B9D885782C0}" destId="{5F67DC1E-E931-4694-8DA5-D0EF51F56985}" srcOrd="0" destOrd="0" presId="urn:microsoft.com/office/officeart/2005/8/layout/default"/>
+    <dgm:cxn modelId="{838132D5-C779-45C7-A214-2CBFC370D375}" type="presParOf" srcId="{4D999559-19D5-460B-9928-0B9D885782C0}" destId="{350EACBE-F4DC-48BF-96B0-453F656BBE99}" srcOrd="1" destOrd="0" presId="urn:microsoft.com/office/officeart/2005/8/layout/default"/>
+    <dgm:cxn modelId="{22C2325D-E315-4655-A96C-820C1A05998C}" type="presParOf" srcId="{4D999559-19D5-460B-9928-0B9D885782C0}" destId="{C0014ADE-3F70-4652-B2E3-4394F237CF6C}" srcOrd="2" destOrd="0" presId="urn:microsoft.com/office/officeart/2005/8/layout/default"/>
+    <dgm:cxn modelId="{9BE57E53-7233-458F-A4D1-CEEEE6393B68}" type="presParOf" srcId="{4D999559-19D5-460B-9928-0B9D885782C0}" destId="{FD573853-D1F5-48A9-A3F0-BA961AF1DC5A}" srcOrd="3" destOrd="0" presId="urn:microsoft.com/office/officeart/2005/8/layout/default"/>
+    <dgm:cxn modelId="{C725176D-0D7D-46DF-937A-0DF337A111F8}" type="presParOf" srcId="{4D999559-19D5-460B-9928-0B9D885782C0}" destId="{B508A2BA-5F58-47B3-BFC5-D9AB9B6741D7}" srcOrd="4" destOrd="0" presId="urn:microsoft.com/office/officeart/2005/8/layout/default"/>
+    <dgm:cxn modelId="{A6E4F623-8BEC-4E60-846F-B82F7BE7A8C4}" type="presParOf" srcId="{4D999559-19D5-460B-9928-0B9D885782C0}" destId="{B6360790-F545-4C19-A17E-713FD5664868}" srcOrd="5" destOrd="0" presId="urn:microsoft.com/office/officeart/2005/8/layout/default"/>
+    <dgm:cxn modelId="{7E13C262-E9D0-49D2-8242-569B8A198EFE}" type="presParOf" srcId="{4D999559-19D5-460B-9928-0B9D885782C0}" destId="{0C640E14-0B15-4F78-9A69-374684C63DDD}" srcOrd="6" destOrd="0" presId="urn:microsoft.com/office/officeart/2005/8/layout/default"/>
+    <dgm:cxn modelId="{372893E7-8E11-495F-B3E8-44637BD922B6}" type="presParOf" srcId="{4D999559-19D5-460B-9928-0B9D885782C0}" destId="{2883FD9D-DFCE-471B-B383-6297604B21BE}" srcOrd="7" destOrd="0" presId="urn:microsoft.com/office/officeart/2005/8/layout/default"/>
+    <dgm:cxn modelId="{FE7C9DEA-51FA-4F84-BFE4-8762E20EC427}" type="presParOf" srcId="{4D999559-19D5-460B-9928-0B9D885782C0}" destId="{3038EE2D-7A3C-4AF1-9EE5-B64F406976F7}" srcOrd="8" destOrd="0" presId="urn:microsoft.com/office/officeart/2005/8/layout/default"/>
+    <dgm:cxn modelId="{2BE29C2E-2B3F-47BA-8260-32DF5DBCA6B8}" type="presParOf" srcId="{4D999559-19D5-460B-9928-0B9D885782C0}" destId="{1694C11C-900C-4D72-9F60-ABF0CB9321BC}" srcOrd="9" destOrd="0" presId="urn:microsoft.com/office/officeart/2005/8/layout/default"/>
+    <dgm:cxn modelId="{27E698A9-C600-4BF4-973F-212DDF378216}" type="presParOf" srcId="{4D999559-19D5-460B-9928-0B9D885782C0}" destId="{2E1F8917-8B3B-4298-ACCF-1258C19C96BA}" srcOrd="10" destOrd="0" presId="urn:microsoft.com/office/officeart/2005/8/layout/default"/>
+    <dgm:cxn modelId="{280853E3-ECC5-4D9E-8ABB-A3F6A925C4FC}" type="presParOf" srcId="{4D999559-19D5-460B-9928-0B9D885782C0}" destId="{B5B4EA38-B374-42B1-951E-DB5092405B66}" srcOrd="11" destOrd="0" presId="urn:microsoft.com/office/officeart/2005/8/layout/default"/>
+    <dgm:cxn modelId="{EBE63E34-2A15-4E1E-B319-A666856848EF}" type="presParOf" srcId="{4D999559-19D5-460B-9928-0B9D885782C0}" destId="{E8CE7F6D-18C4-4F51-8569-D0E9EA983D7F}" srcOrd="12" destOrd="0" presId="urn:microsoft.com/office/officeart/2005/8/layout/default"/>
+    <dgm:cxn modelId="{D4439413-0D9D-4A70-9B61-1A13B172C29D}" type="presParOf" srcId="{4D999559-19D5-460B-9928-0B9D885782C0}" destId="{F6E59952-0EFD-4686-BD8A-5A5A83C2074A}" srcOrd="13" destOrd="0" presId="urn:microsoft.com/office/officeart/2005/8/layout/default"/>
+    <dgm:cxn modelId="{94EFD540-3416-4D79-B571-6832559BF931}" type="presParOf" srcId="{4D999559-19D5-460B-9928-0B9D885782C0}" destId="{1624D8F6-4E27-4291-9D11-9F472BB539E9}" srcOrd="14" destOrd="0" presId="urn:microsoft.com/office/officeart/2005/8/layout/default"/>
+    <dgm:cxn modelId="{FFC5F075-DE94-4706-BE9D-A66C40411E66}" type="presParOf" srcId="{4D999559-19D5-460B-9928-0B9D885782C0}" destId="{006FDDD0-277D-41BA-B9A4-CBC3E8F8CF83}" srcOrd="15" destOrd="0" presId="urn:microsoft.com/office/officeart/2005/8/layout/default"/>
+    <dgm:cxn modelId="{C21D242D-6FE1-4462-9F34-7DB5B7577357}" type="presParOf" srcId="{4D999559-19D5-460B-9928-0B9D885782C0}" destId="{F3BA467D-5AAB-411B-B7F7-83C540D8935B}" srcOrd="16" destOrd="0" presId="urn:microsoft.com/office/officeart/2005/8/layout/default"/>
+    <dgm:cxn modelId="{285BDAF1-BA26-4543-A16A-C4B205776C02}" type="presParOf" srcId="{4D999559-19D5-460B-9928-0B9D885782C0}" destId="{A1BE56A2-F230-4886-B0E1-05A0F3942CAE}" srcOrd="17" destOrd="0" presId="urn:microsoft.com/office/officeart/2005/8/layout/default"/>
+    <dgm:cxn modelId="{CF308377-3ECA-424D-B3DA-B14A3E071801}" type="presParOf" srcId="{4D999559-19D5-460B-9928-0B9D885782C0}" destId="{9F74DFB4-4889-49B3-8216-EACC246765D4}" srcOrd="18" destOrd="0" presId="urn:microsoft.com/office/officeart/2005/8/layout/default"/>
+    <dgm:cxn modelId="{E6EF92D9-52B4-45E0-9CDE-072A751599E4}" type="presParOf" srcId="{4D999559-19D5-460B-9928-0B9D885782C0}" destId="{A0D5F9B8-0CA3-42D0-91EF-89407A312600}" srcOrd="19" destOrd="0" presId="urn:microsoft.com/office/officeart/2005/8/layout/default"/>
+    <dgm:cxn modelId="{C8772D8E-35F8-437A-A0D0-E4304E294971}" type="presParOf" srcId="{4D999559-19D5-460B-9928-0B9D885782C0}" destId="{E2490CF1-9350-4448-9ED3-79706D93BB5E}" srcOrd="20" destOrd="0" presId="urn:microsoft.com/office/officeart/2005/8/layout/default"/>
+    <dgm:cxn modelId="{7426D734-8D08-40A8-B61C-A3B0F8D83CF0}" type="presParOf" srcId="{4D999559-19D5-460B-9928-0B9D885782C0}" destId="{AC663FA8-A5AE-4BA9-B128-7F7A55C1D349}" srcOrd="21" destOrd="0" presId="urn:microsoft.com/office/officeart/2005/8/layout/default"/>
+    <dgm:cxn modelId="{2EDD0296-B3AF-47C7-A993-002F8FAEF54A}" type="presParOf" srcId="{4D999559-19D5-460B-9928-0B9D885782C0}" destId="{55E8FF1E-931B-49C1-90A0-FE1325044B75}" srcOrd="22" destOrd="0" presId="urn:microsoft.com/office/officeart/2005/8/layout/default"/>
+    <dgm:cxn modelId="{DA4FA420-B72F-4CA4-99EB-4AEFCEB36343}" type="presParOf" srcId="{4D999559-19D5-460B-9928-0B9D885782C0}" destId="{459F9FBA-C819-4995-8EE7-8870BD38A0AF}" srcOrd="23" destOrd="0" presId="urn:microsoft.com/office/officeart/2005/8/layout/default"/>
+    <dgm:cxn modelId="{50F2A333-E950-4F57-BA9F-3AF6A0841F4D}" type="presParOf" srcId="{4D999559-19D5-460B-9928-0B9D885782C0}" destId="{AAF98E69-1513-4072-A02E-D4D6653FEA6B}" srcOrd="24" destOrd="0" presId="urn:microsoft.com/office/officeart/2005/8/layout/default"/>
+    <dgm:cxn modelId="{4DF02068-4967-4405-9D76-2F5B47505C12}" type="presParOf" srcId="{4D999559-19D5-460B-9928-0B9D885782C0}" destId="{B7BFC022-D268-4FFD-B8C0-3A2AFF788EC8}" srcOrd="25" destOrd="0" presId="urn:microsoft.com/office/officeart/2005/8/layout/default"/>
+    <dgm:cxn modelId="{2599FD1B-BA9D-4AE9-8755-3C795542733A}" type="presParOf" srcId="{4D999559-19D5-460B-9928-0B9D885782C0}" destId="{71B6F575-B687-491C-9327-1C80A45327E8}" srcOrd="26" destOrd="0" presId="urn:microsoft.com/office/officeart/2005/8/layout/default"/>
+    <dgm:cxn modelId="{85CB02ED-3E20-4D8D-995A-A9DEF698C520}" type="presParOf" srcId="{4D999559-19D5-460B-9928-0B9D885782C0}" destId="{E3B2A443-3CDA-44EE-A7EF-8E752BACBE40}" srcOrd="27" destOrd="0" presId="urn:microsoft.com/office/officeart/2005/8/layout/default"/>
+    <dgm:cxn modelId="{B12F7352-8102-40F3-AF1A-5A75CBA796CA}" type="presParOf" srcId="{4D999559-19D5-460B-9928-0B9D885782C0}" destId="{2EE59FE5-27E9-47BC-A75F-B16A8840F852}" srcOrd="28" destOrd="0" presId="urn:microsoft.com/office/officeart/2005/8/layout/default"/>
   </dgm:cxnLst>
   <dgm:bg/>
   <dgm:whole/>
@@ -5916,17 +5017,17 @@
       </dgm:t>
     </dgm:pt>
     <dgm:pt modelId="{858D758D-C9DA-4221-8831-DADF75F6DB97}">
-      <dgm:prSet/>
+      <dgm:prSet custT="1"/>
       <dgm:spPr/>
       <dgm:t>
         <a:bodyPr/>
         <a:lstStyle/>
         <a:p>
           <a:r>
-            <a:rPr lang="en-IN" b="1"/>
+            <a:rPr lang="en-IN" sz="1400" b="1"/>
             <a:t>43. List.RemoveRange</a:t>
           </a:r>
-          <a:endParaRPr lang="en-US"/>
+          <a:endParaRPr lang="en-US" sz="1400"/>
         </a:p>
       </dgm:t>
     </dgm:pt>
@@ -5953,7 +5054,7 @@
       </dgm:t>
     </dgm:pt>
     <dgm:pt modelId="{DCB3CA3E-FB94-4EDD-A188-4864B7207CD2}">
-      <dgm:prSet/>
+      <dgm:prSet custT="1"/>
       <dgm:spPr/>
       <dgm:t>
         <a:bodyPr/>
@@ -5964,11 +5065,11 @@
             <a:buChar char="•"/>
           </a:pPr>
           <a:r>
-            <a:rPr lang="en-US" b="1"/>
+            <a:rPr lang="en-US" sz="1400" b="1"/>
             <a:t>Description</a:t>
           </a:r>
           <a:r>
-            <a:rPr lang="en-US"/>
+            <a:rPr lang="en-US" sz="1400"/>
             <a:t>: Removes a range of values from a list.</a:t>
           </a:r>
         </a:p>
@@ -5997,7 +5098,7 @@
       </dgm:t>
     </dgm:pt>
     <dgm:pt modelId="{02F4FC3E-2915-422A-98F4-1782C70F3CB3}">
-      <dgm:prSet/>
+      <dgm:prSet custT="1"/>
       <dgm:spPr/>
       <dgm:t>
         <a:bodyPr/>
@@ -6008,11 +5109,11 @@
             <a:buChar char="•"/>
           </a:pPr>
           <a:r>
-            <a:rPr lang="en-US" b="1"/>
+            <a:rPr lang="en-US" sz="1400" b="1"/>
             <a:t>Example</a:t>
           </a:r>
           <a:r>
-            <a:rPr lang="en-US"/>
+            <a:rPr lang="en-US" sz="1400"/>
             <a:t>: List.RemoveRange({1, 2, 3, 4, 5}, 1, 3)</a:t>
           </a:r>
         </a:p>
@@ -6041,7 +5142,7 @@
       </dgm:t>
     </dgm:pt>
     <dgm:pt modelId="{0B337BBF-29E6-40EC-83B0-72EAB35920F1}">
-      <dgm:prSet/>
+      <dgm:prSet custT="1"/>
       <dgm:spPr/>
       <dgm:t>
         <a:bodyPr/>
@@ -6052,11 +5153,11 @@
             <a:buChar char="•"/>
           </a:pPr>
           <a:r>
-            <a:rPr lang="en-IN" b="1"/>
+            <a:rPr lang="en-IN" sz="1400" b="1"/>
             <a:t>Result</a:t>
           </a:r>
           <a:r>
-            <a:rPr lang="en-IN"/>
+            <a:rPr lang="en-IN" sz="1400"/>
             <a:t>: {1, 5}</a:t>
           </a:r>
         </a:p>
@@ -6085,7 +5186,7 @@
       </dgm:t>
     </dgm:pt>
     <dgm:pt modelId="{70A50983-A04A-47A2-9646-9EA6A13F1372}">
-      <dgm:prSet/>
+      <dgm:prSet custT="1"/>
       <dgm:spPr/>
       <dgm:t>
         <a:bodyPr/>
@@ -6096,11 +5197,11 @@
             <a:buChar char="•"/>
           </a:pPr>
           <a:r>
-            <a:rPr lang="en-US" b="1"/>
+            <a:rPr lang="en-US" sz="1400" b="1"/>
             <a:t>Use case</a:t>
           </a:r>
           <a:r>
-            <a:rPr lang="en-US"/>
+            <a:rPr lang="en-US" sz="1400"/>
             <a:t>: Useful for removing a subset of elements from a list.</a:t>
           </a:r>
         </a:p>
@@ -6129,14 +5230,14 @@
       </dgm:t>
     </dgm:pt>
     <dgm:pt modelId="{CA1B85E3-6D89-4A91-95CA-99455636FF60}">
-      <dgm:prSet/>
+      <dgm:prSet custT="1"/>
       <dgm:spPr/>
       <dgm:t>
         <a:bodyPr/>
         <a:lstStyle/>
         <a:p>
           <a:r>
-            <a:rPr lang="en-IN" b="1"/>
+            <a:rPr lang="en-IN" sz="1400" b="1"/>
             <a:t>44. List.ReplaceRange</a:t>
           </a:r>
         </a:p>
@@ -6165,7 +5266,7 @@
       </dgm:t>
     </dgm:pt>
     <dgm:pt modelId="{F62EA142-7D9A-43E3-A175-FD5E18F477D4}">
-      <dgm:prSet/>
+      <dgm:prSet custT="1"/>
       <dgm:spPr/>
       <dgm:t>
         <a:bodyPr/>
@@ -6176,11 +5277,11 @@
             <a:buChar char="•"/>
           </a:pPr>
           <a:r>
-            <a:rPr lang="en-US" b="1"/>
+            <a:rPr lang="en-US" sz="1400" b="1"/>
             <a:t>Description</a:t>
           </a:r>
           <a:r>
-            <a:rPr lang="en-US"/>
+            <a:rPr lang="en-US" sz="1400"/>
             <a:t>: Replaces a range of values in a list with another list.</a:t>
           </a:r>
         </a:p>
@@ -6209,7 +5310,7 @@
       </dgm:t>
     </dgm:pt>
     <dgm:pt modelId="{EB56CFDD-A726-4AC4-ADE3-9874111520F9}">
-      <dgm:prSet/>
+      <dgm:prSet custT="1"/>
       <dgm:spPr/>
       <dgm:t>
         <a:bodyPr/>
@@ -6220,11 +5321,11 @@
             <a:buChar char="•"/>
           </a:pPr>
           <a:r>
-            <a:rPr lang="en-IN" b="1"/>
+            <a:rPr lang="en-IN" sz="1400" b="1"/>
             <a:t>Example</a:t>
           </a:r>
           <a:r>
-            <a:rPr lang="en-IN"/>
+            <a:rPr lang="en-IN" sz="1400"/>
             <a:t>: List.ReplaceRange({1, 2, 3, 4}, 1, 2, {5, 6})</a:t>
           </a:r>
         </a:p>
@@ -6253,7 +5354,7 @@
       </dgm:t>
     </dgm:pt>
     <dgm:pt modelId="{E134AC2A-12E7-4DA5-8DA9-FE5B7932406A}">
-      <dgm:prSet/>
+      <dgm:prSet custT="1"/>
       <dgm:spPr/>
       <dgm:t>
         <a:bodyPr/>
@@ -6264,11 +5365,11 @@
             <a:buChar char="•"/>
           </a:pPr>
           <a:r>
-            <a:rPr lang="en-US" b="1"/>
+            <a:rPr lang="en-US" sz="1400" b="1"/>
             <a:t>Result</a:t>
           </a:r>
           <a:r>
-            <a:rPr lang="en-US"/>
+            <a:rPr lang="en-US" sz="1400"/>
             <a:t>: {1, 5, 6, 4}</a:t>
           </a:r>
         </a:p>
@@ -6297,7 +5398,7 @@
       </dgm:t>
     </dgm:pt>
     <dgm:pt modelId="{45AA5D11-8147-4A12-960C-30E5E84D725C}">
-      <dgm:prSet/>
+      <dgm:prSet custT="1"/>
       <dgm:spPr/>
       <dgm:t>
         <a:bodyPr/>
@@ -6308,11 +5409,11 @@
             <a:buChar char="•"/>
           </a:pPr>
           <a:r>
-            <a:rPr lang="en-US" b="1"/>
+            <a:rPr lang="en-US" sz="1400" b="1"/>
             <a:t>Use case</a:t>
           </a:r>
           <a:r>
-            <a:rPr lang="en-US"/>
+            <a:rPr lang="en-US" sz="1400"/>
             <a:t>: Use this to modify a specific section of a list.</a:t>
           </a:r>
         </a:p>
@@ -6341,14 +5442,14 @@
       </dgm:t>
     </dgm:pt>
     <dgm:pt modelId="{36C0E32F-4512-4595-BFD1-B723BB7EF293}">
-      <dgm:prSet/>
+      <dgm:prSet custT="1"/>
       <dgm:spPr/>
       <dgm:t>
         <a:bodyPr/>
         <a:lstStyle/>
         <a:p>
           <a:r>
-            <a:rPr lang="en-IN" b="1"/>
+            <a:rPr lang="en-IN" sz="1400" b="1"/>
             <a:t>45. List.RemoveMatchingItems</a:t>
           </a:r>
         </a:p>
@@ -6377,7 +5478,7 @@
       </dgm:t>
     </dgm:pt>
     <dgm:pt modelId="{62B02608-AAEF-46E2-8927-E14E4D6EF0DF}">
-      <dgm:prSet/>
+      <dgm:prSet custT="1"/>
       <dgm:spPr/>
       <dgm:t>
         <a:bodyPr/>
@@ -6388,11 +5489,11 @@
             <a:buChar char="•"/>
           </a:pPr>
           <a:r>
-            <a:rPr lang="en-US" b="1" dirty="0"/>
+            <a:rPr lang="en-US" sz="1400" b="1" dirty="0"/>
             <a:t>Description</a:t>
           </a:r>
           <a:r>
-            <a:rPr lang="en-US" dirty="0"/>
+            <a:rPr lang="en-US" sz="1400" dirty="0"/>
             <a:t>: Removes items from a list that match values in another list.</a:t>
           </a:r>
         </a:p>
@@ -6421,7 +5522,7 @@
       </dgm:t>
     </dgm:pt>
     <dgm:pt modelId="{F244F151-4C2F-4097-99F1-5A5BD3D9C02E}">
-      <dgm:prSet/>
+      <dgm:prSet custT="1"/>
       <dgm:spPr/>
       <dgm:t>
         <a:bodyPr/>
@@ -6432,11 +5533,11 @@
             <a:buChar char="•"/>
           </a:pPr>
           <a:r>
-            <a:rPr lang="en-US" b="1"/>
+            <a:rPr lang="en-US" sz="1400" b="1"/>
             <a:t>Example</a:t>
           </a:r>
           <a:r>
-            <a:rPr lang="en-US"/>
+            <a:rPr lang="en-US" sz="1400"/>
             <a:t>: List.RemoveMatchingItems({1, 2, 3, 4}, {2, 4})</a:t>
           </a:r>
         </a:p>
@@ -6465,7 +5566,7 @@
       </dgm:t>
     </dgm:pt>
     <dgm:pt modelId="{AECF64E5-E9AB-4CF9-BD86-BC6996A009D8}">
-      <dgm:prSet/>
+      <dgm:prSet custT="1"/>
       <dgm:spPr/>
       <dgm:t>
         <a:bodyPr/>
@@ -6476,11 +5577,11 @@
             <a:buChar char="•"/>
           </a:pPr>
           <a:r>
-            <a:rPr lang="en-IN" b="1" dirty="0"/>
+            <a:rPr lang="en-IN" sz="1400" b="1" dirty="0"/>
             <a:t>Result</a:t>
           </a:r>
           <a:r>
-            <a:rPr lang="en-IN" dirty="0"/>
+            <a:rPr lang="en-IN" sz="1400" dirty="0"/>
             <a:t>: {1, 3}</a:t>
           </a:r>
         </a:p>
@@ -6509,7 +5610,7 @@
       </dgm:t>
     </dgm:pt>
     <dgm:pt modelId="{861D9137-B334-43A2-88F0-59D754A07217}">
-      <dgm:prSet/>
+      <dgm:prSet custT="1"/>
       <dgm:spPr/>
       <dgm:t>
         <a:bodyPr/>
@@ -6520,11 +5621,11 @@
             <a:buChar char="•"/>
           </a:pPr>
           <a:r>
-            <a:rPr lang="en-US" b="1" dirty="0"/>
+            <a:rPr lang="en-US" sz="1400" b="1" dirty="0"/>
             <a:t>Use case</a:t>
           </a:r>
           <a:r>
-            <a:rPr lang="en-US" dirty="0"/>
+            <a:rPr lang="en-US" sz="1400" dirty="0"/>
             <a:t>: Simplifies filtering out specific values from a list.</a:t>
           </a:r>
         </a:p>
@@ -6825,17 +5926,17 @@
       </dgm:t>
     </dgm:pt>
     <dgm:pt modelId="{858D758D-C9DA-4221-8831-DADF75F6DB97}">
-      <dgm:prSet/>
+      <dgm:prSet custT="1"/>
       <dgm:spPr/>
       <dgm:t>
         <a:bodyPr/>
         <a:lstStyle/>
         <a:p>
           <a:r>
-            <a:rPr lang="en-IN" b="1"/>
+            <a:rPr lang="en-IN" sz="1400" b="1"/>
             <a:t>46. List.NonNullCount</a:t>
           </a:r>
-          <a:endParaRPr lang="en-US"/>
+          <a:endParaRPr lang="en-US" sz="1400"/>
         </a:p>
       </dgm:t>
     </dgm:pt>
@@ -6862,7 +5963,7 @@
       </dgm:t>
     </dgm:pt>
     <dgm:pt modelId="{33662C16-F3E3-4137-BD80-F5431A378173}">
-      <dgm:prSet/>
+      <dgm:prSet custT="1"/>
       <dgm:spPr/>
       <dgm:t>
         <a:bodyPr/>
@@ -6873,11 +5974,11 @@
             <a:buChar char="•"/>
           </a:pPr>
           <a:r>
-            <a:rPr lang="en-US" b="1"/>
+            <a:rPr lang="en-US" sz="1400" b="1"/>
             <a:t>Description</a:t>
           </a:r>
           <a:r>
-            <a:rPr lang="en-US"/>
+            <a:rPr lang="en-US" sz="1400"/>
             <a:t>: Counts non-null items in a list.</a:t>
           </a:r>
         </a:p>
@@ -6906,7 +6007,7 @@
       </dgm:t>
     </dgm:pt>
     <dgm:pt modelId="{EF1B2CCE-EDC9-4691-BC72-EC292EF9B7B7}">
-      <dgm:prSet/>
+      <dgm:prSet custT="1"/>
       <dgm:spPr/>
       <dgm:t>
         <a:bodyPr/>
@@ -6917,11 +6018,11 @@
             <a:buChar char="•"/>
           </a:pPr>
           <a:r>
-            <a:rPr lang="en-IN" b="1"/>
+            <a:rPr lang="en-IN" sz="1400" b="1"/>
             <a:t>Example</a:t>
           </a:r>
           <a:r>
-            <a:rPr lang="en-IN"/>
+            <a:rPr lang="en-IN" sz="1400"/>
             <a:t>: List.NonNullCount({1, null, 2, null, 3})</a:t>
           </a:r>
         </a:p>
@@ -6950,7 +6051,7 @@
       </dgm:t>
     </dgm:pt>
     <dgm:pt modelId="{87F5417B-EE91-4E51-8433-B4297FBD5BF2}">
-      <dgm:prSet/>
+      <dgm:prSet custT="1"/>
       <dgm:spPr/>
       <dgm:t>
         <a:bodyPr/>
@@ -6961,11 +6062,11 @@
             <a:buChar char="•"/>
           </a:pPr>
           <a:r>
-            <a:rPr lang="en-IN" b="1"/>
+            <a:rPr lang="en-IN" sz="1400" b="1"/>
             <a:t>Result</a:t>
           </a:r>
           <a:r>
-            <a:rPr lang="en-IN"/>
+            <a:rPr lang="en-IN" sz="1400"/>
             <a:t>: 3</a:t>
           </a:r>
         </a:p>
@@ -6994,7 +6095,7 @@
       </dgm:t>
     </dgm:pt>
     <dgm:pt modelId="{D9EFFF6D-57A3-434A-BB72-A3C40E8EE4C8}">
-      <dgm:prSet/>
+      <dgm:prSet custT="1"/>
       <dgm:spPr/>
       <dgm:t>
         <a:bodyPr/>
@@ -7005,11 +6106,11 @@
             <a:buChar char="•"/>
           </a:pPr>
           <a:r>
-            <a:rPr lang="en-US" b="1"/>
+            <a:rPr lang="en-US" sz="1400" b="1"/>
             <a:t>Use case</a:t>
           </a:r>
           <a:r>
-            <a:rPr lang="en-US"/>
+            <a:rPr lang="en-US" sz="1400"/>
             <a:t>: Useful for counting actual data points, ignoring missing or null values.</a:t>
           </a:r>
         </a:p>
@@ -7038,22 +6139,22 @@
       </dgm:t>
     </dgm:pt>
     <dgm:pt modelId="{14FB6BC6-3DA5-4D55-86A3-102756FC505D}">
-      <dgm:prSet/>
+      <dgm:prSet custT="1"/>
       <dgm:spPr/>
       <dgm:t>
         <a:bodyPr/>
         <a:lstStyle/>
         <a:p>
           <a:r>
-            <a:rPr lang="en-US" b="1" dirty="0"/>
+            <a:rPr lang="en-US" sz="1400" b="1" dirty="0"/>
             <a:t>47. </a:t>
           </a:r>
           <a:r>
-            <a:rPr lang="en-US" b="1" dirty="0" err="1"/>
+            <a:rPr lang="en-US" sz="1400" b="1" dirty="0" err="1"/>
             <a:t>List.Sort</a:t>
           </a:r>
           <a:r>
-            <a:rPr lang="en-US" b="1" dirty="0"/>
+            <a:rPr lang="en-US" sz="1400" b="1" dirty="0"/>
             <a:t> with Order</a:t>
           </a:r>
         </a:p>
@@ -7082,7 +6183,7 @@
       </dgm:t>
     </dgm:pt>
     <dgm:pt modelId="{F2AC0403-FAC5-42DA-A554-29B95F476E62}">
-      <dgm:prSet/>
+      <dgm:prSet custT="1"/>
       <dgm:spPr/>
       <dgm:t>
         <a:bodyPr/>
@@ -7093,11 +6194,11 @@
             <a:buChar char="•"/>
           </a:pPr>
           <a:r>
-            <a:rPr lang="en-US" b="1"/>
+            <a:rPr lang="en-US" sz="1400" b="1"/>
             <a:t>Description</a:t>
           </a:r>
           <a:r>
-            <a:rPr lang="en-US"/>
+            <a:rPr lang="en-US" sz="1400"/>
             <a:t>: Sorts a list based on a custom comparer function.</a:t>
           </a:r>
         </a:p>
@@ -7126,7 +6227,7 @@
       </dgm:t>
     </dgm:pt>
     <dgm:pt modelId="{3A173588-C0E9-49B8-83DF-0BC7D3153979}">
-      <dgm:prSet/>
+      <dgm:prSet custT="1"/>
       <dgm:spPr/>
       <dgm:t>
         <a:bodyPr/>
@@ -7137,11 +6238,11 @@
             <a:buChar char="•"/>
           </a:pPr>
           <a:r>
-            <a:rPr lang="en-IN" b="1"/>
+            <a:rPr lang="en-IN" sz="1400" b="1"/>
             <a:t>Example</a:t>
           </a:r>
           <a:r>
-            <a:rPr lang="en-IN"/>
+            <a:rPr lang="en-IN" sz="1400"/>
             <a:t>: List.Sort({4, 2, 3, 1}, Order.Descending)</a:t>
           </a:r>
         </a:p>
@@ -7170,7 +6271,7 @@
       </dgm:t>
     </dgm:pt>
     <dgm:pt modelId="{97B0B84B-ECB7-403B-A812-A512E548EF19}">
-      <dgm:prSet/>
+      <dgm:prSet custT="1"/>
       <dgm:spPr/>
       <dgm:t>
         <a:bodyPr/>
@@ -7181,11 +6282,11 @@
             <a:buChar char="•"/>
           </a:pPr>
           <a:r>
-            <a:rPr lang="en-US" b="1"/>
+            <a:rPr lang="en-US" sz="1400" b="1"/>
             <a:t>Result</a:t>
           </a:r>
           <a:r>
-            <a:rPr lang="en-US"/>
+            <a:rPr lang="en-US" sz="1400"/>
             <a:t>: {4, 3, 2, 1}</a:t>
           </a:r>
         </a:p>
@@ -7214,7 +6315,7 @@
       </dgm:t>
     </dgm:pt>
     <dgm:pt modelId="{5629E548-8804-42C2-96F7-CBB6E4DDEE8A}">
-      <dgm:prSet/>
+      <dgm:prSet custT="1"/>
       <dgm:spPr/>
       <dgm:t>
         <a:bodyPr/>
@@ -7225,11 +6326,11 @@
             <a:buChar char="•"/>
           </a:pPr>
           <a:r>
-            <a:rPr lang="en-US" b="1"/>
+            <a:rPr lang="en-US" sz="1400" b="1"/>
             <a:t>Use case</a:t>
           </a:r>
           <a:r>
-            <a:rPr lang="en-US"/>
+            <a:rPr lang="en-US" sz="1400"/>
             <a:t>: When sorting in descending order or with specific sorting rules.</a:t>
           </a:r>
         </a:p>
@@ -7258,14 +6359,14 @@
       </dgm:t>
     </dgm:pt>
     <dgm:pt modelId="{BF7E5DC8-11B9-4CAC-8821-88BBDFC5CF5E}">
-      <dgm:prSet/>
+      <dgm:prSet custT="1"/>
       <dgm:spPr/>
       <dgm:t>
         <a:bodyPr/>
         <a:lstStyle/>
         <a:p>
           <a:r>
-            <a:rPr lang="en-IN" b="1"/>
+            <a:rPr lang="en-IN" sz="1400" b="1"/>
             <a:t>48. List.Median</a:t>
           </a:r>
         </a:p>
@@ -7294,7 +6395,7 @@
       </dgm:t>
     </dgm:pt>
     <dgm:pt modelId="{00E965DF-1D8C-40D6-B554-AC9ECA0F29BA}">
-      <dgm:prSet/>
+      <dgm:prSet custT="1"/>
       <dgm:spPr/>
       <dgm:t>
         <a:bodyPr/>
@@ -7305,11 +6406,11 @@
             <a:buChar char="•"/>
           </a:pPr>
           <a:r>
-            <a:rPr lang="en-US" b="1"/>
+            <a:rPr lang="en-US" sz="1400" b="1"/>
             <a:t>Description</a:t>
           </a:r>
           <a:r>
-            <a:rPr lang="en-US"/>
+            <a:rPr lang="en-US" sz="1400"/>
             <a:t>: Finds the median value of a list.</a:t>
           </a:r>
         </a:p>
@@ -7338,7 +6439,7 @@
       </dgm:t>
     </dgm:pt>
     <dgm:pt modelId="{56E82827-E576-43FA-8771-2CE4616AB34E}">
-      <dgm:prSet/>
+      <dgm:prSet custT="1"/>
       <dgm:spPr/>
       <dgm:t>
         <a:bodyPr/>
@@ -7349,11 +6450,11 @@
             <a:buChar char="•"/>
           </a:pPr>
           <a:r>
-            <a:rPr lang="en-US" b="1"/>
+            <a:rPr lang="en-US" sz="1400" b="1"/>
             <a:t>Example</a:t>
           </a:r>
           <a:r>
-            <a:rPr lang="en-US"/>
+            <a:rPr lang="en-US" sz="1400"/>
             <a:t>: List.Median({1, 3, 5, 7})</a:t>
           </a:r>
         </a:p>
@@ -7382,7 +6483,7 @@
       </dgm:t>
     </dgm:pt>
     <dgm:pt modelId="{04455AB3-68F0-4EEC-9CB7-3E9B05E9E94C}">
-      <dgm:prSet/>
+      <dgm:prSet custT="1"/>
       <dgm:spPr/>
       <dgm:t>
         <a:bodyPr/>
@@ -7393,11 +6494,11 @@
             <a:buChar char="•"/>
           </a:pPr>
           <a:r>
-            <a:rPr lang="en-IN" b="1"/>
+            <a:rPr lang="en-IN" sz="1400" b="1"/>
             <a:t>Result</a:t>
           </a:r>
           <a:r>
-            <a:rPr lang="en-IN"/>
+            <a:rPr lang="en-IN" sz="1400"/>
             <a:t>: 4</a:t>
           </a:r>
         </a:p>
@@ -7426,7 +6527,7 @@
       </dgm:t>
     </dgm:pt>
     <dgm:pt modelId="{76D65F62-562A-4883-81DB-5AD37A5006A4}">
-      <dgm:prSet/>
+      <dgm:prSet custT="1"/>
       <dgm:spPr/>
       <dgm:t>
         <a:bodyPr/>
@@ -7437,11 +6538,11 @@
             <a:buChar char="•"/>
           </a:pPr>
           <a:r>
-            <a:rPr lang="en-US" b="1"/>
+            <a:rPr lang="en-US" sz="1400" b="1"/>
             <a:t>Use case</a:t>
           </a:r>
           <a:r>
-            <a:rPr lang="en-US"/>
+            <a:rPr lang="en-US" sz="1400"/>
             <a:t>: Use this when analyzing data distributions to find the central tendency.</a:t>
           </a:r>
         </a:p>
@@ -7742,21 +6843,21 @@
       </dgm:t>
     </dgm:pt>
     <dgm:pt modelId="{858D758D-C9DA-4221-8831-DADF75F6DB97}">
-      <dgm:prSet/>
+      <dgm:prSet custT="1"/>
       <dgm:spPr/>
       <dgm:t>
         <a:bodyPr/>
         <a:lstStyle/>
         <a:p>
           <a:r>
-            <a:rPr lang="en-IN" b="1" dirty="0"/>
+            <a:rPr lang="en-IN" sz="1400" b="1" dirty="0"/>
             <a:t>49. </a:t>
           </a:r>
           <a:r>
-            <a:rPr lang="en-IN" b="1" dirty="0" err="1"/>
-            <a:t>List.StandardDeviation</a:t>
-          </a:r>
-          <a:endParaRPr lang="en-US" dirty="0"/>
+            <a:rPr lang="en-IN" sz="1400" b="1" dirty="0" err="1"/>
+            <a:t>List.Random</a:t>
+          </a:r>
+          <a:endParaRPr lang="en-US" sz="1400" dirty="0"/>
         </a:p>
       </dgm:t>
     </dgm:pt>
@@ -7782,8 +6883,8 @@
         </a:p>
       </dgm:t>
     </dgm:pt>
-    <dgm:pt modelId="{AFDBC555-A382-4B76-88D5-FC00FAE82BCF}">
-      <dgm:prSet/>
+    <dgm:pt modelId="{08C3A108-1BD4-4263-B249-8B13C9CEB65E}">
+      <dgm:prSet custT="1"/>
       <dgm:spPr/>
       <dgm:t>
         <a:bodyPr/>
@@ -7794,17 +6895,17 @@
             <a:buChar char="•"/>
           </a:pPr>
           <a:r>
-            <a:rPr lang="en-US" b="1"/>
+            <a:rPr lang="en-US" sz="1400" b="1"/>
             <a:t>Description</a:t>
           </a:r>
           <a:r>
-            <a:rPr lang="en-US"/>
-            <a:t>: Computes the standard deviation of a list of numbers.</a:t>
+            <a:rPr lang="en-US" sz="1400"/>
+            <a:t>: Generates a list of random numbers.</a:t>
           </a:r>
         </a:p>
       </dgm:t>
     </dgm:pt>
-    <dgm:pt modelId="{FD3F6762-DA98-4C3F-9673-88A331F55650}" type="parTrans" cxnId="{C38F55BB-A22E-4C08-A8A9-18DB31737D23}">
+    <dgm:pt modelId="{0FDC3C31-E26D-43AB-BFB9-1D79A9DDFCFC}" type="parTrans" cxnId="{60D5241B-87A8-49A6-BE1C-108AB83D1D96}">
       <dgm:prSet/>
       <dgm:spPr/>
       <dgm:t>
@@ -7815,7 +6916,7 @@
         </a:p>
       </dgm:t>
     </dgm:pt>
-    <dgm:pt modelId="{90C763FE-1538-4EAB-8116-82DFB6C392F2}" type="sibTrans" cxnId="{C38F55BB-A22E-4C08-A8A9-18DB31737D23}">
+    <dgm:pt modelId="{8CA69546-65DE-446C-902E-A9E956CB2794}" type="sibTrans" cxnId="{60D5241B-87A8-49A6-BE1C-108AB83D1D96}">
       <dgm:prSet/>
       <dgm:spPr/>
       <dgm:t>
@@ -7826,8 +6927,8 @@
         </a:p>
       </dgm:t>
     </dgm:pt>
-    <dgm:pt modelId="{92852672-F7B4-4656-9E0E-6912978EF091}">
-      <dgm:prSet/>
+    <dgm:pt modelId="{D9E6834F-5DA4-45CD-B7A6-F843E4FB10F7}">
+      <dgm:prSet custT="1"/>
       <dgm:spPr/>
       <dgm:t>
         <a:bodyPr/>
@@ -7838,17 +6939,17 @@
             <a:buChar char="•"/>
           </a:pPr>
           <a:r>
-            <a:rPr lang="fr-FR" b="1"/>
+            <a:rPr lang="en-IN" sz="1400" b="1"/>
             <a:t>Example</a:t>
           </a:r>
           <a:r>
-            <a:rPr lang="fr-FR"/>
-            <a:t>: List.StandardDeviation({2, 4, 6, 8})</a:t>
+            <a:rPr lang="en-IN" sz="1400"/>
+            <a:t>: List.Random(5)</a:t>
           </a:r>
         </a:p>
       </dgm:t>
     </dgm:pt>
-    <dgm:pt modelId="{278C752F-0F66-4E04-982C-A4E41FAE29CF}" type="parTrans" cxnId="{2C4C4793-A190-4164-BA62-34A18395E69C}">
+    <dgm:pt modelId="{0B20C384-F672-4942-A466-44D0708068BE}" type="parTrans" cxnId="{7A9F81F7-D6C1-44BE-91E0-5D64FDE182CC}">
       <dgm:prSet/>
       <dgm:spPr/>
       <dgm:t>
@@ -7859,7 +6960,7 @@
         </a:p>
       </dgm:t>
     </dgm:pt>
-    <dgm:pt modelId="{C0D68E3F-6C69-4733-BF7E-428F99DDA5B4}" type="sibTrans" cxnId="{2C4C4793-A190-4164-BA62-34A18395E69C}">
+    <dgm:pt modelId="{258E67FF-F8C9-44D6-8B07-E1708D5060E8}" type="sibTrans" cxnId="{7A9F81F7-D6C1-44BE-91E0-5D64FDE182CC}">
       <dgm:prSet/>
       <dgm:spPr/>
       <dgm:t>
@@ -7870,8 +6971,8 @@
         </a:p>
       </dgm:t>
     </dgm:pt>
-    <dgm:pt modelId="{59B43E59-FCC5-416F-A752-F2D4339E32D9}">
-      <dgm:prSet/>
+    <dgm:pt modelId="{F9B30ABB-35A4-424D-9234-FDE29D1A9657}">
+      <dgm:prSet custT="1"/>
       <dgm:spPr/>
       <dgm:t>
         <a:bodyPr/>
@@ -7882,17 +6983,17 @@
             <a:buChar char="•"/>
           </a:pPr>
           <a:r>
-            <a:rPr lang="en-IN" b="1"/>
+            <a:rPr lang="en-US" sz="1400" b="1"/>
             <a:t>Result</a:t>
           </a:r>
           <a:r>
-            <a:rPr lang="en-IN"/>
-            <a:t>: 2.58199</a:t>
+            <a:rPr lang="en-US" sz="1400"/>
+            <a:t>: {0.43, 0.86, 0.12, 0.77, 0.34} (values may vary)</a:t>
           </a:r>
         </a:p>
       </dgm:t>
     </dgm:pt>
-    <dgm:pt modelId="{5102581F-4BF6-4AE4-9EA3-276724A05B3A}" type="parTrans" cxnId="{1D9A3ADC-801D-4E15-8A26-A53A4288AB13}">
+    <dgm:pt modelId="{998992FB-6835-47F7-A682-59F889BF5987}" type="parTrans" cxnId="{8F99FA0F-A847-46AF-838B-54A71A52BBC0}">
       <dgm:prSet/>
       <dgm:spPr/>
       <dgm:t>
@@ -7903,7 +7004,7 @@
         </a:p>
       </dgm:t>
     </dgm:pt>
-    <dgm:pt modelId="{A20D4905-7C90-47EE-A16D-FFFB50738CA1}" type="sibTrans" cxnId="{1D9A3ADC-801D-4E15-8A26-A53A4288AB13}">
+    <dgm:pt modelId="{4A3E434C-3945-4130-974F-3F2433FFF2AD}" type="sibTrans" cxnId="{8F99FA0F-A847-46AF-838B-54A71A52BBC0}">
       <dgm:prSet/>
       <dgm:spPr/>
       <dgm:t>
@@ -7914,8 +7015,8 @@
         </a:p>
       </dgm:t>
     </dgm:pt>
-    <dgm:pt modelId="{34468C09-C195-4A26-B353-44272B5ECFEF}">
-      <dgm:prSet/>
+    <dgm:pt modelId="{4E3CB364-55D4-4FD5-B20B-C7D3D1540C24}">
+      <dgm:prSet custT="1"/>
       <dgm:spPr/>
       <dgm:t>
         <a:bodyPr/>
@@ -7926,17 +7027,17 @@
             <a:buChar char="•"/>
           </a:pPr>
           <a:r>
-            <a:rPr lang="en-US" b="1"/>
+            <a:rPr lang="en-US" sz="1400" b="1"/>
             <a:t>Use case</a:t>
           </a:r>
           <a:r>
-            <a:rPr lang="en-US"/>
-            <a:t>: Useful for statistical analysis of numeric data.</a:t>
+            <a:rPr lang="en-US" sz="1400"/>
+            <a:t>: Useful for testing or creating random data for simulations.</a:t>
           </a:r>
         </a:p>
       </dgm:t>
     </dgm:pt>
-    <dgm:pt modelId="{53EDA3D2-2944-4009-8A70-AE9D1BC99C0C}" type="parTrans" cxnId="{83EC4A53-D9D5-4FF4-B862-FC9E0623DE8D}">
+    <dgm:pt modelId="{3B340E7D-7B5C-4835-896C-A4788B6C88B8}" type="parTrans" cxnId="{ACF106F5-3F0A-4312-A2BC-2F1E50B55E44}">
       <dgm:prSet/>
       <dgm:spPr/>
       <dgm:t>
@@ -7947,7 +7048,7 @@
         </a:p>
       </dgm:t>
     </dgm:pt>
-    <dgm:pt modelId="{29C89598-C5A6-452A-A4EE-618BC6ED5118}" type="sibTrans" cxnId="{83EC4A53-D9D5-4FF4-B862-FC9E0623DE8D}">
+    <dgm:pt modelId="{459FCEDE-A29B-498D-80E5-C9A01D292E5D}" type="sibTrans" cxnId="{ACF106F5-3F0A-4312-A2BC-2F1E50B55E44}">
       <dgm:prSet/>
       <dgm:spPr/>
       <dgm:t>
@@ -7958,21 +7059,26 @@
         </a:p>
       </dgm:t>
     </dgm:pt>
-    <dgm:pt modelId="{C910669E-1A5A-41AB-B20E-B2C5E55E5648}">
-      <dgm:prSet/>
+    <dgm:pt modelId="{D19620B3-164F-42F5-8D74-343AC51C87EF}">
+      <dgm:prSet custT="1"/>
       <dgm:spPr/>
       <dgm:t>
         <a:bodyPr/>
         <a:lstStyle/>
         <a:p>
           <a:r>
-            <a:rPr lang="en-IN" b="1"/>
-            <a:t>50. List.Variance</a:t>
-          </a:r>
+            <a:rPr lang="en-IN" sz="1400" b="1" dirty="0"/>
+            <a:t>50. </a:t>
+          </a:r>
+          <a:r>
+            <a:rPr lang="en-IN" sz="1400" b="1" dirty="0" err="1"/>
+            <a:t>List.Range</a:t>
+          </a:r>
+          <a:endParaRPr lang="en-IN" sz="1400" b="1" dirty="0"/>
         </a:p>
       </dgm:t>
     </dgm:pt>
-    <dgm:pt modelId="{BB653903-133B-4C93-9236-14AD5755BEFB}" type="parTrans" cxnId="{D429793B-D82D-42C7-B541-16ECFA1130B4}">
+    <dgm:pt modelId="{BADFB381-31C1-4DB0-B245-20AE49AFE6B7}" type="parTrans" cxnId="{58CD94FD-3923-42A1-A876-6E1A3EC56753}">
       <dgm:prSet/>
       <dgm:spPr/>
       <dgm:t>
@@ -7983,7 +7089,7 @@
         </a:p>
       </dgm:t>
     </dgm:pt>
-    <dgm:pt modelId="{6ABD08CC-0BA0-4EC9-ABFB-E5EA1C21BA23}" type="sibTrans" cxnId="{D429793B-D82D-42C7-B541-16ECFA1130B4}">
+    <dgm:pt modelId="{96EB327F-F054-4170-8DAC-02973E3B7AD0}" type="sibTrans" cxnId="{58CD94FD-3923-42A1-A876-6E1A3EC56753}">
       <dgm:prSet/>
       <dgm:spPr/>
       <dgm:t>
@@ -7994,8 +7100,8 @@
         </a:p>
       </dgm:t>
     </dgm:pt>
-    <dgm:pt modelId="{C5760B50-D3C1-4CA8-80BC-EC95543EE96E}">
-      <dgm:prSet/>
+    <dgm:pt modelId="{028891D6-526C-4673-8DFF-EB2D7F0EC35F}">
+      <dgm:prSet custT="1"/>
       <dgm:spPr/>
       <dgm:t>
         <a:bodyPr/>
@@ -8006,17 +7112,17 @@
             <a:buChar char="•"/>
           </a:pPr>
           <a:r>
-            <a:rPr lang="en-US" b="1"/>
+            <a:rPr lang="en-US" sz="1400" b="1"/>
             <a:t>Description</a:t>
           </a:r>
           <a:r>
-            <a:rPr lang="en-US"/>
-            <a:t>: Computes the variance of a list of numbers.</a:t>
+            <a:rPr lang="en-US" sz="1400"/>
+            <a:t>: Extracts a sublist starting from a position for a specified length.</a:t>
           </a:r>
         </a:p>
       </dgm:t>
     </dgm:pt>
-    <dgm:pt modelId="{71BA7449-F38A-4099-9CE3-B6184FD4D011}" type="parTrans" cxnId="{AD3CB96E-5E09-47AF-B473-56F6609ED484}">
+    <dgm:pt modelId="{6709C94E-CF83-4BE4-AD07-8EA622C05B7B}" type="parTrans" cxnId="{53657083-26F9-44A2-8805-E97D1179D4D5}">
       <dgm:prSet/>
       <dgm:spPr/>
       <dgm:t>
@@ -8027,7 +7133,7 @@
         </a:p>
       </dgm:t>
     </dgm:pt>
-    <dgm:pt modelId="{6030E1F5-2454-4A3F-A954-DD18B779E7D8}" type="sibTrans" cxnId="{AD3CB96E-5E09-47AF-B473-56F6609ED484}">
+    <dgm:pt modelId="{20E75CCD-5965-4647-B31C-E069FCD44132}" type="sibTrans" cxnId="{53657083-26F9-44A2-8805-E97D1179D4D5}">
       <dgm:prSet/>
       <dgm:spPr/>
       <dgm:t>
@@ -8038,8 +7144,8 @@
         </a:p>
       </dgm:t>
     </dgm:pt>
-    <dgm:pt modelId="{5CF01BD3-67F1-4C10-AEEC-691531F06020}">
-      <dgm:prSet/>
+    <dgm:pt modelId="{5D8926BB-4BF1-47B4-A583-14A200AF8E36}">
+      <dgm:prSet custT="1"/>
       <dgm:spPr/>
       <dgm:t>
         <a:bodyPr/>
@@ -8050,17 +7156,25 @@
             <a:buChar char="•"/>
           </a:pPr>
           <a:r>
-            <a:rPr lang="en-IN" b="1"/>
+            <a:rPr lang="en-IN" sz="1400" b="1" dirty="0"/>
             <a:t>Example</a:t>
           </a:r>
           <a:r>
-            <a:rPr lang="en-IN"/>
-            <a:t>: List.Variance({2, 4, 6, 8})</a:t>
+            <a:rPr lang="en-IN" sz="1400" dirty="0"/>
+            <a:t>: </a:t>
+          </a:r>
+          <a:r>
+            <a:rPr lang="en-IN" sz="1400" dirty="0" err="1"/>
+            <a:t>List.Range</a:t>
+          </a:r>
+          <a:r>
+            <a:rPr lang="en-IN" sz="1400" dirty="0"/>
+            <a:t>({1, 2, 3, 4, 5}, 2, 2)</a:t>
           </a:r>
         </a:p>
       </dgm:t>
     </dgm:pt>
-    <dgm:pt modelId="{D6D7ECB3-E40A-4A14-AADC-39BD9909AACB}" type="parTrans" cxnId="{CE2AC349-52CF-4251-B96E-DAA944446A6A}">
+    <dgm:pt modelId="{07296DE1-72BF-4D48-A6A2-113BB05A546A}" type="parTrans" cxnId="{4601237F-52DC-4E39-A66A-FF54E62029E2}">
       <dgm:prSet/>
       <dgm:spPr/>
       <dgm:t>
@@ -8071,7 +7185,7 @@
         </a:p>
       </dgm:t>
     </dgm:pt>
-    <dgm:pt modelId="{E5C13F92-AEC6-48CD-8DF9-26373A46C5B3}" type="sibTrans" cxnId="{CE2AC349-52CF-4251-B96E-DAA944446A6A}">
+    <dgm:pt modelId="{E2A87374-F5F2-4773-BC66-847A066B9D79}" type="sibTrans" cxnId="{4601237F-52DC-4E39-A66A-FF54E62029E2}">
       <dgm:prSet/>
       <dgm:spPr/>
       <dgm:t>
@@ -8082,8 +7196,8 @@
         </a:p>
       </dgm:t>
     </dgm:pt>
-    <dgm:pt modelId="{A81C299B-E658-468F-91B1-6A7199088BFD}">
-      <dgm:prSet/>
+    <dgm:pt modelId="{790368A3-44A5-46E5-AA83-F7247B3C98BF}">
+      <dgm:prSet custT="1"/>
       <dgm:spPr/>
       <dgm:t>
         <a:bodyPr/>
@@ -8094,17 +7208,17 @@
             <a:buChar char="•"/>
           </a:pPr>
           <a:r>
-            <a:rPr lang="en-IN" b="1"/>
+            <a:rPr lang="en-IN" sz="1400" b="1"/>
             <a:t>Result</a:t>
           </a:r>
           <a:r>
-            <a:rPr lang="en-IN"/>
-            <a:t>: 6.66667</a:t>
+            <a:rPr lang="en-IN" sz="1400"/>
+            <a:t>: {3, 4}</a:t>
           </a:r>
         </a:p>
       </dgm:t>
     </dgm:pt>
-    <dgm:pt modelId="{C86EE499-0FB7-4730-A7E1-2C266B73761C}" type="parTrans" cxnId="{200368E9-941D-4CDC-B2E1-624457F5E317}">
+    <dgm:pt modelId="{D190A764-00C6-4B95-BA32-8E680271196C}" type="parTrans" cxnId="{C3E70467-8A43-4A34-B712-595A5C5476CE}">
       <dgm:prSet/>
       <dgm:spPr/>
       <dgm:t>
@@ -8115,7 +7229,7 @@
         </a:p>
       </dgm:t>
     </dgm:pt>
-    <dgm:pt modelId="{276FBFAF-B493-4553-8EBC-821A1839D89A}" type="sibTrans" cxnId="{200368E9-941D-4CDC-B2E1-624457F5E317}">
+    <dgm:pt modelId="{53B837F8-41EA-49A9-B45F-10C1EA7F999D}" type="sibTrans" cxnId="{C3E70467-8A43-4A34-B712-595A5C5476CE}">
       <dgm:prSet/>
       <dgm:spPr/>
       <dgm:t>
@@ -8126,8 +7240,8 @@
         </a:p>
       </dgm:t>
     </dgm:pt>
-    <dgm:pt modelId="{A74C1646-E4E3-4C27-951F-7346190B51C9}">
-      <dgm:prSet/>
+    <dgm:pt modelId="{64849BD2-AF21-4375-A9E9-958851F0C5FC}">
+      <dgm:prSet custT="1"/>
       <dgm:spPr/>
       <dgm:t>
         <a:bodyPr/>
@@ -8138,17 +7252,17 @@
             <a:buChar char="•"/>
           </a:pPr>
           <a:r>
-            <a:rPr lang="en-US" b="1"/>
+            <a:rPr lang="en-US" sz="1400" b="1"/>
             <a:t>Use case</a:t>
           </a:r>
           <a:r>
-            <a:rPr lang="en-US"/>
-            <a:t>: Use this to measure data spread or variability.</a:t>
+            <a:rPr lang="en-US" sz="1400"/>
+            <a:t>: Use when slicing specific parts of a list.</a:t>
           </a:r>
         </a:p>
       </dgm:t>
     </dgm:pt>
-    <dgm:pt modelId="{D866C51B-CCD0-4D0C-963F-BA7782C2C5BC}" type="parTrans" cxnId="{C7905180-D8B8-4C1D-90CB-D7AB350FCE37}">
+    <dgm:pt modelId="{823B83C5-B7FB-4466-BD09-0B1F13CDC613}" type="parTrans" cxnId="{8FA3BF9E-C919-4825-81CD-2668BEF329C5}">
       <dgm:prSet/>
       <dgm:spPr/>
       <dgm:t>
@@ -8159,7 +7273,7 @@
         </a:p>
       </dgm:t>
     </dgm:pt>
-    <dgm:pt modelId="{1D0C0F83-6D5A-4508-A758-BD180BFF9514}" type="sibTrans" cxnId="{C7905180-D8B8-4C1D-90CB-D7AB350FCE37}">
+    <dgm:pt modelId="{C8E8953A-FE51-42B6-B55A-06EED975CAF6}" type="sibTrans" cxnId="{8FA3BF9E-C919-4825-81CD-2668BEF329C5}">
       <dgm:prSet/>
       <dgm:spPr/>
       <dgm:t>
@@ -8170,21 +7284,26 @@
         </a:p>
       </dgm:t>
     </dgm:pt>
-    <dgm:pt modelId="{94982383-17CC-4FA1-BF31-460544D1CB5B}">
-      <dgm:prSet/>
+    <dgm:pt modelId="{94AD4372-2744-4C21-9D24-9F2FF916AE43}">
+      <dgm:prSet custT="1"/>
       <dgm:spPr/>
       <dgm:t>
         <a:bodyPr/>
         <a:lstStyle/>
         <a:p>
           <a:r>
-            <a:rPr lang="en-US" b="1"/>
-            <a:t>51. List.Generate (Advanced Usage)</a:t>
-          </a:r>
+            <a:rPr lang="en-IN" sz="1400" b="1" dirty="0"/>
+            <a:t>51. </a:t>
+          </a:r>
+          <a:r>
+            <a:rPr lang="en-IN" sz="1400" b="1" dirty="0" err="1"/>
+            <a:t>List.Mode</a:t>
+          </a:r>
+          <a:endParaRPr lang="en-IN" sz="1400" b="1" dirty="0"/>
         </a:p>
       </dgm:t>
     </dgm:pt>
-    <dgm:pt modelId="{7A2E2447-B9A4-4EF0-89BF-9AE4F1E24F5F}" type="parTrans" cxnId="{70A5FF7A-ECD8-4289-A1D6-9A4FEA40C366}">
+    <dgm:pt modelId="{7506A269-6EDB-461D-B7EB-53D10AC76232}" type="parTrans" cxnId="{CE53053F-2D84-4082-BA70-B6FBB3941DD9}">
       <dgm:prSet/>
       <dgm:spPr/>
       <dgm:t>
@@ -8195,7 +7314,7 @@
         </a:p>
       </dgm:t>
     </dgm:pt>
-    <dgm:pt modelId="{0C73DD7C-51A5-4098-A959-A4A799A59242}" type="sibTrans" cxnId="{70A5FF7A-ECD8-4289-A1D6-9A4FEA40C366}">
+    <dgm:pt modelId="{ACF03389-2B6C-4DB2-AC85-A0EB197C8B58}" type="sibTrans" cxnId="{CE53053F-2D84-4082-BA70-B6FBB3941DD9}">
       <dgm:prSet/>
       <dgm:spPr/>
       <dgm:t>
@@ -8206,8 +7325,8 @@
         </a:p>
       </dgm:t>
     </dgm:pt>
-    <dgm:pt modelId="{2558E2A9-AA6B-4448-B7E9-6F9B2A1EED43}">
-      <dgm:prSet/>
+    <dgm:pt modelId="{324E6807-D0E6-4048-8367-D2284192343B}">
+      <dgm:prSet custT="1"/>
       <dgm:spPr/>
       <dgm:t>
         <a:bodyPr/>
@@ -8218,17 +7337,17 @@
             <a:buChar char="•"/>
           </a:pPr>
           <a:r>
-            <a:rPr lang="en-US" b="1"/>
+            <a:rPr lang="en-US" sz="1400" b="1"/>
             <a:t>Description</a:t>
           </a:r>
           <a:r>
-            <a:rPr lang="en-US"/>
-            <a:t>: Generates lists with more complex rules.</a:t>
+            <a:rPr lang="en-US" sz="1400"/>
+            <a:t>: Finds the most frequently occurring value in a list.</a:t>
           </a:r>
         </a:p>
       </dgm:t>
     </dgm:pt>
-    <dgm:pt modelId="{2DEA2A81-D5D5-437F-BF06-669DA0CBF7E0}" type="parTrans" cxnId="{1CB50BCA-7E1B-40BA-A470-0A237EDF3310}">
+    <dgm:pt modelId="{03B51CDC-C3A9-4D86-8A5C-277CF24ADD8F}" type="parTrans" cxnId="{5CA13CD1-88E3-4453-BE80-5A6CD21C9EA8}">
       <dgm:prSet/>
       <dgm:spPr/>
       <dgm:t>
@@ -8239,7 +7358,7 @@
         </a:p>
       </dgm:t>
     </dgm:pt>
-    <dgm:pt modelId="{E9E41B03-D5CD-4C23-AC7E-B27DBB39D68D}" type="sibTrans" cxnId="{1CB50BCA-7E1B-40BA-A470-0A237EDF3310}">
+    <dgm:pt modelId="{498B0BA0-BBC0-49BE-B0A8-F87DCEC6EB05}" type="sibTrans" cxnId="{5CA13CD1-88E3-4453-BE80-5A6CD21C9EA8}">
       <dgm:prSet/>
       <dgm:spPr/>
       <dgm:t>
@@ -8250,8 +7369,8 @@
         </a:p>
       </dgm:t>
     </dgm:pt>
-    <dgm:pt modelId="{9B58DEE3-19F6-4AA9-9B94-74E9688BBBAB}">
-      <dgm:prSet/>
+    <dgm:pt modelId="{CD66C24A-D33C-421B-8150-B55199851B0E}">
+      <dgm:prSet custT="1"/>
       <dgm:spPr/>
       <dgm:t>
         <a:bodyPr/>
@@ -8262,17 +7381,17 @@
             <a:buChar char="•"/>
           </a:pPr>
           <a:r>
-            <a:rPr lang="en-US" b="1"/>
+            <a:rPr lang="en-IN" sz="1400" b="1"/>
             <a:t>Example</a:t>
           </a:r>
           <a:r>
-            <a:rPr lang="en-US"/>
-            <a:t>: List.Generate(() =&gt; 1, each _ &lt;= 10, each _ + 1, each _ * 2)</a:t>
+            <a:rPr lang="en-IN" sz="1400"/>
+            <a:t>: List.Mode({1, 2, 2, 3, 4})</a:t>
           </a:r>
         </a:p>
       </dgm:t>
     </dgm:pt>
-    <dgm:pt modelId="{056F07B3-293E-48AA-9136-8D43599A1D45}" type="parTrans" cxnId="{0A3FB748-44F9-4B6A-B94C-C304126F240D}">
+    <dgm:pt modelId="{1B148A09-21CB-4F13-ADA6-DEEAF3753359}" type="parTrans" cxnId="{0E202215-5611-4DCE-8437-053E93E5EFD1}">
       <dgm:prSet/>
       <dgm:spPr/>
       <dgm:t>
@@ -8283,7 +7402,7 @@
         </a:p>
       </dgm:t>
     </dgm:pt>
-    <dgm:pt modelId="{F07575BA-E777-47EC-B823-20FB2DBD29E8}" type="sibTrans" cxnId="{0A3FB748-44F9-4B6A-B94C-C304126F240D}">
+    <dgm:pt modelId="{59D4CCA5-0739-489A-886C-C870DC264D5B}" type="sibTrans" cxnId="{0E202215-5611-4DCE-8437-053E93E5EFD1}">
       <dgm:prSet/>
       <dgm:spPr/>
       <dgm:t>
@@ -8294,8 +7413,8 @@
         </a:p>
       </dgm:t>
     </dgm:pt>
-    <dgm:pt modelId="{F96CD77A-B324-46F1-9CA6-34827D31BE08}">
-      <dgm:prSet/>
+    <dgm:pt modelId="{DEAC9864-4B96-4DBB-AC38-961EFBEB42E4}">
+      <dgm:prSet custT="1"/>
       <dgm:spPr/>
       <dgm:t>
         <a:bodyPr/>
@@ -8306,17 +7425,17 @@
             <a:buChar char="•"/>
           </a:pPr>
           <a:r>
-            <a:rPr lang="en-US" b="1"/>
+            <a:rPr lang="en-IN" sz="1400" b="1"/>
             <a:t>Result</a:t>
           </a:r>
           <a:r>
-            <a:rPr lang="en-US"/>
-            <a:t>: {2, 4, 6, 8, 10, 12, 14, 16, 18, 20}</a:t>
+            <a:rPr lang="en-IN" sz="1400"/>
+            <a:t>: 2</a:t>
           </a:r>
         </a:p>
       </dgm:t>
     </dgm:pt>
-    <dgm:pt modelId="{7833D423-AB87-4E70-B283-CD08753A22A1}" type="parTrans" cxnId="{27A7DAEE-D401-4A17-8B1E-4F260C6EC8F5}">
+    <dgm:pt modelId="{E59D6259-FEAF-45B6-AC05-5E8E06036C75}" type="parTrans" cxnId="{C843D0D3-FE57-49AE-83DC-FC1ABCD1F424}">
       <dgm:prSet/>
       <dgm:spPr/>
       <dgm:t>
@@ -8327,7 +7446,7 @@
         </a:p>
       </dgm:t>
     </dgm:pt>
-    <dgm:pt modelId="{ED4E4717-ECF7-47E7-804E-59E135A916C9}" type="sibTrans" cxnId="{27A7DAEE-D401-4A17-8B1E-4F260C6EC8F5}">
+    <dgm:pt modelId="{08EE7A8F-2BED-46D3-9E70-01161069AEE1}" type="sibTrans" cxnId="{C843D0D3-FE57-49AE-83DC-FC1ABCD1F424}">
       <dgm:prSet/>
       <dgm:spPr/>
       <dgm:t>
@@ -8338,8 +7457,8 @@
         </a:p>
       </dgm:t>
     </dgm:pt>
-    <dgm:pt modelId="{6B1B4816-746D-4817-9CCE-215A11224816}">
-      <dgm:prSet/>
+    <dgm:pt modelId="{A103FCC0-DF71-41C6-8395-C3C2FF9E3FD8}">
+      <dgm:prSet custT="1"/>
       <dgm:spPr/>
       <dgm:t>
         <a:bodyPr/>
@@ -8350,17 +7469,17 @@
             <a:buChar char="•"/>
           </a:pPr>
           <a:r>
-            <a:rPr lang="en-US" b="1"/>
+            <a:rPr lang="en-US" sz="1400" b="1" dirty="0"/>
             <a:t>Use case</a:t>
           </a:r>
           <a:r>
-            <a:rPr lang="en-US"/>
-            <a:t>: Create lists with custom transformations, such as doubling a sequence of numbers.</a:t>
+            <a:rPr lang="en-US" sz="1400" dirty="0"/>
+            <a:t>: Useful for finding the mode in a list of categorical data.</a:t>
           </a:r>
         </a:p>
       </dgm:t>
     </dgm:pt>
-    <dgm:pt modelId="{3F92DF26-1BEB-4937-A0E9-E7FC8836E71A}" type="parTrans" cxnId="{70FA6533-F3B0-4C5F-A552-71137A73E193}">
+    <dgm:pt modelId="{FC2FA2E2-6DFF-40AB-933A-65CF52E1486A}" type="parTrans" cxnId="{9435291D-214E-4D8E-B805-8CBC1D5A50FF}">
       <dgm:prSet/>
       <dgm:spPr/>
       <dgm:t>
@@ -8371,7 +7490,7 @@
         </a:p>
       </dgm:t>
     </dgm:pt>
-    <dgm:pt modelId="{586664AA-EC64-45F5-A5CD-886F220A2188}" type="sibTrans" cxnId="{70FA6533-F3B0-4C5F-A552-71137A73E193}">
+    <dgm:pt modelId="{2284BC3E-A408-4C4C-997C-2EB31AA74D26}" type="sibTrans" cxnId="{9435291D-214E-4D8E-B805-8CBC1D5A50FF}">
       <dgm:prSet/>
       <dgm:spPr/>
       <dgm:t>
@@ -8403,164 +7522,164 @@
       <dgm:prSet presAssocID="{773D25EE-8080-43B2-ADB7-03E0CE8B0BE4}" presName="sibTrans" presStyleCnt="0"/>
       <dgm:spPr/>
     </dgm:pt>
-    <dgm:pt modelId="{4621EB31-FAB1-4B63-8F28-A4088EBE4CFE}" type="pres">
-      <dgm:prSet presAssocID="{AFDBC555-A382-4B76-88D5-FC00FAE82BCF}" presName="node" presStyleLbl="node1" presStyleIdx="1" presStyleCnt="15">
+    <dgm:pt modelId="{3188EA51-0D3A-4DDF-8EC5-002658A0EA52}" type="pres">
+      <dgm:prSet presAssocID="{08C3A108-1BD4-4263-B249-8B13C9CEB65E}" presName="node" presStyleLbl="node1" presStyleIdx="1" presStyleCnt="15">
         <dgm:presLayoutVars>
           <dgm:bulletEnabled val="1"/>
         </dgm:presLayoutVars>
       </dgm:prSet>
       <dgm:spPr/>
     </dgm:pt>
-    <dgm:pt modelId="{B31FBC52-FB5E-4299-A9B8-ED33A04711C0}" type="pres">
-      <dgm:prSet presAssocID="{90C763FE-1538-4EAB-8116-82DFB6C392F2}" presName="sibTrans" presStyleCnt="0"/>
-      <dgm:spPr/>
-    </dgm:pt>
-    <dgm:pt modelId="{42D47529-8A71-462E-80C6-C5B416BF28BD}" type="pres">
-      <dgm:prSet presAssocID="{92852672-F7B4-4656-9E0E-6912978EF091}" presName="node" presStyleLbl="node1" presStyleIdx="2" presStyleCnt="15">
+    <dgm:pt modelId="{7D5F58D5-8CD6-4E3C-BB3E-135F6E398D9C}" type="pres">
+      <dgm:prSet presAssocID="{8CA69546-65DE-446C-902E-A9E956CB2794}" presName="sibTrans" presStyleCnt="0"/>
+      <dgm:spPr/>
+    </dgm:pt>
+    <dgm:pt modelId="{E7CCC371-D4F6-4E4F-BC0A-63A309A31466}" type="pres">
+      <dgm:prSet presAssocID="{D9E6834F-5DA4-45CD-B7A6-F843E4FB10F7}" presName="node" presStyleLbl="node1" presStyleIdx="2" presStyleCnt="15">
         <dgm:presLayoutVars>
           <dgm:bulletEnabled val="1"/>
         </dgm:presLayoutVars>
       </dgm:prSet>
       <dgm:spPr/>
     </dgm:pt>
-    <dgm:pt modelId="{40610112-9FA8-4964-9D6D-7821C217AD1B}" type="pres">
-      <dgm:prSet presAssocID="{C0D68E3F-6C69-4733-BF7E-428F99DDA5B4}" presName="sibTrans" presStyleCnt="0"/>
-      <dgm:spPr/>
-    </dgm:pt>
-    <dgm:pt modelId="{B9253B80-6197-4E0E-B601-E00911656F3B}" type="pres">
-      <dgm:prSet presAssocID="{59B43E59-FCC5-416F-A752-F2D4339E32D9}" presName="node" presStyleLbl="node1" presStyleIdx="3" presStyleCnt="15">
+    <dgm:pt modelId="{08E4A4DD-157C-46E3-9D36-6CCA87AB7B6D}" type="pres">
+      <dgm:prSet presAssocID="{258E67FF-F8C9-44D6-8B07-E1708D5060E8}" presName="sibTrans" presStyleCnt="0"/>
+      <dgm:spPr/>
+    </dgm:pt>
+    <dgm:pt modelId="{07C5F2BC-3E2F-429F-B1B8-F354449CB02C}" type="pres">
+      <dgm:prSet presAssocID="{F9B30ABB-35A4-424D-9234-FDE29D1A9657}" presName="node" presStyleLbl="node1" presStyleIdx="3" presStyleCnt="15">
         <dgm:presLayoutVars>
           <dgm:bulletEnabled val="1"/>
         </dgm:presLayoutVars>
       </dgm:prSet>
       <dgm:spPr/>
     </dgm:pt>
-    <dgm:pt modelId="{6D60937D-A03A-46F4-ACBB-776AA01E60FB}" type="pres">
-      <dgm:prSet presAssocID="{A20D4905-7C90-47EE-A16D-FFFB50738CA1}" presName="sibTrans" presStyleCnt="0"/>
-      <dgm:spPr/>
-    </dgm:pt>
-    <dgm:pt modelId="{BF736633-F066-44EB-979E-FEBD02683B3A}" type="pres">
-      <dgm:prSet presAssocID="{34468C09-C195-4A26-B353-44272B5ECFEF}" presName="node" presStyleLbl="node1" presStyleIdx="4" presStyleCnt="15">
+    <dgm:pt modelId="{574908DF-6636-45A8-81A9-AB0030290C5D}" type="pres">
+      <dgm:prSet presAssocID="{4A3E434C-3945-4130-974F-3F2433FFF2AD}" presName="sibTrans" presStyleCnt="0"/>
+      <dgm:spPr/>
+    </dgm:pt>
+    <dgm:pt modelId="{329AFB10-AE3C-46E4-9576-B4B68AFDA77F}" type="pres">
+      <dgm:prSet presAssocID="{4E3CB364-55D4-4FD5-B20B-C7D3D1540C24}" presName="node" presStyleLbl="node1" presStyleIdx="4" presStyleCnt="15">
         <dgm:presLayoutVars>
           <dgm:bulletEnabled val="1"/>
         </dgm:presLayoutVars>
       </dgm:prSet>
       <dgm:spPr/>
     </dgm:pt>
-    <dgm:pt modelId="{96040BBA-44CA-4583-A223-2A42B249286B}" type="pres">
-      <dgm:prSet presAssocID="{29C89598-C5A6-452A-A4EE-618BC6ED5118}" presName="sibTrans" presStyleCnt="0"/>
-      <dgm:spPr/>
-    </dgm:pt>
-    <dgm:pt modelId="{26E81FF2-DFC7-4FEE-9A9D-032C37A9DFC6}" type="pres">
-      <dgm:prSet presAssocID="{C910669E-1A5A-41AB-B20E-B2C5E55E5648}" presName="node" presStyleLbl="node1" presStyleIdx="5" presStyleCnt="15">
+    <dgm:pt modelId="{35687BF3-EA81-4696-8D6D-7A1D6E15F824}" type="pres">
+      <dgm:prSet presAssocID="{459FCEDE-A29B-498D-80E5-C9A01D292E5D}" presName="sibTrans" presStyleCnt="0"/>
+      <dgm:spPr/>
+    </dgm:pt>
+    <dgm:pt modelId="{7CCE6E15-4139-4E13-8666-F18181AB4184}" type="pres">
+      <dgm:prSet presAssocID="{D19620B3-164F-42F5-8D74-343AC51C87EF}" presName="node" presStyleLbl="node1" presStyleIdx="5" presStyleCnt="15">
         <dgm:presLayoutVars>
           <dgm:bulletEnabled val="1"/>
         </dgm:presLayoutVars>
       </dgm:prSet>
       <dgm:spPr/>
     </dgm:pt>
-    <dgm:pt modelId="{8D74FC5C-0690-4D83-8694-4B04FBAF5A68}" type="pres">
-      <dgm:prSet presAssocID="{6ABD08CC-0BA0-4EC9-ABFB-E5EA1C21BA23}" presName="sibTrans" presStyleCnt="0"/>
-      <dgm:spPr/>
-    </dgm:pt>
-    <dgm:pt modelId="{D74C527B-081F-464E-BE50-12AB8DEF2C17}" type="pres">
-      <dgm:prSet presAssocID="{C5760B50-D3C1-4CA8-80BC-EC95543EE96E}" presName="node" presStyleLbl="node1" presStyleIdx="6" presStyleCnt="15">
+    <dgm:pt modelId="{CC703B8B-C8AB-4235-B1D2-BA780A4CBC0A}" type="pres">
+      <dgm:prSet presAssocID="{96EB327F-F054-4170-8DAC-02973E3B7AD0}" presName="sibTrans" presStyleCnt="0"/>
+      <dgm:spPr/>
+    </dgm:pt>
+    <dgm:pt modelId="{91D9F426-3F6A-45F4-B2D1-98B9FA25192C}" type="pres">
+      <dgm:prSet presAssocID="{028891D6-526C-4673-8DFF-EB2D7F0EC35F}" presName="node" presStyleLbl="node1" presStyleIdx="6" presStyleCnt="15">
         <dgm:presLayoutVars>
           <dgm:bulletEnabled val="1"/>
         </dgm:presLayoutVars>
       </dgm:prSet>
       <dgm:spPr/>
     </dgm:pt>
-    <dgm:pt modelId="{8785FD01-F2BD-46E3-8DAB-3CEBD32ED0D3}" type="pres">
-      <dgm:prSet presAssocID="{6030E1F5-2454-4A3F-A954-DD18B779E7D8}" presName="sibTrans" presStyleCnt="0"/>
-      <dgm:spPr/>
-    </dgm:pt>
-    <dgm:pt modelId="{BA9FFCFC-F8AB-4C78-BAB8-C87455611AEA}" type="pres">
-      <dgm:prSet presAssocID="{5CF01BD3-67F1-4C10-AEEC-691531F06020}" presName="node" presStyleLbl="node1" presStyleIdx="7" presStyleCnt="15">
+    <dgm:pt modelId="{BD59D540-95EF-44DA-99EA-E7BC0E89F9EB}" type="pres">
+      <dgm:prSet presAssocID="{20E75CCD-5965-4647-B31C-E069FCD44132}" presName="sibTrans" presStyleCnt="0"/>
+      <dgm:spPr/>
+    </dgm:pt>
+    <dgm:pt modelId="{7810163C-AEF1-453C-9757-394BFE4F2AA7}" type="pres">
+      <dgm:prSet presAssocID="{5D8926BB-4BF1-47B4-A583-14A200AF8E36}" presName="node" presStyleLbl="node1" presStyleIdx="7" presStyleCnt="15">
         <dgm:presLayoutVars>
           <dgm:bulletEnabled val="1"/>
         </dgm:presLayoutVars>
       </dgm:prSet>
       <dgm:spPr/>
     </dgm:pt>
-    <dgm:pt modelId="{27B900CD-99AC-4880-9E80-10D7D45EA760}" type="pres">
-      <dgm:prSet presAssocID="{E5C13F92-AEC6-48CD-8DF9-26373A46C5B3}" presName="sibTrans" presStyleCnt="0"/>
-      <dgm:spPr/>
-    </dgm:pt>
-    <dgm:pt modelId="{8D53FBFF-E7EC-4A80-BFD5-A3D7FFA4DF74}" type="pres">
-      <dgm:prSet presAssocID="{A81C299B-E658-468F-91B1-6A7199088BFD}" presName="node" presStyleLbl="node1" presStyleIdx="8" presStyleCnt="15">
+    <dgm:pt modelId="{605B05FF-7791-4F96-A176-6A15B4839F39}" type="pres">
+      <dgm:prSet presAssocID="{E2A87374-F5F2-4773-BC66-847A066B9D79}" presName="sibTrans" presStyleCnt="0"/>
+      <dgm:spPr/>
+    </dgm:pt>
+    <dgm:pt modelId="{B82CB8EA-4482-4A3D-8124-7613BFA3E936}" type="pres">
+      <dgm:prSet presAssocID="{790368A3-44A5-46E5-AA83-F7247B3C98BF}" presName="node" presStyleLbl="node1" presStyleIdx="8" presStyleCnt="15">
         <dgm:presLayoutVars>
           <dgm:bulletEnabled val="1"/>
         </dgm:presLayoutVars>
       </dgm:prSet>
       <dgm:spPr/>
     </dgm:pt>
-    <dgm:pt modelId="{DF081DFE-B333-4994-868C-17CC1BE50908}" type="pres">
-      <dgm:prSet presAssocID="{276FBFAF-B493-4553-8EBC-821A1839D89A}" presName="sibTrans" presStyleCnt="0"/>
-      <dgm:spPr/>
-    </dgm:pt>
-    <dgm:pt modelId="{E0218DCB-3EF1-4AB3-95B4-7A11ED6D094C}" type="pres">
-      <dgm:prSet presAssocID="{A74C1646-E4E3-4C27-951F-7346190B51C9}" presName="node" presStyleLbl="node1" presStyleIdx="9" presStyleCnt="15">
+    <dgm:pt modelId="{27B6C97F-9E85-4FBD-BA10-4C6204D769FA}" type="pres">
+      <dgm:prSet presAssocID="{53B837F8-41EA-49A9-B45F-10C1EA7F999D}" presName="sibTrans" presStyleCnt="0"/>
+      <dgm:spPr/>
+    </dgm:pt>
+    <dgm:pt modelId="{7C2E623D-5428-430F-A71F-7D06D16CEE52}" type="pres">
+      <dgm:prSet presAssocID="{64849BD2-AF21-4375-A9E9-958851F0C5FC}" presName="node" presStyleLbl="node1" presStyleIdx="9" presStyleCnt="15">
         <dgm:presLayoutVars>
           <dgm:bulletEnabled val="1"/>
         </dgm:presLayoutVars>
       </dgm:prSet>
       <dgm:spPr/>
     </dgm:pt>
-    <dgm:pt modelId="{DB5E067C-E36B-46B2-949C-6410ED5A98B5}" type="pres">
-      <dgm:prSet presAssocID="{1D0C0F83-6D5A-4508-A758-BD180BFF9514}" presName="sibTrans" presStyleCnt="0"/>
-      <dgm:spPr/>
-    </dgm:pt>
-    <dgm:pt modelId="{5921AB65-C18A-4165-910D-F50FE10D42FD}" type="pres">
-      <dgm:prSet presAssocID="{94982383-17CC-4FA1-BF31-460544D1CB5B}" presName="node" presStyleLbl="node1" presStyleIdx="10" presStyleCnt="15">
+    <dgm:pt modelId="{D2E4882F-1129-4211-B0C2-C64F747CD577}" type="pres">
+      <dgm:prSet presAssocID="{C8E8953A-FE51-42B6-B55A-06EED975CAF6}" presName="sibTrans" presStyleCnt="0"/>
+      <dgm:spPr/>
+    </dgm:pt>
+    <dgm:pt modelId="{8ACB8FA8-5D25-4569-992A-0B9E3855EC63}" type="pres">
+      <dgm:prSet presAssocID="{94AD4372-2744-4C21-9D24-9F2FF916AE43}" presName="node" presStyleLbl="node1" presStyleIdx="10" presStyleCnt="15">
         <dgm:presLayoutVars>
           <dgm:bulletEnabled val="1"/>
         </dgm:presLayoutVars>
       </dgm:prSet>
       <dgm:spPr/>
     </dgm:pt>
-    <dgm:pt modelId="{4BD98E6F-E85E-4DF9-97C4-EE55C320D2E6}" type="pres">
-      <dgm:prSet presAssocID="{0C73DD7C-51A5-4098-A959-A4A799A59242}" presName="sibTrans" presStyleCnt="0"/>
-      <dgm:spPr/>
-    </dgm:pt>
-    <dgm:pt modelId="{020E6045-16D0-4598-8E22-7071105955E4}" type="pres">
-      <dgm:prSet presAssocID="{2558E2A9-AA6B-4448-B7E9-6F9B2A1EED43}" presName="node" presStyleLbl="node1" presStyleIdx="11" presStyleCnt="15">
+    <dgm:pt modelId="{1171D0FD-500B-4084-95A9-A6CDC2463244}" type="pres">
+      <dgm:prSet presAssocID="{ACF03389-2B6C-4DB2-AC85-A0EB197C8B58}" presName="sibTrans" presStyleCnt="0"/>
+      <dgm:spPr/>
+    </dgm:pt>
+    <dgm:pt modelId="{EF447D25-1161-4BCC-BBB1-68050A6C9A6E}" type="pres">
+      <dgm:prSet presAssocID="{324E6807-D0E6-4048-8367-D2284192343B}" presName="node" presStyleLbl="node1" presStyleIdx="11" presStyleCnt="15">
         <dgm:presLayoutVars>
           <dgm:bulletEnabled val="1"/>
         </dgm:presLayoutVars>
       </dgm:prSet>
       <dgm:spPr/>
     </dgm:pt>
-    <dgm:pt modelId="{0085732D-17B4-4DED-9BF8-E45A849F3B64}" type="pres">
-      <dgm:prSet presAssocID="{E9E41B03-D5CD-4C23-AC7E-B27DBB39D68D}" presName="sibTrans" presStyleCnt="0"/>
-      <dgm:spPr/>
-    </dgm:pt>
-    <dgm:pt modelId="{12A566A0-016D-4E7E-807F-CCA28B1A911B}" type="pres">
-      <dgm:prSet presAssocID="{9B58DEE3-19F6-4AA9-9B94-74E9688BBBAB}" presName="node" presStyleLbl="node1" presStyleIdx="12" presStyleCnt="15">
+    <dgm:pt modelId="{A106C3D2-22A3-487D-B978-FE433197F97D}" type="pres">
+      <dgm:prSet presAssocID="{498B0BA0-BBC0-49BE-B0A8-F87DCEC6EB05}" presName="sibTrans" presStyleCnt="0"/>
+      <dgm:spPr/>
+    </dgm:pt>
+    <dgm:pt modelId="{5C73FEE6-1B30-4FE4-8FAC-1054F6A34EB4}" type="pres">
+      <dgm:prSet presAssocID="{CD66C24A-D33C-421B-8150-B55199851B0E}" presName="node" presStyleLbl="node1" presStyleIdx="12" presStyleCnt="15">
         <dgm:presLayoutVars>
           <dgm:bulletEnabled val="1"/>
         </dgm:presLayoutVars>
       </dgm:prSet>
       <dgm:spPr/>
     </dgm:pt>
-    <dgm:pt modelId="{333E2A37-426A-47EC-A9F3-816E579A3A35}" type="pres">
-      <dgm:prSet presAssocID="{F07575BA-E777-47EC-B823-20FB2DBD29E8}" presName="sibTrans" presStyleCnt="0"/>
-      <dgm:spPr/>
-    </dgm:pt>
-    <dgm:pt modelId="{B902DA31-663A-4A83-B923-29C881AA7E50}" type="pres">
-      <dgm:prSet presAssocID="{F96CD77A-B324-46F1-9CA6-34827D31BE08}" presName="node" presStyleLbl="node1" presStyleIdx="13" presStyleCnt="15">
+    <dgm:pt modelId="{19678B69-6B62-485B-A682-E75E9127AE59}" type="pres">
+      <dgm:prSet presAssocID="{59D4CCA5-0739-489A-886C-C870DC264D5B}" presName="sibTrans" presStyleCnt="0"/>
+      <dgm:spPr/>
+    </dgm:pt>
+    <dgm:pt modelId="{F3195ECC-F472-408F-87F4-7A3921F5513D}" type="pres">
+      <dgm:prSet presAssocID="{DEAC9864-4B96-4DBB-AC38-961EFBEB42E4}" presName="node" presStyleLbl="node1" presStyleIdx="13" presStyleCnt="15">
         <dgm:presLayoutVars>
           <dgm:bulletEnabled val="1"/>
         </dgm:presLayoutVars>
       </dgm:prSet>
       <dgm:spPr/>
     </dgm:pt>
-    <dgm:pt modelId="{705B633A-9C06-45F0-AFFE-5CD399ED671D}" type="pres">
-      <dgm:prSet presAssocID="{ED4E4717-ECF7-47E7-804E-59E135A916C9}" presName="sibTrans" presStyleCnt="0"/>
-      <dgm:spPr/>
-    </dgm:pt>
-    <dgm:pt modelId="{E79D1C23-9DAA-4E8B-9A33-8A696EBC6435}" type="pres">
-      <dgm:prSet presAssocID="{6B1B4816-746D-4817-9CCE-215A11224816}" presName="node" presStyleLbl="node1" presStyleIdx="14" presStyleCnt="15">
+    <dgm:pt modelId="{5A910B3F-2F15-4C92-A9B5-31AE0A7CB897}" type="pres">
+      <dgm:prSet presAssocID="{08EE7A8F-2BED-46D3-9E70-01161069AEE1}" presName="sibTrans" presStyleCnt="0"/>
+      <dgm:spPr/>
+    </dgm:pt>
+    <dgm:pt modelId="{83134174-6B49-4D98-BFDD-2AC145C09DD9}" type="pres">
+      <dgm:prSet presAssocID="{A103FCC0-DF71-41C6-8395-C3C2FF9E3FD8}" presName="node" presStyleLbl="node1" presStyleIdx="14" presStyleCnt="15">
         <dgm:presLayoutVars>
           <dgm:bulletEnabled val="1"/>
         </dgm:presLayoutVars>
@@ -8569,1212 +7688,17 @@
     </dgm:pt>
   </dgm:ptLst>
   <dgm:cxnLst>
-    <dgm:cxn modelId="{5CB67A0C-DA57-48A9-B18D-4A159B8E464E}" type="presOf" srcId="{A74C1646-E4E3-4C27-951F-7346190B51C9}" destId="{E0218DCB-3EF1-4AB3-95B4-7A11ED6D094C}" srcOrd="0" destOrd="0" presId="urn:microsoft.com/office/officeart/2005/8/layout/default"/>
-    <dgm:cxn modelId="{FB6ED021-3363-464E-A6BF-2F75CC533678}" type="presOf" srcId="{C54F5361-285B-42E6-8F81-A7C032D9CAFF}" destId="{4D999559-19D5-460B-9928-0B9D885782C0}" srcOrd="0" destOrd="0" presId="urn:microsoft.com/office/officeart/2005/8/layout/default"/>
-    <dgm:cxn modelId="{4C1D6F2B-A18D-4FA4-ABAF-A5F4D3684C72}" type="presOf" srcId="{F96CD77A-B324-46F1-9CA6-34827D31BE08}" destId="{B902DA31-663A-4A83-B923-29C881AA7E50}" srcOrd="0" destOrd="0" presId="urn:microsoft.com/office/officeart/2005/8/layout/default"/>
-    <dgm:cxn modelId="{5C8F322D-84BF-482F-940C-30A48E590407}" type="presOf" srcId="{858D758D-C9DA-4221-8831-DADF75F6DB97}" destId="{E53D8AE9-C679-4CEF-85A0-C6D81F0DFFA7}" srcOrd="0" destOrd="0" presId="urn:microsoft.com/office/officeart/2005/8/layout/default"/>
-    <dgm:cxn modelId="{70FA6533-F3B0-4C5F-A552-71137A73E193}" srcId="{C54F5361-285B-42E6-8F81-A7C032D9CAFF}" destId="{6B1B4816-746D-4817-9CCE-215A11224816}" srcOrd="14" destOrd="0" parTransId="{3F92DF26-1BEB-4937-A0E9-E7FC8836E71A}" sibTransId="{586664AA-EC64-45F5-A5CD-886F220A2188}"/>
-    <dgm:cxn modelId="{328F3E34-5880-4F08-A6A1-6600EC9CAD25}" type="presOf" srcId="{34468C09-C195-4A26-B353-44272B5ECFEF}" destId="{BF736633-F066-44EB-979E-FEBD02683B3A}" srcOrd="0" destOrd="0" presId="urn:microsoft.com/office/officeart/2005/8/layout/default"/>
-    <dgm:cxn modelId="{D429793B-D82D-42C7-B541-16ECFA1130B4}" srcId="{C54F5361-285B-42E6-8F81-A7C032D9CAFF}" destId="{C910669E-1A5A-41AB-B20E-B2C5E55E5648}" srcOrd="5" destOrd="0" parTransId="{BB653903-133B-4C93-9236-14AD5755BEFB}" sibTransId="{6ABD08CC-0BA0-4EC9-ABFB-E5EA1C21BA23}"/>
-    <dgm:cxn modelId="{7CE06C3F-3961-46A8-A523-FE9759D8D91D}" type="presOf" srcId="{9B58DEE3-19F6-4AA9-9B94-74E9688BBBAB}" destId="{12A566A0-016D-4E7E-807F-CCA28B1A911B}" srcOrd="0" destOrd="0" presId="urn:microsoft.com/office/officeart/2005/8/layout/default"/>
-    <dgm:cxn modelId="{0A3FB748-44F9-4B6A-B94C-C304126F240D}" srcId="{C54F5361-285B-42E6-8F81-A7C032D9CAFF}" destId="{9B58DEE3-19F6-4AA9-9B94-74E9688BBBAB}" srcOrd="12" destOrd="0" parTransId="{056F07B3-293E-48AA-9136-8D43599A1D45}" sibTransId="{F07575BA-E777-47EC-B823-20FB2DBD29E8}"/>
-    <dgm:cxn modelId="{ED8AFF68-B3D7-4069-8B1F-1C5EF43C0FC0}" type="presOf" srcId="{59B43E59-FCC5-416F-A752-F2D4339E32D9}" destId="{B9253B80-6197-4E0E-B601-E00911656F3B}" srcOrd="0" destOrd="0" presId="urn:microsoft.com/office/officeart/2005/8/layout/default"/>
-    <dgm:cxn modelId="{CE2AC349-52CF-4251-B96E-DAA944446A6A}" srcId="{C54F5361-285B-42E6-8F81-A7C032D9CAFF}" destId="{5CF01BD3-67F1-4C10-AEEC-691531F06020}" srcOrd="7" destOrd="0" parTransId="{D6D7ECB3-E40A-4A14-AADC-39BD9909AACB}" sibTransId="{E5C13F92-AEC6-48CD-8DF9-26373A46C5B3}"/>
-    <dgm:cxn modelId="{AD3CB96E-5E09-47AF-B473-56F6609ED484}" srcId="{C54F5361-285B-42E6-8F81-A7C032D9CAFF}" destId="{C5760B50-D3C1-4CA8-80BC-EC95543EE96E}" srcOrd="6" destOrd="0" parTransId="{71BA7449-F38A-4099-9CE3-B6184FD4D011}" sibTransId="{6030E1F5-2454-4A3F-A954-DD18B779E7D8}"/>
-    <dgm:cxn modelId="{05275671-516C-479A-9FE7-F7722BEACE99}" type="presOf" srcId="{C910669E-1A5A-41AB-B20E-B2C5E55E5648}" destId="{26E81FF2-DFC7-4FEE-9A9D-032C37A9DFC6}" srcOrd="0" destOrd="0" presId="urn:microsoft.com/office/officeart/2005/8/layout/default"/>
-    <dgm:cxn modelId="{83EC4A53-D9D5-4FF4-B862-FC9E0623DE8D}" srcId="{C54F5361-285B-42E6-8F81-A7C032D9CAFF}" destId="{34468C09-C195-4A26-B353-44272B5ECFEF}" srcOrd="4" destOrd="0" parTransId="{53EDA3D2-2944-4009-8A70-AE9D1BC99C0C}" sibTransId="{29C89598-C5A6-452A-A4EE-618BC6ED5118}"/>
-    <dgm:cxn modelId="{70A5FF7A-ECD8-4289-A1D6-9A4FEA40C366}" srcId="{C54F5361-285B-42E6-8F81-A7C032D9CAFF}" destId="{94982383-17CC-4FA1-BF31-460544D1CB5B}" srcOrd="10" destOrd="0" parTransId="{7A2E2447-B9A4-4EF0-89BF-9AE4F1E24F5F}" sibTransId="{0C73DD7C-51A5-4098-A959-A4A799A59242}"/>
-    <dgm:cxn modelId="{C7905180-D8B8-4C1D-90CB-D7AB350FCE37}" srcId="{C54F5361-285B-42E6-8F81-A7C032D9CAFF}" destId="{A74C1646-E4E3-4C27-951F-7346190B51C9}" srcOrd="9" destOrd="0" parTransId="{D866C51B-CCD0-4D0C-963F-BA7782C2C5BC}" sibTransId="{1D0C0F83-6D5A-4508-A758-BD180BFF9514}"/>
-    <dgm:cxn modelId="{A24E0D8F-6753-4028-B4BE-10AA5A1851B9}" srcId="{C54F5361-285B-42E6-8F81-A7C032D9CAFF}" destId="{858D758D-C9DA-4221-8831-DADF75F6DB97}" srcOrd="0" destOrd="0" parTransId="{E51EAC58-5F25-453A-AAC0-6382B2449A9F}" sibTransId="{773D25EE-8080-43B2-ADB7-03E0CE8B0BE4}"/>
-    <dgm:cxn modelId="{2C4C4793-A190-4164-BA62-34A18395E69C}" srcId="{C54F5361-285B-42E6-8F81-A7C032D9CAFF}" destId="{92852672-F7B4-4656-9E0E-6912978EF091}" srcOrd="2" destOrd="0" parTransId="{278C752F-0F66-4E04-982C-A4E41FAE29CF}" sibTransId="{C0D68E3F-6C69-4733-BF7E-428F99DDA5B4}"/>
-    <dgm:cxn modelId="{9F3CDCA1-891B-41F7-AADC-66D7B00CE15D}" type="presOf" srcId="{AFDBC555-A382-4B76-88D5-FC00FAE82BCF}" destId="{4621EB31-FAB1-4B63-8F28-A4088EBE4CFE}" srcOrd="0" destOrd="0" presId="urn:microsoft.com/office/officeart/2005/8/layout/default"/>
-    <dgm:cxn modelId="{4FBC24B3-2A03-4D2F-9158-BA1129948DF1}" type="presOf" srcId="{A81C299B-E658-468F-91B1-6A7199088BFD}" destId="{8D53FBFF-E7EC-4A80-BFD5-A3D7FFA4DF74}" srcOrd="0" destOrd="0" presId="urn:microsoft.com/office/officeart/2005/8/layout/default"/>
-    <dgm:cxn modelId="{72C57FB4-6CE3-44E7-A49A-5531087B849D}" type="presOf" srcId="{94982383-17CC-4FA1-BF31-460544D1CB5B}" destId="{5921AB65-C18A-4165-910D-F50FE10D42FD}" srcOrd="0" destOrd="0" presId="urn:microsoft.com/office/officeart/2005/8/layout/default"/>
-    <dgm:cxn modelId="{C38F55BB-A22E-4C08-A8A9-18DB31737D23}" srcId="{C54F5361-285B-42E6-8F81-A7C032D9CAFF}" destId="{AFDBC555-A382-4B76-88D5-FC00FAE82BCF}" srcOrd="1" destOrd="0" parTransId="{FD3F6762-DA98-4C3F-9673-88A331F55650}" sibTransId="{90C763FE-1538-4EAB-8116-82DFB6C392F2}"/>
-    <dgm:cxn modelId="{1CB50BCA-7E1B-40BA-A470-0A237EDF3310}" srcId="{C54F5361-285B-42E6-8F81-A7C032D9CAFF}" destId="{2558E2A9-AA6B-4448-B7E9-6F9B2A1EED43}" srcOrd="11" destOrd="0" parTransId="{2DEA2A81-D5D5-437F-BF06-669DA0CBF7E0}" sibTransId="{E9E41B03-D5CD-4C23-AC7E-B27DBB39D68D}"/>
-    <dgm:cxn modelId="{59ADAFD6-3D0B-4F73-940A-F252815F1190}" type="presOf" srcId="{C5760B50-D3C1-4CA8-80BC-EC95543EE96E}" destId="{D74C527B-081F-464E-BE50-12AB8DEF2C17}" srcOrd="0" destOrd="0" presId="urn:microsoft.com/office/officeart/2005/8/layout/default"/>
-    <dgm:cxn modelId="{1D9A3ADC-801D-4E15-8A26-A53A4288AB13}" srcId="{C54F5361-285B-42E6-8F81-A7C032D9CAFF}" destId="{59B43E59-FCC5-416F-A752-F2D4339E32D9}" srcOrd="3" destOrd="0" parTransId="{5102581F-4BF6-4AE4-9EA3-276724A05B3A}" sibTransId="{A20D4905-7C90-47EE-A16D-FFFB50738CA1}"/>
-    <dgm:cxn modelId="{9768F3E1-F645-4FCB-805C-ACC4BD5AD87C}" type="presOf" srcId="{2558E2A9-AA6B-4448-B7E9-6F9B2A1EED43}" destId="{020E6045-16D0-4598-8E22-7071105955E4}" srcOrd="0" destOrd="0" presId="urn:microsoft.com/office/officeart/2005/8/layout/default"/>
-    <dgm:cxn modelId="{9922A6E5-9735-46B3-A32A-BB9ED12CE2F5}" type="presOf" srcId="{6B1B4816-746D-4817-9CCE-215A11224816}" destId="{E79D1C23-9DAA-4E8B-9A33-8A696EBC6435}" srcOrd="0" destOrd="0" presId="urn:microsoft.com/office/officeart/2005/8/layout/default"/>
-    <dgm:cxn modelId="{4A17B4E5-6D57-4960-A1C0-72F18C3B00DD}" type="presOf" srcId="{5CF01BD3-67F1-4C10-AEEC-691531F06020}" destId="{BA9FFCFC-F8AB-4C78-BAB8-C87455611AEA}" srcOrd="0" destOrd="0" presId="urn:microsoft.com/office/officeart/2005/8/layout/default"/>
-    <dgm:cxn modelId="{200368E9-941D-4CDC-B2E1-624457F5E317}" srcId="{C54F5361-285B-42E6-8F81-A7C032D9CAFF}" destId="{A81C299B-E658-468F-91B1-6A7199088BFD}" srcOrd="8" destOrd="0" parTransId="{C86EE499-0FB7-4730-A7E1-2C266B73761C}" sibTransId="{276FBFAF-B493-4553-8EBC-821A1839D89A}"/>
-    <dgm:cxn modelId="{8B804EE9-F8D9-4DD8-816A-D8BD2A8979AE}" type="presOf" srcId="{92852672-F7B4-4656-9E0E-6912978EF091}" destId="{42D47529-8A71-462E-80C6-C5B416BF28BD}" srcOrd="0" destOrd="0" presId="urn:microsoft.com/office/officeart/2005/8/layout/default"/>
-    <dgm:cxn modelId="{27A7DAEE-D401-4A17-8B1E-4F260C6EC8F5}" srcId="{C54F5361-285B-42E6-8F81-A7C032D9CAFF}" destId="{F96CD77A-B324-46F1-9CA6-34827D31BE08}" srcOrd="13" destOrd="0" parTransId="{7833D423-AB87-4E70-B283-CD08753A22A1}" sibTransId="{ED4E4717-ECF7-47E7-804E-59E135A916C9}"/>
-    <dgm:cxn modelId="{B3376EC6-5EDB-48EE-ABB8-63316DB0EA2F}" type="presParOf" srcId="{4D999559-19D5-460B-9928-0B9D885782C0}" destId="{E53D8AE9-C679-4CEF-85A0-C6D81F0DFFA7}" srcOrd="0" destOrd="0" presId="urn:microsoft.com/office/officeart/2005/8/layout/default"/>
-    <dgm:cxn modelId="{9D13FA44-BBA3-4C91-A917-DA24BE18F625}" type="presParOf" srcId="{4D999559-19D5-460B-9928-0B9D885782C0}" destId="{71A0E8DC-579C-4B83-BFBC-ADB2E9BCED14}" srcOrd="1" destOrd="0" presId="urn:microsoft.com/office/officeart/2005/8/layout/default"/>
-    <dgm:cxn modelId="{CC2511D0-0AA6-4D26-9DE6-F2123C4FB62E}" type="presParOf" srcId="{4D999559-19D5-460B-9928-0B9D885782C0}" destId="{4621EB31-FAB1-4B63-8F28-A4088EBE4CFE}" srcOrd="2" destOrd="0" presId="urn:microsoft.com/office/officeart/2005/8/layout/default"/>
-    <dgm:cxn modelId="{CCCD18B7-B645-44FE-9A81-C9CDEA1A42BB}" type="presParOf" srcId="{4D999559-19D5-460B-9928-0B9D885782C0}" destId="{B31FBC52-FB5E-4299-A9B8-ED33A04711C0}" srcOrd="3" destOrd="0" presId="urn:microsoft.com/office/officeart/2005/8/layout/default"/>
-    <dgm:cxn modelId="{978C4158-29EE-4FBE-B54C-17D9F1714FE6}" type="presParOf" srcId="{4D999559-19D5-460B-9928-0B9D885782C0}" destId="{42D47529-8A71-462E-80C6-C5B416BF28BD}" srcOrd="4" destOrd="0" presId="urn:microsoft.com/office/officeart/2005/8/layout/default"/>
-    <dgm:cxn modelId="{8D33DD6D-0033-46DC-AA33-8B5AFAABCCAE}" type="presParOf" srcId="{4D999559-19D5-460B-9928-0B9D885782C0}" destId="{40610112-9FA8-4964-9D6D-7821C217AD1B}" srcOrd="5" destOrd="0" presId="urn:microsoft.com/office/officeart/2005/8/layout/default"/>
-    <dgm:cxn modelId="{DF7647ED-AAFE-4E12-BFF9-CEFF9A730AD7}" type="presParOf" srcId="{4D999559-19D5-460B-9928-0B9D885782C0}" destId="{B9253B80-6197-4E0E-B601-E00911656F3B}" srcOrd="6" destOrd="0" presId="urn:microsoft.com/office/officeart/2005/8/layout/default"/>
-    <dgm:cxn modelId="{CBB3B98A-8706-4E4F-960D-B3411812AFD1}" type="presParOf" srcId="{4D999559-19D5-460B-9928-0B9D885782C0}" destId="{6D60937D-A03A-46F4-ACBB-776AA01E60FB}" srcOrd="7" destOrd="0" presId="urn:microsoft.com/office/officeart/2005/8/layout/default"/>
-    <dgm:cxn modelId="{5F7C8913-8869-4758-B922-058C619E430B}" type="presParOf" srcId="{4D999559-19D5-460B-9928-0B9D885782C0}" destId="{BF736633-F066-44EB-979E-FEBD02683B3A}" srcOrd="8" destOrd="0" presId="urn:microsoft.com/office/officeart/2005/8/layout/default"/>
-    <dgm:cxn modelId="{7EF87F18-4C64-481C-986E-322EF6FBB5A7}" type="presParOf" srcId="{4D999559-19D5-460B-9928-0B9D885782C0}" destId="{96040BBA-44CA-4583-A223-2A42B249286B}" srcOrd="9" destOrd="0" presId="urn:microsoft.com/office/officeart/2005/8/layout/default"/>
-    <dgm:cxn modelId="{153240E4-28CB-478D-A40A-6085B60387E9}" type="presParOf" srcId="{4D999559-19D5-460B-9928-0B9D885782C0}" destId="{26E81FF2-DFC7-4FEE-9A9D-032C37A9DFC6}" srcOrd="10" destOrd="0" presId="urn:microsoft.com/office/officeart/2005/8/layout/default"/>
-    <dgm:cxn modelId="{3416AECC-AF22-4C97-B326-B9C9FD9E2A2E}" type="presParOf" srcId="{4D999559-19D5-460B-9928-0B9D885782C0}" destId="{8D74FC5C-0690-4D83-8694-4B04FBAF5A68}" srcOrd="11" destOrd="0" presId="urn:microsoft.com/office/officeart/2005/8/layout/default"/>
-    <dgm:cxn modelId="{556A1EB0-7AEF-40C2-B001-5EE0C20BDDAE}" type="presParOf" srcId="{4D999559-19D5-460B-9928-0B9D885782C0}" destId="{D74C527B-081F-464E-BE50-12AB8DEF2C17}" srcOrd="12" destOrd="0" presId="urn:microsoft.com/office/officeart/2005/8/layout/default"/>
-    <dgm:cxn modelId="{57D559D6-DE21-4477-B0FF-6DFE4DCF8361}" type="presParOf" srcId="{4D999559-19D5-460B-9928-0B9D885782C0}" destId="{8785FD01-F2BD-46E3-8DAB-3CEBD32ED0D3}" srcOrd="13" destOrd="0" presId="urn:microsoft.com/office/officeart/2005/8/layout/default"/>
-    <dgm:cxn modelId="{F01668EC-FC5D-428B-BB98-A7D3941F5575}" type="presParOf" srcId="{4D999559-19D5-460B-9928-0B9D885782C0}" destId="{BA9FFCFC-F8AB-4C78-BAB8-C87455611AEA}" srcOrd="14" destOrd="0" presId="urn:microsoft.com/office/officeart/2005/8/layout/default"/>
-    <dgm:cxn modelId="{670D9B3B-87F0-481C-A04A-9ED6CEFAF0B1}" type="presParOf" srcId="{4D999559-19D5-460B-9928-0B9D885782C0}" destId="{27B900CD-99AC-4880-9E80-10D7D45EA760}" srcOrd="15" destOrd="0" presId="urn:microsoft.com/office/officeart/2005/8/layout/default"/>
-    <dgm:cxn modelId="{86E771FB-064D-4988-9142-69B729ECB060}" type="presParOf" srcId="{4D999559-19D5-460B-9928-0B9D885782C0}" destId="{8D53FBFF-E7EC-4A80-BFD5-A3D7FFA4DF74}" srcOrd="16" destOrd="0" presId="urn:microsoft.com/office/officeart/2005/8/layout/default"/>
-    <dgm:cxn modelId="{F07DDA50-0F82-4E52-ADB8-65435A40B9A2}" type="presParOf" srcId="{4D999559-19D5-460B-9928-0B9D885782C0}" destId="{DF081DFE-B333-4994-868C-17CC1BE50908}" srcOrd="17" destOrd="0" presId="urn:microsoft.com/office/officeart/2005/8/layout/default"/>
-    <dgm:cxn modelId="{8EC21ED2-EBD2-4231-BBBA-32B0080F5940}" type="presParOf" srcId="{4D999559-19D5-460B-9928-0B9D885782C0}" destId="{E0218DCB-3EF1-4AB3-95B4-7A11ED6D094C}" srcOrd="18" destOrd="0" presId="urn:microsoft.com/office/officeart/2005/8/layout/default"/>
-    <dgm:cxn modelId="{4E52B4C6-5922-45AF-BFE5-807A642A590B}" type="presParOf" srcId="{4D999559-19D5-460B-9928-0B9D885782C0}" destId="{DB5E067C-E36B-46B2-949C-6410ED5A98B5}" srcOrd="19" destOrd="0" presId="urn:microsoft.com/office/officeart/2005/8/layout/default"/>
-    <dgm:cxn modelId="{97B4773A-4FBE-496A-BE72-63633163FA9D}" type="presParOf" srcId="{4D999559-19D5-460B-9928-0B9D885782C0}" destId="{5921AB65-C18A-4165-910D-F50FE10D42FD}" srcOrd="20" destOrd="0" presId="urn:microsoft.com/office/officeart/2005/8/layout/default"/>
-    <dgm:cxn modelId="{254B74C2-DFF0-45CD-B5D8-458D6DC0264A}" type="presParOf" srcId="{4D999559-19D5-460B-9928-0B9D885782C0}" destId="{4BD98E6F-E85E-4DF9-97C4-EE55C320D2E6}" srcOrd="21" destOrd="0" presId="urn:microsoft.com/office/officeart/2005/8/layout/default"/>
-    <dgm:cxn modelId="{63864717-8D33-42EE-88F1-3A4E9F8E63C4}" type="presParOf" srcId="{4D999559-19D5-460B-9928-0B9D885782C0}" destId="{020E6045-16D0-4598-8E22-7071105955E4}" srcOrd="22" destOrd="0" presId="urn:microsoft.com/office/officeart/2005/8/layout/default"/>
-    <dgm:cxn modelId="{F20CBFA8-349C-42C2-9F08-2F974C5B1012}" type="presParOf" srcId="{4D999559-19D5-460B-9928-0B9D885782C0}" destId="{0085732D-17B4-4DED-9BF8-E45A849F3B64}" srcOrd="23" destOrd="0" presId="urn:microsoft.com/office/officeart/2005/8/layout/default"/>
-    <dgm:cxn modelId="{488BE198-A626-4B39-8702-F1F358954965}" type="presParOf" srcId="{4D999559-19D5-460B-9928-0B9D885782C0}" destId="{12A566A0-016D-4E7E-807F-CCA28B1A911B}" srcOrd="24" destOrd="0" presId="urn:microsoft.com/office/officeart/2005/8/layout/default"/>
-    <dgm:cxn modelId="{8756A07D-B782-4390-AEDB-7384F62A6A04}" type="presParOf" srcId="{4D999559-19D5-460B-9928-0B9D885782C0}" destId="{333E2A37-426A-47EC-A9F3-816E579A3A35}" srcOrd="25" destOrd="0" presId="urn:microsoft.com/office/officeart/2005/8/layout/default"/>
-    <dgm:cxn modelId="{EAB12FFD-49F4-43A4-9EA5-0C62DF0D6CC4}" type="presParOf" srcId="{4D999559-19D5-460B-9928-0B9D885782C0}" destId="{B902DA31-663A-4A83-B923-29C881AA7E50}" srcOrd="26" destOrd="0" presId="urn:microsoft.com/office/officeart/2005/8/layout/default"/>
-    <dgm:cxn modelId="{F9D75DFB-77A3-4D36-89E9-E413F577D157}" type="presParOf" srcId="{4D999559-19D5-460B-9928-0B9D885782C0}" destId="{705B633A-9C06-45F0-AFFE-5CD399ED671D}" srcOrd="27" destOrd="0" presId="urn:microsoft.com/office/officeart/2005/8/layout/default"/>
-    <dgm:cxn modelId="{328EFE4E-2E4C-4541-8DED-CD7D87DFE468}" type="presParOf" srcId="{4D999559-19D5-460B-9928-0B9D885782C0}" destId="{E79D1C23-9DAA-4E8B-9A33-8A696EBC6435}" srcOrd="28" destOrd="0" presId="urn:microsoft.com/office/officeart/2005/8/layout/default"/>
-  </dgm:cxnLst>
-  <dgm:bg/>
-  <dgm:whole/>
-  <dgm:extLst>
-    <a:ext uri="http://schemas.microsoft.com/office/drawing/2008/diagram">
-      <dsp:dataModelExt xmlns:dsp="http://schemas.microsoft.com/office/drawing/2008/diagram" relId="rId6" minVer="http://schemas.openxmlformats.org/drawingml/2006/diagram"/>
-    </a:ext>
-  </dgm:extLst>
-</dgm:dataModel>
-</file>
-
-<file path=ppt/diagrams/data5.xml><?xml version="1.0" encoding="utf-8"?>
-<dgm:dataModel xmlns:dgm="http://schemas.openxmlformats.org/drawingml/2006/diagram" xmlns:a="http://schemas.openxmlformats.org/drawingml/2006/main">
-  <dgm:ptLst>
-    <dgm:pt modelId="{C54F5361-285B-42E6-8F81-A7C032D9CAFF}" type="doc">
-      <dgm:prSet loTypeId="urn:microsoft.com/office/officeart/2005/8/layout/default" loCatId="list" qsTypeId="urn:microsoft.com/office/officeart/2005/8/quickstyle/simple1" qsCatId="simple" csTypeId="urn:microsoft.com/office/officeart/2005/8/colors/colorful1" csCatId="colorful" phldr="1"/>
-      <dgm:spPr/>
-      <dgm:t>
-        <a:bodyPr/>
-        <a:lstStyle/>
-        <a:p>
-          <a:endParaRPr lang="en-US"/>
-        </a:p>
-      </dgm:t>
-    </dgm:pt>
-    <dgm:pt modelId="{858D758D-C9DA-4221-8831-DADF75F6DB97}">
-      <dgm:prSet/>
-      <dgm:spPr/>
-      <dgm:t>
-        <a:bodyPr/>
-        <a:lstStyle/>
-        <a:p>
-          <a:r>
-            <a:rPr lang="en-IN" b="1"/>
-            <a:t>52. List.Random</a:t>
-          </a:r>
-          <a:endParaRPr lang="en-US"/>
-        </a:p>
-      </dgm:t>
-    </dgm:pt>
-    <dgm:pt modelId="{E51EAC58-5F25-453A-AAC0-6382B2449A9F}" type="parTrans" cxnId="{A24E0D8F-6753-4028-B4BE-10AA5A1851B9}">
-      <dgm:prSet/>
-      <dgm:spPr/>
-      <dgm:t>
-        <a:bodyPr/>
-        <a:lstStyle/>
-        <a:p>
-          <a:endParaRPr lang="en-US"/>
-        </a:p>
-      </dgm:t>
-    </dgm:pt>
-    <dgm:pt modelId="{773D25EE-8080-43B2-ADB7-03E0CE8B0BE4}" type="sibTrans" cxnId="{A24E0D8F-6753-4028-B4BE-10AA5A1851B9}">
-      <dgm:prSet/>
-      <dgm:spPr/>
-      <dgm:t>
-        <a:bodyPr/>
-        <a:lstStyle/>
-        <a:p>
-          <a:endParaRPr lang="en-US"/>
-        </a:p>
-      </dgm:t>
-    </dgm:pt>
-    <dgm:pt modelId="{08C3A108-1BD4-4263-B249-8B13C9CEB65E}">
-      <dgm:prSet/>
-      <dgm:spPr/>
-      <dgm:t>
-        <a:bodyPr/>
-        <a:lstStyle/>
-        <a:p>
-          <a:pPr>
-            <a:buFont typeface="Arial" panose="020B0604020202020204" pitchFamily="34" charset="0"/>
-            <a:buChar char="•"/>
-          </a:pPr>
-          <a:r>
-            <a:rPr lang="en-US" b="1"/>
-            <a:t>Description</a:t>
-          </a:r>
-          <a:r>
-            <a:rPr lang="en-US"/>
-            <a:t>: Generates a list of random numbers.</a:t>
-          </a:r>
-        </a:p>
-      </dgm:t>
-    </dgm:pt>
-    <dgm:pt modelId="{0FDC3C31-E26D-43AB-BFB9-1D79A9DDFCFC}" type="parTrans" cxnId="{60D5241B-87A8-49A6-BE1C-108AB83D1D96}">
-      <dgm:prSet/>
-      <dgm:spPr/>
-      <dgm:t>
-        <a:bodyPr/>
-        <a:lstStyle/>
-        <a:p>
-          <a:endParaRPr lang="en-IN"/>
-        </a:p>
-      </dgm:t>
-    </dgm:pt>
-    <dgm:pt modelId="{8CA69546-65DE-446C-902E-A9E956CB2794}" type="sibTrans" cxnId="{60D5241B-87A8-49A6-BE1C-108AB83D1D96}">
-      <dgm:prSet/>
-      <dgm:spPr/>
-      <dgm:t>
-        <a:bodyPr/>
-        <a:lstStyle/>
-        <a:p>
-          <a:endParaRPr lang="en-IN"/>
-        </a:p>
-      </dgm:t>
-    </dgm:pt>
-    <dgm:pt modelId="{D9E6834F-5DA4-45CD-B7A6-F843E4FB10F7}">
-      <dgm:prSet/>
-      <dgm:spPr/>
-      <dgm:t>
-        <a:bodyPr/>
-        <a:lstStyle/>
-        <a:p>
-          <a:pPr>
-            <a:buFont typeface="Arial" panose="020B0604020202020204" pitchFamily="34" charset="0"/>
-            <a:buChar char="•"/>
-          </a:pPr>
-          <a:r>
-            <a:rPr lang="en-IN" b="1"/>
-            <a:t>Example</a:t>
-          </a:r>
-          <a:r>
-            <a:rPr lang="en-IN"/>
-            <a:t>: List.Random(5)</a:t>
-          </a:r>
-        </a:p>
-      </dgm:t>
-    </dgm:pt>
-    <dgm:pt modelId="{0B20C384-F672-4942-A466-44D0708068BE}" type="parTrans" cxnId="{7A9F81F7-D6C1-44BE-91E0-5D64FDE182CC}">
-      <dgm:prSet/>
-      <dgm:spPr/>
-      <dgm:t>
-        <a:bodyPr/>
-        <a:lstStyle/>
-        <a:p>
-          <a:endParaRPr lang="en-IN"/>
-        </a:p>
-      </dgm:t>
-    </dgm:pt>
-    <dgm:pt modelId="{258E67FF-F8C9-44D6-8B07-E1708D5060E8}" type="sibTrans" cxnId="{7A9F81F7-D6C1-44BE-91E0-5D64FDE182CC}">
-      <dgm:prSet/>
-      <dgm:spPr/>
-      <dgm:t>
-        <a:bodyPr/>
-        <a:lstStyle/>
-        <a:p>
-          <a:endParaRPr lang="en-IN"/>
-        </a:p>
-      </dgm:t>
-    </dgm:pt>
-    <dgm:pt modelId="{F9B30ABB-35A4-424D-9234-FDE29D1A9657}">
-      <dgm:prSet/>
-      <dgm:spPr/>
-      <dgm:t>
-        <a:bodyPr/>
-        <a:lstStyle/>
-        <a:p>
-          <a:pPr>
-            <a:buFont typeface="Arial" panose="020B0604020202020204" pitchFamily="34" charset="0"/>
-            <a:buChar char="•"/>
-          </a:pPr>
-          <a:r>
-            <a:rPr lang="en-US" b="1"/>
-            <a:t>Result</a:t>
-          </a:r>
-          <a:r>
-            <a:rPr lang="en-US"/>
-            <a:t>: {0.43, 0.86, 0.12, 0.77, 0.34} (values may vary)</a:t>
-          </a:r>
-        </a:p>
-      </dgm:t>
-    </dgm:pt>
-    <dgm:pt modelId="{998992FB-6835-47F7-A682-59F889BF5987}" type="parTrans" cxnId="{8F99FA0F-A847-46AF-838B-54A71A52BBC0}">
-      <dgm:prSet/>
-      <dgm:spPr/>
-      <dgm:t>
-        <a:bodyPr/>
-        <a:lstStyle/>
-        <a:p>
-          <a:endParaRPr lang="en-IN"/>
-        </a:p>
-      </dgm:t>
-    </dgm:pt>
-    <dgm:pt modelId="{4A3E434C-3945-4130-974F-3F2433FFF2AD}" type="sibTrans" cxnId="{8F99FA0F-A847-46AF-838B-54A71A52BBC0}">
-      <dgm:prSet/>
-      <dgm:spPr/>
-      <dgm:t>
-        <a:bodyPr/>
-        <a:lstStyle/>
-        <a:p>
-          <a:endParaRPr lang="en-IN"/>
-        </a:p>
-      </dgm:t>
-    </dgm:pt>
-    <dgm:pt modelId="{4E3CB364-55D4-4FD5-B20B-C7D3D1540C24}">
-      <dgm:prSet/>
-      <dgm:spPr/>
-      <dgm:t>
-        <a:bodyPr/>
-        <a:lstStyle/>
-        <a:p>
-          <a:pPr>
-            <a:buFont typeface="Arial" panose="020B0604020202020204" pitchFamily="34" charset="0"/>
-            <a:buChar char="•"/>
-          </a:pPr>
-          <a:r>
-            <a:rPr lang="en-US" b="1"/>
-            <a:t>Use case</a:t>
-          </a:r>
-          <a:r>
-            <a:rPr lang="en-US"/>
-            <a:t>: Useful for testing or creating random data for simulations.</a:t>
-          </a:r>
-        </a:p>
-      </dgm:t>
-    </dgm:pt>
-    <dgm:pt modelId="{3B340E7D-7B5C-4835-896C-A4788B6C88B8}" type="parTrans" cxnId="{ACF106F5-3F0A-4312-A2BC-2F1E50B55E44}">
-      <dgm:prSet/>
-      <dgm:spPr/>
-      <dgm:t>
-        <a:bodyPr/>
-        <a:lstStyle/>
-        <a:p>
-          <a:endParaRPr lang="en-IN"/>
-        </a:p>
-      </dgm:t>
-    </dgm:pt>
-    <dgm:pt modelId="{459FCEDE-A29B-498D-80E5-C9A01D292E5D}" type="sibTrans" cxnId="{ACF106F5-3F0A-4312-A2BC-2F1E50B55E44}">
-      <dgm:prSet/>
-      <dgm:spPr/>
-      <dgm:t>
-        <a:bodyPr/>
-        <a:lstStyle/>
-        <a:p>
-          <a:endParaRPr lang="en-IN"/>
-        </a:p>
-      </dgm:t>
-    </dgm:pt>
-    <dgm:pt modelId="{D19620B3-164F-42F5-8D74-343AC51C87EF}">
-      <dgm:prSet/>
-      <dgm:spPr/>
-      <dgm:t>
-        <a:bodyPr/>
-        <a:lstStyle/>
-        <a:p>
-          <a:r>
-            <a:rPr lang="en-IN" b="1"/>
-            <a:t>53. List.Range</a:t>
-          </a:r>
-        </a:p>
-      </dgm:t>
-    </dgm:pt>
-    <dgm:pt modelId="{BADFB381-31C1-4DB0-B245-20AE49AFE6B7}" type="parTrans" cxnId="{58CD94FD-3923-42A1-A876-6E1A3EC56753}">
-      <dgm:prSet/>
-      <dgm:spPr/>
-      <dgm:t>
-        <a:bodyPr/>
-        <a:lstStyle/>
-        <a:p>
-          <a:endParaRPr lang="en-IN"/>
-        </a:p>
-      </dgm:t>
-    </dgm:pt>
-    <dgm:pt modelId="{96EB327F-F054-4170-8DAC-02973E3B7AD0}" type="sibTrans" cxnId="{58CD94FD-3923-42A1-A876-6E1A3EC56753}">
-      <dgm:prSet/>
-      <dgm:spPr/>
-      <dgm:t>
-        <a:bodyPr/>
-        <a:lstStyle/>
-        <a:p>
-          <a:endParaRPr lang="en-IN"/>
-        </a:p>
-      </dgm:t>
-    </dgm:pt>
-    <dgm:pt modelId="{028891D6-526C-4673-8DFF-EB2D7F0EC35F}">
-      <dgm:prSet/>
-      <dgm:spPr/>
-      <dgm:t>
-        <a:bodyPr/>
-        <a:lstStyle/>
-        <a:p>
-          <a:pPr>
-            <a:buFont typeface="Arial" panose="020B0604020202020204" pitchFamily="34" charset="0"/>
-            <a:buChar char="•"/>
-          </a:pPr>
-          <a:r>
-            <a:rPr lang="en-US" b="1"/>
-            <a:t>Description</a:t>
-          </a:r>
-          <a:r>
-            <a:rPr lang="en-US"/>
-            <a:t>: Extracts a sublist starting from a position for a specified length.</a:t>
-          </a:r>
-        </a:p>
-      </dgm:t>
-    </dgm:pt>
-    <dgm:pt modelId="{6709C94E-CF83-4BE4-AD07-8EA622C05B7B}" type="parTrans" cxnId="{53657083-26F9-44A2-8805-E97D1179D4D5}">
-      <dgm:prSet/>
-      <dgm:spPr/>
-      <dgm:t>
-        <a:bodyPr/>
-        <a:lstStyle/>
-        <a:p>
-          <a:endParaRPr lang="en-IN"/>
-        </a:p>
-      </dgm:t>
-    </dgm:pt>
-    <dgm:pt modelId="{20E75CCD-5965-4647-B31C-E069FCD44132}" type="sibTrans" cxnId="{53657083-26F9-44A2-8805-E97D1179D4D5}">
-      <dgm:prSet/>
-      <dgm:spPr/>
-      <dgm:t>
-        <a:bodyPr/>
-        <a:lstStyle/>
-        <a:p>
-          <a:endParaRPr lang="en-IN"/>
-        </a:p>
-      </dgm:t>
-    </dgm:pt>
-    <dgm:pt modelId="{5D8926BB-4BF1-47B4-A583-14A200AF8E36}">
-      <dgm:prSet/>
-      <dgm:spPr/>
-      <dgm:t>
-        <a:bodyPr/>
-        <a:lstStyle/>
-        <a:p>
-          <a:pPr>
-            <a:buFont typeface="Arial" panose="020B0604020202020204" pitchFamily="34" charset="0"/>
-            <a:buChar char="•"/>
-          </a:pPr>
-          <a:r>
-            <a:rPr lang="en-IN" b="1" dirty="0"/>
-            <a:t>Example</a:t>
-          </a:r>
-          <a:r>
-            <a:rPr lang="en-IN" dirty="0"/>
-            <a:t>: </a:t>
-          </a:r>
-          <a:r>
-            <a:rPr lang="en-IN" dirty="0" err="1"/>
-            <a:t>List.Range</a:t>
-          </a:r>
-          <a:r>
-            <a:rPr lang="en-IN" dirty="0"/>
-            <a:t>({1, 2, 3, 4, 5}, 2, 2)</a:t>
-          </a:r>
-        </a:p>
-      </dgm:t>
-    </dgm:pt>
-    <dgm:pt modelId="{07296DE1-72BF-4D48-A6A2-113BB05A546A}" type="parTrans" cxnId="{4601237F-52DC-4E39-A66A-FF54E62029E2}">
-      <dgm:prSet/>
-      <dgm:spPr/>
-      <dgm:t>
-        <a:bodyPr/>
-        <a:lstStyle/>
-        <a:p>
-          <a:endParaRPr lang="en-IN"/>
-        </a:p>
-      </dgm:t>
-    </dgm:pt>
-    <dgm:pt modelId="{E2A87374-F5F2-4773-BC66-847A066B9D79}" type="sibTrans" cxnId="{4601237F-52DC-4E39-A66A-FF54E62029E2}">
-      <dgm:prSet/>
-      <dgm:spPr/>
-      <dgm:t>
-        <a:bodyPr/>
-        <a:lstStyle/>
-        <a:p>
-          <a:endParaRPr lang="en-IN"/>
-        </a:p>
-      </dgm:t>
-    </dgm:pt>
-    <dgm:pt modelId="{790368A3-44A5-46E5-AA83-F7247B3C98BF}">
-      <dgm:prSet/>
-      <dgm:spPr/>
-      <dgm:t>
-        <a:bodyPr/>
-        <a:lstStyle/>
-        <a:p>
-          <a:pPr>
-            <a:buFont typeface="Arial" panose="020B0604020202020204" pitchFamily="34" charset="0"/>
-            <a:buChar char="•"/>
-          </a:pPr>
-          <a:r>
-            <a:rPr lang="en-IN" b="1"/>
-            <a:t>Result</a:t>
-          </a:r>
-          <a:r>
-            <a:rPr lang="en-IN"/>
-            <a:t>: {3, 4}</a:t>
-          </a:r>
-        </a:p>
-      </dgm:t>
-    </dgm:pt>
-    <dgm:pt modelId="{D190A764-00C6-4B95-BA32-8E680271196C}" type="parTrans" cxnId="{C3E70467-8A43-4A34-B712-595A5C5476CE}">
-      <dgm:prSet/>
-      <dgm:spPr/>
-      <dgm:t>
-        <a:bodyPr/>
-        <a:lstStyle/>
-        <a:p>
-          <a:endParaRPr lang="en-IN"/>
-        </a:p>
-      </dgm:t>
-    </dgm:pt>
-    <dgm:pt modelId="{53B837F8-41EA-49A9-B45F-10C1EA7F999D}" type="sibTrans" cxnId="{C3E70467-8A43-4A34-B712-595A5C5476CE}">
-      <dgm:prSet/>
-      <dgm:spPr/>
-      <dgm:t>
-        <a:bodyPr/>
-        <a:lstStyle/>
-        <a:p>
-          <a:endParaRPr lang="en-IN"/>
-        </a:p>
-      </dgm:t>
-    </dgm:pt>
-    <dgm:pt modelId="{64849BD2-AF21-4375-A9E9-958851F0C5FC}">
-      <dgm:prSet/>
-      <dgm:spPr/>
-      <dgm:t>
-        <a:bodyPr/>
-        <a:lstStyle/>
-        <a:p>
-          <a:pPr>
-            <a:buFont typeface="Arial" panose="020B0604020202020204" pitchFamily="34" charset="0"/>
-            <a:buChar char="•"/>
-          </a:pPr>
-          <a:r>
-            <a:rPr lang="en-US" b="1"/>
-            <a:t>Use case</a:t>
-          </a:r>
-          <a:r>
-            <a:rPr lang="en-US"/>
-            <a:t>: Use when slicing specific parts of a list.</a:t>
-          </a:r>
-        </a:p>
-      </dgm:t>
-    </dgm:pt>
-    <dgm:pt modelId="{823B83C5-B7FB-4466-BD09-0B1F13CDC613}" type="parTrans" cxnId="{8FA3BF9E-C919-4825-81CD-2668BEF329C5}">
-      <dgm:prSet/>
-      <dgm:spPr/>
-      <dgm:t>
-        <a:bodyPr/>
-        <a:lstStyle/>
-        <a:p>
-          <a:endParaRPr lang="en-IN"/>
-        </a:p>
-      </dgm:t>
-    </dgm:pt>
-    <dgm:pt modelId="{C8E8953A-FE51-42B6-B55A-06EED975CAF6}" type="sibTrans" cxnId="{8FA3BF9E-C919-4825-81CD-2668BEF329C5}">
-      <dgm:prSet/>
-      <dgm:spPr/>
-      <dgm:t>
-        <a:bodyPr/>
-        <a:lstStyle/>
-        <a:p>
-          <a:endParaRPr lang="en-IN"/>
-        </a:p>
-      </dgm:t>
-    </dgm:pt>
-    <dgm:pt modelId="{94AD4372-2744-4C21-9D24-9F2FF916AE43}">
-      <dgm:prSet/>
-      <dgm:spPr/>
-      <dgm:t>
-        <a:bodyPr/>
-        <a:lstStyle/>
-        <a:p>
-          <a:r>
-            <a:rPr lang="en-IN" b="1"/>
-            <a:t>54. List.Mode</a:t>
-          </a:r>
-        </a:p>
-      </dgm:t>
-    </dgm:pt>
-    <dgm:pt modelId="{7506A269-6EDB-461D-B7EB-53D10AC76232}" type="parTrans" cxnId="{CE53053F-2D84-4082-BA70-B6FBB3941DD9}">
-      <dgm:prSet/>
-      <dgm:spPr/>
-      <dgm:t>
-        <a:bodyPr/>
-        <a:lstStyle/>
-        <a:p>
-          <a:endParaRPr lang="en-IN"/>
-        </a:p>
-      </dgm:t>
-    </dgm:pt>
-    <dgm:pt modelId="{ACF03389-2B6C-4DB2-AC85-A0EB197C8B58}" type="sibTrans" cxnId="{CE53053F-2D84-4082-BA70-B6FBB3941DD9}">
-      <dgm:prSet/>
-      <dgm:spPr/>
-      <dgm:t>
-        <a:bodyPr/>
-        <a:lstStyle/>
-        <a:p>
-          <a:endParaRPr lang="en-IN"/>
-        </a:p>
-      </dgm:t>
-    </dgm:pt>
-    <dgm:pt modelId="{324E6807-D0E6-4048-8367-D2284192343B}">
-      <dgm:prSet/>
-      <dgm:spPr/>
-      <dgm:t>
-        <a:bodyPr/>
-        <a:lstStyle/>
-        <a:p>
-          <a:pPr>
-            <a:buFont typeface="Arial" panose="020B0604020202020204" pitchFamily="34" charset="0"/>
-            <a:buChar char="•"/>
-          </a:pPr>
-          <a:r>
-            <a:rPr lang="en-US" b="1"/>
-            <a:t>Description</a:t>
-          </a:r>
-          <a:r>
-            <a:rPr lang="en-US"/>
-            <a:t>: Finds the most frequently occurring value in a list.</a:t>
-          </a:r>
-        </a:p>
-      </dgm:t>
-    </dgm:pt>
-    <dgm:pt modelId="{03B51CDC-C3A9-4D86-8A5C-277CF24ADD8F}" type="parTrans" cxnId="{5CA13CD1-88E3-4453-BE80-5A6CD21C9EA8}">
-      <dgm:prSet/>
-      <dgm:spPr/>
-      <dgm:t>
-        <a:bodyPr/>
-        <a:lstStyle/>
-        <a:p>
-          <a:endParaRPr lang="en-IN"/>
-        </a:p>
-      </dgm:t>
-    </dgm:pt>
-    <dgm:pt modelId="{498B0BA0-BBC0-49BE-B0A8-F87DCEC6EB05}" type="sibTrans" cxnId="{5CA13CD1-88E3-4453-BE80-5A6CD21C9EA8}">
-      <dgm:prSet/>
-      <dgm:spPr/>
-      <dgm:t>
-        <a:bodyPr/>
-        <a:lstStyle/>
-        <a:p>
-          <a:endParaRPr lang="en-IN"/>
-        </a:p>
-      </dgm:t>
-    </dgm:pt>
-    <dgm:pt modelId="{CD66C24A-D33C-421B-8150-B55199851B0E}">
-      <dgm:prSet/>
-      <dgm:spPr/>
-      <dgm:t>
-        <a:bodyPr/>
-        <a:lstStyle/>
-        <a:p>
-          <a:pPr>
-            <a:buFont typeface="Arial" panose="020B0604020202020204" pitchFamily="34" charset="0"/>
-            <a:buChar char="•"/>
-          </a:pPr>
-          <a:r>
-            <a:rPr lang="en-IN" b="1"/>
-            <a:t>Example</a:t>
-          </a:r>
-          <a:r>
-            <a:rPr lang="en-IN"/>
-            <a:t>: List.Mode({1, 2, 2, 3, 4})</a:t>
-          </a:r>
-        </a:p>
-      </dgm:t>
-    </dgm:pt>
-    <dgm:pt modelId="{1B148A09-21CB-4F13-ADA6-DEEAF3753359}" type="parTrans" cxnId="{0E202215-5611-4DCE-8437-053E93E5EFD1}">
-      <dgm:prSet/>
-      <dgm:spPr/>
-      <dgm:t>
-        <a:bodyPr/>
-        <a:lstStyle/>
-        <a:p>
-          <a:endParaRPr lang="en-IN"/>
-        </a:p>
-      </dgm:t>
-    </dgm:pt>
-    <dgm:pt modelId="{59D4CCA5-0739-489A-886C-C870DC264D5B}" type="sibTrans" cxnId="{0E202215-5611-4DCE-8437-053E93E5EFD1}">
-      <dgm:prSet/>
-      <dgm:spPr/>
-      <dgm:t>
-        <a:bodyPr/>
-        <a:lstStyle/>
-        <a:p>
-          <a:endParaRPr lang="en-IN"/>
-        </a:p>
-      </dgm:t>
-    </dgm:pt>
-    <dgm:pt modelId="{DEAC9864-4B96-4DBB-AC38-961EFBEB42E4}">
-      <dgm:prSet/>
-      <dgm:spPr/>
-      <dgm:t>
-        <a:bodyPr/>
-        <a:lstStyle/>
-        <a:p>
-          <a:pPr>
-            <a:buFont typeface="Arial" panose="020B0604020202020204" pitchFamily="34" charset="0"/>
-            <a:buChar char="•"/>
-          </a:pPr>
-          <a:r>
-            <a:rPr lang="en-IN" b="1"/>
-            <a:t>Result</a:t>
-          </a:r>
-          <a:r>
-            <a:rPr lang="en-IN"/>
-            <a:t>: 2</a:t>
-          </a:r>
-        </a:p>
-      </dgm:t>
-    </dgm:pt>
-    <dgm:pt modelId="{E59D6259-FEAF-45B6-AC05-5E8E06036C75}" type="parTrans" cxnId="{C843D0D3-FE57-49AE-83DC-FC1ABCD1F424}">
-      <dgm:prSet/>
-      <dgm:spPr/>
-      <dgm:t>
-        <a:bodyPr/>
-        <a:lstStyle/>
-        <a:p>
-          <a:endParaRPr lang="en-IN"/>
-        </a:p>
-      </dgm:t>
-    </dgm:pt>
-    <dgm:pt modelId="{08EE7A8F-2BED-46D3-9E70-01161069AEE1}" type="sibTrans" cxnId="{C843D0D3-FE57-49AE-83DC-FC1ABCD1F424}">
-      <dgm:prSet/>
-      <dgm:spPr/>
-      <dgm:t>
-        <a:bodyPr/>
-        <a:lstStyle/>
-        <a:p>
-          <a:endParaRPr lang="en-IN"/>
-        </a:p>
-      </dgm:t>
-    </dgm:pt>
-    <dgm:pt modelId="{A103FCC0-DF71-41C6-8395-C3C2FF9E3FD8}">
-      <dgm:prSet/>
-      <dgm:spPr/>
-      <dgm:t>
-        <a:bodyPr/>
-        <a:lstStyle/>
-        <a:p>
-          <a:pPr>
-            <a:buFont typeface="Arial" panose="020B0604020202020204" pitchFamily="34" charset="0"/>
-            <a:buChar char="•"/>
-          </a:pPr>
-          <a:r>
-            <a:rPr lang="en-US" b="1" dirty="0"/>
-            <a:t>Use case</a:t>
-          </a:r>
-          <a:r>
-            <a:rPr lang="en-US" dirty="0"/>
-            <a:t>: Useful for finding the mode in a list of categorical data.</a:t>
-          </a:r>
-        </a:p>
-      </dgm:t>
-    </dgm:pt>
-    <dgm:pt modelId="{FC2FA2E2-6DFF-40AB-933A-65CF52E1486A}" type="parTrans" cxnId="{9435291D-214E-4D8E-B805-8CBC1D5A50FF}">
-      <dgm:prSet/>
-      <dgm:spPr/>
-      <dgm:t>
-        <a:bodyPr/>
-        <a:lstStyle/>
-        <a:p>
-          <a:endParaRPr lang="en-IN"/>
-        </a:p>
-      </dgm:t>
-    </dgm:pt>
-    <dgm:pt modelId="{2284BC3E-A408-4C4C-997C-2EB31AA74D26}" type="sibTrans" cxnId="{9435291D-214E-4D8E-B805-8CBC1D5A50FF}">
-      <dgm:prSet/>
-      <dgm:spPr/>
-      <dgm:t>
-        <a:bodyPr/>
-        <a:lstStyle/>
-        <a:p>
-          <a:endParaRPr lang="en-IN"/>
-        </a:p>
-      </dgm:t>
-    </dgm:pt>
-    <dgm:pt modelId="{E2DA275D-5CE4-4133-B351-2F8D1CC29D02}">
-      <dgm:prSet/>
-      <dgm:spPr/>
-      <dgm:t>
-        <a:bodyPr/>
-        <a:lstStyle/>
-        <a:p>
-          <a:r>
-            <a:rPr lang="en-IN" b="1"/>
-            <a:t>55. List.Alternate</a:t>
-          </a:r>
-          <a:endParaRPr lang="en-US" dirty="0"/>
-        </a:p>
-      </dgm:t>
-    </dgm:pt>
-    <dgm:pt modelId="{05DB2000-BBE6-48B3-9305-8FFEDF503FFB}" type="parTrans" cxnId="{465717AB-90B9-4BE4-AC36-47ECFD8ED197}">
-      <dgm:prSet/>
-      <dgm:spPr/>
-      <dgm:t>
-        <a:bodyPr/>
-        <a:lstStyle/>
-        <a:p>
-          <a:endParaRPr lang="en-IN"/>
-        </a:p>
-      </dgm:t>
-    </dgm:pt>
-    <dgm:pt modelId="{1F10EF85-E6A7-4C62-AC42-DE5E82170EA5}" type="sibTrans" cxnId="{465717AB-90B9-4BE4-AC36-47ECFD8ED197}">
-      <dgm:prSet/>
-      <dgm:spPr/>
-      <dgm:t>
-        <a:bodyPr/>
-        <a:lstStyle/>
-        <a:p>
-          <a:endParaRPr lang="en-IN"/>
-        </a:p>
-      </dgm:t>
-    </dgm:pt>
-    <dgm:pt modelId="{5B5F3F9B-7FE5-4084-AE12-1D4C35EB1D8C}">
-      <dgm:prSet/>
-      <dgm:spPr/>
-      <dgm:t>
-        <a:bodyPr/>
-        <a:lstStyle/>
-        <a:p>
-          <a:pPr>
-            <a:buFont typeface="Arial" panose="020B0604020202020204" pitchFamily="34" charset="0"/>
-            <a:buChar char="•"/>
-          </a:pPr>
-          <a:r>
-            <a:rPr lang="en-US" b="1"/>
-            <a:t>Description</a:t>
-          </a:r>
-          <a:r>
-            <a:rPr lang="en-US"/>
-            <a:t>: Extracts every nth element from a list.</a:t>
-          </a:r>
-        </a:p>
-      </dgm:t>
-    </dgm:pt>
-    <dgm:pt modelId="{06BF7698-4BCF-4431-9F20-526FE269CD9C}" type="parTrans" cxnId="{54F3C2D4-3CB1-4466-BBFB-06E5B04A7BE1}">
-      <dgm:prSet/>
-      <dgm:spPr/>
-      <dgm:t>
-        <a:bodyPr/>
-        <a:lstStyle/>
-        <a:p>
-          <a:endParaRPr lang="en-IN"/>
-        </a:p>
-      </dgm:t>
-    </dgm:pt>
-    <dgm:pt modelId="{9202335C-1340-44D2-B63A-8FBA1F8DE038}" type="sibTrans" cxnId="{54F3C2D4-3CB1-4466-BBFB-06E5B04A7BE1}">
-      <dgm:prSet/>
-      <dgm:spPr/>
-      <dgm:t>
-        <a:bodyPr/>
-        <a:lstStyle/>
-        <a:p>
-          <a:endParaRPr lang="en-IN"/>
-        </a:p>
-      </dgm:t>
-    </dgm:pt>
-    <dgm:pt modelId="{24D848F1-EDD4-490D-AF61-5E5080F82D9E}">
-      <dgm:prSet/>
-      <dgm:spPr/>
-      <dgm:t>
-        <a:bodyPr/>
-        <a:lstStyle/>
-        <a:p>
-          <a:pPr>
-            <a:buFont typeface="Arial" panose="020B0604020202020204" pitchFamily="34" charset="0"/>
-            <a:buChar char="•"/>
-          </a:pPr>
-          <a:r>
-            <a:rPr lang="en-IN" b="1"/>
-            <a:t>Example</a:t>
-          </a:r>
-          <a:r>
-            <a:rPr lang="en-IN"/>
-            <a:t>: List.Alternate({1, 2, 3, 4, 5, 6}, 2)</a:t>
-          </a:r>
-        </a:p>
-      </dgm:t>
-    </dgm:pt>
-    <dgm:pt modelId="{7F099A1D-DDA4-49D8-BDE7-EAA50ABA78AA}" type="parTrans" cxnId="{92BA1439-4C28-4150-A221-6927AFD64FF7}">
-      <dgm:prSet/>
-      <dgm:spPr/>
-      <dgm:t>
-        <a:bodyPr/>
-        <a:lstStyle/>
-        <a:p>
-          <a:endParaRPr lang="en-IN"/>
-        </a:p>
-      </dgm:t>
-    </dgm:pt>
-    <dgm:pt modelId="{D2C0DA6B-FB53-4927-B160-0E1494AC8FDC}" type="sibTrans" cxnId="{92BA1439-4C28-4150-A221-6927AFD64FF7}">
-      <dgm:prSet/>
-      <dgm:spPr/>
-      <dgm:t>
-        <a:bodyPr/>
-        <a:lstStyle/>
-        <a:p>
-          <a:endParaRPr lang="en-IN"/>
-        </a:p>
-      </dgm:t>
-    </dgm:pt>
-    <dgm:pt modelId="{DF446E9F-82D8-4269-B90C-6A9A45188168}">
-      <dgm:prSet/>
-      <dgm:spPr/>
-      <dgm:t>
-        <a:bodyPr/>
-        <a:lstStyle/>
-        <a:p>
-          <a:pPr>
-            <a:buFont typeface="Arial" panose="020B0604020202020204" pitchFamily="34" charset="0"/>
-            <a:buChar char="•"/>
-          </a:pPr>
-          <a:r>
-            <a:rPr lang="en-IN" b="1"/>
-            <a:t>Result</a:t>
-          </a:r>
-          <a:r>
-            <a:rPr lang="en-IN"/>
-            <a:t>: {1, 3, 5}</a:t>
-          </a:r>
-        </a:p>
-      </dgm:t>
-    </dgm:pt>
-    <dgm:pt modelId="{7785A007-FFC0-444F-B6AE-8D9860590ABE}" type="parTrans" cxnId="{5CF6A5DC-AAAE-4903-A6E9-46294AB6801C}">
-      <dgm:prSet/>
-      <dgm:spPr/>
-      <dgm:t>
-        <a:bodyPr/>
-        <a:lstStyle/>
-        <a:p>
-          <a:endParaRPr lang="en-IN"/>
-        </a:p>
-      </dgm:t>
-    </dgm:pt>
-    <dgm:pt modelId="{2CABA9B4-8254-467C-88BF-3BA18E7C7136}" type="sibTrans" cxnId="{5CF6A5DC-AAAE-4903-A6E9-46294AB6801C}">
-      <dgm:prSet/>
-      <dgm:spPr/>
-      <dgm:t>
-        <a:bodyPr/>
-        <a:lstStyle/>
-        <a:p>
-          <a:endParaRPr lang="en-IN"/>
-        </a:p>
-      </dgm:t>
-    </dgm:pt>
-    <dgm:pt modelId="{30741AD3-B3E3-4D52-A06E-566AD479BB03}">
-      <dgm:prSet/>
-      <dgm:spPr/>
-      <dgm:t>
-        <a:bodyPr/>
-        <a:lstStyle/>
-        <a:p>
-          <a:pPr>
-            <a:buFont typeface="Arial" panose="020B0604020202020204" pitchFamily="34" charset="0"/>
-            <a:buChar char="•"/>
-          </a:pPr>
-          <a:r>
-            <a:rPr lang="en-US" b="1"/>
-            <a:t>Use case</a:t>
-          </a:r>
-          <a:r>
-            <a:rPr lang="en-US"/>
-            <a:t>: For extracting alternate rows or values, such as odd or even indexes.</a:t>
-          </a:r>
-        </a:p>
-      </dgm:t>
-    </dgm:pt>
-    <dgm:pt modelId="{65C434E2-EBF9-4DD4-AE19-3C0DA8C07A1B}" type="parTrans" cxnId="{EB1BC502-3A53-4313-BB2E-57907FAE06AF}">
-      <dgm:prSet/>
-      <dgm:spPr/>
-      <dgm:t>
-        <a:bodyPr/>
-        <a:lstStyle/>
-        <a:p>
-          <a:endParaRPr lang="en-IN"/>
-        </a:p>
-      </dgm:t>
-    </dgm:pt>
-    <dgm:pt modelId="{39AE04B3-8319-40CD-B30C-B1C110AF64CA}" type="sibTrans" cxnId="{EB1BC502-3A53-4313-BB2E-57907FAE06AF}">
-      <dgm:prSet/>
-      <dgm:spPr/>
-      <dgm:t>
-        <a:bodyPr/>
-        <a:lstStyle/>
-        <a:p>
-          <a:endParaRPr lang="en-IN"/>
-        </a:p>
-      </dgm:t>
-    </dgm:pt>
-    <dgm:pt modelId="{4D999559-19D5-460B-9928-0B9D885782C0}" type="pres">
-      <dgm:prSet presAssocID="{C54F5361-285B-42E6-8F81-A7C032D9CAFF}" presName="diagram" presStyleCnt="0">
-        <dgm:presLayoutVars>
-          <dgm:dir/>
-          <dgm:resizeHandles val="exact"/>
-        </dgm:presLayoutVars>
-      </dgm:prSet>
-      <dgm:spPr/>
-    </dgm:pt>
-    <dgm:pt modelId="{E53D8AE9-C679-4CEF-85A0-C6D81F0DFFA7}" type="pres">
-      <dgm:prSet presAssocID="{858D758D-C9DA-4221-8831-DADF75F6DB97}" presName="node" presStyleLbl="node1" presStyleIdx="0" presStyleCnt="20">
-        <dgm:presLayoutVars>
-          <dgm:bulletEnabled val="1"/>
-        </dgm:presLayoutVars>
-      </dgm:prSet>
-      <dgm:spPr/>
-    </dgm:pt>
-    <dgm:pt modelId="{71A0E8DC-579C-4B83-BFBC-ADB2E9BCED14}" type="pres">
-      <dgm:prSet presAssocID="{773D25EE-8080-43B2-ADB7-03E0CE8B0BE4}" presName="sibTrans" presStyleCnt="0"/>
-      <dgm:spPr/>
-    </dgm:pt>
-    <dgm:pt modelId="{3188EA51-0D3A-4DDF-8EC5-002658A0EA52}" type="pres">
-      <dgm:prSet presAssocID="{08C3A108-1BD4-4263-B249-8B13C9CEB65E}" presName="node" presStyleLbl="node1" presStyleIdx="1" presStyleCnt="20">
-        <dgm:presLayoutVars>
-          <dgm:bulletEnabled val="1"/>
-        </dgm:presLayoutVars>
-      </dgm:prSet>
-      <dgm:spPr/>
-    </dgm:pt>
-    <dgm:pt modelId="{7D5F58D5-8CD6-4E3C-BB3E-135F6E398D9C}" type="pres">
-      <dgm:prSet presAssocID="{8CA69546-65DE-446C-902E-A9E956CB2794}" presName="sibTrans" presStyleCnt="0"/>
-      <dgm:spPr/>
-    </dgm:pt>
-    <dgm:pt modelId="{E7CCC371-D4F6-4E4F-BC0A-63A309A31466}" type="pres">
-      <dgm:prSet presAssocID="{D9E6834F-5DA4-45CD-B7A6-F843E4FB10F7}" presName="node" presStyleLbl="node1" presStyleIdx="2" presStyleCnt="20">
-        <dgm:presLayoutVars>
-          <dgm:bulletEnabled val="1"/>
-        </dgm:presLayoutVars>
-      </dgm:prSet>
-      <dgm:spPr/>
-    </dgm:pt>
-    <dgm:pt modelId="{08E4A4DD-157C-46E3-9D36-6CCA87AB7B6D}" type="pres">
-      <dgm:prSet presAssocID="{258E67FF-F8C9-44D6-8B07-E1708D5060E8}" presName="sibTrans" presStyleCnt="0"/>
-      <dgm:spPr/>
-    </dgm:pt>
-    <dgm:pt modelId="{07C5F2BC-3E2F-429F-B1B8-F354449CB02C}" type="pres">
-      <dgm:prSet presAssocID="{F9B30ABB-35A4-424D-9234-FDE29D1A9657}" presName="node" presStyleLbl="node1" presStyleIdx="3" presStyleCnt="20">
-        <dgm:presLayoutVars>
-          <dgm:bulletEnabled val="1"/>
-        </dgm:presLayoutVars>
-      </dgm:prSet>
-      <dgm:spPr/>
-    </dgm:pt>
-    <dgm:pt modelId="{574908DF-6636-45A8-81A9-AB0030290C5D}" type="pres">
-      <dgm:prSet presAssocID="{4A3E434C-3945-4130-974F-3F2433FFF2AD}" presName="sibTrans" presStyleCnt="0"/>
-      <dgm:spPr/>
-    </dgm:pt>
-    <dgm:pt modelId="{329AFB10-AE3C-46E4-9576-B4B68AFDA77F}" type="pres">
-      <dgm:prSet presAssocID="{4E3CB364-55D4-4FD5-B20B-C7D3D1540C24}" presName="node" presStyleLbl="node1" presStyleIdx="4" presStyleCnt="20">
-        <dgm:presLayoutVars>
-          <dgm:bulletEnabled val="1"/>
-        </dgm:presLayoutVars>
-      </dgm:prSet>
-      <dgm:spPr/>
-    </dgm:pt>
-    <dgm:pt modelId="{35687BF3-EA81-4696-8D6D-7A1D6E15F824}" type="pres">
-      <dgm:prSet presAssocID="{459FCEDE-A29B-498D-80E5-C9A01D292E5D}" presName="sibTrans" presStyleCnt="0"/>
-      <dgm:spPr/>
-    </dgm:pt>
-    <dgm:pt modelId="{7CCE6E15-4139-4E13-8666-F18181AB4184}" type="pres">
-      <dgm:prSet presAssocID="{D19620B3-164F-42F5-8D74-343AC51C87EF}" presName="node" presStyleLbl="node1" presStyleIdx="5" presStyleCnt="20">
-        <dgm:presLayoutVars>
-          <dgm:bulletEnabled val="1"/>
-        </dgm:presLayoutVars>
-      </dgm:prSet>
-      <dgm:spPr/>
-    </dgm:pt>
-    <dgm:pt modelId="{CC703B8B-C8AB-4235-B1D2-BA780A4CBC0A}" type="pres">
-      <dgm:prSet presAssocID="{96EB327F-F054-4170-8DAC-02973E3B7AD0}" presName="sibTrans" presStyleCnt="0"/>
-      <dgm:spPr/>
-    </dgm:pt>
-    <dgm:pt modelId="{91D9F426-3F6A-45F4-B2D1-98B9FA25192C}" type="pres">
-      <dgm:prSet presAssocID="{028891D6-526C-4673-8DFF-EB2D7F0EC35F}" presName="node" presStyleLbl="node1" presStyleIdx="6" presStyleCnt="20">
-        <dgm:presLayoutVars>
-          <dgm:bulletEnabled val="1"/>
-        </dgm:presLayoutVars>
-      </dgm:prSet>
-      <dgm:spPr/>
-    </dgm:pt>
-    <dgm:pt modelId="{BD59D540-95EF-44DA-99EA-E7BC0E89F9EB}" type="pres">
-      <dgm:prSet presAssocID="{20E75CCD-5965-4647-B31C-E069FCD44132}" presName="sibTrans" presStyleCnt="0"/>
-      <dgm:spPr/>
-    </dgm:pt>
-    <dgm:pt modelId="{7810163C-AEF1-453C-9757-394BFE4F2AA7}" type="pres">
-      <dgm:prSet presAssocID="{5D8926BB-4BF1-47B4-A583-14A200AF8E36}" presName="node" presStyleLbl="node1" presStyleIdx="7" presStyleCnt="20">
-        <dgm:presLayoutVars>
-          <dgm:bulletEnabled val="1"/>
-        </dgm:presLayoutVars>
-      </dgm:prSet>
-      <dgm:spPr/>
-    </dgm:pt>
-    <dgm:pt modelId="{605B05FF-7791-4F96-A176-6A15B4839F39}" type="pres">
-      <dgm:prSet presAssocID="{E2A87374-F5F2-4773-BC66-847A066B9D79}" presName="sibTrans" presStyleCnt="0"/>
-      <dgm:spPr/>
-    </dgm:pt>
-    <dgm:pt modelId="{B82CB8EA-4482-4A3D-8124-7613BFA3E936}" type="pres">
-      <dgm:prSet presAssocID="{790368A3-44A5-46E5-AA83-F7247B3C98BF}" presName="node" presStyleLbl="node1" presStyleIdx="8" presStyleCnt="20">
-        <dgm:presLayoutVars>
-          <dgm:bulletEnabled val="1"/>
-        </dgm:presLayoutVars>
-      </dgm:prSet>
-      <dgm:spPr/>
-    </dgm:pt>
-    <dgm:pt modelId="{27B6C97F-9E85-4FBD-BA10-4C6204D769FA}" type="pres">
-      <dgm:prSet presAssocID="{53B837F8-41EA-49A9-B45F-10C1EA7F999D}" presName="sibTrans" presStyleCnt="0"/>
-      <dgm:spPr/>
-    </dgm:pt>
-    <dgm:pt modelId="{7C2E623D-5428-430F-A71F-7D06D16CEE52}" type="pres">
-      <dgm:prSet presAssocID="{64849BD2-AF21-4375-A9E9-958851F0C5FC}" presName="node" presStyleLbl="node1" presStyleIdx="9" presStyleCnt="20">
-        <dgm:presLayoutVars>
-          <dgm:bulletEnabled val="1"/>
-        </dgm:presLayoutVars>
-      </dgm:prSet>
-      <dgm:spPr/>
-    </dgm:pt>
-    <dgm:pt modelId="{D2E4882F-1129-4211-B0C2-C64F747CD577}" type="pres">
-      <dgm:prSet presAssocID="{C8E8953A-FE51-42B6-B55A-06EED975CAF6}" presName="sibTrans" presStyleCnt="0"/>
-      <dgm:spPr/>
-    </dgm:pt>
-    <dgm:pt modelId="{8ACB8FA8-5D25-4569-992A-0B9E3855EC63}" type="pres">
-      <dgm:prSet presAssocID="{94AD4372-2744-4C21-9D24-9F2FF916AE43}" presName="node" presStyleLbl="node1" presStyleIdx="10" presStyleCnt="20">
-        <dgm:presLayoutVars>
-          <dgm:bulletEnabled val="1"/>
-        </dgm:presLayoutVars>
-      </dgm:prSet>
-      <dgm:spPr/>
-    </dgm:pt>
-    <dgm:pt modelId="{1171D0FD-500B-4084-95A9-A6CDC2463244}" type="pres">
-      <dgm:prSet presAssocID="{ACF03389-2B6C-4DB2-AC85-A0EB197C8B58}" presName="sibTrans" presStyleCnt="0"/>
-      <dgm:spPr/>
-    </dgm:pt>
-    <dgm:pt modelId="{EF447D25-1161-4BCC-BBB1-68050A6C9A6E}" type="pres">
-      <dgm:prSet presAssocID="{324E6807-D0E6-4048-8367-D2284192343B}" presName="node" presStyleLbl="node1" presStyleIdx="11" presStyleCnt="20">
-        <dgm:presLayoutVars>
-          <dgm:bulletEnabled val="1"/>
-        </dgm:presLayoutVars>
-      </dgm:prSet>
-      <dgm:spPr/>
-    </dgm:pt>
-    <dgm:pt modelId="{A106C3D2-22A3-487D-B978-FE433197F97D}" type="pres">
-      <dgm:prSet presAssocID="{498B0BA0-BBC0-49BE-B0A8-F87DCEC6EB05}" presName="sibTrans" presStyleCnt="0"/>
-      <dgm:spPr/>
-    </dgm:pt>
-    <dgm:pt modelId="{5C73FEE6-1B30-4FE4-8FAC-1054F6A34EB4}" type="pres">
-      <dgm:prSet presAssocID="{CD66C24A-D33C-421B-8150-B55199851B0E}" presName="node" presStyleLbl="node1" presStyleIdx="12" presStyleCnt="20">
-        <dgm:presLayoutVars>
-          <dgm:bulletEnabled val="1"/>
-        </dgm:presLayoutVars>
-      </dgm:prSet>
-      <dgm:spPr/>
-    </dgm:pt>
-    <dgm:pt modelId="{19678B69-6B62-485B-A682-E75E9127AE59}" type="pres">
-      <dgm:prSet presAssocID="{59D4CCA5-0739-489A-886C-C870DC264D5B}" presName="sibTrans" presStyleCnt="0"/>
-      <dgm:spPr/>
-    </dgm:pt>
-    <dgm:pt modelId="{F3195ECC-F472-408F-87F4-7A3921F5513D}" type="pres">
-      <dgm:prSet presAssocID="{DEAC9864-4B96-4DBB-AC38-961EFBEB42E4}" presName="node" presStyleLbl="node1" presStyleIdx="13" presStyleCnt="20">
-        <dgm:presLayoutVars>
-          <dgm:bulletEnabled val="1"/>
-        </dgm:presLayoutVars>
-      </dgm:prSet>
-      <dgm:spPr/>
-    </dgm:pt>
-    <dgm:pt modelId="{5A910B3F-2F15-4C92-A9B5-31AE0A7CB897}" type="pres">
-      <dgm:prSet presAssocID="{08EE7A8F-2BED-46D3-9E70-01161069AEE1}" presName="sibTrans" presStyleCnt="0"/>
-      <dgm:spPr/>
-    </dgm:pt>
-    <dgm:pt modelId="{83134174-6B49-4D98-BFDD-2AC145C09DD9}" type="pres">
-      <dgm:prSet presAssocID="{A103FCC0-DF71-41C6-8395-C3C2FF9E3FD8}" presName="node" presStyleLbl="node1" presStyleIdx="14" presStyleCnt="20">
-        <dgm:presLayoutVars>
-          <dgm:bulletEnabled val="1"/>
-        </dgm:presLayoutVars>
-      </dgm:prSet>
-      <dgm:spPr/>
-    </dgm:pt>
-    <dgm:pt modelId="{B6601178-1C4B-4D87-814F-B9755B63D366}" type="pres">
-      <dgm:prSet presAssocID="{2284BC3E-A408-4C4C-997C-2EB31AA74D26}" presName="sibTrans" presStyleCnt="0"/>
-      <dgm:spPr/>
-    </dgm:pt>
-    <dgm:pt modelId="{C8115387-FAE5-48E1-A33F-9318DC7B3664}" type="pres">
-      <dgm:prSet presAssocID="{E2DA275D-5CE4-4133-B351-2F8D1CC29D02}" presName="node" presStyleLbl="node1" presStyleIdx="15" presStyleCnt="20">
-        <dgm:presLayoutVars>
-          <dgm:bulletEnabled val="1"/>
-        </dgm:presLayoutVars>
-      </dgm:prSet>
-      <dgm:spPr/>
-    </dgm:pt>
-    <dgm:pt modelId="{0CDB29B4-F830-4F63-8E7A-D0024C429035}" type="pres">
-      <dgm:prSet presAssocID="{1F10EF85-E6A7-4C62-AC42-DE5E82170EA5}" presName="sibTrans" presStyleCnt="0"/>
-      <dgm:spPr/>
-    </dgm:pt>
-    <dgm:pt modelId="{F0CB02B8-D766-4E66-8725-3E2AC8854CE3}" type="pres">
-      <dgm:prSet presAssocID="{5B5F3F9B-7FE5-4084-AE12-1D4C35EB1D8C}" presName="node" presStyleLbl="node1" presStyleIdx="16" presStyleCnt="20">
-        <dgm:presLayoutVars>
-          <dgm:bulletEnabled val="1"/>
-        </dgm:presLayoutVars>
-      </dgm:prSet>
-      <dgm:spPr/>
-    </dgm:pt>
-    <dgm:pt modelId="{EAD9C651-350D-4952-BE89-AFD5F66341CC}" type="pres">
-      <dgm:prSet presAssocID="{9202335C-1340-44D2-B63A-8FBA1F8DE038}" presName="sibTrans" presStyleCnt="0"/>
-      <dgm:spPr/>
-    </dgm:pt>
-    <dgm:pt modelId="{0159F61C-2C2D-4691-A9C2-6FA8FF9D8419}" type="pres">
-      <dgm:prSet presAssocID="{24D848F1-EDD4-490D-AF61-5E5080F82D9E}" presName="node" presStyleLbl="node1" presStyleIdx="17" presStyleCnt="20">
-        <dgm:presLayoutVars>
-          <dgm:bulletEnabled val="1"/>
-        </dgm:presLayoutVars>
-      </dgm:prSet>
-      <dgm:spPr/>
-    </dgm:pt>
-    <dgm:pt modelId="{5CCB053F-C6A2-44D2-AC0C-1CEA6F3ACB57}" type="pres">
-      <dgm:prSet presAssocID="{D2C0DA6B-FB53-4927-B160-0E1494AC8FDC}" presName="sibTrans" presStyleCnt="0"/>
-      <dgm:spPr/>
-    </dgm:pt>
-    <dgm:pt modelId="{9564E155-2D18-4800-847D-3646B51F0BDD}" type="pres">
-      <dgm:prSet presAssocID="{DF446E9F-82D8-4269-B90C-6A9A45188168}" presName="node" presStyleLbl="node1" presStyleIdx="18" presStyleCnt="20">
-        <dgm:presLayoutVars>
-          <dgm:bulletEnabled val="1"/>
-        </dgm:presLayoutVars>
-      </dgm:prSet>
-      <dgm:spPr/>
-    </dgm:pt>
-    <dgm:pt modelId="{40A699D5-CDB0-4949-9353-D33648DDAE25}" type="pres">
-      <dgm:prSet presAssocID="{2CABA9B4-8254-467C-88BF-3BA18E7C7136}" presName="sibTrans" presStyleCnt="0"/>
-      <dgm:spPr/>
-    </dgm:pt>
-    <dgm:pt modelId="{27E06371-C3C8-42AE-BC04-64F2734D219B}" type="pres">
-      <dgm:prSet presAssocID="{30741AD3-B3E3-4D52-A06E-566AD479BB03}" presName="node" presStyleLbl="node1" presStyleIdx="19" presStyleCnt="20">
-        <dgm:presLayoutVars>
-          <dgm:bulletEnabled val="1"/>
-        </dgm:presLayoutVars>
-      </dgm:prSet>
-      <dgm:spPr/>
-    </dgm:pt>
-  </dgm:ptLst>
-  <dgm:cxnLst>
-    <dgm:cxn modelId="{EB1BC502-3A53-4313-BB2E-57907FAE06AF}" srcId="{C54F5361-285B-42E6-8F81-A7C032D9CAFF}" destId="{30741AD3-B3E3-4D52-A06E-566AD479BB03}" srcOrd="19" destOrd="0" parTransId="{65C434E2-EBF9-4DD4-AE19-3C0DA8C07A1B}" sibTransId="{39AE04B3-8319-40CD-B30C-B1C110AF64CA}"/>
     <dgm:cxn modelId="{8F99FA0F-A847-46AF-838B-54A71A52BBC0}" srcId="{C54F5361-285B-42E6-8F81-A7C032D9CAFF}" destId="{F9B30ABB-35A4-424D-9234-FDE29D1A9657}" srcOrd="3" destOrd="0" parTransId="{998992FB-6835-47F7-A682-59F889BF5987}" sibTransId="{4A3E434C-3945-4130-974F-3F2433FFF2AD}"/>
     <dgm:cxn modelId="{0E202215-5611-4DCE-8437-053E93E5EFD1}" srcId="{C54F5361-285B-42E6-8F81-A7C032D9CAFF}" destId="{CD66C24A-D33C-421B-8150-B55199851B0E}" srcOrd="12" destOrd="0" parTransId="{1B148A09-21CB-4F13-ADA6-DEEAF3753359}" sibTransId="{59D4CCA5-0739-489A-886C-C870DC264D5B}"/>
     <dgm:cxn modelId="{60D5241B-87A8-49A6-BE1C-108AB83D1D96}" srcId="{C54F5361-285B-42E6-8F81-A7C032D9CAFF}" destId="{08C3A108-1BD4-4263-B249-8B13C9CEB65E}" srcOrd="1" destOrd="0" parTransId="{0FDC3C31-E26D-43AB-BFB9-1D79A9DDFCFC}" sibTransId="{8CA69546-65DE-446C-902E-A9E956CB2794}"/>
     <dgm:cxn modelId="{9435291D-214E-4D8E-B805-8CBC1D5A50FF}" srcId="{C54F5361-285B-42E6-8F81-A7C032D9CAFF}" destId="{A103FCC0-DF71-41C6-8395-C3C2FF9E3FD8}" srcOrd="14" destOrd="0" parTransId="{FC2FA2E2-6DFF-40AB-933A-65CF52E1486A}" sibTransId="{2284BC3E-A408-4C4C-997C-2EB31AA74D26}"/>
-    <dgm:cxn modelId="{772EC71D-EEF9-43F1-8284-3FBA61BE8AAF}" type="presOf" srcId="{30741AD3-B3E3-4D52-A06E-566AD479BB03}" destId="{27E06371-C3C8-42AE-BC04-64F2734D219B}" srcOrd="0" destOrd="0" presId="urn:microsoft.com/office/officeart/2005/8/layout/default"/>
     <dgm:cxn modelId="{8B08D11E-22E9-4449-9C1F-95C1909D3EA2}" type="presOf" srcId="{790368A3-44A5-46E5-AA83-F7247B3C98BF}" destId="{B82CB8EA-4482-4A3D-8124-7613BFA3E936}" srcOrd="0" destOrd="0" presId="urn:microsoft.com/office/officeart/2005/8/layout/default"/>
     <dgm:cxn modelId="{FB6ED021-3363-464E-A6BF-2F75CC533678}" type="presOf" srcId="{C54F5361-285B-42E6-8F81-A7C032D9CAFF}" destId="{4D999559-19D5-460B-9928-0B9D885782C0}" srcOrd="0" destOrd="0" presId="urn:microsoft.com/office/officeart/2005/8/layout/default"/>
     <dgm:cxn modelId="{5C8F322D-84BF-482F-940C-30A48E590407}" type="presOf" srcId="{858D758D-C9DA-4221-8831-DADF75F6DB97}" destId="{E53D8AE9-C679-4CEF-85A0-C6D81F0DFFA7}" srcOrd="0" destOrd="0" presId="urn:microsoft.com/office/officeart/2005/8/layout/default"/>
     <dgm:cxn modelId="{824FA931-9135-4CB5-A384-476A354CD772}" type="presOf" srcId="{324E6807-D0E6-4048-8367-D2284192343B}" destId="{EF447D25-1161-4BCC-BBB1-68050A6C9A6E}" srcOrd="0" destOrd="0" presId="urn:microsoft.com/office/officeart/2005/8/layout/default"/>
-    <dgm:cxn modelId="{4FC9BC35-7C09-4FD3-9658-FF97CF380D08}" type="presOf" srcId="{24D848F1-EDD4-490D-AF61-5E5080F82D9E}" destId="{0159F61C-2C2D-4691-A9C2-6FA8FF9D8419}" srcOrd="0" destOrd="0" presId="urn:microsoft.com/office/officeart/2005/8/layout/default"/>
-    <dgm:cxn modelId="{92BA1439-4C28-4150-A221-6927AFD64FF7}" srcId="{C54F5361-285B-42E6-8F81-A7C032D9CAFF}" destId="{24D848F1-EDD4-490D-AF61-5E5080F82D9E}" srcOrd="17" destOrd="0" parTransId="{7F099A1D-DDA4-49D8-BDE7-EAA50ABA78AA}" sibTransId="{D2C0DA6B-FB53-4927-B160-0E1494AC8FDC}"/>
     <dgm:cxn modelId="{CE53053F-2D84-4082-BA70-B6FBB3941DD9}" srcId="{C54F5361-285B-42E6-8F81-A7C032D9CAFF}" destId="{94AD4372-2744-4C21-9D24-9F2FF916AE43}" srcOrd="10" destOrd="0" parTransId="{7506A269-6EDB-461D-B7EB-53D10AC76232}" sibTransId="{ACF03389-2B6C-4DB2-AC85-A0EB197C8B58}"/>
     <dgm:cxn modelId="{C3E70467-8A43-4A34-B712-595A5C5476CE}" srcId="{C54F5361-285B-42E6-8F81-A7C032D9CAFF}" destId="{790368A3-44A5-46E5-AA83-F7247B3C98BF}" srcOrd="8" destOrd="0" parTransId="{D190A764-00C6-4B95-BA32-8E680271196C}" sibTransId="{53B837F8-41EA-49A9-B45F-10C1EA7F999D}"/>
     <dgm:cxn modelId="{DB409567-83F5-4C17-9040-EF23A6EA5428}" type="presOf" srcId="{A103FCC0-DF71-41C6-8395-C3C2FF9E3FD8}" destId="{83134174-6B49-4D98-BFDD-2AC145C09DD9}" srcOrd="0" destOrd="0" presId="urn:microsoft.com/office/officeart/2005/8/layout/default"/>
-    <dgm:cxn modelId="{B4B6736A-E8F8-43F1-9C9C-0D68A6595BA7}" type="presOf" srcId="{5B5F3F9B-7FE5-4084-AE12-1D4C35EB1D8C}" destId="{F0CB02B8-D766-4E66-8725-3E2AC8854CE3}" srcOrd="0" destOrd="0" presId="urn:microsoft.com/office/officeart/2005/8/layout/default"/>
     <dgm:cxn modelId="{2E84EF4A-5AD0-4CF0-B955-5ED6E748E57C}" type="presOf" srcId="{94AD4372-2744-4C21-9D24-9F2FF916AE43}" destId="{8ACB8FA8-5D25-4569-992A-0B9E3855EC63}" srcOrd="0" destOrd="0" presId="urn:microsoft.com/office/officeart/2005/8/layout/default"/>
     <dgm:cxn modelId="{B3C3394B-2D6A-4DAA-8627-9AED325F9A0C}" type="presOf" srcId="{4E3CB364-55D4-4FD5-B20B-C7D3D1540C24}" destId="{329AFB10-AE3C-46E4-9576-B4B68AFDA77F}" srcOrd="0" destOrd="0" presId="urn:microsoft.com/office/officeart/2005/8/layout/default"/>
     <dgm:cxn modelId="{F92DD36F-3FA8-4DB8-937F-E6C1BCC76FB5}" type="presOf" srcId="{D9E6834F-5DA4-45CD-B7A6-F843E4FB10F7}" destId="{E7CCC371-D4F6-4E4F-BC0A-63A309A31466}" srcOrd="0" destOrd="0" presId="urn:microsoft.com/office/officeart/2005/8/layout/default"/>
@@ -9786,16 +7710,11 @@
     <dgm:cxn modelId="{541B849C-C41B-45D0-BA6C-39B0E21BDFB6}" type="presOf" srcId="{CD66C24A-D33C-421B-8150-B55199851B0E}" destId="{5C73FEE6-1B30-4FE4-8FAC-1054F6A34EB4}" srcOrd="0" destOrd="0" presId="urn:microsoft.com/office/officeart/2005/8/layout/default"/>
     <dgm:cxn modelId="{1C4B1D9E-5B82-4A6A-BCA6-ED8D039B8238}" type="presOf" srcId="{64849BD2-AF21-4375-A9E9-958851F0C5FC}" destId="{7C2E623D-5428-430F-A71F-7D06D16CEE52}" srcOrd="0" destOrd="0" presId="urn:microsoft.com/office/officeart/2005/8/layout/default"/>
     <dgm:cxn modelId="{8FA3BF9E-C919-4825-81CD-2668BEF329C5}" srcId="{C54F5361-285B-42E6-8F81-A7C032D9CAFF}" destId="{64849BD2-AF21-4375-A9E9-958851F0C5FC}" srcOrd="9" destOrd="0" parTransId="{823B83C5-B7FB-4466-BD09-0B1F13CDC613}" sibTransId="{C8E8953A-FE51-42B6-B55A-06EED975CAF6}"/>
-    <dgm:cxn modelId="{465717AB-90B9-4BE4-AC36-47ECFD8ED197}" srcId="{C54F5361-285B-42E6-8F81-A7C032D9CAFF}" destId="{E2DA275D-5CE4-4133-B351-2F8D1CC29D02}" srcOrd="15" destOrd="0" parTransId="{05DB2000-BBE6-48B3-9305-8FFEDF503FFB}" sibTransId="{1F10EF85-E6A7-4C62-AC42-DE5E82170EA5}"/>
-    <dgm:cxn modelId="{F89099AC-A6A1-4E56-84E2-331D3E11556B}" type="presOf" srcId="{E2DA275D-5CE4-4133-B351-2F8D1CC29D02}" destId="{C8115387-FAE5-48E1-A33F-9318DC7B3664}" srcOrd="0" destOrd="0" presId="urn:microsoft.com/office/officeart/2005/8/layout/default"/>
     <dgm:cxn modelId="{E076D6C9-90EF-4B7F-BFE5-C23905127C59}" type="presOf" srcId="{5D8926BB-4BF1-47B4-A583-14A200AF8E36}" destId="{7810163C-AEF1-453C-9757-394BFE4F2AA7}" srcOrd="0" destOrd="0" presId="urn:microsoft.com/office/officeart/2005/8/layout/default"/>
     <dgm:cxn modelId="{5CA13CD1-88E3-4453-BE80-5A6CD21C9EA8}" srcId="{C54F5361-285B-42E6-8F81-A7C032D9CAFF}" destId="{324E6807-D0E6-4048-8367-D2284192343B}" srcOrd="11" destOrd="0" parTransId="{03B51CDC-C3A9-4D86-8A5C-277CF24ADD8F}" sibTransId="{498B0BA0-BBC0-49BE-B0A8-F87DCEC6EB05}"/>
-    <dgm:cxn modelId="{77C8E3D1-57AB-4CC9-B2B4-9B09BEC40A0E}" type="presOf" srcId="{DF446E9F-82D8-4269-B90C-6A9A45188168}" destId="{9564E155-2D18-4800-847D-3646B51F0BDD}" srcOrd="0" destOrd="0" presId="urn:microsoft.com/office/officeart/2005/8/layout/default"/>
     <dgm:cxn modelId="{5E3BC7D3-1A57-4260-86D9-79868CBFC562}" type="presOf" srcId="{DEAC9864-4B96-4DBB-AC38-961EFBEB42E4}" destId="{F3195ECC-F472-408F-87F4-7A3921F5513D}" srcOrd="0" destOrd="0" presId="urn:microsoft.com/office/officeart/2005/8/layout/default"/>
     <dgm:cxn modelId="{C843D0D3-FE57-49AE-83DC-FC1ABCD1F424}" srcId="{C54F5361-285B-42E6-8F81-A7C032D9CAFF}" destId="{DEAC9864-4B96-4DBB-AC38-961EFBEB42E4}" srcOrd="13" destOrd="0" parTransId="{E59D6259-FEAF-45B6-AC05-5E8E06036C75}" sibTransId="{08EE7A8F-2BED-46D3-9E70-01161069AEE1}"/>
-    <dgm:cxn modelId="{54F3C2D4-3CB1-4466-BBFB-06E5B04A7BE1}" srcId="{C54F5361-285B-42E6-8F81-A7C032D9CAFF}" destId="{5B5F3F9B-7FE5-4084-AE12-1D4C35EB1D8C}" srcOrd="16" destOrd="0" parTransId="{06BF7698-4BCF-4431-9F20-526FE269CD9C}" sibTransId="{9202335C-1340-44D2-B63A-8FBA1F8DE038}"/>
     <dgm:cxn modelId="{8A3FA9D9-A9B6-430A-B4B7-162C4DCCEE94}" type="presOf" srcId="{F9B30ABB-35A4-424D-9234-FDE29D1A9657}" destId="{07C5F2BC-3E2F-429F-B1B8-F354449CB02C}" srcOrd="0" destOrd="0" presId="urn:microsoft.com/office/officeart/2005/8/layout/default"/>
-    <dgm:cxn modelId="{5CF6A5DC-AAAE-4903-A6E9-46294AB6801C}" srcId="{C54F5361-285B-42E6-8F81-A7C032D9CAFF}" destId="{DF446E9F-82D8-4269-B90C-6A9A45188168}" srcOrd="18" destOrd="0" parTransId="{7785A007-FFC0-444F-B6AE-8D9860590ABE}" sibTransId="{2CABA9B4-8254-467C-88BF-3BA18E7C7136}"/>
     <dgm:cxn modelId="{B1DCDCEA-E5F1-4C2E-A48D-4F51EA2A61D7}" type="presOf" srcId="{D19620B3-164F-42F5-8D74-343AC51C87EF}" destId="{7CCE6E15-4139-4E13-8666-F18181AB4184}" srcOrd="0" destOrd="0" presId="urn:microsoft.com/office/officeart/2005/8/layout/default"/>
     <dgm:cxn modelId="{ACF106F5-3F0A-4312-A2BC-2F1E50B55E44}" srcId="{C54F5361-285B-42E6-8F81-A7C032D9CAFF}" destId="{4E3CB364-55D4-4FD5-B20B-C7D3D1540C24}" srcOrd="4" destOrd="0" parTransId="{3B340E7D-7B5C-4835-896C-A4788B6C88B8}" sibTransId="{459FCEDE-A29B-498D-80E5-C9A01D292E5D}"/>
     <dgm:cxn modelId="{7A9F81F7-D6C1-44BE-91E0-5D64FDE182CC}" srcId="{C54F5361-285B-42E6-8F81-A7C032D9CAFF}" destId="{D9E6834F-5DA4-45CD-B7A6-F843E4FB10F7}" srcOrd="2" destOrd="0" parTransId="{0B20C384-F672-4942-A466-44D0708068BE}" sibTransId="{258E67FF-F8C9-44D6-8B07-E1708D5060E8}"/>
@@ -9829,16 +7748,6 @@
     <dgm:cxn modelId="{97384294-884C-477F-A049-BE6518B9AE4E}" type="presParOf" srcId="{4D999559-19D5-460B-9928-0B9D885782C0}" destId="{F3195ECC-F472-408F-87F4-7A3921F5513D}" srcOrd="26" destOrd="0" presId="urn:microsoft.com/office/officeart/2005/8/layout/default"/>
     <dgm:cxn modelId="{114E39B4-8CC4-4E7B-9064-5657BE8B7B81}" type="presParOf" srcId="{4D999559-19D5-460B-9928-0B9D885782C0}" destId="{5A910B3F-2F15-4C92-A9B5-31AE0A7CB897}" srcOrd="27" destOrd="0" presId="urn:microsoft.com/office/officeart/2005/8/layout/default"/>
     <dgm:cxn modelId="{D31F3728-9F2B-4699-B9C9-7105167ABA9F}" type="presParOf" srcId="{4D999559-19D5-460B-9928-0B9D885782C0}" destId="{83134174-6B49-4D98-BFDD-2AC145C09DD9}" srcOrd="28" destOrd="0" presId="urn:microsoft.com/office/officeart/2005/8/layout/default"/>
-    <dgm:cxn modelId="{23515E46-7886-4EBB-B4DD-4CC2D2DDB52C}" type="presParOf" srcId="{4D999559-19D5-460B-9928-0B9D885782C0}" destId="{B6601178-1C4B-4D87-814F-B9755B63D366}" srcOrd="29" destOrd="0" presId="urn:microsoft.com/office/officeart/2005/8/layout/default"/>
-    <dgm:cxn modelId="{9B27FFE4-B1F4-4A70-89D9-175ED8D0A516}" type="presParOf" srcId="{4D999559-19D5-460B-9928-0B9D885782C0}" destId="{C8115387-FAE5-48E1-A33F-9318DC7B3664}" srcOrd="30" destOrd="0" presId="urn:microsoft.com/office/officeart/2005/8/layout/default"/>
-    <dgm:cxn modelId="{60659A8C-21CE-45A5-8374-20A8BBAE6649}" type="presParOf" srcId="{4D999559-19D5-460B-9928-0B9D885782C0}" destId="{0CDB29B4-F830-4F63-8E7A-D0024C429035}" srcOrd="31" destOrd="0" presId="urn:microsoft.com/office/officeart/2005/8/layout/default"/>
-    <dgm:cxn modelId="{3E9972E3-4165-4E8D-A3F8-4285AD56E953}" type="presParOf" srcId="{4D999559-19D5-460B-9928-0B9D885782C0}" destId="{F0CB02B8-D766-4E66-8725-3E2AC8854CE3}" srcOrd="32" destOrd="0" presId="urn:microsoft.com/office/officeart/2005/8/layout/default"/>
-    <dgm:cxn modelId="{AFBCCB7F-B4F2-495C-B048-D6E7E127E1BE}" type="presParOf" srcId="{4D999559-19D5-460B-9928-0B9D885782C0}" destId="{EAD9C651-350D-4952-BE89-AFD5F66341CC}" srcOrd="33" destOrd="0" presId="urn:microsoft.com/office/officeart/2005/8/layout/default"/>
-    <dgm:cxn modelId="{524176DF-967F-4BC2-8529-DA4184F9487F}" type="presParOf" srcId="{4D999559-19D5-460B-9928-0B9D885782C0}" destId="{0159F61C-2C2D-4691-A9C2-6FA8FF9D8419}" srcOrd="34" destOrd="0" presId="urn:microsoft.com/office/officeart/2005/8/layout/default"/>
-    <dgm:cxn modelId="{26208D32-32B5-49BB-918E-419B4421ACF6}" type="presParOf" srcId="{4D999559-19D5-460B-9928-0B9D885782C0}" destId="{5CCB053F-C6A2-44D2-AC0C-1CEA6F3ACB57}" srcOrd="35" destOrd="0" presId="urn:microsoft.com/office/officeart/2005/8/layout/default"/>
-    <dgm:cxn modelId="{9FBAE8C5-05D3-4C6E-99E2-F271F6DDA404}" type="presParOf" srcId="{4D999559-19D5-460B-9928-0B9D885782C0}" destId="{9564E155-2D18-4800-847D-3646B51F0BDD}" srcOrd="36" destOrd="0" presId="urn:microsoft.com/office/officeart/2005/8/layout/default"/>
-    <dgm:cxn modelId="{2836CE54-2D38-4C1C-8536-371E2E6DDCD7}" type="presParOf" srcId="{4D999559-19D5-460B-9928-0B9D885782C0}" destId="{40A699D5-CDB0-4949-9353-D33648DDAE25}" srcOrd="37" destOrd="0" presId="urn:microsoft.com/office/officeart/2005/8/layout/default"/>
-    <dgm:cxn modelId="{9240F093-E78C-45E8-8D74-23EC330654AC}" type="presParOf" srcId="{4D999559-19D5-460B-9928-0B9D885782C0}" destId="{27E06371-C3C8-42AE-BC04-64F2734D219B}" srcOrd="38" destOrd="0" presId="urn:microsoft.com/office/officeart/2005/8/layout/default"/>
   </dgm:cxnLst>
   <dgm:bg/>
   <dgm:whole/>
@@ -9858,7 +7767,7 @@
       <dsp:cNvGrpSpPr/>
     </dsp:nvGrpSpPr>
     <dsp:grpSpPr/>
-    <dsp:sp modelId="{E53D8AE9-C679-4CEF-85A0-C6D81F0DFFA7}">
+    <dsp:sp modelId="{5F67DC1E-E931-4694-8DA5-D0EF51F56985}">
       <dsp:nvSpPr>
         <dsp:cNvPr id="0" name=""/>
         <dsp:cNvSpPr/>
@@ -9930,9 +7839,9 @@
           </a:r>
           <a:r>
             <a:rPr lang="en-IN" sz="1400" b="1" kern="1200" dirty="0" err="1"/>
-            <a:t>List.FirstPosition</a:t>
-          </a:r>
-          <a:endParaRPr lang="en-US" sz="1400" kern="1200" dirty="0"/>
+            <a:t>List.InsertRange</a:t>
+          </a:r>
+          <a:endParaRPr lang="en-IN" sz="1400" b="1" kern="1200" dirty="0"/>
         </a:p>
       </dsp:txBody>
       <dsp:txXfrm>
@@ -9940,7 +7849,7 @@
         <a:ext cx="1946002" cy="1167601"/>
       </dsp:txXfrm>
     </dsp:sp>
-    <dsp:sp modelId="{D5830787-FFBF-464B-97DD-E7BF46FD2D7E}">
+    <dsp:sp modelId="{C0014ADE-3F70-4652-B2E3-4394F237CF6C}">
       <dsp:nvSpPr>
         <dsp:cNvPr id="0" name=""/>
         <dsp:cNvSpPr/>
@@ -10013,7 +7922,7 @@
           </a:r>
           <a:r>
             <a:rPr lang="en-US" sz="1400" kern="1200"/>
-            <a:t>: Returns the position (index) of the first occurrence of a value.</a:t>
+            <a:t>: Inserts elements into a list at a specified position.</a:t>
           </a:r>
         </a:p>
       </dsp:txBody>
@@ -10022,7 +7931,7 @@
         <a:ext cx="1946002" cy="1167601"/>
       </dsp:txXfrm>
     </dsp:sp>
-    <dsp:sp modelId="{A36444C3-361F-4567-9E4C-46283B0DD130}">
+    <dsp:sp modelId="{B508A2BA-5F58-47B3-BFC5-D9AB9B6741D7}">
       <dsp:nvSpPr>
         <dsp:cNvPr id="0" name=""/>
         <dsp:cNvSpPr/>
@@ -10090,12 +7999,12 @@
             <a:buNone/>
           </a:pPr>
           <a:r>
-            <a:rPr lang="en-US" sz="1400" b="1" kern="1200"/>
+            <a:rPr lang="fr-FR" sz="1400" b="1" kern="1200"/>
             <a:t>Example</a:t>
           </a:r>
           <a:r>
-            <a:rPr lang="en-US" sz="1400" kern="1200"/>
-            <a:t>: List.FirstPosition({1, 2, 3, 2}, 2)</a:t>
+            <a:rPr lang="fr-FR" sz="1400" kern="1200"/>
+            <a:t>: List.InsertRange({1, 2, 4}, 2, {3, 5})</a:t>
           </a:r>
         </a:p>
       </dsp:txBody>
@@ -10104,7 +8013,7 @@
         <a:ext cx="1946002" cy="1167601"/>
       </dsp:txXfrm>
     </dsp:sp>
-    <dsp:sp modelId="{9BB1AA09-9B81-4819-938D-0E677ED298EE}">
+    <dsp:sp modelId="{0C640E14-0B15-4F78-9A69-374684C63DDD}">
       <dsp:nvSpPr>
         <dsp:cNvPr id="0" name=""/>
         <dsp:cNvSpPr/>
@@ -10172,12 +8081,12 @@
             <a:buNone/>
           </a:pPr>
           <a:r>
-            <a:rPr lang="en-IN" sz="1400" b="1" kern="1200"/>
+            <a:rPr lang="en-US" sz="1400" b="1" kern="1200"/>
             <a:t>Result</a:t>
           </a:r>
           <a:r>
-            <a:rPr lang="en-IN" sz="1400" kern="1200"/>
-            <a:t>: 1</a:t>
+            <a:rPr lang="en-US" sz="1400" kern="1200"/>
+            <a:t>: {1, 2, 3, 5, 4}</a:t>
           </a:r>
         </a:p>
       </dsp:txBody>
@@ -10186,7 +8095,7 @@
         <a:ext cx="1946002" cy="1167601"/>
       </dsp:txXfrm>
     </dsp:sp>
-    <dsp:sp modelId="{4FE4893F-8A78-4B12-B4B2-911DA057C679}">
+    <dsp:sp modelId="{3038EE2D-7A3C-4AF1-9EE5-B64F406976F7}">
       <dsp:nvSpPr>
         <dsp:cNvPr id="0" name=""/>
         <dsp:cNvSpPr/>
@@ -10254,12 +8163,12 @@
             <a:buNone/>
           </a:pPr>
           <a:r>
-            <a:rPr lang="en-US" sz="1400" b="1" kern="1200"/>
+            <a:rPr lang="en-US" sz="1400" b="1" kern="1200" dirty="0"/>
             <a:t>Use case</a:t>
           </a:r>
           <a:r>
-            <a:rPr lang="en-US" sz="1400" kern="1200"/>
-            <a:t>: Useful for finding where a specific value first appears in a list.</a:t>
+            <a:rPr lang="en-US" sz="1400" kern="1200" dirty="0"/>
+            <a:t>: Use when you need to insert values dynamically into a list at a specific position.</a:t>
           </a:r>
         </a:p>
       </dsp:txBody>
@@ -10268,7 +8177,7 @@
         <a:ext cx="1946002" cy="1167601"/>
       </dsp:txXfrm>
     </dsp:sp>
-    <dsp:sp modelId="{413BD8B3-5968-4274-A4D9-08C7368CEB2D}">
+    <dsp:sp modelId="{2E1F8917-8B3B-4298-ACCF-1258C19C96BA}">
       <dsp:nvSpPr>
         <dsp:cNvPr id="0" name=""/>
         <dsp:cNvSpPr/>
@@ -10335,9 +8244,18 @@
             <a:buNone/>
           </a:pPr>
           <a:r>
-            <a:rPr lang="en-IN" sz="1400" b="1" kern="1200"/>
-            <a:t>41. List.LastPosition</a:t>
-          </a:r>
+            <a:rPr lang="en-US" sz="1400" b="1" kern="1200" dirty="0"/>
+            <a:t>41. </a:t>
+          </a:r>
+          <a:r>
+            <a:rPr lang="en-US" sz="1400" b="1" kern="1200" dirty="0" err="1"/>
+            <a:t>List.Generate</a:t>
+          </a:r>
+          <a:r>
+            <a:rPr lang="en-US" sz="1400" b="1" kern="1200" dirty="0"/>
+            <a:t> (Advanced Usage)</a:t>
+          </a:r>
+          <a:endParaRPr lang="en-US" sz="1400" kern="1200" dirty="0"/>
         </a:p>
       </dsp:txBody>
       <dsp:txXfrm>
@@ -10345,7 +8263,7 @@
         <a:ext cx="1946002" cy="1167601"/>
       </dsp:txXfrm>
     </dsp:sp>
-    <dsp:sp modelId="{B54F230D-35EA-45CA-8649-9F3830529962}">
+    <dsp:sp modelId="{E8CE7F6D-18C4-4F51-8569-D0E9EA983D7F}">
       <dsp:nvSpPr>
         <dsp:cNvPr id="0" name=""/>
         <dsp:cNvSpPr/>
@@ -10413,12 +8331,12 @@
             <a:buNone/>
           </a:pPr>
           <a:r>
-            <a:rPr lang="en-US" sz="1400" b="1" kern="1200"/>
+            <a:rPr lang="en-US" sz="1400" b="1" kern="1200" dirty="0"/>
             <a:t>Description</a:t>
           </a:r>
           <a:r>
-            <a:rPr lang="en-US" sz="1400" kern="1200"/>
-            <a:t>: Returns the position (index) of the last occurrence of a value.</a:t>
+            <a:rPr lang="en-US" sz="1400" kern="1200" dirty="0"/>
+            <a:t>: Generates lists with more complex rules.</a:t>
           </a:r>
         </a:p>
       </dsp:txBody>
@@ -10427,7 +8345,7 @@
         <a:ext cx="1946002" cy="1167601"/>
       </dsp:txXfrm>
     </dsp:sp>
-    <dsp:sp modelId="{A673FA62-EC7D-4224-BD1B-68FB2B56DC67}">
+    <dsp:sp modelId="{1624D8F6-4E27-4291-9D11-9F472BB539E9}">
       <dsp:nvSpPr>
         <dsp:cNvPr id="0" name=""/>
         <dsp:cNvSpPr/>
@@ -10495,12 +8413,12 @@
             <a:buNone/>
           </a:pPr>
           <a:r>
-            <a:rPr lang="en-IN" sz="1400" b="1" kern="1200"/>
+            <a:rPr lang="en-US" sz="1400" b="1" kern="1200"/>
             <a:t>Example</a:t>
           </a:r>
           <a:r>
-            <a:rPr lang="en-IN" sz="1400" kern="1200"/>
-            <a:t>: List.LastPosition({1, 2, 3, 2}, 2)</a:t>
+            <a:rPr lang="en-US" sz="1400" kern="1200"/>
+            <a:t>: List.Generate(() =&gt; 1, each _ &lt;= 10, each _ + 1, each _ * 2)</a:t>
           </a:r>
         </a:p>
       </dsp:txBody>
@@ -10509,7 +8427,7 @@
         <a:ext cx="1946002" cy="1167601"/>
       </dsp:txXfrm>
     </dsp:sp>
-    <dsp:sp modelId="{B3F7F754-790F-4581-BF7B-3C80891A8202}">
+    <dsp:sp modelId="{F3BA467D-5AAB-411B-B7F7-83C540D8935B}">
       <dsp:nvSpPr>
         <dsp:cNvPr id="0" name=""/>
         <dsp:cNvSpPr/>
@@ -10577,12 +8495,12 @@
             <a:buNone/>
           </a:pPr>
           <a:r>
-            <a:rPr lang="en-IN" sz="1400" b="1" kern="1200"/>
+            <a:rPr lang="en-US" sz="1400" b="1" kern="1200"/>
             <a:t>Result</a:t>
           </a:r>
           <a:r>
-            <a:rPr lang="en-IN" sz="1400" kern="1200"/>
-            <a:t>: 3</a:t>
+            <a:rPr lang="en-US" sz="1400" kern="1200"/>
+            <a:t>: {2, 4, 6, 8, 10, 12, 14, 16, 18, 20}</a:t>
           </a:r>
         </a:p>
       </dsp:txBody>
@@ -10591,7 +8509,7 @@
         <a:ext cx="1946002" cy="1167601"/>
       </dsp:txXfrm>
     </dsp:sp>
-    <dsp:sp modelId="{A6E92CF4-9B86-4FF6-8C85-FADB8E47F80B}">
+    <dsp:sp modelId="{9F74DFB4-4889-49B3-8216-EACC246765D4}">
       <dsp:nvSpPr>
         <dsp:cNvPr id="0" name=""/>
         <dsp:cNvSpPr/>
@@ -10659,12 +8577,12 @@
             <a:buNone/>
           </a:pPr>
           <a:r>
-            <a:rPr lang="en-US" sz="1400" b="1" kern="1200"/>
+            <a:rPr lang="en-US" sz="1400" b="1" kern="1200" dirty="0"/>
             <a:t>Use case</a:t>
           </a:r>
           <a:r>
-            <a:rPr lang="en-US" sz="1400" kern="1200"/>
-            <a:t>: Similar to List.FirstPosition, but for the last occurrence, e.g., finding the last purchase date of a customer.</a:t>
+            <a:rPr lang="en-US" sz="1400" kern="1200" dirty="0"/>
+            <a:t>: Create lists with custom transformations, such as doubling a sequence of numbers.</a:t>
           </a:r>
         </a:p>
       </dsp:txBody>
@@ -10673,7 +8591,7 @@
         <a:ext cx="1946002" cy="1167601"/>
       </dsp:txXfrm>
     </dsp:sp>
-    <dsp:sp modelId="{5F67DC1E-E931-4694-8DA5-D0EF51F56985}">
+    <dsp:sp modelId="{E2490CF1-9350-4448-9ED3-79706D93BB5E}">
       <dsp:nvSpPr>
         <dsp:cNvPr id="0" name=""/>
         <dsp:cNvSpPr/>
@@ -10740,9 +8658,14 @@
             <a:buNone/>
           </a:pPr>
           <a:r>
-            <a:rPr lang="en-IN" sz="1400" b="1" kern="1200"/>
-            <a:t>42. List.InsertRange</a:t>
-          </a:r>
+            <a:rPr lang="en-IN" sz="1400" b="1" kern="1200" dirty="0"/>
+            <a:t>42. </a:t>
+          </a:r>
+          <a:r>
+            <a:rPr lang="en-IN" sz="1400" b="1" kern="1200" dirty="0" err="1"/>
+            <a:t>List.Alternate</a:t>
+          </a:r>
+          <a:endParaRPr lang="en-US" sz="1400" kern="1200" dirty="0"/>
         </a:p>
       </dsp:txBody>
       <dsp:txXfrm>
@@ -10750,7 +8673,7 @@
         <a:ext cx="1946002" cy="1167601"/>
       </dsp:txXfrm>
     </dsp:sp>
-    <dsp:sp modelId="{C0014ADE-3F70-4652-B2E3-4394F237CF6C}">
+    <dsp:sp modelId="{55E8FF1E-931B-49C1-90A0-FE1325044B75}">
       <dsp:nvSpPr>
         <dsp:cNvPr id="0" name=""/>
         <dsp:cNvSpPr/>
@@ -10818,12 +8741,12 @@
             <a:buNone/>
           </a:pPr>
           <a:r>
-            <a:rPr lang="en-US" sz="1400" b="1" kern="1200"/>
+            <a:rPr lang="en-US" sz="1400" b="1" kern="1200" dirty="0"/>
             <a:t>Description</a:t>
           </a:r>
           <a:r>
-            <a:rPr lang="en-US" sz="1400" kern="1200"/>
-            <a:t>: Inserts elements into a list at a specified position.</a:t>
+            <a:rPr lang="en-US" sz="1400" kern="1200" dirty="0"/>
+            <a:t>: Extracts every nth element from a list.</a:t>
           </a:r>
         </a:p>
       </dsp:txBody>
@@ -10832,7 +8755,7 @@
         <a:ext cx="1946002" cy="1167601"/>
       </dsp:txXfrm>
     </dsp:sp>
-    <dsp:sp modelId="{B508A2BA-5F58-47B3-BFC5-D9AB9B6741D7}">
+    <dsp:sp modelId="{AAF98E69-1513-4072-A02E-D4D6653FEA6B}">
       <dsp:nvSpPr>
         <dsp:cNvPr id="0" name=""/>
         <dsp:cNvSpPr/>
@@ -10900,12 +8823,20 @@
             <a:buNone/>
           </a:pPr>
           <a:r>
-            <a:rPr lang="fr-FR" sz="1400" b="1" kern="1200"/>
+            <a:rPr lang="en-IN" sz="1400" b="1" kern="1200" dirty="0"/>
             <a:t>Example</a:t>
           </a:r>
           <a:r>
-            <a:rPr lang="fr-FR" sz="1400" kern="1200"/>
-            <a:t>: List.InsertRange({1, 2, 4}, 2, {3, 5})</a:t>
+            <a:rPr lang="en-IN" sz="1400" kern="1200" dirty="0"/>
+            <a:t>: </a:t>
+          </a:r>
+          <a:r>
+            <a:rPr lang="en-IN" sz="1400" kern="1200" dirty="0" err="1"/>
+            <a:t>List.Alternate</a:t>
+          </a:r>
+          <a:r>
+            <a:rPr lang="en-IN" sz="1400" kern="1200" dirty="0"/>
+            <a:t>({1, 2, 3, 4, 5, 6}, 2)</a:t>
           </a:r>
         </a:p>
       </dsp:txBody>
@@ -10914,7 +8845,7 @@
         <a:ext cx="1946002" cy="1167601"/>
       </dsp:txXfrm>
     </dsp:sp>
-    <dsp:sp modelId="{0C640E14-0B15-4F78-9A69-374684C63DDD}">
+    <dsp:sp modelId="{71B6F575-B687-491C-9327-1C80A45327E8}">
       <dsp:nvSpPr>
         <dsp:cNvPr id="0" name=""/>
         <dsp:cNvSpPr/>
@@ -10982,12 +8913,12 @@
             <a:buNone/>
           </a:pPr>
           <a:r>
-            <a:rPr lang="en-US" sz="1400" b="1" kern="1200"/>
+            <a:rPr lang="en-IN" sz="1400" b="1" kern="1200" dirty="0"/>
             <a:t>Result</a:t>
           </a:r>
           <a:r>
-            <a:rPr lang="en-US" sz="1400" kern="1200"/>
-            <a:t>: {1, 2, 3, 5, 4}</a:t>
+            <a:rPr lang="en-IN" sz="1400" kern="1200" dirty="0"/>
+            <a:t>: {1, 3, 5}</a:t>
           </a:r>
         </a:p>
       </dsp:txBody>
@@ -10996,7 +8927,7 @@
         <a:ext cx="1946002" cy="1167601"/>
       </dsp:txXfrm>
     </dsp:sp>
-    <dsp:sp modelId="{3038EE2D-7A3C-4AF1-9EE5-B64F406976F7}">
+    <dsp:sp modelId="{2EE59FE5-27E9-47BC-A75F-B16A8840F852}">
       <dsp:nvSpPr>
         <dsp:cNvPr id="0" name=""/>
         <dsp:cNvSpPr/>
@@ -11064,12 +8995,12 @@
             <a:buNone/>
           </a:pPr>
           <a:r>
-            <a:rPr lang="en-US" sz="1400" b="1" kern="1200"/>
+            <a:rPr lang="en-US" sz="1400" b="1" kern="1200" dirty="0"/>
             <a:t>Use case</a:t>
           </a:r>
           <a:r>
-            <a:rPr lang="en-US" sz="1400" kern="1200"/>
-            <a:t>: Use when you need to insert values dynamically into a list at a specific position.</a:t>
+            <a:rPr lang="en-US" sz="1400" kern="1200" dirty="0"/>
+            <a:t>: For extracting alternate rows or values, such as odd or even indexes.</a:t>
           </a:r>
         </a:p>
       </dsp:txBody>
@@ -11139,12 +9070,12 @@
         </a:fontRef>
       </dsp:style>
       <dsp:txBody>
-        <a:bodyPr spcFirstLastPara="0" vert="horz" wrap="square" lIns="45720" tIns="45720" rIns="45720" bIns="45720" numCol="1" spcCol="1270" anchor="ctr" anchorCtr="0">
+        <a:bodyPr spcFirstLastPara="0" vert="horz" wrap="square" lIns="53340" tIns="53340" rIns="53340" bIns="53340" numCol="1" spcCol="1270" anchor="ctr" anchorCtr="0">
           <a:noAutofit/>
         </a:bodyPr>
         <a:lstStyle/>
         <a:p>
-          <a:pPr marL="0" lvl="0" indent="0" algn="ctr" defTabSz="533400">
+          <a:pPr marL="0" lvl="0" indent="0" algn="ctr" defTabSz="622300">
             <a:lnSpc>
               <a:spcPct val="90000"/>
             </a:lnSpc>
@@ -11157,10 +9088,10 @@
             <a:buNone/>
           </a:pPr>
           <a:r>
-            <a:rPr lang="en-IN" sz="1200" b="1" kern="1200"/>
+            <a:rPr lang="en-IN" sz="1400" b="1" kern="1200"/>
             <a:t>43. List.RemoveRange</a:t>
           </a:r>
-          <a:endParaRPr lang="en-US" sz="1200" kern="1200"/>
+          <a:endParaRPr lang="en-US" sz="1400" kern="1200"/>
         </a:p>
       </dsp:txBody>
       <dsp:txXfrm>
@@ -11217,12 +9148,12 @@
         </a:fontRef>
       </dsp:style>
       <dsp:txBody>
-        <a:bodyPr spcFirstLastPara="0" vert="horz" wrap="square" lIns="45720" tIns="45720" rIns="45720" bIns="45720" numCol="1" spcCol="1270" anchor="ctr" anchorCtr="0">
+        <a:bodyPr spcFirstLastPara="0" vert="horz" wrap="square" lIns="53340" tIns="53340" rIns="53340" bIns="53340" numCol="1" spcCol="1270" anchor="ctr" anchorCtr="0">
           <a:noAutofit/>
         </a:bodyPr>
         <a:lstStyle/>
         <a:p>
-          <a:pPr marL="0" lvl="0" indent="0" algn="ctr" defTabSz="533400">
+          <a:pPr marL="0" lvl="0" indent="0" algn="ctr" defTabSz="622300">
             <a:lnSpc>
               <a:spcPct val="90000"/>
             </a:lnSpc>
@@ -11236,11 +9167,11 @@
             <a:buNone/>
           </a:pPr>
           <a:r>
-            <a:rPr lang="en-US" sz="1200" b="1" kern="1200"/>
+            <a:rPr lang="en-US" sz="1400" b="1" kern="1200"/>
             <a:t>Description</a:t>
           </a:r>
           <a:r>
-            <a:rPr lang="en-US" sz="1200" kern="1200"/>
+            <a:rPr lang="en-US" sz="1400" kern="1200"/>
             <a:t>: Removes a range of values from a list.</a:t>
           </a:r>
         </a:p>
@@ -11299,12 +9230,12 @@
         </a:fontRef>
       </dsp:style>
       <dsp:txBody>
-        <a:bodyPr spcFirstLastPara="0" vert="horz" wrap="square" lIns="45720" tIns="45720" rIns="45720" bIns="45720" numCol="1" spcCol="1270" anchor="ctr" anchorCtr="0">
+        <a:bodyPr spcFirstLastPara="0" vert="horz" wrap="square" lIns="53340" tIns="53340" rIns="53340" bIns="53340" numCol="1" spcCol="1270" anchor="ctr" anchorCtr="0">
           <a:noAutofit/>
         </a:bodyPr>
         <a:lstStyle/>
         <a:p>
-          <a:pPr marL="0" lvl="0" indent="0" algn="ctr" defTabSz="533400">
+          <a:pPr marL="0" lvl="0" indent="0" algn="ctr" defTabSz="622300">
             <a:lnSpc>
               <a:spcPct val="90000"/>
             </a:lnSpc>
@@ -11318,11 +9249,11 @@
             <a:buNone/>
           </a:pPr>
           <a:r>
-            <a:rPr lang="en-US" sz="1200" b="1" kern="1200"/>
+            <a:rPr lang="en-US" sz="1400" b="1" kern="1200"/>
             <a:t>Example</a:t>
           </a:r>
           <a:r>
-            <a:rPr lang="en-US" sz="1200" kern="1200"/>
+            <a:rPr lang="en-US" sz="1400" kern="1200"/>
             <a:t>: List.RemoveRange({1, 2, 3, 4, 5}, 1, 3)</a:t>
           </a:r>
         </a:p>
@@ -11381,12 +9312,12 @@
         </a:fontRef>
       </dsp:style>
       <dsp:txBody>
-        <a:bodyPr spcFirstLastPara="0" vert="horz" wrap="square" lIns="45720" tIns="45720" rIns="45720" bIns="45720" numCol="1" spcCol="1270" anchor="ctr" anchorCtr="0">
+        <a:bodyPr spcFirstLastPara="0" vert="horz" wrap="square" lIns="53340" tIns="53340" rIns="53340" bIns="53340" numCol="1" spcCol="1270" anchor="ctr" anchorCtr="0">
           <a:noAutofit/>
         </a:bodyPr>
         <a:lstStyle/>
         <a:p>
-          <a:pPr marL="0" lvl="0" indent="0" algn="ctr" defTabSz="533400">
+          <a:pPr marL="0" lvl="0" indent="0" algn="ctr" defTabSz="622300">
             <a:lnSpc>
               <a:spcPct val="90000"/>
             </a:lnSpc>
@@ -11400,11 +9331,11 @@
             <a:buNone/>
           </a:pPr>
           <a:r>
-            <a:rPr lang="en-IN" sz="1200" b="1" kern="1200"/>
+            <a:rPr lang="en-IN" sz="1400" b="1" kern="1200"/>
             <a:t>Result</a:t>
           </a:r>
           <a:r>
-            <a:rPr lang="en-IN" sz="1200" kern="1200"/>
+            <a:rPr lang="en-IN" sz="1400" kern="1200"/>
             <a:t>: {1, 5}</a:t>
           </a:r>
         </a:p>
@@ -11463,12 +9394,12 @@
         </a:fontRef>
       </dsp:style>
       <dsp:txBody>
-        <a:bodyPr spcFirstLastPara="0" vert="horz" wrap="square" lIns="45720" tIns="45720" rIns="45720" bIns="45720" numCol="1" spcCol="1270" anchor="ctr" anchorCtr="0">
+        <a:bodyPr spcFirstLastPara="0" vert="horz" wrap="square" lIns="53340" tIns="53340" rIns="53340" bIns="53340" numCol="1" spcCol="1270" anchor="ctr" anchorCtr="0">
           <a:noAutofit/>
         </a:bodyPr>
         <a:lstStyle/>
         <a:p>
-          <a:pPr marL="0" lvl="0" indent="0" algn="ctr" defTabSz="533400">
+          <a:pPr marL="0" lvl="0" indent="0" algn="ctr" defTabSz="622300">
             <a:lnSpc>
               <a:spcPct val="90000"/>
             </a:lnSpc>
@@ -11482,11 +9413,11 @@
             <a:buNone/>
           </a:pPr>
           <a:r>
-            <a:rPr lang="en-US" sz="1200" b="1" kern="1200"/>
+            <a:rPr lang="en-US" sz="1400" b="1" kern="1200"/>
             <a:t>Use case</a:t>
           </a:r>
           <a:r>
-            <a:rPr lang="en-US" sz="1200" kern="1200"/>
+            <a:rPr lang="en-US" sz="1400" kern="1200"/>
             <a:t>: Useful for removing a subset of elements from a list.</a:t>
           </a:r>
         </a:p>
@@ -11545,12 +9476,12 @@
         </a:fontRef>
       </dsp:style>
       <dsp:txBody>
-        <a:bodyPr spcFirstLastPara="0" vert="horz" wrap="square" lIns="45720" tIns="45720" rIns="45720" bIns="45720" numCol="1" spcCol="1270" anchor="ctr" anchorCtr="0">
+        <a:bodyPr spcFirstLastPara="0" vert="horz" wrap="square" lIns="53340" tIns="53340" rIns="53340" bIns="53340" numCol="1" spcCol="1270" anchor="ctr" anchorCtr="0">
           <a:noAutofit/>
         </a:bodyPr>
         <a:lstStyle/>
         <a:p>
-          <a:pPr marL="0" lvl="0" indent="0" algn="ctr" defTabSz="533400">
+          <a:pPr marL="0" lvl="0" indent="0" algn="ctr" defTabSz="622300">
             <a:lnSpc>
               <a:spcPct val="90000"/>
             </a:lnSpc>
@@ -11563,7 +9494,7 @@
             <a:buNone/>
           </a:pPr>
           <a:r>
-            <a:rPr lang="en-IN" sz="1200" b="1" kern="1200"/>
+            <a:rPr lang="en-IN" sz="1400" b="1" kern="1200"/>
             <a:t>44. List.ReplaceRange</a:t>
           </a:r>
         </a:p>
@@ -11622,12 +9553,12 @@
         </a:fontRef>
       </dsp:style>
       <dsp:txBody>
-        <a:bodyPr spcFirstLastPara="0" vert="horz" wrap="square" lIns="45720" tIns="45720" rIns="45720" bIns="45720" numCol="1" spcCol="1270" anchor="ctr" anchorCtr="0">
+        <a:bodyPr spcFirstLastPara="0" vert="horz" wrap="square" lIns="53340" tIns="53340" rIns="53340" bIns="53340" numCol="1" spcCol="1270" anchor="ctr" anchorCtr="0">
           <a:noAutofit/>
         </a:bodyPr>
         <a:lstStyle/>
         <a:p>
-          <a:pPr marL="0" lvl="0" indent="0" algn="ctr" defTabSz="533400">
+          <a:pPr marL="0" lvl="0" indent="0" algn="ctr" defTabSz="622300">
             <a:lnSpc>
               <a:spcPct val="90000"/>
             </a:lnSpc>
@@ -11641,11 +9572,11 @@
             <a:buNone/>
           </a:pPr>
           <a:r>
-            <a:rPr lang="en-US" sz="1200" b="1" kern="1200"/>
+            <a:rPr lang="en-US" sz="1400" b="1" kern="1200"/>
             <a:t>Description</a:t>
           </a:r>
           <a:r>
-            <a:rPr lang="en-US" sz="1200" kern="1200"/>
+            <a:rPr lang="en-US" sz="1400" kern="1200"/>
             <a:t>: Replaces a range of values in a list with another list.</a:t>
           </a:r>
         </a:p>
@@ -11704,12 +9635,12 @@
         </a:fontRef>
       </dsp:style>
       <dsp:txBody>
-        <a:bodyPr spcFirstLastPara="0" vert="horz" wrap="square" lIns="45720" tIns="45720" rIns="45720" bIns="45720" numCol="1" spcCol="1270" anchor="ctr" anchorCtr="0">
+        <a:bodyPr spcFirstLastPara="0" vert="horz" wrap="square" lIns="53340" tIns="53340" rIns="53340" bIns="53340" numCol="1" spcCol="1270" anchor="ctr" anchorCtr="0">
           <a:noAutofit/>
         </a:bodyPr>
         <a:lstStyle/>
         <a:p>
-          <a:pPr marL="0" lvl="0" indent="0" algn="ctr" defTabSz="533400">
+          <a:pPr marL="0" lvl="0" indent="0" algn="ctr" defTabSz="622300">
             <a:lnSpc>
               <a:spcPct val="90000"/>
             </a:lnSpc>
@@ -11723,11 +9654,11 @@
             <a:buNone/>
           </a:pPr>
           <a:r>
-            <a:rPr lang="en-IN" sz="1200" b="1" kern="1200"/>
+            <a:rPr lang="en-IN" sz="1400" b="1" kern="1200"/>
             <a:t>Example</a:t>
           </a:r>
           <a:r>
-            <a:rPr lang="en-IN" sz="1200" kern="1200"/>
+            <a:rPr lang="en-IN" sz="1400" kern="1200"/>
             <a:t>: List.ReplaceRange({1, 2, 3, 4}, 1, 2, {5, 6})</a:t>
           </a:r>
         </a:p>
@@ -11786,12 +9717,12 @@
         </a:fontRef>
       </dsp:style>
       <dsp:txBody>
-        <a:bodyPr spcFirstLastPara="0" vert="horz" wrap="square" lIns="45720" tIns="45720" rIns="45720" bIns="45720" numCol="1" spcCol="1270" anchor="ctr" anchorCtr="0">
+        <a:bodyPr spcFirstLastPara="0" vert="horz" wrap="square" lIns="53340" tIns="53340" rIns="53340" bIns="53340" numCol="1" spcCol="1270" anchor="ctr" anchorCtr="0">
           <a:noAutofit/>
         </a:bodyPr>
         <a:lstStyle/>
         <a:p>
-          <a:pPr marL="0" lvl="0" indent="0" algn="ctr" defTabSz="533400">
+          <a:pPr marL="0" lvl="0" indent="0" algn="ctr" defTabSz="622300">
             <a:lnSpc>
               <a:spcPct val="90000"/>
             </a:lnSpc>
@@ -11805,11 +9736,11 @@
             <a:buNone/>
           </a:pPr>
           <a:r>
-            <a:rPr lang="en-US" sz="1200" b="1" kern="1200"/>
+            <a:rPr lang="en-US" sz="1400" b="1" kern="1200"/>
             <a:t>Result</a:t>
           </a:r>
           <a:r>
-            <a:rPr lang="en-US" sz="1200" kern="1200"/>
+            <a:rPr lang="en-US" sz="1400" kern="1200"/>
             <a:t>: {1, 5, 6, 4}</a:t>
           </a:r>
         </a:p>
@@ -11868,12 +9799,12 @@
         </a:fontRef>
       </dsp:style>
       <dsp:txBody>
-        <a:bodyPr spcFirstLastPara="0" vert="horz" wrap="square" lIns="45720" tIns="45720" rIns="45720" bIns="45720" numCol="1" spcCol="1270" anchor="ctr" anchorCtr="0">
+        <a:bodyPr spcFirstLastPara="0" vert="horz" wrap="square" lIns="53340" tIns="53340" rIns="53340" bIns="53340" numCol="1" spcCol="1270" anchor="ctr" anchorCtr="0">
           <a:noAutofit/>
         </a:bodyPr>
         <a:lstStyle/>
         <a:p>
-          <a:pPr marL="0" lvl="0" indent="0" algn="ctr" defTabSz="533400">
+          <a:pPr marL="0" lvl="0" indent="0" algn="ctr" defTabSz="622300">
             <a:lnSpc>
               <a:spcPct val="90000"/>
             </a:lnSpc>
@@ -11887,11 +9818,11 @@
             <a:buNone/>
           </a:pPr>
           <a:r>
-            <a:rPr lang="en-US" sz="1200" b="1" kern="1200"/>
+            <a:rPr lang="en-US" sz="1400" b="1" kern="1200"/>
             <a:t>Use case</a:t>
           </a:r>
           <a:r>
-            <a:rPr lang="en-US" sz="1200" kern="1200"/>
+            <a:rPr lang="en-US" sz="1400" kern="1200"/>
             <a:t>: Use this to modify a specific section of a list.</a:t>
           </a:r>
         </a:p>
@@ -11950,12 +9881,12 @@
         </a:fontRef>
       </dsp:style>
       <dsp:txBody>
-        <a:bodyPr spcFirstLastPara="0" vert="horz" wrap="square" lIns="45720" tIns="45720" rIns="45720" bIns="45720" numCol="1" spcCol="1270" anchor="ctr" anchorCtr="0">
+        <a:bodyPr spcFirstLastPara="0" vert="horz" wrap="square" lIns="53340" tIns="53340" rIns="53340" bIns="53340" numCol="1" spcCol="1270" anchor="ctr" anchorCtr="0">
           <a:noAutofit/>
         </a:bodyPr>
         <a:lstStyle/>
         <a:p>
-          <a:pPr marL="0" lvl="0" indent="0" algn="ctr" defTabSz="533400">
+          <a:pPr marL="0" lvl="0" indent="0" algn="ctr" defTabSz="622300">
             <a:lnSpc>
               <a:spcPct val="90000"/>
             </a:lnSpc>
@@ -11968,7 +9899,7 @@
             <a:buNone/>
           </a:pPr>
           <a:r>
-            <a:rPr lang="en-IN" sz="1200" b="1" kern="1200"/>
+            <a:rPr lang="en-IN" sz="1400" b="1" kern="1200"/>
             <a:t>45. List.RemoveMatchingItems</a:t>
           </a:r>
         </a:p>
@@ -12027,12 +9958,12 @@
         </a:fontRef>
       </dsp:style>
       <dsp:txBody>
-        <a:bodyPr spcFirstLastPara="0" vert="horz" wrap="square" lIns="45720" tIns="45720" rIns="45720" bIns="45720" numCol="1" spcCol="1270" anchor="ctr" anchorCtr="0">
+        <a:bodyPr spcFirstLastPara="0" vert="horz" wrap="square" lIns="53340" tIns="53340" rIns="53340" bIns="53340" numCol="1" spcCol="1270" anchor="ctr" anchorCtr="0">
           <a:noAutofit/>
         </a:bodyPr>
         <a:lstStyle/>
         <a:p>
-          <a:pPr marL="0" lvl="0" indent="0" algn="ctr" defTabSz="533400">
+          <a:pPr marL="0" lvl="0" indent="0" algn="ctr" defTabSz="622300">
             <a:lnSpc>
               <a:spcPct val="90000"/>
             </a:lnSpc>
@@ -12046,11 +9977,11 @@
             <a:buNone/>
           </a:pPr>
           <a:r>
-            <a:rPr lang="en-US" sz="1200" b="1" kern="1200" dirty="0"/>
+            <a:rPr lang="en-US" sz="1400" b="1" kern="1200" dirty="0"/>
             <a:t>Description</a:t>
           </a:r>
           <a:r>
-            <a:rPr lang="en-US" sz="1200" kern="1200" dirty="0"/>
+            <a:rPr lang="en-US" sz="1400" kern="1200" dirty="0"/>
             <a:t>: Removes items from a list that match values in another list.</a:t>
           </a:r>
         </a:p>
@@ -12109,12 +10040,12 @@
         </a:fontRef>
       </dsp:style>
       <dsp:txBody>
-        <a:bodyPr spcFirstLastPara="0" vert="horz" wrap="square" lIns="45720" tIns="45720" rIns="45720" bIns="45720" numCol="1" spcCol="1270" anchor="ctr" anchorCtr="0">
+        <a:bodyPr spcFirstLastPara="0" vert="horz" wrap="square" lIns="53340" tIns="53340" rIns="53340" bIns="53340" numCol="1" spcCol="1270" anchor="ctr" anchorCtr="0">
           <a:noAutofit/>
         </a:bodyPr>
         <a:lstStyle/>
         <a:p>
-          <a:pPr marL="0" lvl="0" indent="0" algn="ctr" defTabSz="533400">
+          <a:pPr marL="0" lvl="0" indent="0" algn="ctr" defTabSz="622300">
             <a:lnSpc>
               <a:spcPct val="90000"/>
             </a:lnSpc>
@@ -12128,11 +10059,11 @@
             <a:buNone/>
           </a:pPr>
           <a:r>
-            <a:rPr lang="en-US" sz="1200" b="1" kern="1200"/>
+            <a:rPr lang="en-US" sz="1400" b="1" kern="1200"/>
             <a:t>Example</a:t>
           </a:r>
           <a:r>
-            <a:rPr lang="en-US" sz="1200" kern="1200"/>
+            <a:rPr lang="en-US" sz="1400" kern="1200"/>
             <a:t>: List.RemoveMatchingItems({1, 2, 3, 4}, {2, 4})</a:t>
           </a:r>
         </a:p>
@@ -12191,12 +10122,12 @@
         </a:fontRef>
       </dsp:style>
       <dsp:txBody>
-        <a:bodyPr spcFirstLastPara="0" vert="horz" wrap="square" lIns="45720" tIns="45720" rIns="45720" bIns="45720" numCol="1" spcCol="1270" anchor="ctr" anchorCtr="0">
+        <a:bodyPr spcFirstLastPara="0" vert="horz" wrap="square" lIns="53340" tIns="53340" rIns="53340" bIns="53340" numCol="1" spcCol="1270" anchor="ctr" anchorCtr="0">
           <a:noAutofit/>
         </a:bodyPr>
         <a:lstStyle/>
         <a:p>
-          <a:pPr marL="0" lvl="0" indent="0" algn="ctr" defTabSz="533400">
+          <a:pPr marL="0" lvl="0" indent="0" algn="ctr" defTabSz="622300">
             <a:lnSpc>
               <a:spcPct val="90000"/>
             </a:lnSpc>
@@ -12210,11 +10141,11 @@
             <a:buNone/>
           </a:pPr>
           <a:r>
-            <a:rPr lang="en-IN" sz="1200" b="1" kern="1200" dirty="0"/>
+            <a:rPr lang="en-IN" sz="1400" b="1" kern="1200" dirty="0"/>
             <a:t>Result</a:t>
           </a:r>
           <a:r>
-            <a:rPr lang="en-IN" sz="1200" kern="1200" dirty="0"/>
+            <a:rPr lang="en-IN" sz="1400" kern="1200" dirty="0"/>
             <a:t>: {1, 3}</a:t>
           </a:r>
         </a:p>
@@ -12273,12 +10204,12 @@
         </a:fontRef>
       </dsp:style>
       <dsp:txBody>
-        <a:bodyPr spcFirstLastPara="0" vert="horz" wrap="square" lIns="45720" tIns="45720" rIns="45720" bIns="45720" numCol="1" spcCol="1270" anchor="ctr" anchorCtr="0">
+        <a:bodyPr spcFirstLastPara="0" vert="horz" wrap="square" lIns="53340" tIns="53340" rIns="53340" bIns="53340" numCol="1" spcCol="1270" anchor="ctr" anchorCtr="0">
           <a:noAutofit/>
         </a:bodyPr>
         <a:lstStyle/>
         <a:p>
-          <a:pPr marL="0" lvl="0" indent="0" algn="ctr" defTabSz="533400">
+          <a:pPr marL="0" lvl="0" indent="0" algn="ctr" defTabSz="622300">
             <a:lnSpc>
               <a:spcPct val="90000"/>
             </a:lnSpc>
@@ -12292,11 +10223,11 @@
             <a:buNone/>
           </a:pPr>
           <a:r>
-            <a:rPr lang="en-US" sz="1200" b="1" kern="1200" dirty="0"/>
+            <a:rPr lang="en-US" sz="1400" b="1" kern="1200" dirty="0"/>
             <a:t>Use case</a:t>
           </a:r>
           <a:r>
-            <a:rPr lang="en-US" sz="1200" kern="1200" dirty="0"/>
+            <a:rPr lang="en-US" sz="1400" kern="1200" dirty="0"/>
             <a:t>: Simplifies filtering out specific values from a list.</a:t>
           </a:r>
         </a:p>
@@ -12367,12 +10298,12 @@
         </a:fontRef>
       </dsp:style>
       <dsp:txBody>
-        <a:bodyPr spcFirstLastPara="0" vert="horz" wrap="square" lIns="57150" tIns="57150" rIns="57150" bIns="57150" numCol="1" spcCol="1270" anchor="ctr" anchorCtr="0">
+        <a:bodyPr spcFirstLastPara="0" vert="horz" wrap="square" lIns="53340" tIns="53340" rIns="53340" bIns="53340" numCol="1" spcCol="1270" anchor="ctr" anchorCtr="0">
           <a:noAutofit/>
         </a:bodyPr>
         <a:lstStyle/>
         <a:p>
-          <a:pPr marL="0" lvl="0" indent="0" algn="ctr" defTabSz="666750">
+          <a:pPr marL="0" lvl="0" indent="0" algn="ctr" defTabSz="622300">
             <a:lnSpc>
               <a:spcPct val="90000"/>
             </a:lnSpc>
@@ -12385,10 +10316,10 @@
             <a:buNone/>
           </a:pPr>
           <a:r>
-            <a:rPr lang="en-IN" sz="1500" b="1" kern="1200"/>
+            <a:rPr lang="en-IN" sz="1400" b="1" kern="1200"/>
             <a:t>46. List.NonNullCount</a:t>
           </a:r>
-          <a:endParaRPr lang="en-US" sz="1500" kern="1200"/>
+          <a:endParaRPr lang="en-US" sz="1400" kern="1200"/>
         </a:p>
       </dsp:txBody>
       <dsp:txXfrm>
@@ -12445,12 +10376,12 @@
         </a:fontRef>
       </dsp:style>
       <dsp:txBody>
-        <a:bodyPr spcFirstLastPara="0" vert="horz" wrap="square" lIns="57150" tIns="57150" rIns="57150" bIns="57150" numCol="1" spcCol="1270" anchor="ctr" anchorCtr="0">
+        <a:bodyPr spcFirstLastPara="0" vert="horz" wrap="square" lIns="53340" tIns="53340" rIns="53340" bIns="53340" numCol="1" spcCol="1270" anchor="ctr" anchorCtr="0">
           <a:noAutofit/>
         </a:bodyPr>
         <a:lstStyle/>
         <a:p>
-          <a:pPr marL="0" lvl="0" indent="0" algn="ctr" defTabSz="666750">
+          <a:pPr marL="0" lvl="0" indent="0" algn="ctr" defTabSz="622300">
             <a:lnSpc>
               <a:spcPct val="90000"/>
             </a:lnSpc>
@@ -12464,11 +10395,11 @@
             <a:buNone/>
           </a:pPr>
           <a:r>
-            <a:rPr lang="en-US" sz="1500" b="1" kern="1200"/>
+            <a:rPr lang="en-US" sz="1400" b="1" kern="1200"/>
             <a:t>Description</a:t>
           </a:r>
           <a:r>
-            <a:rPr lang="en-US" sz="1500" kern="1200"/>
+            <a:rPr lang="en-US" sz="1400" kern="1200"/>
             <a:t>: Counts non-null items in a list.</a:t>
           </a:r>
         </a:p>
@@ -12527,12 +10458,12 @@
         </a:fontRef>
       </dsp:style>
       <dsp:txBody>
-        <a:bodyPr spcFirstLastPara="0" vert="horz" wrap="square" lIns="57150" tIns="57150" rIns="57150" bIns="57150" numCol="1" spcCol="1270" anchor="ctr" anchorCtr="0">
+        <a:bodyPr spcFirstLastPara="0" vert="horz" wrap="square" lIns="53340" tIns="53340" rIns="53340" bIns="53340" numCol="1" spcCol="1270" anchor="ctr" anchorCtr="0">
           <a:noAutofit/>
         </a:bodyPr>
         <a:lstStyle/>
         <a:p>
-          <a:pPr marL="0" lvl="0" indent="0" algn="ctr" defTabSz="666750">
+          <a:pPr marL="0" lvl="0" indent="0" algn="ctr" defTabSz="622300">
             <a:lnSpc>
               <a:spcPct val="90000"/>
             </a:lnSpc>
@@ -12546,11 +10477,11 @@
             <a:buNone/>
           </a:pPr>
           <a:r>
-            <a:rPr lang="en-IN" sz="1500" b="1" kern="1200"/>
+            <a:rPr lang="en-IN" sz="1400" b="1" kern="1200"/>
             <a:t>Example</a:t>
           </a:r>
           <a:r>
-            <a:rPr lang="en-IN" sz="1500" kern="1200"/>
+            <a:rPr lang="en-IN" sz="1400" kern="1200"/>
             <a:t>: List.NonNullCount({1, null, 2, null, 3})</a:t>
           </a:r>
         </a:p>
@@ -12609,12 +10540,12 @@
         </a:fontRef>
       </dsp:style>
       <dsp:txBody>
-        <a:bodyPr spcFirstLastPara="0" vert="horz" wrap="square" lIns="57150" tIns="57150" rIns="57150" bIns="57150" numCol="1" spcCol="1270" anchor="ctr" anchorCtr="0">
+        <a:bodyPr spcFirstLastPara="0" vert="horz" wrap="square" lIns="53340" tIns="53340" rIns="53340" bIns="53340" numCol="1" spcCol="1270" anchor="ctr" anchorCtr="0">
           <a:noAutofit/>
         </a:bodyPr>
         <a:lstStyle/>
         <a:p>
-          <a:pPr marL="0" lvl="0" indent="0" algn="ctr" defTabSz="666750">
+          <a:pPr marL="0" lvl="0" indent="0" algn="ctr" defTabSz="622300">
             <a:lnSpc>
               <a:spcPct val="90000"/>
             </a:lnSpc>
@@ -12628,11 +10559,11 @@
             <a:buNone/>
           </a:pPr>
           <a:r>
-            <a:rPr lang="en-IN" sz="1500" b="1" kern="1200"/>
+            <a:rPr lang="en-IN" sz="1400" b="1" kern="1200"/>
             <a:t>Result</a:t>
           </a:r>
           <a:r>
-            <a:rPr lang="en-IN" sz="1500" kern="1200"/>
+            <a:rPr lang="en-IN" sz="1400" kern="1200"/>
             <a:t>: 3</a:t>
           </a:r>
         </a:p>
@@ -12691,12 +10622,12 @@
         </a:fontRef>
       </dsp:style>
       <dsp:txBody>
-        <a:bodyPr spcFirstLastPara="0" vert="horz" wrap="square" lIns="57150" tIns="57150" rIns="57150" bIns="57150" numCol="1" spcCol="1270" anchor="ctr" anchorCtr="0">
+        <a:bodyPr spcFirstLastPara="0" vert="horz" wrap="square" lIns="53340" tIns="53340" rIns="53340" bIns="53340" numCol="1" spcCol="1270" anchor="ctr" anchorCtr="0">
           <a:noAutofit/>
         </a:bodyPr>
         <a:lstStyle/>
         <a:p>
-          <a:pPr marL="0" lvl="0" indent="0" algn="ctr" defTabSz="666750">
+          <a:pPr marL="0" lvl="0" indent="0" algn="ctr" defTabSz="622300">
             <a:lnSpc>
               <a:spcPct val="90000"/>
             </a:lnSpc>
@@ -12710,11 +10641,11 @@
             <a:buNone/>
           </a:pPr>
           <a:r>
-            <a:rPr lang="en-US" sz="1500" b="1" kern="1200"/>
+            <a:rPr lang="en-US" sz="1400" b="1" kern="1200"/>
             <a:t>Use case</a:t>
           </a:r>
           <a:r>
-            <a:rPr lang="en-US" sz="1500" kern="1200"/>
+            <a:rPr lang="en-US" sz="1400" kern="1200"/>
             <a:t>: Useful for counting actual data points, ignoring missing or null values.</a:t>
           </a:r>
         </a:p>
@@ -12773,12 +10704,12 @@
         </a:fontRef>
       </dsp:style>
       <dsp:txBody>
-        <a:bodyPr spcFirstLastPara="0" vert="horz" wrap="square" lIns="57150" tIns="57150" rIns="57150" bIns="57150" numCol="1" spcCol="1270" anchor="ctr" anchorCtr="0">
+        <a:bodyPr spcFirstLastPara="0" vert="horz" wrap="square" lIns="53340" tIns="53340" rIns="53340" bIns="53340" numCol="1" spcCol="1270" anchor="ctr" anchorCtr="0">
           <a:noAutofit/>
         </a:bodyPr>
         <a:lstStyle/>
         <a:p>
-          <a:pPr marL="0" lvl="0" indent="0" algn="ctr" defTabSz="666750">
+          <a:pPr marL="0" lvl="0" indent="0" algn="ctr" defTabSz="622300">
             <a:lnSpc>
               <a:spcPct val="90000"/>
             </a:lnSpc>
@@ -12791,15 +10722,15 @@
             <a:buNone/>
           </a:pPr>
           <a:r>
-            <a:rPr lang="en-US" sz="1500" b="1" kern="1200" dirty="0"/>
+            <a:rPr lang="en-US" sz="1400" b="1" kern="1200" dirty="0"/>
             <a:t>47. </a:t>
           </a:r>
           <a:r>
-            <a:rPr lang="en-US" sz="1500" b="1" kern="1200" dirty="0" err="1"/>
+            <a:rPr lang="en-US" sz="1400" b="1" kern="1200" dirty="0" err="1"/>
             <a:t>List.Sort</a:t>
           </a:r>
           <a:r>
-            <a:rPr lang="en-US" sz="1500" b="1" kern="1200" dirty="0"/>
+            <a:rPr lang="en-US" sz="1400" b="1" kern="1200" dirty="0"/>
             <a:t> with Order</a:t>
           </a:r>
         </a:p>
@@ -12858,12 +10789,12 @@
         </a:fontRef>
       </dsp:style>
       <dsp:txBody>
-        <a:bodyPr spcFirstLastPara="0" vert="horz" wrap="square" lIns="57150" tIns="57150" rIns="57150" bIns="57150" numCol="1" spcCol="1270" anchor="ctr" anchorCtr="0">
+        <a:bodyPr spcFirstLastPara="0" vert="horz" wrap="square" lIns="53340" tIns="53340" rIns="53340" bIns="53340" numCol="1" spcCol="1270" anchor="ctr" anchorCtr="0">
           <a:noAutofit/>
         </a:bodyPr>
         <a:lstStyle/>
         <a:p>
-          <a:pPr marL="0" lvl="0" indent="0" algn="ctr" defTabSz="666750">
+          <a:pPr marL="0" lvl="0" indent="0" algn="ctr" defTabSz="622300">
             <a:lnSpc>
               <a:spcPct val="90000"/>
             </a:lnSpc>
@@ -12877,11 +10808,11 @@
             <a:buNone/>
           </a:pPr>
           <a:r>
-            <a:rPr lang="en-US" sz="1500" b="1" kern="1200"/>
+            <a:rPr lang="en-US" sz="1400" b="1" kern="1200"/>
             <a:t>Description</a:t>
           </a:r>
           <a:r>
-            <a:rPr lang="en-US" sz="1500" kern="1200"/>
+            <a:rPr lang="en-US" sz="1400" kern="1200"/>
             <a:t>: Sorts a list based on a custom comparer function.</a:t>
           </a:r>
         </a:p>
@@ -12940,12 +10871,12 @@
         </a:fontRef>
       </dsp:style>
       <dsp:txBody>
-        <a:bodyPr spcFirstLastPara="0" vert="horz" wrap="square" lIns="57150" tIns="57150" rIns="57150" bIns="57150" numCol="1" spcCol="1270" anchor="ctr" anchorCtr="0">
+        <a:bodyPr spcFirstLastPara="0" vert="horz" wrap="square" lIns="53340" tIns="53340" rIns="53340" bIns="53340" numCol="1" spcCol="1270" anchor="ctr" anchorCtr="0">
           <a:noAutofit/>
         </a:bodyPr>
         <a:lstStyle/>
         <a:p>
-          <a:pPr marL="0" lvl="0" indent="0" algn="ctr" defTabSz="666750">
+          <a:pPr marL="0" lvl="0" indent="0" algn="ctr" defTabSz="622300">
             <a:lnSpc>
               <a:spcPct val="90000"/>
             </a:lnSpc>
@@ -12959,11 +10890,11 @@
             <a:buNone/>
           </a:pPr>
           <a:r>
-            <a:rPr lang="en-IN" sz="1500" b="1" kern="1200"/>
+            <a:rPr lang="en-IN" sz="1400" b="1" kern="1200"/>
             <a:t>Example</a:t>
           </a:r>
           <a:r>
-            <a:rPr lang="en-IN" sz="1500" kern="1200"/>
+            <a:rPr lang="en-IN" sz="1400" kern="1200"/>
             <a:t>: List.Sort({4, 2, 3, 1}, Order.Descending)</a:t>
           </a:r>
         </a:p>
@@ -13022,12 +10953,12 @@
         </a:fontRef>
       </dsp:style>
       <dsp:txBody>
-        <a:bodyPr spcFirstLastPara="0" vert="horz" wrap="square" lIns="57150" tIns="57150" rIns="57150" bIns="57150" numCol="1" spcCol="1270" anchor="ctr" anchorCtr="0">
+        <a:bodyPr spcFirstLastPara="0" vert="horz" wrap="square" lIns="53340" tIns="53340" rIns="53340" bIns="53340" numCol="1" spcCol="1270" anchor="ctr" anchorCtr="0">
           <a:noAutofit/>
         </a:bodyPr>
         <a:lstStyle/>
         <a:p>
-          <a:pPr marL="0" lvl="0" indent="0" algn="ctr" defTabSz="666750">
+          <a:pPr marL="0" lvl="0" indent="0" algn="ctr" defTabSz="622300">
             <a:lnSpc>
               <a:spcPct val="90000"/>
             </a:lnSpc>
@@ -13041,11 +10972,11 @@
             <a:buNone/>
           </a:pPr>
           <a:r>
-            <a:rPr lang="en-US" sz="1500" b="1" kern="1200"/>
+            <a:rPr lang="en-US" sz="1400" b="1" kern="1200"/>
             <a:t>Result</a:t>
           </a:r>
           <a:r>
-            <a:rPr lang="en-US" sz="1500" kern="1200"/>
+            <a:rPr lang="en-US" sz="1400" kern="1200"/>
             <a:t>: {4, 3, 2, 1}</a:t>
           </a:r>
         </a:p>
@@ -13104,12 +11035,12 @@
         </a:fontRef>
       </dsp:style>
       <dsp:txBody>
-        <a:bodyPr spcFirstLastPara="0" vert="horz" wrap="square" lIns="57150" tIns="57150" rIns="57150" bIns="57150" numCol="1" spcCol="1270" anchor="ctr" anchorCtr="0">
+        <a:bodyPr spcFirstLastPara="0" vert="horz" wrap="square" lIns="53340" tIns="53340" rIns="53340" bIns="53340" numCol="1" spcCol="1270" anchor="ctr" anchorCtr="0">
           <a:noAutofit/>
         </a:bodyPr>
         <a:lstStyle/>
         <a:p>
-          <a:pPr marL="0" lvl="0" indent="0" algn="ctr" defTabSz="666750">
+          <a:pPr marL="0" lvl="0" indent="0" algn="ctr" defTabSz="622300">
             <a:lnSpc>
               <a:spcPct val="90000"/>
             </a:lnSpc>
@@ -13123,11 +11054,11 @@
             <a:buNone/>
           </a:pPr>
           <a:r>
-            <a:rPr lang="en-US" sz="1500" b="1" kern="1200"/>
+            <a:rPr lang="en-US" sz="1400" b="1" kern="1200"/>
             <a:t>Use case</a:t>
           </a:r>
           <a:r>
-            <a:rPr lang="en-US" sz="1500" kern="1200"/>
+            <a:rPr lang="en-US" sz="1400" kern="1200"/>
             <a:t>: When sorting in descending order or with specific sorting rules.</a:t>
           </a:r>
         </a:p>
@@ -13186,12 +11117,12 @@
         </a:fontRef>
       </dsp:style>
       <dsp:txBody>
-        <a:bodyPr spcFirstLastPara="0" vert="horz" wrap="square" lIns="57150" tIns="57150" rIns="57150" bIns="57150" numCol="1" spcCol="1270" anchor="ctr" anchorCtr="0">
+        <a:bodyPr spcFirstLastPara="0" vert="horz" wrap="square" lIns="53340" tIns="53340" rIns="53340" bIns="53340" numCol="1" spcCol="1270" anchor="ctr" anchorCtr="0">
           <a:noAutofit/>
         </a:bodyPr>
         <a:lstStyle/>
         <a:p>
-          <a:pPr marL="0" lvl="0" indent="0" algn="ctr" defTabSz="666750">
+          <a:pPr marL="0" lvl="0" indent="0" algn="ctr" defTabSz="622300">
             <a:lnSpc>
               <a:spcPct val="90000"/>
             </a:lnSpc>
@@ -13204,7 +11135,7 @@
             <a:buNone/>
           </a:pPr>
           <a:r>
-            <a:rPr lang="en-IN" sz="1500" b="1" kern="1200"/>
+            <a:rPr lang="en-IN" sz="1400" b="1" kern="1200"/>
             <a:t>48. List.Median</a:t>
           </a:r>
         </a:p>
@@ -13263,12 +11194,12 @@
         </a:fontRef>
       </dsp:style>
       <dsp:txBody>
-        <a:bodyPr spcFirstLastPara="0" vert="horz" wrap="square" lIns="57150" tIns="57150" rIns="57150" bIns="57150" numCol="1" spcCol="1270" anchor="ctr" anchorCtr="0">
+        <a:bodyPr spcFirstLastPara="0" vert="horz" wrap="square" lIns="53340" tIns="53340" rIns="53340" bIns="53340" numCol="1" spcCol="1270" anchor="ctr" anchorCtr="0">
           <a:noAutofit/>
         </a:bodyPr>
         <a:lstStyle/>
         <a:p>
-          <a:pPr marL="0" lvl="0" indent="0" algn="ctr" defTabSz="666750">
+          <a:pPr marL="0" lvl="0" indent="0" algn="ctr" defTabSz="622300">
             <a:lnSpc>
               <a:spcPct val="90000"/>
             </a:lnSpc>
@@ -13282,11 +11213,11 @@
             <a:buNone/>
           </a:pPr>
           <a:r>
-            <a:rPr lang="en-US" sz="1500" b="1" kern="1200"/>
+            <a:rPr lang="en-US" sz="1400" b="1" kern="1200"/>
             <a:t>Description</a:t>
           </a:r>
           <a:r>
-            <a:rPr lang="en-US" sz="1500" kern="1200"/>
+            <a:rPr lang="en-US" sz="1400" kern="1200"/>
             <a:t>: Finds the median value of a list.</a:t>
           </a:r>
         </a:p>
@@ -13345,12 +11276,12 @@
         </a:fontRef>
       </dsp:style>
       <dsp:txBody>
-        <a:bodyPr spcFirstLastPara="0" vert="horz" wrap="square" lIns="57150" tIns="57150" rIns="57150" bIns="57150" numCol="1" spcCol="1270" anchor="ctr" anchorCtr="0">
+        <a:bodyPr spcFirstLastPara="0" vert="horz" wrap="square" lIns="53340" tIns="53340" rIns="53340" bIns="53340" numCol="1" spcCol="1270" anchor="ctr" anchorCtr="0">
           <a:noAutofit/>
         </a:bodyPr>
         <a:lstStyle/>
         <a:p>
-          <a:pPr marL="0" lvl="0" indent="0" algn="ctr" defTabSz="666750">
+          <a:pPr marL="0" lvl="0" indent="0" algn="ctr" defTabSz="622300">
             <a:lnSpc>
               <a:spcPct val="90000"/>
             </a:lnSpc>
@@ -13364,11 +11295,11 @@
             <a:buNone/>
           </a:pPr>
           <a:r>
-            <a:rPr lang="en-US" sz="1500" b="1" kern="1200"/>
+            <a:rPr lang="en-US" sz="1400" b="1" kern="1200"/>
             <a:t>Example</a:t>
           </a:r>
           <a:r>
-            <a:rPr lang="en-US" sz="1500" kern="1200"/>
+            <a:rPr lang="en-US" sz="1400" kern="1200"/>
             <a:t>: List.Median({1, 3, 5, 7})</a:t>
           </a:r>
         </a:p>
@@ -13427,12 +11358,12 @@
         </a:fontRef>
       </dsp:style>
       <dsp:txBody>
-        <a:bodyPr spcFirstLastPara="0" vert="horz" wrap="square" lIns="57150" tIns="57150" rIns="57150" bIns="57150" numCol="1" spcCol="1270" anchor="ctr" anchorCtr="0">
+        <a:bodyPr spcFirstLastPara="0" vert="horz" wrap="square" lIns="53340" tIns="53340" rIns="53340" bIns="53340" numCol="1" spcCol="1270" anchor="ctr" anchorCtr="0">
           <a:noAutofit/>
         </a:bodyPr>
         <a:lstStyle/>
         <a:p>
-          <a:pPr marL="0" lvl="0" indent="0" algn="ctr" defTabSz="666750">
+          <a:pPr marL="0" lvl="0" indent="0" algn="ctr" defTabSz="622300">
             <a:lnSpc>
               <a:spcPct val="90000"/>
             </a:lnSpc>
@@ -13446,11 +11377,11 @@
             <a:buNone/>
           </a:pPr>
           <a:r>
-            <a:rPr lang="en-IN" sz="1500" b="1" kern="1200"/>
+            <a:rPr lang="en-IN" sz="1400" b="1" kern="1200"/>
             <a:t>Result</a:t>
           </a:r>
           <a:r>
-            <a:rPr lang="en-IN" sz="1500" kern="1200"/>
+            <a:rPr lang="en-IN" sz="1400" kern="1200"/>
             <a:t>: 4</a:t>
           </a:r>
         </a:p>
@@ -13509,12 +11440,12 @@
         </a:fontRef>
       </dsp:style>
       <dsp:txBody>
-        <a:bodyPr spcFirstLastPara="0" vert="horz" wrap="square" lIns="57150" tIns="57150" rIns="57150" bIns="57150" numCol="1" spcCol="1270" anchor="ctr" anchorCtr="0">
+        <a:bodyPr spcFirstLastPara="0" vert="horz" wrap="square" lIns="53340" tIns="53340" rIns="53340" bIns="53340" numCol="1" spcCol="1270" anchor="ctr" anchorCtr="0">
           <a:noAutofit/>
         </a:bodyPr>
         <a:lstStyle/>
         <a:p>
-          <a:pPr marL="0" lvl="0" indent="0" algn="ctr" defTabSz="666750">
+          <a:pPr marL="0" lvl="0" indent="0" algn="ctr" defTabSz="622300">
             <a:lnSpc>
               <a:spcPct val="90000"/>
             </a:lnSpc>
@@ -13528,11 +11459,11 @@
             <a:buNone/>
           </a:pPr>
           <a:r>
-            <a:rPr lang="en-US" sz="1500" b="1" kern="1200"/>
+            <a:rPr lang="en-US" sz="1400" b="1" kern="1200"/>
             <a:t>Use case</a:t>
           </a:r>
           <a:r>
-            <a:rPr lang="en-US" sz="1500" kern="1200"/>
+            <a:rPr lang="en-US" sz="1400" kern="1200"/>
             <a:t>: Use this when analyzing data distributions to find the central tendency.</a:t>
           </a:r>
         </a:p>
@@ -13561,1240 +11492,8 @@
       </dsp:nvSpPr>
       <dsp:spPr>
         <a:xfrm>
-          <a:off x="3594" y="229666"/>
+          <a:off x="3594" y="404219"/>
           <a:ext cx="1946002" cy="1167601"/>
-        </a:xfrm>
-        <a:prstGeom prst="rect">
-          <a:avLst/>
-        </a:prstGeom>
-        <a:solidFill>
-          <a:schemeClr val="accent2">
-            <a:hueOff val="0"/>
-            <a:satOff val="0"/>
-            <a:lumOff val="0"/>
-            <a:alphaOff val="0"/>
-          </a:schemeClr>
-        </a:solidFill>
-        <a:ln w="15875" cap="flat" cmpd="sng" algn="ctr">
-          <a:solidFill>
-            <a:schemeClr val="lt1">
-              <a:hueOff val="0"/>
-              <a:satOff val="0"/>
-              <a:lumOff val="0"/>
-              <a:alphaOff val="0"/>
-            </a:schemeClr>
-          </a:solidFill>
-          <a:prstDash val="solid"/>
-        </a:ln>
-        <a:effectLst/>
-      </dsp:spPr>
-      <dsp:style>
-        <a:lnRef idx="2">
-          <a:scrgbClr r="0" g="0" b="0"/>
-        </a:lnRef>
-        <a:fillRef idx="1">
-          <a:scrgbClr r="0" g="0" b="0"/>
-        </a:fillRef>
-        <a:effectRef idx="0">
-          <a:scrgbClr r="0" g="0" b="0"/>
-        </a:effectRef>
-        <a:fontRef idx="minor">
-          <a:schemeClr val="lt1"/>
-        </a:fontRef>
-      </dsp:style>
-      <dsp:txBody>
-        <a:bodyPr spcFirstLastPara="0" vert="horz" wrap="square" lIns="49530" tIns="49530" rIns="49530" bIns="49530" numCol="1" spcCol="1270" anchor="ctr" anchorCtr="0">
-          <a:noAutofit/>
-        </a:bodyPr>
-        <a:lstStyle/>
-        <a:p>
-          <a:pPr marL="0" lvl="0" indent="0" algn="ctr" defTabSz="577850">
-            <a:lnSpc>
-              <a:spcPct val="90000"/>
-            </a:lnSpc>
-            <a:spcBef>
-              <a:spcPct val="0"/>
-            </a:spcBef>
-            <a:spcAft>
-              <a:spcPct val="35000"/>
-            </a:spcAft>
-            <a:buNone/>
-          </a:pPr>
-          <a:r>
-            <a:rPr lang="en-IN" sz="1300" b="1" kern="1200" dirty="0"/>
-            <a:t>49. </a:t>
-          </a:r>
-          <a:r>
-            <a:rPr lang="en-IN" sz="1300" b="1" kern="1200" dirty="0" err="1"/>
-            <a:t>List.StandardDeviation</a:t>
-          </a:r>
-          <a:endParaRPr lang="en-US" sz="1300" kern="1200" dirty="0"/>
-        </a:p>
-      </dsp:txBody>
-      <dsp:txXfrm>
-        <a:off x="3594" y="229666"/>
-        <a:ext cx="1946002" cy="1167601"/>
-      </dsp:txXfrm>
-    </dsp:sp>
-    <dsp:sp modelId="{4621EB31-FAB1-4B63-8F28-A4088EBE4CFE}">
-      <dsp:nvSpPr>
-        <dsp:cNvPr id="0" name=""/>
-        <dsp:cNvSpPr/>
-      </dsp:nvSpPr>
-      <dsp:spPr>
-        <a:xfrm>
-          <a:off x="2144196" y="229666"/>
-          <a:ext cx="1946002" cy="1167601"/>
-        </a:xfrm>
-        <a:prstGeom prst="rect">
-          <a:avLst/>
-        </a:prstGeom>
-        <a:solidFill>
-          <a:schemeClr val="accent3">
-            <a:hueOff val="0"/>
-            <a:satOff val="0"/>
-            <a:lumOff val="0"/>
-            <a:alphaOff val="0"/>
-          </a:schemeClr>
-        </a:solidFill>
-        <a:ln w="15875" cap="flat" cmpd="sng" algn="ctr">
-          <a:solidFill>
-            <a:schemeClr val="lt1">
-              <a:hueOff val="0"/>
-              <a:satOff val="0"/>
-              <a:lumOff val="0"/>
-              <a:alphaOff val="0"/>
-            </a:schemeClr>
-          </a:solidFill>
-          <a:prstDash val="solid"/>
-        </a:ln>
-        <a:effectLst/>
-      </dsp:spPr>
-      <dsp:style>
-        <a:lnRef idx="2">
-          <a:scrgbClr r="0" g="0" b="0"/>
-        </a:lnRef>
-        <a:fillRef idx="1">
-          <a:scrgbClr r="0" g="0" b="0"/>
-        </a:fillRef>
-        <a:effectRef idx="0">
-          <a:scrgbClr r="0" g="0" b="0"/>
-        </a:effectRef>
-        <a:fontRef idx="minor">
-          <a:schemeClr val="lt1"/>
-        </a:fontRef>
-      </dsp:style>
-      <dsp:txBody>
-        <a:bodyPr spcFirstLastPara="0" vert="horz" wrap="square" lIns="49530" tIns="49530" rIns="49530" bIns="49530" numCol="1" spcCol="1270" anchor="ctr" anchorCtr="0">
-          <a:noAutofit/>
-        </a:bodyPr>
-        <a:lstStyle/>
-        <a:p>
-          <a:pPr marL="0" lvl="0" indent="0" algn="ctr" defTabSz="577850">
-            <a:lnSpc>
-              <a:spcPct val="90000"/>
-            </a:lnSpc>
-            <a:spcBef>
-              <a:spcPct val="0"/>
-            </a:spcBef>
-            <a:spcAft>
-              <a:spcPct val="35000"/>
-            </a:spcAft>
-            <a:buFont typeface="Arial" panose="020B0604020202020204" pitchFamily="34" charset="0"/>
-            <a:buNone/>
-          </a:pPr>
-          <a:r>
-            <a:rPr lang="en-US" sz="1300" b="1" kern="1200"/>
-            <a:t>Description</a:t>
-          </a:r>
-          <a:r>
-            <a:rPr lang="en-US" sz="1300" kern="1200"/>
-            <a:t>: Computes the standard deviation of a list of numbers.</a:t>
-          </a:r>
-        </a:p>
-      </dsp:txBody>
-      <dsp:txXfrm>
-        <a:off x="2144196" y="229666"/>
-        <a:ext cx="1946002" cy="1167601"/>
-      </dsp:txXfrm>
-    </dsp:sp>
-    <dsp:sp modelId="{42D47529-8A71-462E-80C6-C5B416BF28BD}">
-      <dsp:nvSpPr>
-        <dsp:cNvPr id="0" name=""/>
-        <dsp:cNvSpPr/>
-      </dsp:nvSpPr>
-      <dsp:spPr>
-        <a:xfrm>
-          <a:off x="4284798" y="229666"/>
-          <a:ext cx="1946002" cy="1167601"/>
-        </a:xfrm>
-        <a:prstGeom prst="rect">
-          <a:avLst/>
-        </a:prstGeom>
-        <a:solidFill>
-          <a:schemeClr val="accent4">
-            <a:hueOff val="0"/>
-            <a:satOff val="0"/>
-            <a:lumOff val="0"/>
-            <a:alphaOff val="0"/>
-          </a:schemeClr>
-        </a:solidFill>
-        <a:ln w="15875" cap="flat" cmpd="sng" algn="ctr">
-          <a:solidFill>
-            <a:schemeClr val="lt1">
-              <a:hueOff val="0"/>
-              <a:satOff val="0"/>
-              <a:lumOff val="0"/>
-              <a:alphaOff val="0"/>
-            </a:schemeClr>
-          </a:solidFill>
-          <a:prstDash val="solid"/>
-        </a:ln>
-        <a:effectLst/>
-      </dsp:spPr>
-      <dsp:style>
-        <a:lnRef idx="2">
-          <a:scrgbClr r="0" g="0" b="0"/>
-        </a:lnRef>
-        <a:fillRef idx="1">
-          <a:scrgbClr r="0" g="0" b="0"/>
-        </a:fillRef>
-        <a:effectRef idx="0">
-          <a:scrgbClr r="0" g="0" b="0"/>
-        </a:effectRef>
-        <a:fontRef idx="minor">
-          <a:schemeClr val="lt1"/>
-        </a:fontRef>
-      </dsp:style>
-      <dsp:txBody>
-        <a:bodyPr spcFirstLastPara="0" vert="horz" wrap="square" lIns="49530" tIns="49530" rIns="49530" bIns="49530" numCol="1" spcCol="1270" anchor="ctr" anchorCtr="0">
-          <a:noAutofit/>
-        </a:bodyPr>
-        <a:lstStyle/>
-        <a:p>
-          <a:pPr marL="0" lvl="0" indent="0" algn="ctr" defTabSz="577850">
-            <a:lnSpc>
-              <a:spcPct val="90000"/>
-            </a:lnSpc>
-            <a:spcBef>
-              <a:spcPct val="0"/>
-            </a:spcBef>
-            <a:spcAft>
-              <a:spcPct val="35000"/>
-            </a:spcAft>
-            <a:buFont typeface="Arial" panose="020B0604020202020204" pitchFamily="34" charset="0"/>
-            <a:buNone/>
-          </a:pPr>
-          <a:r>
-            <a:rPr lang="fr-FR" sz="1300" b="1" kern="1200"/>
-            <a:t>Example</a:t>
-          </a:r>
-          <a:r>
-            <a:rPr lang="fr-FR" sz="1300" kern="1200"/>
-            <a:t>: List.StandardDeviation({2, 4, 6, 8})</a:t>
-          </a:r>
-        </a:p>
-      </dsp:txBody>
-      <dsp:txXfrm>
-        <a:off x="4284798" y="229666"/>
-        <a:ext cx="1946002" cy="1167601"/>
-      </dsp:txXfrm>
-    </dsp:sp>
-    <dsp:sp modelId="{B9253B80-6197-4E0E-B601-E00911656F3B}">
-      <dsp:nvSpPr>
-        <dsp:cNvPr id="0" name=""/>
-        <dsp:cNvSpPr/>
-      </dsp:nvSpPr>
-      <dsp:spPr>
-        <a:xfrm>
-          <a:off x="6425401" y="229666"/>
-          <a:ext cx="1946002" cy="1167601"/>
-        </a:xfrm>
-        <a:prstGeom prst="rect">
-          <a:avLst/>
-        </a:prstGeom>
-        <a:solidFill>
-          <a:schemeClr val="accent5">
-            <a:hueOff val="0"/>
-            <a:satOff val="0"/>
-            <a:lumOff val="0"/>
-            <a:alphaOff val="0"/>
-          </a:schemeClr>
-        </a:solidFill>
-        <a:ln w="15875" cap="flat" cmpd="sng" algn="ctr">
-          <a:solidFill>
-            <a:schemeClr val="lt1">
-              <a:hueOff val="0"/>
-              <a:satOff val="0"/>
-              <a:lumOff val="0"/>
-              <a:alphaOff val="0"/>
-            </a:schemeClr>
-          </a:solidFill>
-          <a:prstDash val="solid"/>
-        </a:ln>
-        <a:effectLst/>
-      </dsp:spPr>
-      <dsp:style>
-        <a:lnRef idx="2">
-          <a:scrgbClr r="0" g="0" b="0"/>
-        </a:lnRef>
-        <a:fillRef idx="1">
-          <a:scrgbClr r="0" g="0" b="0"/>
-        </a:fillRef>
-        <a:effectRef idx="0">
-          <a:scrgbClr r="0" g="0" b="0"/>
-        </a:effectRef>
-        <a:fontRef idx="minor">
-          <a:schemeClr val="lt1"/>
-        </a:fontRef>
-      </dsp:style>
-      <dsp:txBody>
-        <a:bodyPr spcFirstLastPara="0" vert="horz" wrap="square" lIns="49530" tIns="49530" rIns="49530" bIns="49530" numCol="1" spcCol="1270" anchor="ctr" anchorCtr="0">
-          <a:noAutofit/>
-        </a:bodyPr>
-        <a:lstStyle/>
-        <a:p>
-          <a:pPr marL="0" lvl="0" indent="0" algn="ctr" defTabSz="577850">
-            <a:lnSpc>
-              <a:spcPct val="90000"/>
-            </a:lnSpc>
-            <a:spcBef>
-              <a:spcPct val="0"/>
-            </a:spcBef>
-            <a:spcAft>
-              <a:spcPct val="35000"/>
-            </a:spcAft>
-            <a:buFont typeface="Arial" panose="020B0604020202020204" pitchFamily="34" charset="0"/>
-            <a:buNone/>
-          </a:pPr>
-          <a:r>
-            <a:rPr lang="en-IN" sz="1300" b="1" kern="1200"/>
-            <a:t>Result</a:t>
-          </a:r>
-          <a:r>
-            <a:rPr lang="en-IN" sz="1300" kern="1200"/>
-            <a:t>: 2.58199</a:t>
-          </a:r>
-        </a:p>
-      </dsp:txBody>
-      <dsp:txXfrm>
-        <a:off x="6425401" y="229666"/>
-        <a:ext cx="1946002" cy="1167601"/>
-      </dsp:txXfrm>
-    </dsp:sp>
-    <dsp:sp modelId="{BF736633-F066-44EB-979E-FEBD02683B3A}">
-      <dsp:nvSpPr>
-        <dsp:cNvPr id="0" name=""/>
-        <dsp:cNvSpPr/>
-      </dsp:nvSpPr>
-      <dsp:spPr>
-        <a:xfrm>
-          <a:off x="8566003" y="229666"/>
-          <a:ext cx="1946002" cy="1167601"/>
-        </a:xfrm>
-        <a:prstGeom prst="rect">
-          <a:avLst/>
-        </a:prstGeom>
-        <a:solidFill>
-          <a:schemeClr val="accent6">
-            <a:hueOff val="0"/>
-            <a:satOff val="0"/>
-            <a:lumOff val="0"/>
-            <a:alphaOff val="0"/>
-          </a:schemeClr>
-        </a:solidFill>
-        <a:ln w="15875" cap="flat" cmpd="sng" algn="ctr">
-          <a:solidFill>
-            <a:schemeClr val="lt1">
-              <a:hueOff val="0"/>
-              <a:satOff val="0"/>
-              <a:lumOff val="0"/>
-              <a:alphaOff val="0"/>
-            </a:schemeClr>
-          </a:solidFill>
-          <a:prstDash val="solid"/>
-        </a:ln>
-        <a:effectLst/>
-      </dsp:spPr>
-      <dsp:style>
-        <a:lnRef idx="2">
-          <a:scrgbClr r="0" g="0" b="0"/>
-        </a:lnRef>
-        <a:fillRef idx="1">
-          <a:scrgbClr r="0" g="0" b="0"/>
-        </a:fillRef>
-        <a:effectRef idx="0">
-          <a:scrgbClr r="0" g="0" b="0"/>
-        </a:effectRef>
-        <a:fontRef idx="minor">
-          <a:schemeClr val="lt1"/>
-        </a:fontRef>
-      </dsp:style>
-      <dsp:txBody>
-        <a:bodyPr spcFirstLastPara="0" vert="horz" wrap="square" lIns="49530" tIns="49530" rIns="49530" bIns="49530" numCol="1" spcCol="1270" anchor="ctr" anchorCtr="0">
-          <a:noAutofit/>
-        </a:bodyPr>
-        <a:lstStyle/>
-        <a:p>
-          <a:pPr marL="0" lvl="0" indent="0" algn="ctr" defTabSz="577850">
-            <a:lnSpc>
-              <a:spcPct val="90000"/>
-            </a:lnSpc>
-            <a:spcBef>
-              <a:spcPct val="0"/>
-            </a:spcBef>
-            <a:spcAft>
-              <a:spcPct val="35000"/>
-            </a:spcAft>
-            <a:buFont typeface="Arial" panose="020B0604020202020204" pitchFamily="34" charset="0"/>
-            <a:buNone/>
-          </a:pPr>
-          <a:r>
-            <a:rPr lang="en-US" sz="1300" b="1" kern="1200"/>
-            <a:t>Use case</a:t>
-          </a:r>
-          <a:r>
-            <a:rPr lang="en-US" sz="1300" kern="1200"/>
-            <a:t>: Useful for statistical analysis of numeric data.</a:t>
-          </a:r>
-        </a:p>
-      </dsp:txBody>
-      <dsp:txXfrm>
-        <a:off x="8566003" y="229666"/>
-        <a:ext cx="1946002" cy="1167601"/>
-      </dsp:txXfrm>
-    </dsp:sp>
-    <dsp:sp modelId="{26E81FF2-DFC7-4FEE-9A9D-032C37A9DFC6}">
-      <dsp:nvSpPr>
-        <dsp:cNvPr id="0" name=""/>
-        <dsp:cNvSpPr/>
-      </dsp:nvSpPr>
-      <dsp:spPr>
-        <a:xfrm>
-          <a:off x="3594" y="1591868"/>
-          <a:ext cx="1946002" cy="1167601"/>
-        </a:xfrm>
-        <a:prstGeom prst="rect">
-          <a:avLst/>
-        </a:prstGeom>
-        <a:solidFill>
-          <a:schemeClr val="accent2">
-            <a:hueOff val="0"/>
-            <a:satOff val="0"/>
-            <a:lumOff val="0"/>
-            <a:alphaOff val="0"/>
-          </a:schemeClr>
-        </a:solidFill>
-        <a:ln w="15875" cap="flat" cmpd="sng" algn="ctr">
-          <a:solidFill>
-            <a:schemeClr val="lt1">
-              <a:hueOff val="0"/>
-              <a:satOff val="0"/>
-              <a:lumOff val="0"/>
-              <a:alphaOff val="0"/>
-            </a:schemeClr>
-          </a:solidFill>
-          <a:prstDash val="solid"/>
-        </a:ln>
-        <a:effectLst/>
-      </dsp:spPr>
-      <dsp:style>
-        <a:lnRef idx="2">
-          <a:scrgbClr r="0" g="0" b="0"/>
-        </a:lnRef>
-        <a:fillRef idx="1">
-          <a:scrgbClr r="0" g="0" b="0"/>
-        </a:fillRef>
-        <a:effectRef idx="0">
-          <a:scrgbClr r="0" g="0" b="0"/>
-        </a:effectRef>
-        <a:fontRef idx="minor">
-          <a:schemeClr val="lt1"/>
-        </a:fontRef>
-      </dsp:style>
-      <dsp:txBody>
-        <a:bodyPr spcFirstLastPara="0" vert="horz" wrap="square" lIns="49530" tIns="49530" rIns="49530" bIns="49530" numCol="1" spcCol="1270" anchor="ctr" anchorCtr="0">
-          <a:noAutofit/>
-        </a:bodyPr>
-        <a:lstStyle/>
-        <a:p>
-          <a:pPr marL="0" lvl="0" indent="0" algn="ctr" defTabSz="577850">
-            <a:lnSpc>
-              <a:spcPct val="90000"/>
-            </a:lnSpc>
-            <a:spcBef>
-              <a:spcPct val="0"/>
-            </a:spcBef>
-            <a:spcAft>
-              <a:spcPct val="35000"/>
-            </a:spcAft>
-            <a:buNone/>
-          </a:pPr>
-          <a:r>
-            <a:rPr lang="en-IN" sz="1300" b="1" kern="1200"/>
-            <a:t>50. List.Variance</a:t>
-          </a:r>
-        </a:p>
-      </dsp:txBody>
-      <dsp:txXfrm>
-        <a:off x="3594" y="1591868"/>
-        <a:ext cx="1946002" cy="1167601"/>
-      </dsp:txXfrm>
-    </dsp:sp>
-    <dsp:sp modelId="{D74C527B-081F-464E-BE50-12AB8DEF2C17}">
-      <dsp:nvSpPr>
-        <dsp:cNvPr id="0" name=""/>
-        <dsp:cNvSpPr/>
-      </dsp:nvSpPr>
-      <dsp:spPr>
-        <a:xfrm>
-          <a:off x="2144196" y="1591868"/>
-          <a:ext cx="1946002" cy="1167601"/>
-        </a:xfrm>
-        <a:prstGeom prst="rect">
-          <a:avLst/>
-        </a:prstGeom>
-        <a:solidFill>
-          <a:schemeClr val="accent3">
-            <a:hueOff val="0"/>
-            <a:satOff val="0"/>
-            <a:lumOff val="0"/>
-            <a:alphaOff val="0"/>
-          </a:schemeClr>
-        </a:solidFill>
-        <a:ln w="15875" cap="flat" cmpd="sng" algn="ctr">
-          <a:solidFill>
-            <a:schemeClr val="lt1">
-              <a:hueOff val="0"/>
-              <a:satOff val="0"/>
-              <a:lumOff val="0"/>
-              <a:alphaOff val="0"/>
-            </a:schemeClr>
-          </a:solidFill>
-          <a:prstDash val="solid"/>
-        </a:ln>
-        <a:effectLst/>
-      </dsp:spPr>
-      <dsp:style>
-        <a:lnRef idx="2">
-          <a:scrgbClr r="0" g="0" b="0"/>
-        </a:lnRef>
-        <a:fillRef idx="1">
-          <a:scrgbClr r="0" g="0" b="0"/>
-        </a:fillRef>
-        <a:effectRef idx="0">
-          <a:scrgbClr r="0" g="0" b="0"/>
-        </a:effectRef>
-        <a:fontRef idx="minor">
-          <a:schemeClr val="lt1"/>
-        </a:fontRef>
-      </dsp:style>
-      <dsp:txBody>
-        <a:bodyPr spcFirstLastPara="0" vert="horz" wrap="square" lIns="49530" tIns="49530" rIns="49530" bIns="49530" numCol="1" spcCol="1270" anchor="ctr" anchorCtr="0">
-          <a:noAutofit/>
-        </a:bodyPr>
-        <a:lstStyle/>
-        <a:p>
-          <a:pPr marL="0" lvl="0" indent="0" algn="ctr" defTabSz="577850">
-            <a:lnSpc>
-              <a:spcPct val="90000"/>
-            </a:lnSpc>
-            <a:spcBef>
-              <a:spcPct val="0"/>
-            </a:spcBef>
-            <a:spcAft>
-              <a:spcPct val="35000"/>
-            </a:spcAft>
-            <a:buFont typeface="Arial" panose="020B0604020202020204" pitchFamily="34" charset="0"/>
-            <a:buNone/>
-          </a:pPr>
-          <a:r>
-            <a:rPr lang="en-US" sz="1300" b="1" kern="1200"/>
-            <a:t>Description</a:t>
-          </a:r>
-          <a:r>
-            <a:rPr lang="en-US" sz="1300" kern="1200"/>
-            <a:t>: Computes the variance of a list of numbers.</a:t>
-          </a:r>
-        </a:p>
-      </dsp:txBody>
-      <dsp:txXfrm>
-        <a:off x="2144196" y="1591868"/>
-        <a:ext cx="1946002" cy="1167601"/>
-      </dsp:txXfrm>
-    </dsp:sp>
-    <dsp:sp modelId="{BA9FFCFC-F8AB-4C78-BAB8-C87455611AEA}">
-      <dsp:nvSpPr>
-        <dsp:cNvPr id="0" name=""/>
-        <dsp:cNvSpPr/>
-      </dsp:nvSpPr>
-      <dsp:spPr>
-        <a:xfrm>
-          <a:off x="4284798" y="1591868"/>
-          <a:ext cx="1946002" cy="1167601"/>
-        </a:xfrm>
-        <a:prstGeom prst="rect">
-          <a:avLst/>
-        </a:prstGeom>
-        <a:solidFill>
-          <a:schemeClr val="accent4">
-            <a:hueOff val="0"/>
-            <a:satOff val="0"/>
-            <a:lumOff val="0"/>
-            <a:alphaOff val="0"/>
-          </a:schemeClr>
-        </a:solidFill>
-        <a:ln w="15875" cap="flat" cmpd="sng" algn="ctr">
-          <a:solidFill>
-            <a:schemeClr val="lt1">
-              <a:hueOff val="0"/>
-              <a:satOff val="0"/>
-              <a:lumOff val="0"/>
-              <a:alphaOff val="0"/>
-            </a:schemeClr>
-          </a:solidFill>
-          <a:prstDash val="solid"/>
-        </a:ln>
-        <a:effectLst/>
-      </dsp:spPr>
-      <dsp:style>
-        <a:lnRef idx="2">
-          <a:scrgbClr r="0" g="0" b="0"/>
-        </a:lnRef>
-        <a:fillRef idx="1">
-          <a:scrgbClr r="0" g="0" b="0"/>
-        </a:fillRef>
-        <a:effectRef idx="0">
-          <a:scrgbClr r="0" g="0" b="0"/>
-        </a:effectRef>
-        <a:fontRef idx="minor">
-          <a:schemeClr val="lt1"/>
-        </a:fontRef>
-      </dsp:style>
-      <dsp:txBody>
-        <a:bodyPr spcFirstLastPara="0" vert="horz" wrap="square" lIns="49530" tIns="49530" rIns="49530" bIns="49530" numCol="1" spcCol="1270" anchor="ctr" anchorCtr="0">
-          <a:noAutofit/>
-        </a:bodyPr>
-        <a:lstStyle/>
-        <a:p>
-          <a:pPr marL="0" lvl="0" indent="0" algn="ctr" defTabSz="577850">
-            <a:lnSpc>
-              <a:spcPct val="90000"/>
-            </a:lnSpc>
-            <a:spcBef>
-              <a:spcPct val="0"/>
-            </a:spcBef>
-            <a:spcAft>
-              <a:spcPct val="35000"/>
-            </a:spcAft>
-            <a:buFont typeface="Arial" panose="020B0604020202020204" pitchFamily="34" charset="0"/>
-            <a:buNone/>
-          </a:pPr>
-          <a:r>
-            <a:rPr lang="en-IN" sz="1300" b="1" kern="1200"/>
-            <a:t>Example</a:t>
-          </a:r>
-          <a:r>
-            <a:rPr lang="en-IN" sz="1300" kern="1200"/>
-            <a:t>: List.Variance({2, 4, 6, 8})</a:t>
-          </a:r>
-        </a:p>
-      </dsp:txBody>
-      <dsp:txXfrm>
-        <a:off x="4284798" y="1591868"/>
-        <a:ext cx="1946002" cy="1167601"/>
-      </dsp:txXfrm>
-    </dsp:sp>
-    <dsp:sp modelId="{8D53FBFF-E7EC-4A80-BFD5-A3D7FFA4DF74}">
-      <dsp:nvSpPr>
-        <dsp:cNvPr id="0" name=""/>
-        <dsp:cNvSpPr/>
-      </dsp:nvSpPr>
-      <dsp:spPr>
-        <a:xfrm>
-          <a:off x="6425401" y="1591868"/>
-          <a:ext cx="1946002" cy="1167601"/>
-        </a:xfrm>
-        <a:prstGeom prst="rect">
-          <a:avLst/>
-        </a:prstGeom>
-        <a:solidFill>
-          <a:schemeClr val="accent5">
-            <a:hueOff val="0"/>
-            <a:satOff val="0"/>
-            <a:lumOff val="0"/>
-            <a:alphaOff val="0"/>
-          </a:schemeClr>
-        </a:solidFill>
-        <a:ln w="15875" cap="flat" cmpd="sng" algn="ctr">
-          <a:solidFill>
-            <a:schemeClr val="lt1">
-              <a:hueOff val="0"/>
-              <a:satOff val="0"/>
-              <a:lumOff val="0"/>
-              <a:alphaOff val="0"/>
-            </a:schemeClr>
-          </a:solidFill>
-          <a:prstDash val="solid"/>
-        </a:ln>
-        <a:effectLst/>
-      </dsp:spPr>
-      <dsp:style>
-        <a:lnRef idx="2">
-          <a:scrgbClr r="0" g="0" b="0"/>
-        </a:lnRef>
-        <a:fillRef idx="1">
-          <a:scrgbClr r="0" g="0" b="0"/>
-        </a:fillRef>
-        <a:effectRef idx="0">
-          <a:scrgbClr r="0" g="0" b="0"/>
-        </a:effectRef>
-        <a:fontRef idx="minor">
-          <a:schemeClr val="lt1"/>
-        </a:fontRef>
-      </dsp:style>
-      <dsp:txBody>
-        <a:bodyPr spcFirstLastPara="0" vert="horz" wrap="square" lIns="49530" tIns="49530" rIns="49530" bIns="49530" numCol="1" spcCol="1270" anchor="ctr" anchorCtr="0">
-          <a:noAutofit/>
-        </a:bodyPr>
-        <a:lstStyle/>
-        <a:p>
-          <a:pPr marL="0" lvl="0" indent="0" algn="ctr" defTabSz="577850">
-            <a:lnSpc>
-              <a:spcPct val="90000"/>
-            </a:lnSpc>
-            <a:spcBef>
-              <a:spcPct val="0"/>
-            </a:spcBef>
-            <a:spcAft>
-              <a:spcPct val="35000"/>
-            </a:spcAft>
-            <a:buFont typeface="Arial" panose="020B0604020202020204" pitchFamily="34" charset="0"/>
-            <a:buNone/>
-          </a:pPr>
-          <a:r>
-            <a:rPr lang="en-IN" sz="1300" b="1" kern="1200"/>
-            <a:t>Result</a:t>
-          </a:r>
-          <a:r>
-            <a:rPr lang="en-IN" sz="1300" kern="1200"/>
-            <a:t>: 6.66667</a:t>
-          </a:r>
-        </a:p>
-      </dsp:txBody>
-      <dsp:txXfrm>
-        <a:off x="6425401" y="1591868"/>
-        <a:ext cx="1946002" cy="1167601"/>
-      </dsp:txXfrm>
-    </dsp:sp>
-    <dsp:sp modelId="{E0218DCB-3EF1-4AB3-95B4-7A11ED6D094C}">
-      <dsp:nvSpPr>
-        <dsp:cNvPr id="0" name=""/>
-        <dsp:cNvSpPr/>
-      </dsp:nvSpPr>
-      <dsp:spPr>
-        <a:xfrm>
-          <a:off x="8566003" y="1591868"/>
-          <a:ext cx="1946002" cy="1167601"/>
-        </a:xfrm>
-        <a:prstGeom prst="rect">
-          <a:avLst/>
-        </a:prstGeom>
-        <a:solidFill>
-          <a:schemeClr val="accent6">
-            <a:hueOff val="0"/>
-            <a:satOff val="0"/>
-            <a:lumOff val="0"/>
-            <a:alphaOff val="0"/>
-          </a:schemeClr>
-        </a:solidFill>
-        <a:ln w="15875" cap="flat" cmpd="sng" algn="ctr">
-          <a:solidFill>
-            <a:schemeClr val="lt1">
-              <a:hueOff val="0"/>
-              <a:satOff val="0"/>
-              <a:lumOff val="0"/>
-              <a:alphaOff val="0"/>
-            </a:schemeClr>
-          </a:solidFill>
-          <a:prstDash val="solid"/>
-        </a:ln>
-        <a:effectLst/>
-      </dsp:spPr>
-      <dsp:style>
-        <a:lnRef idx="2">
-          <a:scrgbClr r="0" g="0" b="0"/>
-        </a:lnRef>
-        <a:fillRef idx="1">
-          <a:scrgbClr r="0" g="0" b="0"/>
-        </a:fillRef>
-        <a:effectRef idx="0">
-          <a:scrgbClr r="0" g="0" b="0"/>
-        </a:effectRef>
-        <a:fontRef idx="minor">
-          <a:schemeClr val="lt1"/>
-        </a:fontRef>
-      </dsp:style>
-      <dsp:txBody>
-        <a:bodyPr spcFirstLastPara="0" vert="horz" wrap="square" lIns="49530" tIns="49530" rIns="49530" bIns="49530" numCol="1" spcCol="1270" anchor="ctr" anchorCtr="0">
-          <a:noAutofit/>
-        </a:bodyPr>
-        <a:lstStyle/>
-        <a:p>
-          <a:pPr marL="0" lvl="0" indent="0" algn="ctr" defTabSz="577850">
-            <a:lnSpc>
-              <a:spcPct val="90000"/>
-            </a:lnSpc>
-            <a:spcBef>
-              <a:spcPct val="0"/>
-            </a:spcBef>
-            <a:spcAft>
-              <a:spcPct val="35000"/>
-            </a:spcAft>
-            <a:buFont typeface="Arial" panose="020B0604020202020204" pitchFamily="34" charset="0"/>
-            <a:buNone/>
-          </a:pPr>
-          <a:r>
-            <a:rPr lang="en-US" sz="1300" b="1" kern="1200"/>
-            <a:t>Use case</a:t>
-          </a:r>
-          <a:r>
-            <a:rPr lang="en-US" sz="1300" kern="1200"/>
-            <a:t>: Use this to measure data spread or variability.</a:t>
-          </a:r>
-        </a:p>
-      </dsp:txBody>
-      <dsp:txXfrm>
-        <a:off x="8566003" y="1591868"/>
-        <a:ext cx="1946002" cy="1167601"/>
-      </dsp:txXfrm>
-    </dsp:sp>
-    <dsp:sp modelId="{5921AB65-C18A-4165-910D-F50FE10D42FD}">
-      <dsp:nvSpPr>
-        <dsp:cNvPr id="0" name=""/>
-        <dsp:cNvSpPr/>
-      </dsp:nvSpPr>
-      <dsp:spPr>
-        <a:xfrm>
-          <a:off x="3594" y="2954069"/>
-          <a:ext cx="1946002" cy="1167601"/>
-        </a:xfrm>
-        <a:prstGeom prst="rect">
-          <a:avLst/>
-        </a:prstGeom>
-        <a:solidFill>
-          <a:schemeClr val="accent2">
-            <a:hueOff val="0"/>
-            <a:satOff val="0"/>
-            <a:lumOff val="0"/>
-            <a:alphaOff val="0"/>
-          </a:schemeClr>
-        </a:solidFill>
-        <a:ln w="15875" cap="flat" cmpd="sng" algn="ctr">
-          <a:solidFill>
-            <a:schemeClr val="lt1">
-              <a:hueOff val="0"/>
-              <a:satOff val="0"/>
-              <a:lumOff val="0"/>
-              <a:alphaOff val="0"/>
-            </a:schemeClr>
-          </a:solidFill>
-          <a:prstDash val="solid"/>
-        </a:ln>
-        <a:effectLst/>
-      </dsp:spPr>
-      <dsp:style>
-        <a:lnRef idx="2">
-          <a:scrgbClr r="0" g="0" b="0"/>
-        </a:lnRef>
-        <a:fillRef idx="1">
-          <a:scrgbClr r="0" g="0" b="0"/>
-        </a:fillRef>
-        <a:effectRef idx="0">
-          <a:scrgbClr r="0" g="0" b="0"/>
-        </a:effectRef>
-        <a:fontRef idx="minor">
-          <a:schemeClr val="lt1"/>
-        </a:fontRef>
-      </dsp:style>
-      <dsp:txBody>
-        <a:bodyPr spcFirstLastPara="0" vert="horz" wrap="square" lIns="49530" tIns="49530" rIns="49530" bIns="49530" numCol="1" spcCol="1270" anchor="ctr" anchorCtr="0">
-          <a:noAutofit/>
-        </a:bodyPr>
-        <a:lstStyle/>
-        <a:p>
-          <a:pPr marL="0" lvl="0" indent="0" algn="ctr" defTabSz="577850">
-            <a:lnSpc>
-              <a:spcPct val="90000"/>
-            </a:lnSpc>
-            <a:spcBef>
-              <a:spcPct val="0"/>
-            </a:spcBef>
-            <a:spcAft>
-              <a:spcPct val="35000"/>
-            </a:spcAft>
-            <a:buNone/>
-          </a:pPr>
-          <a:r>
-            <a:rPr lang="en-US" sz="1300" b="1" kern="1200"/>
-            <a:t>51. List.Generate (Advanced Usage)</a:t>
-          </a:r>
-        </a:p>
-      </dsp:txBody>
-      <dsp:txXfrm>
-        <a:off x="3594" y="2954069"/>
-        <a:ext cx="1946002" cy="1167601"/>
-      </dsp:txXfrm>
-    </dsp:sp>
-    <dsp:sp modelId="{020E6045-16D0-4598-8E22-7071105955E4}">
-      <dsp:nvSpPr>
-        <dsp:cNvPr id="0" name=""/>
-        <dsp:cNvSpPr/>
-      </dsp:nvSpPr>
-      <dsp:spPr>
-        <a:xfrm>
-          <a:off x="2144196" y="2954069"/>
-          <a:ext cx="1946002" cy="1167601"/>
-        </a:xfrm>
-        <a:prstGeom prst="rect">
-          <a:avLst/>
-        </a:prstGeom>
-        <a:solidFill>
-          <a:schemeClr val="accent3">
-            <a:hueOff val="0"/>
-            <a:satOff val="0"/>
-            <a:lumOff val="0"/>
-            <a:alphaOff val="0"/>
-          </a:schemeClr>
-        </a:solidFill>
-        <a:ln w="15875" cap="flat" cmpd="sng" algn="ctr">
-          <a:solidFill>
-            <a:schemeClr val="lt1">
-              <a:hueOff val="0"/>
-              <a:satOff val="0"/>
-              <a:lumOff val="0"/>
-              <a:alphaOff val="0"/>
-            </a:schemeClr>
-          </a:solidFill>
-          <a:prstDash val="solid"/>
-        </a:ln>
-        <a:effectLst/>
-      </dsp:spPr>
-      <dsp:style>
-        <a:lnRef idx="2">
-          <a:scrgbClr r="0" g="0" b="0"/>
-        </a:lnRef>
-        <a:fillRef idx="1">
-          <a:scrgbClr r="0" g="0" b="0"/>
-        </a:fillRef>
-        <a:effectRef idx="0">
-          <a:scrgbClr r="0" g="0" b="0"/>
-        </a:effectRef>
-        <a:fontRef idx="minor">
-          <a:schemeClr val="lt1"/>
-        </a:fontRef>
-      </dsp:style>
-      <dsp:txBody>
-        <a:bodyPr spcFirstLastPara="0" vert="horz" wrap="square" lIns="49530" tIns="49530" rIns="49530" bIns="49530" numCol="1" spcCol="1270" anchor="ctr" anchorCtr="0">
-          <a:noAutofit/>
-        </a:bodyPr>
-        <a:lstStyle/>
-        <a:p>
-          <a:pPr marL="0" lvl="0" indent="0" algn="ctr" defTabSz="577850">
-            <a:lnSpc>
-              <a:spcPct val="90000"/>
-            </a:lnSpc>
-            <a:spcBef>
-              <a:spcPct val="0"/>
-            </a:spcBef>
-            <a:spcAft>
-              <a:spcPct val="35000"/>
-            </a:spcAft>
-            <a:buFont typeface="Arial" panose="020B0604020202020204" pitchFamily="34" charset="0"/>
-            <a:buNone/>
-          </a:pPr>
-          <a:r>
-            <a:rPr lang="en-US" sz="1300" b="1" kern="1200"/>
-            <a:t>Description</a:t>
-          </a:r>
-          <a:r>
-            <a:rPr lang="en-US" sz="1300" kern="1200"/>
-            <a:t>: Generates lists with more complex rules.</a:t>
-          </a:r>
-        </a:p>
-      </dsp:txBody>
-      <dsp:txXfrm>
-        <a:off x="2144196" y="2954069"/>
-        <a:ext cx="1946002" cy="1167601"/>
-      </dsp:txXfrm>
-    </dsp:sp>
-    <dsp:sp modelId="{12A566A0-016D-4E7E-807F-CCA28B1A911B}">
-      <dsp:nvSpPr>
-        <dsp:cNvPr id="0" name=""/>
-        <dsp:cNvSpPr/>
-      </dsp:nvSpPr>
-      <dsp:spPr>
-        <a:xfrm>
-          <a:off x="4284798" y="2954069"/>
-          <a:ext cx="1946002" cy="1167601"/>
-        </a:xfrm>
-        <a:prstGeom prst="rect">
-          <a:avLst/>
-        </a:prstGeom>
-        <a:solidFill>
-          <a:schemeClr val="accent4">
-            <a:hueOff val="0"/>
-            <a:satOff val="0"/>
-            <a:lumOff val="0"/>
-            <a:alphaOff val="0"/>
-          </a:schemeClr>
-        </a:solidFill>
-        <a:ln w="15875" cap="flat" cmpd="sng" algn="ctr">
-          <a:solidFill>
-            <a:schemeClr val="lt1">
-              <a:hueOff val="0"/>
-              <a:satOff val="0"/>
-              <a:lumOff val="0"/>
-              <a:alphaOff val="0"/>
-            </a:schemeClr>
-          </a:solidFill>
-          <a:prstDash val="solid"/>
-        </a:ln>
-        <a:effectLst/>
-      </dsp:spPr>
-      <dsp:style>
-        <a:lnRef idx="2">
-          <a:scrgbClr r="0" g="0" b="0"/>
-        </a:lnRef>
-        <a:fillRef idx="1">
-          <a:scrgbClr r="0" g="0" b="0"/>
-        </a:fillRef>
-        <a:effectRef idx="0">
-          <a:scrgbClr r="0" g="0" b="0"/>
-        </a:effectRef>
-        <a:fontRef idx="minor">
-          <a:schemeClr val="lt1"/>
-        </a:fontRef>
-      </dsp:style>
-      <dsp:txBody>
-        <a:bodyPr spcFirstLastPara="0" vert="horz" wrap="square" lIns="49530" tIns="49530" rIns="49530" bIns="49530" numCol="1" spcCol="1270" anchor="ctr" anchorCtr="0">
-          <a:noAutofit/>
-        </a:bodyPr>
-        <a:lstStyle/>
-        <a:p>
-          <a:pPr marL="0" lvl="0" indent="0" algn="ctr" defTabSz="577850">
-            <a:lnSpc>
-              <a:spcPct val="90000"/>
-            </a:lnSpc>
-            <a:spcBef>
-              <a:spcPct val="0"/>
-            </a:spcBef>
-            <a:spcAft>
-              <a:spcPct val="35000"/>
-            </a:spcAft>
-            <a:buFont typeface="Arial" panose="020B0604020202020204" pitchFamily="34" charset="0"/>
-            <a:buNone/>
-          </a:pPr>
-          <a:r>
-            <a:rPr lang="en-US" sz="1300" b="1" kern="1200"/>
-            <a:t>Example</a:t>
-          </a:r>
-          <a:r>
-            <a:rPr lang="en-US" sz="1300" kern="1200"/>
-            <a:t>: List.Generate(() =&gt; 1, each _ &lt;= 10, each _ + 1, each _ * 2)</a:t>
-          </a:r>
-        </a:p>
-      </dsp:txBody>
-      <dsp:txXfrm>
-        <a:off x="4284798" y="2954069"/>
-        <a:ext cx="1946002" cy="1167601"/>
-      </dsp:txXfrm>
-    </dsp:sp>
-    <dsp:sp modelId="{B902DA31-663A-4A83-B923-29C881AA7E50}">
-      <dsp:nvSpPr>
-        <dsp:cNvPr id="0" name=""/>
-        <dsp:cNvSpPr/>
-      </dsp:nvSpPr>
-      <dsp:spPr>
-        <a:xfrm>
-          <a:off x="6425401" y="2954069"/>
-          <a:ext cx="1946002" cy="1167601"/>
-        </a:xfrm>
-        <a:prstGeom prst="rect">
-          <a:avLst/>
-        </a:prstGeom>
-        <a:solidFill>
-          <a:schemeClr val="accent5">
-            <a:hueOff val="0"/>
-            <a:satOff val="0"/>
-            <a:lumOff val="0"/>
-            <a:alphaOff val="0"/>
-          </a:schemeClr>
-        </a:solidFill>
-        <a:ln w="15875" cap="flat" cmpd="sng" algn="ctr">
-          <a:solidFill>
-            <a:schemeClr val="lt1">
-              <a:hueOff val="0"/>
-              <a:satOff val="0"/>
-              <a:lumOff val="0"/>
-              <a:alphaOff val="0"/>
-            </a:schemeClr>
-          </a:solidFill>
-          <a:prstDash val="solid"/>
-        </a:ln>
-        <a:effectLst/>
-      </dsp:spPr>
-      <dsp:style>
-        <a:lnRef idx="2">
-          <a:scrgbClr r="0" g="0" b="0"/>
-        </a:lnRef>
-        <a:fillRef idx="1">
-          <a:scrgbClr r="0" g="0" b="0"/>
-        </a:fillRef>
-        <a:effectRef idx="0">
-          <a:scrgbClr r="0" g="0" b="0"/>
-        </a:effectRef>
-        <a:fontRef idx="minor">
-          <a:schemeClr val="lt1"/>
-        </a:fontRef>
-      </dsp:style>
-      <dsp:txBody>
-        <a:bodyPr spcFirstLastPara="0" vert="horz" wrap="square" lIns="49530" tIns="49530" rIns="49530" bIns="49530" numCol="1" spcCol="1270" anchor="ctr" anchorCtr="0">
-          <a:noAutofit/>
-        </a:bodyPr>
-        <a:lstStyle/>
-        <a:p>
-          <a:pPr marL="0" lvl="0" indent="0" algn="ctr" defTabSz="577850">
-            <a:lnSpc>
-              <a:spcPct val="90000"/>
-            </a:lnSpc>
-            <a:spcBef>
-              <a:spcPct val="0"/>
-            </a:spcBef>
-            <a:spcAft>
-              <a:spcPct val="35000"/>
-            </a:spcAft>
-            <a:buFont typeface="Arial" panose="020B0604020202020204" pitchFamily="34" charset="0"/>
-            <a:buNone/>
-          </a:pPr>
-          <a:r>
-            <a:rPr lang="en-US" sz="1300" b="1" kern="1200"/>
-            <a:t>Result</a:t>
-          </a:r>
-          <a:r>
-            <a:rPr lang="en-US" sz="1300" kern="1200"/>
-            <a:t>: {2, 4, 6, 8, 10, 12, 14, 16, 18, 20}</a:t>
-          </a:r>
-        </a:p>
-      </dsp:txBody>
-      <dsp:txXfrm>
-        <a:off x="6425401" y="2954069"/>
-        <a:ext cx="1946002" cy="1167601"/>
-      </dsp:txXfrm>
-    </dsp:sp>
-    <dsp:sp modelId="{E79D1C23-9DAA-4E8B-9A33-8A696EBC6435}">
-      <dsp:nvSpPr>
-        <dsp:cNvPr id="0" name=""/>
-        <dsp:cNvSpPr/>
-      </dsp:nvSpPr>
-      <dsp:spPr>
-        <a:xfrm>
-          <a:off x="8566003" y="2954069"/>
-          <a:ext cx="1946002" cy="1167601"/>
-        </a:xfrm>
-        <a:prstGeom prst="rect">
-          <a:avLst/>
-        </a:prstGeom>
-        <a:solidFill>
-          <a:schemeClr val="accent6">
-            <a:hueOff val="0"/>
-            <a:satOff val="0"/>
-            <a:lumOff val="0"/>
-            <a:alphaOff val="0"/>
-          </a:schemeClr>
-        </a:solidFill>
-        <a:ln w="15875" cap="flat" cmpd="sng" algn="ctr">
-          <a:solidFill>
-            <a:schemeClr val="lt1">
-              <a:hueOff val="0"/>
-              <a:satOff val="0"/>
-              <a:lumOff val="0"/>
-              <a:alphaOff val="0"/>
-            </a:schemeClr>
-          </a:solidFill>
-          <a:prstDash val="solid"/>
-        </a:ln>
-        <a:effectLst/>
-      </dsp:spPr>
-      <dsp:style>
-        <a:lnRef idx="2">
-          <a:scrgbClr r="0" g="0" b="0"/>
-        </a:lnRef>
-        <a:fillRef idx="1">
-          <a:scrgbClr r="0" g="0" b="0"/>
-        </a:fillRef>
-        <a:effectRef idx="0">
-          <a:scrgbClr r="0" g="0" b="0"/>
-        </a:effectRef>
-        <a:fontRef idx="minor">
-          <a:schemeClr val="lt1"/>
-        </a:fontRef>
-      </dsp:style>
-      <dsp:txBody>
-        <a:bodyPr spcFirstLastPara="0" vert="horz" wrap="square" lIns="49530" tIns="49530" rIns="49530" bIns="49530" numCol="1" spcCol="1270" anchor="ctr" anchorCtr="0">
-          <a:noAutofit/>
-        </a:bodyPr>
-        <a:lstStyle/>
-        <a:p>
-          <a:pPr marL="0" lvl="0" indent="0" algn="ctr" defTabSz="577850">
-            <a:lnSpc>
-              <a:spcPct val="90000"/>
-            </a:lnSpc>
-            <a:spcBef>
-              <a:spcPct val="0"/>
-            </a:spcBef>
-            <a:spcAft>
-              <a:spcPct val="35000"/>
-            </a:spcAft>
-            <a:buFont typeface="Arial" panose="020B0604020202020204" pitchFamily="34" charset="0"/>
-            <a:buNone/>
-          </a:pPr>
-          <a:r>
-            <a:rPr lang="en-US" sz="1300" b="1" kern="1200"/>
-            <a:t>Use case</a:t>
-          </a:r>
-          <a:r>
-            <a:rPr lang="en-US" sz="1300" kern="1200"/>
-            <a:t>: Create lists with custom transformations, such as doubling a sequence of numbers.</a:t>
-          </a:r>
-        </a:p>
-      </dsp:txBody>
-      <dsp:txXfrm>
-        <a:off x="8566003" y="2954069"/>
-        <a:ext cx="1946002" cy="1167601"/>
-      </dsp:txXfrm>
-    </dsp:sp>
-  </dsp:spTree>
-</dsp:drawing>
-</file>
-
-<file path=ppt/diagrams/drawing5.xml><?xml version="1.0" encoding="utf-8"?>
-<dsp:drawing xmlns:dgm="http://schemas.openxmlformats.org/drawingml/2006/diagram" xmlns:dsp="http://schemas.microsoft.com/office/drawing/2008/diagram" xmlns:a="http://schemas.openxmlformats.org/drawingml/2006/main">
-  <dsp:spTree>
-    <dsp:nvGrpSpPr>
-      <dsp:cNvPr id="0" name=""/>
-      <dsp:cNvGrpSpPr/>
-    </dsp:nvGrpSpPr>
-    <dsp:grpSpPr/>
-    <dsp:sp modelId="{E53D8AE9-C679-4CEF-85A0-C6D81F0DFFA7}">
-      <dsp:nvSpPr>
-        <dsp:cNvPr id="0" name=""/>
-        <dsp:cNvSpPr/>
-      </dsp:nvSpPr>
-      <dsp:spPr>
-        <a:xfrm>
-          <a:off x="558127" y="385"/>
-          <a:ext cx="1740619" cy="1044371"/>
         </a:xfrm>
         <a:prstGeom prst="rect">
           <a:avLst/>
@@ -14853,15 +11552,19 @@
             <a:buNone/>
           </a:pPr>
           <a:r>
-            <a:rPr lang="en-IN" sz="1400" b="1" kern="1200"/>
-            <a:t>52. List.Random</a:t>
-          </a:r>
-          <a:endParaRPr lang="en-US" sz="1400" kern="1200"/>
+            <a:rPr lang="en-IN" sz="1400" b="1" kern="1200" dirty="0"/>
+            <a:t>49. </a:t>
+          </a:r>
+          <a:r>
+            <a:rPr lang="en-IN" sz="1400" b="1" kern="1200" dirty="0" err="1"/>
+            <a:t>List.Random</a:t>
+          </a:r>
+          <a:endParaRPr lang="en-US" sz="1400" kern="1200" dirty="0"/>
         </a:p>
       </dsp:txBody>
       <dsp:txXfrm>
-        <a:off x="558127" y="385"/>
-        <a:ext cx="1740619" cy="1044371"/>
+        <a:off x="3594" y="404219"/>
+        <a:ext cx="1946002" cy="1167601"/>
       </dsp:txXfrm>
     </dsp:sp>
     <dsp:sp modelId="{3188EA51-0D3A-4DDF-8EC5-002658A0EA52}">
@@ -14871,8 +11574,8 @@
       </dsp:nvSpPr>
       <dsp:spPr>
         <a:xfrm>
-          <a:off x="2472809" y="385"/>
-          <a:ext cx="1740619" cy="1044371"/>
+          <a:off x="2144196" y="404219"/>
+          <a:ext cx="1946002" cy="1167601"/>
         </a:xfrm>
         <a:prstGeom prst="rect">
           <a:avLst/>
@@ -14942,8 +11645,8 @@
         </a:p>
       </dsp:txBody>
       <dsp:txXfrm>
-        <a:off x="2472809" y="385"/>
-        <a:ext cx="1740619" cy="1044371"/>
+        <a:off x="2144196" y="404219"/>
+        <a:ext cx="1946002" cy="1167601"/>
       </dsp:txXfrm>
     </dsp:sp>
     <dsp:sp modelId="{E7CCC371-D4F6-4E4F-BC0A-63A309A31466}">
@@ -14953,8 +11656,8 @@
       </dsp:nvSpPr>
       <dsp:spPr>
         <a:xfrm>
-          <a:off x="4387490" y="385"/>
-          <a:ext cx="1740619" cy="1044371"/>
+          <a:off x="4284798" y="404219"/>
+          <a:ext cx="1946002" cy="1167601"/>
         </a:xfrm>
         <a:prstGeom prst="rect">
           <a:avLst/>
@@ -15024,8 +11727,8 @@
         </a:p>
       </dsp:txBody>
       <dsp:txXfrm>
-        <a:off x="4387490" y="385"/>
-        <a:ext cx="1740619" cy="1044371"/>
+        <a:off x="4284798" y="404219"/>
+        <a:ext cx="1946002" cy="1167601"/>
       </dsp:txXfrm>
     </dsp:sp>
     <dsp:sp modelId="{07C5F2BC-3E2F-429F-B1B8-F354449CB02C}">
@@ -15035,8 +11738,8 @@
       </dsp:nvSpPr>
       <dsp:spPr>
         <a:xfrm>
-          <a:off x="6302171" y="385"/>
-          <a:ext cx="1740619" cy="1044371"/>
+          <a:off x="6425401" y="404219"/>
+          <a:ext cx="1946002" cy="1167601"/>
         </a:xfrm>
         <a:prstGeom prst="rect">
           <a:avLst/>
@@ -15106,8 +11809,8 @@
         </a:p>
       </dsp:txBody>
       <dsp:txXfrm>
-        <a:off x="6302171" y="385"/>
-        <a:ext cx="1740619" cy="1044371"/>
+        <a:off x="6425401" y="404219"/>
+        <a:ext cx="1946002" cy="1167601"/>
       </dsp:txXfrm>
     </dsp:sp>
     <dsp:sp modelId="{329AFB10-AE3C-46E4-9576-B4B68AFDA77F}">
@@ -15117,8 +11820,8 @@
       </dsp:nvSpPr>
       <dsp:spPr>
         <a:xfrm>
-          <a:off x="8216852" y="385"/>
-          <a:ext cx="1740619" cy="1044371"/>
+          <a:off x="8566003" y="404219"/>
+          <a:ext cx="1946002" cy="1167601"/>
         </a:xfrm>
         <a:prstGeom prst="rect">
           <a:avLst/>
@@ -15188,8 +11891,8 @@
         </a:p>
       </dsp:txBody>
       <dsp:txXfrm>
-        <a:off x="8216852" y="385"/>
-        <a:ext cx="1740619" cy="1044371"/>
+        <a:off x="8566003" y="404219"/>
+        <a:ext cx="1946002" cy="1167601"/>
       </dsp:txXfrm>
     </dsp:sp>
     <dsp:sp modelId="{7CCE6E15-4139-4E13-8666-F18181AB4184}">
@@ -15199,8 +11902,8 @@
       </dsp:nvSpPr>
       <dsp:spPr>
         <a:xfrm>
-          <a:off x="558127" y="1218818"/>
-          <a:ext cx="1740619" cy="1044371"/>
+          <a:off x="3594" y="1766420"/>
+          <a:ext cx="1946002" cy="1167601"/>
         </a:xfrm>
         <a:prstGeom prst="rect">
           <a:avLst/>
@@ -15259,14 +11962,19 @@
             <a:buNone/>
           </a:pPr>
           <a:r>
-            <a:rPr lang="en-IN" sz="1400" b="1" kern="1200"/>
-            <a:t>53. List.Range</a:t>
-          </a:r>
+            <a:rPr lang="en-IN" sz="1400" b="1" kern="1200" dirty="0"/>
+            <a:t>50. </a:t>
+          </a:r>
+          <a:r>
+            <a:rPr lang="en-IN" sz="1400" b="1" kern="1200" dirty="0" err="1"/>
+            <a:t>List.Range</a:t>
+          </a:r>
+          <a:endParaRPr lang="en-IN" sz="1400" b="1" kern="1200" dirty="0"/>
         </a:p>
       </dsp:txBody>
       <dsp:txXfrm>
-        <a:off x="558127" y="1218818"/>
-        <a:ext cx="1740619" cy="1044371"/>
+        <a:off x="3594" y="1766420"/>
+        <a:ext cx="1946002" cy="1167601"/>
       </dsp:txXfrm>
     </dsp:sp>
     <dsp:sp modelId="{91D9F426-3F6A-45F4-B2D1-98B9FA25192C}">
@@ -15276,8 +11984,8 @@
       </dsp:nvSpPr>
       <dsp:spPr>
         <a:xfrm>
-          <a:off x="2472809" y="1218818"/>
-          <a:ext cx="1740619" cy="1044371"/>
+          <a:off x="2144196" y="1766420"/>
+          <a:ext cx="1946002" cy="1167601"/>
         </a:xfrm>
         <a:prstGeom prst="rect">
           <a:avLst/>
@@ -15347,8 +12055,8 @@
         </a:p>
       </dsp:txBody>
       <dsp:txXfrm>
-        <a:off x="2472809" y="1218818"/>
-        <a:ext cx="1740619" cy="1044371"/>
+        <a:off x="2144196" y="1766420"/>
+        <a:ext cx="1946002" cy="1167601"/>
       </dsp:txXfrm>
     </dsp:sp>
     <dsp:sp modelId="{7810163C-AEF1-453C-9757-394BFE4F2AA7}">
@@ -15358,8 +12066,8 @@
       </dsp:nvSpPr>
       <dsp:spPr>
         <a:xfrm>
-          <a:off x="4387490" y="1218818"/>
-          <a:ext cx="1740619" cy="1044371"/>
+          <a:off x="4284798" y="1766420"/>
+          <a:ext cx="1946002" cy="1167601"/>
         </a:xfrm>
         <a:prstGeom prst="rect">
           <a:avLst/>
@@ -15437,8 +12145,8 @@
         </a:p>
       </dsp:txBody>
       <dsp:txXfrm>
-        <a:off x="4387490" y="1218818"/>
-        <a:ext cx="1740619" cy="1044371"/>
+        <a:off x="4284798" y="1766420"/>
+        <a:ext cx="1946002" cy="1167601"/>
       </dsp:txXfrm>
     </dsp:sp>
     <dsp:sp modelId="{B82CB8EA-4482-4A3D-8124-7613BFA3E936}">
@@ -15448,8 +12156,8 @@
       </dsp:nvSpPr>
       <dsp:spPr>
         <a:xfrm>
-          <a:off x="6302171" y="1218818"/>
-          <a:ext cx="1740619" cy="1044371"/>
+          <a:off x="6425401" y="1766420"/>
+          <a:ext cx="1946002" cy="1167601"/>
         </a:xfrm>
         <a:prstGeom prst="rect">
           <a:avLst/>
@@ -15519,8 +12227,8 @@
         </a:p>
       </dsp:txBody>
       <dsp:txXfrm>
-        <a:off x="6302171" y="1218818"/>
-        <a:ext cx="1740619" cy="1044371"/>
+        <a:off x="6425401" y="1766420"/>
+        <a:ext cx="1946002" cy="1167601"/>
       </dsp:txXfrm>
     </dsp:sp>
     <dsp:sp modelId="{7C2E623D-5428-430F-A71F-7D06D16CEE52}">
@@ -15530,8 +12238,8 @@
       </dsp:nvSpPr>
       <dsp:spPr>
         <a:xfrm>
-          <a:off x="8216852" y="1218818"/>
-          <a:ext cx="1740619" cy="1044371"/>
+          <a:off x="8566003" y="1766420"/>
+          <a:ext cx="1946002" cy="1167601"/>
         </a:xfrm>
         <a:prstGeom prst="rect">
           <a:avLst/>
@@ -15601,8 +12309,8 @@
         </a:p>
       </dsp:txBody>
       <dsp:txXfrm>
-        <a:off x="8216852" y="1218818"/>
-        <a:ext cx="1740619" cy="1044371"/>
+        <a:off x="8566003" y="1766420"/>
+        <a:ext cx="1946002" cy="1167601"/>
       </dsp:txXfrm>
     </dsp:sp>
     <dsp:sp modelId="{8ACB8FA8-5D25-4569-992A-0B9E3855EC63}">
@@ -15612,8 +12320,8 @@
       </dsp:nvSpPr>
       <dsp:spPr>
         <a:xfrm>
-          <a:off x="558127" y="2437252"/>
-          <a:ext cx="1740619" cy="1044371"/>
+          <a:off x="3594" y="3128622"/>
+          <a:ext cx="1946002" cy="1167601"/>
         </a:xfrm>
         <a:prstGeom prst="rect">
           <a:avLst/>
@@ -15672,14 +12380,19 @@
             <a:buNone/>
           </a:pPr>
           <a:r>
-            <a:rPr lang="en-IN" sz="1400" b="1" kern="1200"/>
-            <a:t>54. List.Mode</a:t>
-          </a:r>
+            <a:rPr lang="en-IN" sz="1400" b="1" kern="1200" dirty="0"/>
+            <a:t>51. </a:t>
+          </a:r>
+          <a:r>
+            <a:rPr lang="en-IN" sz="1400" b="1" kern="1200" dirty="0" err="1"/>
+            <a:t>List.Mode</a:t>
+          </a:r>
+          <a:endParaRPr lang="en-IN" sz="1400" b="1" kern="1200" dirty="0"/>
         </a:p>
       </dsp:txBody>
       <dsp:txXfrm>
-        <a:off x="558127" y="2437252"/>
-        <a:ext cx="1740619" cy="1044371"/>
+        <a:off x="3594" y="3128622"/>
+        <a:ext cx="1946002" cy="1167601"/>
       </dsp:txXfrm>
     </dsp:sp>
     <dsp:sp modelId="{EF447D25-1161-4BCC-BBB1-68050A6C9A6E}">
@@ -15689,8 +12402,8 @@
       </dsp:nvSpPr>
       <dsp:spPr>
         <a:xfrm>
-          <a:off x="2472809" y="2437252"/>
-          <a:ext cx="1740619" cy="1044371"/>
+          <a:off x="2144196" y="3128622"/>
+          <a:ext cx="1946002" cy="1167601"/>
         </a:xfrm>
         <a:prstGeom prst="rect">
           <a:avLst/>
@@ -15760,8 +12473,8 @@
         </a:p>
       </dsp:txBody>
       <dsp:txXfrm>
-        <a:off x="2472809" y="2437252"/>
-        <a:ext cx="1740619" cy="1044371"/>
+        <a:off x="2144196" y="3128622"/>
+        <a:ext cx="1946002" cy="1167601"/>
       </dsp:txXfrm>
     </dsp:sp>
     <dsp:sp modelId="{5C73FEE6-1B30-4FE4-8FAC-1054F6A34EB4}">
@@ -15771,8 +12484,8 @@
       </dsp:nvSpPr>
       <dsp:spPr>
         <a:xfrm>
-          <a:off x="4387490" y="2437252"/>
-          <a:ext cx="1740619" cy="1044371"/>
+          <a:off x="4284798" y="3128622"/>
+          <a:ext cx="1946002" cy="1167601"/>
         </a:xfrm>
         <a:prstGeom prst="rect">
           <a:avLst/>
@@ -15842,8 +12555,8 @@
         </a:p>
       </dsp:txBody>
       <dsp:txXfrm>
-        <a:off x="4387490" y="2437252"/>
-        <a:ext cx="1740619" cy="1044371"/>
+        <a:off x="4284798" y="3128622"/>
+        <a:ext cx="1946002" cy="1167601"/>
       </dsp:txXfrm>
     </dsp:sp>
     <dsp:sp modelId="{F3195ECC-F472-408F-87F4-7A3921F5513D}">
@@ -15853,8 +12566,8 @@
       </dsp:nvSpPr>
       <dsp:spPr>
         <a:xfrm>
-          <a:off x="6302171" y="2437252"/>
-          <a:ext cx="1740619" cy="1044371"/>
+          <a:off x="6425401" y="3128622"/>
+          <a:ext cx="1946002" cy="1167601"/>
         </a:xfrm>
         <a:prstGeom prst="rect">
           <a:avLst/>
@@ -15924,8 +12637,8 @@
         </a:p>
       </dsp:txBody>
       <dsp:txXfrm>
-        <a:off x="6302171" y="2437252"/>
-        <a:ext cx="1740619" cy="1044371"/>
+        <a:off x="6425401" y="3128622"/>
+        <a:ext cx="1946002" cy="1167601"/>
       </dsp:txXfrm>
     </dsp:sp>
     <dsp:sp modelId="{83134174-6B49-4D98-BFDD-2AC145C09DD9}">
@@ -15935,8 +12648,8 @@
       </dsp:nvSpPr>
       <dsp:spPr>
         <a:xfrm>
-          <a:off x="8216852" y="2437252"/>
-          <a:ext cx="1740619" cy="1044371"/>
+          <a:off x="8566003" y="3128622"/>
+          <a:ext cx="1946002" cy="1167601"/>
         </a:xfrm>
         <a:prstGeom prst="rect">
           <a:avLst/>
@@ -16006,414 +12719,8 @@
         </a:p>
       </dsp:txBody>
       <dsp:txXfrm>
-        <a:off x="8216852" y="2437252"/>
-        <a:ext cx="1740619" cy="1044371"/>
-      </dsp:txXfrm>
-    </dsp:sp>
-    <dsp:sp modelId="{C8115387-FAE5-48E1-A33F-9318DC7B3664}">
-      <dsp:nvSpPr>
-        <dsp:cNvPr id="0" name=""/>
-        <dsp:cNvSpPr/>
-      </dsp:nvSpPr>
-      <dsp:spPr>
-        <a:xfrm>
-          <a:off x="558127" y="3655686"/>
-          <a:ext cx="1740619" cy="1044371"/>
-        </a:xfrm>
-        <a:prstGeom prst="rect">
-          <a:avLst/>
-        </a:prstGeom>
-        <a:solidFill>
-          <a:schemeClr val="accent2">
-            <a:hueOff val="0"/>
-            <a:satOff val="0"/>
-            <a:lumOff val="0"/>
-            <a:alphaOff val="0"/>
-          </a:schemeClr>
-        </a:solidFill>
-        <a:ln w="15875" cap="flat" cmpd="sng" algn="ctr">
-          <a:solidFill>
-            <a:schemeClr val="lt1">
-              <a:hueOff val="0"/>
-              <a:satOff val="0"/>
-              <a:lumOff val="0"/>
-              <a:alphaOff val="0"/>
-            </a:schemeClr>
-          </a:solidFill>
-          <a:prstDash val="solid"/>
-        </a:ln>
-        <a:effectLst/>
-      </dsp:spPr>
-      <dsp:style>
-        <a:lnRef idx="2">
-          <a:scrgbClr r="0" g="0" b="0"/>
-        </a:lnRef>
-        <a:fillRef idx="1">
-          <a:scrgbClr r="0" g="0" b="0"/>
-        </a:fillRef>
-        <a:effectRef idx="0">
-          <a:scrgbClr r="0" g="0" b="0"/>
-        </a:effectRef>
-        <a:fontRef idx="minor">
-          <a:schemeClr val="lt1"/>
-        </a:fontRef>
-      </dsp:style>
-      <dsp:txBody>
-        <a:bodyPr spcFirstLastPara="0" vert="horz" wrap="square" lIns="53340" tIns="53340" rIns="53340" bIns="53340" numCol="1" spcCol="1270" anchor="ctr" anchorCtr="0">
-          <a:noAutofit/>
-        </a:bodyPr>
-        <a:lstStyle/>
-        <a:p>
-          <a:pPr marL="0" lvl="0" indent="0" algn="ctr" defTabSz="622300">
-            <a:lnSpc>
-              <a:spcPct val="90000"/>
-            </a:lnSpc>
-            <a:spcBef>
-              <a:spcPct val="0"/>
-            </a:spcBef>
-            <a:spcAft>
-              <a:spcPct val="35000"/>
-            </a:spcAft>
-            <a:buNone/>
-          </a:pPr>
-          <a:r>
-            <a:rPr lang="en-IN" sz="1400" b="1" kern="1200"/>
-            <a:t>55. List.Alternate</a:t>
-          </a:r>
-          <a:endParaRPr lang="en-US" sz="1400" kern="1200" dirty="0"/>
-        </a:p>
-      </dsp:txBody>
-      <dsp:txXfrm>
-        <a:off x="558127" y="3655686"/>
-        <a:ext cx="1740619" cy="1044371"/>
-      </dsp:txXfrm>
-    </dsp:sp>
-    <dsp:sp modelId="{F0CB02B8-D766-4E66-8725-3E2AC8854CE3}">
-      <dsp:nvSpPr>
-        <dsp:cNvPr id="0" name=""/>
-        <dsp:cNvSpPr/>
-      </dsp:nvSpPr>
-      <dsp:spPr>
-        <a:xfrm>
-          <a:off x="2472809" y="3655686"/>
-          <a:ext cx="1740619" cy="1044371"/>
-        </a:xfrm>
-        <a:prstGeom prst="rect">
-          <a:avLst/>
-        </a:prstGeom>
-        <a:solidFill>
-          <a:schemeClr val="accent3">
-            <a:hueOff val="0"/>
-            <a:satOff val="0"/>
-            <a:lumOff val="0"/>
-            <a:alphaOff val="0"/>
-          </a:schemeClr>
-        </a:solidFill>
-        <a:ln w="15875" cap="flat" cmpd="sng" algn="ctr">
-          <a:solidFill>
-            <a:schemeClr val="lt1">
-              <a:hueOff val="0"/>
-              <a:satOff val="0"/>
-              <a:lumOff val="0"/>
-              <a:alphaOff val="0"/>
-            </a:schemeClr>
-          </a:solidFill>
-          <a:prstDash val="solid"/>
-        </a:ln>
-        <a:effectLst/>
-      </dsp:spPr>
-      <dsp:style>
-        <a:lnRef idx="2">
-          <a:scrgbClr r="0" g="0" b="0"/>
-        </a:lnRef>
-        <a:fillRef idx="1">
-          <a:scrgbClr r="0" g="0" b="0"/>
-        </a:fillRef>
-        <a:effectRef idx="0">
-          <a:scrgbClr r="0" g="0" b="0"/>
-        </a:effectRef>
-        <a:fontRef idx="minor">
-          <a:schemeClr val="lt1"/>
-        </a:fontRef>
-      </dsp:style>
-      <dsp:txBody>
-        <a:bodyPr spcFirstLastPara="0" vert="horz" wrap="square" lIns="53340" tIns="53340" rIns="53340" bIns="53340" numCol="1" spcCol="1270" anchor="ctr" anchorCtr="0">
-          <a:noAutofit/>
-        </a:bodyPr>
-        <a:lstStyle/>
-        <a:p>
-          <a:pPr marL="0" lvl="0" indent="0" algn="ctr" defTabSz="622300">
-            <a:lnSpc>
-              <a:spcPct val="90000"/>
-            </a:lnSpc>
-            <a:spcBef>
-              <a:spcPct val="0"/>
-            </a:spcBef>
-            <a:spcAft>
-              <a:spcPct val="35000"/>
-            </a:spcAft>
-            <a:buFont typeface="Arial" panose="020B0604020202020204" pitchFamily="34" charset="0"/>
-            <a:buNone/>
-          </a:pPr>
-          <a:r>
-            <a:rPr lang="en-US" sz="1400" b="1" kern="1200"/>
-            <a:t>Description</a:t>
-          </a:r>
-          <a:r>
-            <a:rPr lang="en-US" sz="1400" kern="1200"/>
-            <a:t>: Extracts every nth element from a list.</a:t>
-          </a:r>
-        </a:p>
-      </dsp:txBody>
-      <dsp:txXfrm>
-        <a:off x="2472809" y="3655686"/>
-        <a:ext cx="1740619" cy="1044371"/>
-      </dsp:txXfrm>
-    </dsp:sp>
-    <dsp:sp modelId="{0159F61C-2C2D-4691-A9C2-6FA8FF9D8419}">
-      <dsp:nvSpPr>
-        <dsp:cNvPr id="0" name=""/>
-        <dsp:cNvSpPr/>
-      </dsp:nvSpPr>
-      <dsp:spPr>
-        <a:xfrm>
-          <a:off x="4387490" y="3655686"/>
-          <a:ext cx="1740619" cy="1044371"/>
-        </a:xfrm>
-        <a:prstGeom prst="rect">
-          <a:avLst/>
-        </a:prstGeom>
-        <a:solidFill>
-          <a:schemeClr val="accent4">
-            <a:hueOff val="0"/>
-            <a:satOff val="0"/>
-            <a:lumOff val="0"/>
-            <a:alphaOff val="0"/>
-          </a:schemeClr>
-        </a:solidFill>
-        <a:ln w="15875" cap="flat" cmpd="sng" algn="ctr">
-          <a:solidFill>
-            <a:schemeClr val="lt1">
-              <a:hueOff val="0"/>
-              <a:satOff val="0"/>
-              <a:lumOff val="0"/>
-              <a:alphaOff val="0"/>
-            </a:schemeClr>
-          </a:solidFill>
-          <a:prstDash val="solid"/>
-        </a:ln>
-        <a:effectLst/>
-      </dsp:spPr>
-      <dsp:style>
-        <a:lnRef idx="2">
-          <a:scrgbClr r="0" g="0" b="0"/>
-        </a:lnRef>
-        <a:fillRef idx="1">
-          <a:scrgbClr r="0" g="0" b="0"/>
-        </a:fillRef>
-        <a:effectRef idx="0">
-          <a:scrgbClr r="0" g="0" b="0"/>
-        </a:effectRef>
-        <a:fontRef idx="minor">
-          <a:schemeClr val="lt1"/>
-        </a:fontRef>
-      </dsp:style>
-      <dsp:txBody>
-        <a:bodyPr spcFirstLastPara="0" vert="horz" wrap="square" lIns="53340" tIns="53340" rIns="53340" bIns="53340" numCol="1" spcCol="1270" anchor="ctr" anchorCtr="0">
-          <a:noAutofit/>
-        </a:bodyPr>
-        <a:lstStyle/>
-        <a:p>
-          <a:pPr marL="0" lvl="0" indent="0" algn="ctr" defTabSz="622300">
-            <a:lnSpc>
-              <a:spcPct val="90000"/>
-            </a:lnSpc>
-            <a:spcBef>
-              <a:spcPct val="0"/>
-            </a:spcBef>
-            <a:spcAft>
-              <a:spcPct val="35000"/>
-            </a:spcAft>
-            <a:buFont typeface="Arial" panose="020B0604020202020204" pitchFamily="34" charset="0"/>
-            <a:buNone/>
-          </a:pPr>
-          <a:r>
-            <a:rPr lang="en-IN" sz="1400" b="1" kern="1200"/>
-            <a:t>Example</a:t>
-          </a:r>
-          <a:r>
-            <a:rPr lang="en-IN" sz="1400" kern="1200"/>
-            <a:t>: List.Alternate({1, 2, 3, 4, 5, 6}, 2)</a:t>
-          </a:r>
-        </a:p>
-      </dsp:txBody>
-      <dsp:txXfrm>
-        <a:off x="4387490" y="3655686"/>
-        <a:ext cx="1740619" cy="1044371"/>
-      </dsp:txXfrm>
-    </dsp:sp>
-    <dsp:sp modelId="{9564E155-2D18-4800-847D-3646B51F0BDD}">
-      <dsp:nvSpPr>
-        <dsp:cNvPr id="0" name=""/>
-        <dsp:cNvSpPr/>
-      </dsp:nvSpPr>
-      <dsp:spPr>
-        <a:xfrm>
-          <a:off x="6302171" y="3655686"/>
-          <a:ext cx="1740619" cy="1044371"/>
-        </a:xfrm>
-        <a:prstGeom prst="rect">
-          <a:avLst/>
-        </a:prstGeom>
-        <a:solidFill>
-          <a:schemeClr val="accent5">
-            <a:hueOff val="0"/>
-            <a:satOff val="0"/>
-            <a:lumOff val="0"/>
-            <a:alphaOff val="0"/>
-          </a:schemeClr>
-        </a:solidFill>
-        <a:ln w="15875" cap="flat" cmpd="sng" algn="ctr">
-          <a:solidFill>
-            <a:schemeClr val="lt1">
-              <a:hueOff val="0"/>
-              <a:satOff val="0"/>
-              <a:lumOff val="0"/>
-              <a:alphaOff val="0"/>
-            </a:schemeClr>
-          </a:solidFill>
-          <a:prstDash val="solid"/>
-        </a:ln>
-        <a:effectLst/>
-      </dsp:spPr>
-      <dsp:style>
-        <a:lnRef idx="2">
-          <a:scrgbClr r="0" g="0" b="0"/>
-        </a:lnRef>
-        <a:fillRef idx="1">
-          <a:scrgbClr r="0" g="0" b="0"/>
-        </a:fillRef>
-        <a:effectRef idx="0">
-          <a:scrgbClr r="0" g="0" b="0"/>
-        </a:effectRef>
-        <a:fontRef idx="minor">
-          <a:schemeClr val="lt1"/>
-        </a:fontRef>
-      </dsp:style>
-      <dsp:txBody>
-        <a:bodyPr spcFirstLastPara="0" vert="horz" wrap="square" lIns="53340" tIns="53340" rIns="53340" bIns="53340" numCol="1" spcCol="1270" anchor="ctr" anchorCtr="0">
-          <a:noAutofit/>
-        </a:bodyPr>
-        <a:lstStyle/>
-        <a:p>
-          <a:pPr marL="0" lvl="0" indent="0" algn="ctr" defTabSz="622300">
-            <a:lnSpc>
-              <a:spcPct val="90000"/>
-            </a:lnSpc>
-            <a:spcBef>
-              <a:spcPct val="0"/>
-            </a:spcBef>
-            <a:spcAft>
-              <a:spcPct val="35000"/>
-            </a:spcAft>
-            <a:buFont typeface="Arial" panose="020B0604020202020204" pitchFamily="34" charset="0"/>
-            <a:buNone/>
-          </a:pPr>
-          <a:r>
-            <a:rPr lang="en-IN" sz="1400" b="1" kern="1200"/>
-            <a:t>Result</a:t>
-          </a:r>
-          <a:r>
-            <a:rPr lang="en-IN" sz="1400" kern="1200"/>
-            <a:t>: {1, 3, 5}</a:t>
-          </a:r>
-        </a:p>
-      </dsp:txBody>
-      <dsp:txXfrm>
-        <a:off x="6302171" y="3655686"/>
-        <a:ext cx="1740619" cy="1044371"/>
-      </dsp:txXfrm>
-    </dsp:sp>
-    <dsp:sp modelId="{27E06371-C3C8-42AE-BC04-64F2734D219B}">
-      <dsp:nvSpPr>
-        <dsp:cNvPr id="0" name=""/>
-        <dsp:cNvSpPr/>
-      </dsp:nvSpPr>
-      <dsp:spPr>
-        <a:xfrm>
-          <a:off x="8216852" y="3655686"/>
-          <a:ext cx="1740619" cy="1044371"/>
-        </a:xfrm>
-        <a:prstGeom prst="rect">
-          <a:avLst/>
-        </a:prstGeom>
-        <a:solidFill>
-          <a:schemeClr val="accent6">
-            <a:hueOff val="0"/>
-            <a:satOff val="0"/>
-            <a:lumOff val="0"/>
-            <a:alphaOff val="0"/>
-          </a:schemeClr>
-        </a:solidFill>
-        <a:ln w="15875" cap="flat" cmpd="sng" algn="ctr">
-          <a:solidFill>
-            <a:schemeClr val="lt1">
-              <a:hueOff val="0"/>
-              <a:satOff val="0"/>
-              <a:lumOff val="0"/>
-              <a:alphaOff val="0"/>
-            </a:schemeClr>
-          </a:solidFill>
-          <a:prstDash val="solid"/>
-        </a:ln>
-        <a:effectLst/>
-      </dsp:spPr>
-      <dsp:style>
-        <a:lnRef idx="2">
-          <a:scrgbClr r="0" g="0" b="0"/>
-        </a:lnRef>
-        <a:fillRef idx="1">
-          <a:scrgbClr r="0" g="0" b="0"/>
-        </a:fillRef>
-        <a:effectRef idx="0">
-          <a:scrgbClr r="0" g="0" b="0"/>
-        </a:effectRef>
-        <a:fontRef idx="minor">
-          <a:schemeClr val="lt1"/>
-        </a:fontRef>
-      </dsp:style>
-      <dsp:txBody>
-        <a:bodyPr spcFirstLastPara="0" vert="horz" wrap="square" lIns="53340" tIns="53340" rIns="53340" bIns="53340" numCol="1" spcCol="1270" anchor="ctr" anchorCtr="0">
-          <a:noAutofit/>
-        </a:bodyPr>
-        <a:lstStyle/>
-        <a:p>
-          <a:pPr marL="0" lvl="0" indent="0" algn="ctr" defTabSz="622300">
-            <a:lnSpc>
-              <a:spcPct val="90000"/>
-            </a:lnSpc>
-            <a:spcBef>
-              <a:spcPct val="0"/>
-            </a:spcBef>
-            <a:spcAft>
-              <a:spcPct val="35000"/>
-            </a:spcAft>
-            <a:buFont typeface="Arial" panose="020B0604020202020204" pitchFamily="34" charset="0"/>
-            <a:buNone/>
-          </a:pPr>
-          <a:r>
-            <a:rPr lang="en-US" sz="1400" b="1" kern="1200"/>
-            <a:t>Use case</a:t>
-          </a:r>
-          <a:r>
-            <a:rPr lang="en-US" sz="1400" kern="1200"/>
-            <a:t>: For extracting alternate rows or values, such as odd or even indexes.</a:t>
-          </a:r>
-        </a:p>
-      </dsp:txBody>
-      <dsp:txXfrm>
-        <a:off x="8216852" y="3655686"/>
-        <a:ext cx="1740619" cy="1044371"/>
+        <a:off x="8566003" y="3128622"/>
+        <a:ext cx="1946002" cy="1167601"/>
       </dsp:txXfrm>
     </dsp:sp>
   </dsp:spTree>
@@ -17008,153 +13315,6 @@
 </dgm:layoutDef>
 </file>
 
-<file path=ppt/diagrams/layout5.xml><?xml version="1.0" encoding="utf-8"?>
-<dgm:layoutDef xmlns:dgm="http://schemas.openxmlformats.org/drawingml/2006/diagram" xmlns:a="http://schemas.openxmlformats.org/drawingml/2006/main" uniqueId="urn:microsoft.com/office/officeart/2005/8/layout/default">
-  <dgm:title val=""/>
-  <dgm:desc val=""/>
-  <dgm:catLst>
-    <dgm:cat type="list" pri="400"/>
-  </dgm:catLst>
-  <dgm:sampData>
-    <dgm:dataModel>
-      <dgm:ptLst>
-        <dgm:pt modelId="0" type="doc"/>
-        <dgm:pt modelId="1">
-          <dgm:prSet phldr="1"/>
-        </dgm:pt>
-        <dgm:pt modelId="2">
-          <dgm:prSet phldr="1"/>
-        </dgm:pt>
-        <dgm:pt modelId="3">
-          <dgm:prSet phldr="1"/>
-        </dgm:pt>
-        <dgm:pt modelId="4">
-          <dgm:prSet phldr="1"/>
-        </dgm:pt>
-        <dgm:pt modelId="5">
-          <dgm:prSet phldr="1"/>
-        </dgm:pt>
-      </dgm:ptLst>
-      <dgm:cxnLst>
-        <dgm:cxn modelId="6" srcId="0" destId="1" srcOrd="0" destOrd="0"/>
-        <dgm:cxn modelId="7" srcId="0" destId="2" srcOrd="1" destOrd="0"/>
-        <dgm:cxn modelId="8" srcId="0" destId="3" srcOrd="2" destOrd="0"/>
-        <dgm:cxn modelId="9" srcId="0" destId="4" srcOrd="3" destOrd="0"/>
-        <dgm:cxn modelId="10" srcId="0" destId="5" srcOrd="4" destOrd="0"/>
-      </dgm:cxnLst>
-      <dgm:bg/>
-      <dgm:whole/>
-    </dgm:dataModel>
-  </dgm:sampData>
-  <dgm:styleData>
-    <dgm:dataModel>
-      <dgm:ptLst>
-        <dgm:pt modelId="0" type="doc"/>
-        <dgm:pt modelId="1"/>
-        <dgm:pt modelId="2"/>
-      </dgm:ptLst>
-      <dgm:cxnLst>
-        <dgm:cxn modelId="3" srcId="0" destId="1" srcOrd="0" destOrd="0"/>
-        <dgm:cxn modelId="4" srcId="0" destId="2" srcOrd="1" destOrd="0"/>
-      </dgm:cxnLst>
-      <dgm:bg/>
-      <dgm:whole/>
-    </dgm:dataModel>
-  </dgm:styleData>
-  <dgm:clrData>
-    <dgm:dataModel>
-      <dgm:ptLst>
-        <dgm:pt modelId="0" type="doc"/>
-        <dgm:pt modelId="1"/>
-        <dgm:pt modelId="2"/>
-        <dgm:pt modelId="3"/>
-        <dgm:pt modelId="4"/>
-        <dgm:pt modelId="5"/>
-        <dgm:pt modelId="6"/>
-      </dgm:ptLst>
-      <dgm:cxnLst>
-        <dgm:cxn modelId="7" srcId="0" destId="1" srcOrd="0" destOrd="0"/>
-        <dgm:cxn modelId="8" srcId="0" destId="2" srcOrd="1" destOrd="0"/>
-        <dgm:cxn modelId="9" srcId="0" destId="3" srcOrd="2" destOrd="0"/>
-        <dgm:cxn modelId="10" srcId="0" destId="4" srcOrd="3" destOrd="0"/>
-        <dgm:cxn modelId="11" srcId="0" destId="5" srcOrd="4" destOrd="0"/>
-        <dgm:cxn modelId="12" srcId="0" destId="6" srcOrd="5" destOrd="0"/>
-      </dgm:cxnLst>
-      <dgm:bg/>
-      <dgm:whole/>
-    </dgm:dataModel>
-  </dgm:clrData>
-  <dgm:layoutNode name="diagram">
-    <dgm:varLst>
-      <dgm:dir/>
-      <dgm:resizeHandles val="exact"/>
-    </dgm:varLst>
-    <dgm:choose name="Name0">
-      <dgm:if name="Name1" func="var" arg="dir" op="equ" val="norm">
-        <dgm:alg type="snake">
-          <dgm:param type="grDir" val="tL"/>
-          <dgm:param type="flowDir" val="row"/>
-          <dgm:param type="contDir" val="sameDir"/>
-          <dgm:param type="off" val="ctr"/>
-        </dgm:alg>
-      </dgm:if>
-      <dgm:else name="Name2">
-        <dgm:alg type="snake">
-          <dgm:param type="grDir" val="tR"/>
-          <dgm:param type="flowDir" val="row"/>
-          <dgm:param type="contDir" val="sameDir"/>
-          <dgm:param type="off" val="ctr"/>
-        </dgm:alg>
-      </dgm:else>
-    </dgm:choose>
-    <dgm:shape xmlns:r="http://schemas.openxmlformats.org/officeDocument/2006/relationships" r:blip="">
-      <dgm:adjLst/>
-    </dgm:shape>
-    <dgm:presOf/>
-    <dgm:constrLst>
-      <dgm:constr type="w" for="ch" forName="node" refType="w"/>
-      <dgm:constr type="h" for="ch" forName="node" refType="w" refFor="ch" refForName="node" fact="0.6"/>
-      <dgm:constr type="w" for="ch" forName="sibTrans" refType="w" refFor="ch" refForName="node" fact="0.1"/>
-      <dgm:constr type="sp" refType="w" refFor="ch" refForName="sibTrans"/>
-      <dgm:constr type="primFontSz" for="ch" forName="node" op="equ" val="65"/>
-    </dgm:constrLst>
-    <dgm:ruleLst/>
-    <dgm:forEach name="Name3" axis="ch" ptType="node">
-      <dgm:layoutNode name="node">
-        <dgm:varLst>
-          <dgm:bulletEnabled val="1"/>
-        </dgm:varLst>
-        <dgm:alg type="tx"/>
-        <dgm:shape xmlns:r="http://schemas.openxmlformats.org/officeDocument/2006/relationships" type="rect" r:blip="">
-          <dgm:adjLst/>
-        </dgm:shape>
-        <dgm:presOf axis="desOrSelf" ptType="node"/>
-        <dgm:constrLst>
-          <dgm:constr type="lMarg" refType="primFontSz" fact="0.3"/>
-          <dgm:constr type="rMarg" refType="primFontSz" fact="0.3"/>
-          <dgm:constr type="tMarg" refType="primFontSz" fact="0.3"/>
-          <dgm:constr type="bMarg" refType="primFontSz" fact="0.3"/>
-        </dgm:constrLst>
-        <dgm:ruleLst>
-          <dgm:rule type="primFontSz" val="5" fact="NaN" max="NaN"/>
-        </dgm:ruleLst>
-      </dgm:layoutNode>
-      <dgm:forEach name="Name4" axis="followSib" ptType="sibTrans" cnt="1">
-        <dgm:layoutNode name="sibTrans">
-          <dgm:alg type="sp"/>
-          <dgm:shape xmlns:r="http://schemas.openxmlformats.org/officeDocument/2006/relationships" r:blip="">
-            <dgm:adjLst/>
-          </dgm:shape>
-          <dgm:presOf/>
-          <dgm:constrLst/>
-          <dgm:ruleLst/>
-        </dgm:layoutNode>
-      </dgm:forEach>
-    </dgm:forEach>
-  </dgm:layoutNode>
-</dgm:layoutDef>
-</file>
-
 <file path=ppt/diagrams/quickStyle1.xml><?xml version="1.0" encoding="utf-8"?>
 <dgm:styleDef xmlns:dgm="http://schemas.openxmlformats.org/drawingml/2006/diagram" xmlns:a="http://schemas.openxmlformats.org/drawingml/2006/main" uniqueId="urn:microsoft.com/office/officeart/2005/8/quickstyle/simple1">
   <dgm:title val=""/>
@@ -20258,1040 +16418,6 @@
 </file>
 
 <file path=ppt/diagrams/quickStyle4.xml><?xml version="1.0" encoding="utf-8"?>
-<dgm:styleDef xmlns:dgm="http://schemas.openxmlformats.org/drawingml/2006/diagram" xmlns:a="http://schemas.openxmlformats.org/drawingml/2006/main" uniqueId="urn:microsoft.com/office/officeart/2005/8/quickstyle/simple1">
-  <dgm:title val=""/>
-  <dgm:desc val=""/>
-  <dgm:catLst>
-    <dgm:cat type="simple" pri="10100"/>
-  </dgm:catLst>
-  <dgm:scene3d>
-    <a:camera prst="orthographicFront"/>
-    <a:lightRig rig="threePt" dir="t"/>
-  </dgm:scene3d>
-  <dgm:styleLbl name="node0">
-    <dgm:scene3d>
-      <a:camera prst="orthographicFront"/>
-      <a:lightRig rig="threePt" dir="t"/>
-    </dgm:scene3d>
-    <dgm:sp3d/>
-    <dgm:txPr/>
-    <dgm:style>
-      <a:lnRef idx="2">
-        <a:scrgbClr r="0" g="0" b="0"/>
-      </a:lnRef>
-      <a:fillRef idx="1">
-        <a:scrgbClr r="0" g="0" b="0"/>
-      </a:fillRef>
-      <a:effectRef idx="0">
-        <a:scrgbClr r="0" g="0" b="0"/>
-      </a:effectRef>
-      <a:fontRef idx="minor">
-        <a:schemeClr val="lt1"/>
-      </a:fontRef>
-    </dgm:style>
-  </dgm:styleLbl>
-  <dgm:styleLbl name="lnNode1">
-    <dgm:scene3d>
-      <a:camera prst="orthographicFront"/>
-      <a:lightRig rig="threePt" dir="t"/>
-    </dgm:scene3d>
-    <dgm:sp3d/>
-    <dgm:txPr/>
-    <dgm:style>
-      <a:lnRef idx="2">
-        <a:scrgbClr r="0" g="0" b="0"/>
-      </a:lnRef>
-      <a:fillRef idx="1">
-        <a:scrgbClr r="0" g="0" b="0"/>
-      </a:fillRef>
-      <a:effectRef idx="0">
-        <a:scrgbClr r="0" g="0" b="0"/>
-      </a:effectRef>
-      <a:fontRef idx="minor">
-        <a:schemeClr val="lt1"/>
-      </a:fontRef>
-    </dgm:style>
-  </dgm:styleLbl>
-  <dgm:styleLbl name="vennNode1">
-    <dgm:scene3d>
-      <a:camera prst="orthographicFront"/>
-      <a:lightRig rig="threePt" dir="t"/>
-    </dgm:scene3d>
-    <dgm:sp3d/>
-    <dgm:txPr/>
-    <dgm:style>
-      <a:lnRef idx="2">
-        <a:scrgbClr r="0" g="0" b="0"/>
-      </a:lnRef>
-      <a:fillRef idx="1">
-        <a:scrgbClr r="0" g="0" b="0"/>
-      </a:fillRef>
-      <a:effectRef idx="0">
-        <a:scrgbClr r="0" g="0" b="0"/>
-      </a:effectRef>
-      <a:fontRef idx="minor">
-        <a:schemeClr val="tx1"/>
-      </a:fontRef>
-    </dgm:style>
-  </dgm:styleLbl>
-  <dgm:styleLbl name="alignNode1">
-    <dgm:scene3d>
-      <a:camera prst="orthographicFront"/>
-      <a:lightRig rig="threePt" dir="t"/>
-    </dgm:scene3d>
-    <dgm:sp3d/>
-    <dgm:txPr/>
-    <dgm:style>
-      <a:lnRef idx="2">
-        <a:scrgbClr r="0" g="0" b="0"/>
-      </a:lnRef>
-      <a:fillRef idx="1">
-        <a:scrgbClr r="0" g="0" b="0"/>
-      </a:fillRef>
-      <a:effectRef idx="0">
-        <a:scrgbClr r="0" g="0" b="0"/>
-      </a:effectRef>
-      <a:fontRef idx="minor">
-        <a:schemeClr val="lt1"/>
-      </a:fontRef>
-    </dgm:style>
-  </dgm:styleLbl>
-  <dgm:styleLbl name="node1">
-    <dgm:scene3d>
-      <a:camera prst="orthographicFront"/>
-      <a:lightRig rig="threePt" dir="t"/>
-    </dgm:scene3d>
-    <dgm:sp3d/>
-    <dgm:txPr/>
-    <dgm:style>
-      <a:lnRef idx="2">
-        <a:scrgbClr r="0" g="0" b="0"/>
-      </a:lnRef>
-      <a:fillRef idx="1">
-        <a:scrgbClr r="0" g="0" b="0"/>
-      </a:fillRef>
-      <a:effectRef idx="0">
-        <a:scrgbClr r="0" g="0" b="0"/>
-      </a:effectRef>
-      <a:fontRef idx="minor">
-        <a:schemeClr val="lt1"/>
-      </a:fontRef>
-    </dgm:style>
-  </dgm:styleLbl>
-  <dgm:styleLbl name="node2">
-    <dgm:scene3d>
-      <a:camera prst="orthographicFront"/>
-      <a:lightRig rig="threePt" dir="t"/>
-    </dgm:scene3d>
-    <dgm:sp3d/>
-    <dgm:txPr/>
-    <dgm:style>
-      <a:lnRef idx="2">
-        <a:scrgbClr r="0" g="0" b="0"/>
-      </a:lnRef>
-      <a:fillRef idx="1">
-        <a:scrgbClr r="0" g="0" b="0"/>
-      </a:fillRef>
-      <a:effectRef idx="0">
-        <a:scrgbClr r="0" g="0" b="0"/>
-      </a:effectRef>
-      <a:fontRef idx="minor">
-        <a:schemeClr val="lt1"/>
-      </a:fontRef>
-    </dgm:style>
-  </dgm:styleLbl>
-  <dgm:styleLbl name="node3">
-    <dgm:scene3d>
-      <a:camera prst="orthographicFront"/>
-      <a:lightRig rig="threePt" dir="t"/>
-    </dgm:scene3d>
-    <dgm:sp3d/>
-    <dgm:txPr/>
-    <dgm:style>
-      <a:lnRef idx="2">
-        <a:scrgbClr r="0" g="0" b="0"/>
-      </a:lnRef>
-      <a:fillRef idx="1">
-        <a:scrgbClr r="0" g="0" b="0"/>
-      </a:fillRef>
-      <a:effectRef idx="0">
-        <a:scrgbClr r="0" g="0" b="0"/>
-      </a:effectRef>
-      <a:fontRef idx="minor">
-        <a:schemeClr val="lt1"/>
-      </a:fontRef>
-    </dgm:style>
-  </dgm:styleLbl>
-  <dgm:styleLbl name="node4">
-    <dgm:scene3d>
-      <a:camera prst="orthographicFront"/>
-      <a:lightRig rig="threePt" dir="t"/>
-    </dgm:scene3d>
-    <dgm:sp3d/>
-    <dgm:txPr/>
-    <dgm:style>
-      <a:lnRef idx="2">
-        <a:scrgbClr r="0" g="0" b="0"/>
-      </a:lnRef>
-      <a:fillRef idx="1">
-        <a:scrgbClr r="0" g="0" b="0"/>
-      </a:fillRef>
-      <a:effectRef idx="0">
-        <a:scrgbClr r="0" g="0" b="0"/>
-      </a:effectRef>
-      <a:fontRef idx="minor">
-        <a:schemeClr val="lt1"/>
-      </a:fontRef>
-    </dgm:style>
-  </dgm:styleLbl>
-  <dgm:styleLbl name="fgImgPlace1">
-    <dgm:scene3d>
-      <a:camera prst="orthographicFront"/>
-      <a:lightRig rig="threePt" dir="t"/>
-    </dgm:scene3d>
-    <dgm:sp3d/>
-    <dgm:txPr/>
-    <dgm:style>
-      <a:lnRef idx="2">
-        <a:scrgbClr r="0" g="0" b="0"/>
-      </a:lnRef>
-      <a:fillRef idx="1">
-        <a:scrgbClr r="0" g="0" b="0"/>
-      </a:fillRef>
-      <a:effectRef idx="0">
-        <a:scrgbClr r="0" g="0" b="0"/>
-      </a:effectRef>
-      <a:fontRef idx="minor"/>
-    </dgm:style>
-  </dgm:styleLbl>
-  <dgm:styleLbl name="alignImgPlace1">
-    <dgm:scene3d>
-      <a:camera prst="orthographicFront"/>
-      <a:lightRig rig="threePt" dir="t"/>
-    </dgm:scene3d>
-    <dgm:sp3d/>
-    <dgm:txPr/>
-    <dgm:style>
-      <a:lnRef idx="2">
-        <a:scrgbClr r="0" g="0" b="0"/>
-      </a:lnRef>
-      <a:fillRef idx="1">
-        <a:scrgbClr r="0" g="0" b="0"/>
-      </a:fillRef>
-      <a:effectRef idx="0">
-        <a:scrgbClr r="0" g="0" b="0"/>
-      </a:effectRef>
-      <a:fontRef idx="minor"/>
-    </dgm:style>
-  </dgm:styleLbl>
-  <dgm:styleLbl name="bgImgPlace1">
-    <dgm:scene3d>
-      <a:camera prst="orthographicFront"/>
-      <a:lightRig rig="threePt" dir="t"/>
-    </dgm:scene3d>
-    <dgm:sp3d/>
-    <dgm:txPr/>
-    <dgm:style>
-      <a:lnRef idx="2">
-        <a:scrgbClr r="0" g="0" b="0"/>
-      </a:lnRef>
-      <a:fillRef idx="1">
-        <a:scrgbClr r="0" g="0" b="0"/>
-      </a:fillRef>
-      <a:effectRef idx="0">
-        <a:scrgbClr r="0" g="0" b="0"/>
-      </a:effectRef>
-      <a:fontRef idx="minor"/>
-    </dgm:style>
-  </dgm:styleLbl>
-  <dgm:styleLbl name="sibTrans2D1">
-    <dgm:scene3d>
-      <a:camera prst="orthographicFront"/>
-      <a:lightRig rig="threePt" dir="t"/>
-    </dgm:scene3d>
-    <dgm:sp3d/>
-    <dgm:txPr/>
-    <dgm:style>
-      <a:lnRef idx="0">
-        <a:scrgbClr r="0" g="0" b="0"/>
-      </a:lnRef>
-      <a:fillRef idx="1">
-        <a:scrgbClr r="0" g="0" b="0"/>
-      </a:fillRef>
-      <a:effectRef idx="0">
-        <a:scrgbClr r="0" g="0" b="0"/>
-      </a:effectRef>
-      <a:fontRef idx="minor">
-        <a:schemeClr val="lt1"/>
-      </a:fontRef>
-    </dgm:style>
-  </dgm:styleLbl>
-  <dgm:styleLbl name="fgSibTrans2D1">
-    <dgm:scene3d>
-      <a:camera prst="orthographicFront"/>
-      <a:lightRig rig="threePt" dir="t"/>
-    </dgm:scene3d>
-    <dgm:sp3d/>
-    <dgm:txPr/>
-    <dgm:style>
-      <a:lnRef idx="0">
-        <a:scrgbClr r="0" g="0" b="0"/>
-      </a:lnRef>
-      <a:fillRef idx="1">
-        <a:scrgbClr r="0" g="0" b="0"/>
-      </a:fillRef>
-      <a:effectRef idx="0">
-        <a:scrgbClr r="0" g="0" b="0"/>
-      </a:effectRef>
-      <a:fontRef idx="minor">
-        <a:schemeClr val="lt1"/>
-      </a:fontRef>
-    </dgm:style>
-  </dgm:styleLbl>
-  <dgm:styleLbl name="bgSibTrans2D1">
-    <dgm:scene3d>
-      <a:camera prst="orthographicFront"/>
-      <a:lightRig rig="threePt" dir="t"/>
-    </dgm:scene3d>
-    <dgm:sp3d/>
-    <dgm:txPr/>
-    <dgm:style>
-      <a:lnRef idx="0">
-        <a:scrgbClr r="0" g="0" b="0"/>
-      </a:lnRef>
-      <a:fillRef idx="1">
-        <a:scrgbClr r="0" g="0" b="0"/>
-      </a:fillRef>
-      <a:effectRef idx="0">
-        <a:scrgbClr r="0" g="0" b="0"/>
-      </a:effectRef>
-      <a:fontRef idx="minor">
-        <a:schemeClr val="lt1"/>
-      </a:fontRef>
-    </dgm:style>
-  </dgm:styleLbl>
-  <dgm:styleLbl name="sibTrans1D1">
-    <dgm:scene3d>
-      <a:camera prst="orthographicFront"/>
-      <a:lightRig rig="threePt" dir="t"/>
-    </dgm:scene3d>
-    <dgm:sp3d/>
-    <dgm:txPr/>
-    <dgm:style>
-      <a:lnRef idx="1">
-        <a:scrgbClr r="0" g="0" b="0"/>
-      </a:lnRef>
-      <a:fillRef idx="0">
-        <a:scrgbClr r="0" g="0" b="0"/>
-      </a:fillRef>
-      <a:effectRef idx="0">
-        <a:scrgbClr r="0" g="0" b="0"/>
-      </a:effectRef>
-      <a:fontRef idx="minor"/>
-    </dgm:style>
-  </dgm:styleLbl>
-  <dgm:styleLbl name="callout">
-    <dgm:scene3d>
-      <a:camera prst="orthographicFront"/>
-      <a:lightRig rig="threePt" dir="t"/>
-    </dgm:scene3d>
-    <dgm:sp3d/>
-    <dgm:txPr/>
-    <dgm:style>
-      <a:lnRef idx="2">
-        <a:scrgbClr r="0" g="0" b="0"/>
-      </a:lnRef>
-      <a:fillRef idx="1">
-        <a:scrgbClr r="0" g="0" b="0"/>
-      </a:fillRef>
-      <a:effectRef idx="0">
-        <a:scrgbClr r="0" g="0" b="0"/>
-      </a:effectRef>
-      <a:fontRef idx="minor"/>
-    </dgm:style>
-  </dgm:styleLbl>
-  <dgm:styleLbl name="asst0">
-    <dgm:scene3d>
-      <a:camera prst="orthographicFront"/>
-      <a:lightRig rig="threePt" dir="t"/>
-    </dgm:scene3d>
-    <dgm:sp3d/>
-    <dgm:txPr/>
-    <dgm:style>
-      <a:lnRef idx="2">
-        <a:scrgbClr r="0" g="0" b="0"/>
-      </a:lnRef>
-      <a:fillRef idx="1">
-        <a:scrgbClr r="0" g="0" b="0"/>
-      </a:fillRef>
-      <a:effectRef idx="0">
-        <a:scrgbClr r="0" g="0" b="0"/>
-      </a:effectRef>
-      <a:fontRef idx="minor">
-        <a:schemeClr val="lt1"/>
-      </a:fontRef>
-    </dgm:style>
-  </dgm:styleLbl>
-  <dgm:styleLbl name="asst1">
-    <dgm:scene3d>
-      <a:camera prst="orthographicFront"/>
-      <a:lightRig rig="threePt" dir="t"/>
-    </dgm:scene3d>
-    <dgm:sp3d/>
-    <dgm:txPr/>
-    <dgm:style>
-      <a:lnRef idx="2">
-        <a:scrgbClr r="0" g="0" b="0"/>
-      </a:lnRef>
-      <a:fillRef idx="1">
-        <a:scrgbClr r="0" g="0" b="0"/>
-      </a:fillRef>
-      <a:effectRef idx="0">
-        <a:scrgbClr r="0" g="0" b="0"/>
-      </a:effectRef>
-      <a:fontRef idx="minor">
-        <a:schemeClr val="lt1"/>
-      </a:fontRef>
-    </dgm:style>
-  </dgm:styleLbl>
-  <dgm:styleLbl name="asst2">
-    <dgm:scene3d>
-      <a:camera prst="orthographicFront"/>
-      <a:lightRig rig="threePt" dir="t"/>
-    </dgm:scene3d>
-    <dgm:sp3d/>
-    <dgm:txPr/>
-    <dgm:style>
-      <a:lnRef idx="2">
-        <a:scrgbClr r="0" g="0" b="0"/>
-      </a:lnRef>
-      <a:fillRef idx="1">
-        <a:scrgbClr r="0" g="0" b="0"/>
-      </a:fillRef>
-      <a:effectRef idx="0">
-        <a:scrgbClr r="0" g="0" b="0"/>
-      </a:effectRef>
-      <a:fontRef idx="minor">
-        <a:schemeClr val="lt1"/>
-      </a:fontRef>
-    </dgm:style>
-  </dgm:styleLbl>
-  <dgm:styleLbl name="asst3">
-    <dgm:scene3d>
-      <a:camera prst="orthographicFront"/>
-      <a:lightRig rig="threePt" dir="t"/>
-    </dgm:scene3d>
-    <dgm:sp3d/>
-    <dgm:txPr/>
-    <dgm:style>
-      <a:lnRef idx="2">
-        <a:scrgbClr r="0" g="0" b="0"/>
-      </a:lnRef>
-      <a:fillRef idx="1">
-        <a:scrgbClr r="0" g="0" b="0"/>
-      </a:fillRef>
-      <a:effectRef idx="0">
-        <a:scrgbClr r="0" g="0" b="0"/>
-      </a:effectRef>
-      <a:fontRef idx="minor">
-        <a:schemeClr val="lt1"/>
-      </a:fontRef>
-    </dgm:style>
-  </dgm:styleLbl>
-  <dgm:styleLbl name="asst4">
-    <dgm:scene3d>
-      <a:camera prst="orthographicFront"/>
-      <a:lightRig rig="threePt" dir="t"/>
-    </dgm:scene3d>
-    <dgm:sp3d/>
-    <dgm:txPr/>
-    <dgm:style>
-      <a:lnRef idx="2">
-        <a:scrgbClr r="0" g="0" b="0"/>
-      </a:lnRef>
-      <a:fillRef idx="1">
-        <a:scrgbClr r="0" g="0" b="0"/>
-      </a:fillRef>
-      <a:effectRef idx="0">
-        <a:scrgbClr r="0" g="0" b="0"/>
-      </a:effectRef>
-      <a:fontRef idx="minor">
-        <a:schemeClr val="lt1"/>
-      </a:fontRef>
-    </dgm:style>
-  </dgm:styleLbl>
-  <dgm:styleLbl name="parChTrans2D1">
-    <dgm:scene3d>
-      <a:camera prst="orthographicFront"/>
-      <a:lightRig rig="threePt" dir="t"/>
-    </dgm:scene3d>
-    <dgm:sp3d/>
-    <dgm:txPr/>
-    <dgm:style>
-      <a:lnRef idx="2">
-        <a:scrgbClr r="0" g="0" b="0"/>
-      </a:lnRef>
-      <a:fillRef idx="1">
-        <a:scrgbClr r="0" g="0" b="0"/>
-      </a:fillRef>
-      <a:effectRef idx="0">
-        <a:scrgbClr r="0" g="0" b="0"/>
-      </a:effectRef>
-      <a:fontRef idx="minor">
-        <a:schemeClr val="lt1"/>
-      </a:fontRef>
-    </dgm:style>
-  </dgm:styleLbl>
-  <dgm:styleLbl name="parChTrans2D2">
-    <dgm:scene3d>
-      <a:camera prst="orthographicFront"/>
-      <a:lightRig rig="threePt" dir="t"/>
-    </dgm:scene3d>
-    <dgm:sp3d/>
-    <dgm:txPr/>
-    <dgm:style>
-      <a:lnRef idx="2">
-        <a:scrgbClr r="0" g="0" b="0"/>
-      </a:lnRef>
-      <a:fillRef idx="1">
-        <a:scrgbClr r="0" g="0" b="0"/>
-      </a:fillRef>
-      <a:effectRef idx="0">
-        <a:scrgbClr r="0" g="0" b="0"/>
-      </a:effectRef>
-      <a:fontRef idx="minor">
-        <a:schemeClr val="lt1"/>
-      </a:fontRef>
-    </dgm:style>
-  </dgm:styleLbl>
-  <dgm:styleLbl name="parChTrans2D3">
-    <dgm:scene3d>
-      <a:camera prst="orthographicFront"/>
-      <a:lightRig rig="threePt" dir="t"/>
-    </dgm:scene3d>
-    <dgm:sp3d/>
-    <dgm:txPr/>
-    <dgm:style>
-      <a:lnRef idx="2">
-        <a:scrgbClr r="0" g="0" b="0"/>
-      </a:lnRef>
-      <a:fillRef idx="1">
-        <a:scrgbClr r="0" g="0" b="0"/>
-      </a:fillRef>
-      <a:effectRef idx="0">
-        <a:scrgbClr r="0" g="0" b="0"/>
-      </a:effectRef>
-      <a:fontRef idx="minor">
-        <a:schemeClr val="lt1"/>
-      </a:fontRef>
-    </dgm:style>
-  </dgm:styleLbl>
-  <dgm:styleLbl name="parChTrans2D4">
-    <dgm:scene3d>
-      <a:camera prst="orthographicFront"/>
-      <a:lightRig rig="threePt" dir="t"/>
-    </dgm:scene3d>
-    <dgm:sp3d/>
-    <dgm:txPr/>
-    <dgm:style>
-      <a:lnRef idx="2">
-        <a:scrgbClr r="0" g="0" b="0"/>
-      </a:lnRef>
-      <a:fillRef idx="1">
-        <a:scrgbClr r="0" g="0" b="0"/>
-      </a:fillRef>
-      <a:effectRef idx="0">
-        <a:scrgbClr r="0" g="0" b="0"/>
-      </a:effectRef>
-      <a:fontRef idx="minor">
-        <a:schemeClr val="lt1"/>
-      </a:fontRef>
-    </dgm:style>
-  </dgm:styleLbl>
-  <dgm:styleLbl name="parChTrans1D1">
-    <dgm:scene3d>
-      <a:camera prst="orthographicFront"/>
-      <a:lightRig rig="threePt" dir="t"/>
-    </dgm:scene3d>
-    <dgm:sp3d/>
-    <dgm:txPr/>
-    <dgm:style>
-      <a:lnRef idx="2">
-        <a:scrgbClr r="0" g="0" b="0"/>
-      </a:lnRef>
-      <a:fillRef idx="0">
-        <a:scrgbClr r="0" g="0" b="0"/>
-      </a:fillRef>
-      <a:effectRef idx="0">
-        <a:scrgbClr r="0" g="0" b="0"/>
-      </a:effectRef>
-      <a:fontRef idx="minor"/>
-    </dgm:style>
-  </dgm:styleLbl>
-  <dgm:styleLbl name="parChTrans1D2">
-    <dgm:scene3d>
-      <a:camera prst="orthographicFront"/>
-      <a:lightRig rig="threePt" dir="t"/>
-    </dgm:scene3d>
-    <dgm:sp3d/>
-    <dgm:txPr/>
-    <dgm:style>
-      <a:lnRef idx="2">
-        <a:scrgbClr r="0" g="0" b="0"/>
-      </a:lnRef>
-      <a:fillRef idx="0">
-        <a:scrgbClr r="0" g="0" b="0"/>
-      </a:fillRef>
-      <a:effectRef idx="0">
-        <a:scrgbClr r="0" g="0" b="0"/>
-      </a:effectRef>
-      <a:fontRef idx="minor"/>
-    </dgm:style>
-  </dgm:styleLbl>
-  <dgm:styleLbl name="parChTrans1D3">
-    <dgm:scene3d>
-      <a:camera prst="orthographicFront"/>
-      <a:lightRig rig="threePt" dir="t"/>
-    </dgm:scene3d>
-    <dgm:sp3d/>
-    <dgm:txPr/>
-    <dgm:style>
-      <a:lnRef idx="2">
-        <a:scrgbClr r="0" g="0" b="0"/>
-      </a:lnRef>
-      <a:fillRef idx="0">
-        <a:scrgbClr r="0" g="0" b="0"/>
-      </a:fillRef>
-      <a:effectRef idx="0">
-        <a:scrgbClr r="0" g="0" b="0"/>
-      </a:effectRef>
-      <a:fontRef idx="minor"/>
-    </dgm:style>
-  </dgm:styleLbl>
-  <dgm:styleLbl name="parChTrans1D4">
-    <dgm:scene3d>
-      <a:camera prst="orthographicFront"/>
-      <a:lightRig rig="threePt" dir="t"/>
-    </dgm:scene3d>
-    <dgm:sp3d/>
-    <dgm:txPr/>
-    <dgm:style>
-      <a:lnRef idx="2">
-        <a:scrgbClr r="0" g="0" b="0"/>
-      </a:lnRef>
-      <a:fillRef idx="0">
-        <a:scrgbClr r="0" g="0" b="0"/>
-      </a:fillRef>
-      <a:effectRef idx="0">
-        <a:scrgbClr r="0" g="0" b="0"/>
-      </a:effectRef>
-      <a:fontRef idx="minor"/>
-    </dgm:style>
-  </dgm:styleLbl>
-  <dgm:styleLbl name="fgAcc1">
-    <dgm:scene3d>
-      <a:camera prst="orthographicFront"/>
-      <a:lightRig rig="threePt" dir="t"/>
-    </dgm:scene3d>
-    <dgm:sp3d/>
-    <dgm:txPr/>
-    <dgm:style>
-      <a:lnRef idx="2">
-        <a:scrgbClr r="0" g="0" b="0"/>
-      </a:lnRef>
-      <a:fillRef idx="1">
-        <a:scrgbClr r="0" g="0" b="0"/>
-      </a:fillRef>
-      <a:effectRef idx="0">
-        <a:scrgbClr r="0" g="0" b="0"/>
-      </a:effectRef>
-      <a:fontRef idx="minor"/>
-    </dgm:style>
-  </dgm:styleLbl>
-  <dgm:styleLbl name="conFgAcc1">
-    <dgm:scene3d>
-      <a:camera prst="orthographicFront"/>
-      <a:lightRig rig="threePt" dir="t"/>
-    </dgm:scene3d>
-    <dgm:sp3d/>
-    <dgm:txPr/>
-    <dgm:style>
-      <a:lnRef idx="2">
-        <a:scrgbClr r="0" g="0" b="0"/>
-      </a:lnRef>
-      <a:fillRef idx="1">
-        <a:scrgbClr r="0" g="0" b="0"/>
-      </a:fillRef>
-      <a:effectRef idx="0">
-        <a:scrgbClr r="0" g="0" b="0"/>
-      </a:effectRef>
-      <a:fontRef idx="minor"/>
-    </dgm:style>
-  </dgm:styleLbl>
-  <dgm:styleLbl name="alignAcc1">
-    <dgm:scene3d>
-      <a:camera prst="orthographicFront"/>
-      <a:lightRig rig="threePt" dir="t"/>
-    </dgm:scene3d>
-    <dgm:sp3d/>
-    <dgm:txPr/>
-    <dgm:style>
-      <a:lnRef idx="2">
-        <a:scrgbClr r="0" g="0" b="0"/>
-      </a:lnRef>
-      <a:fillRef idx="1">
-        <a:scrgbClr r="0" g="0" b="0"/>
-      </a:fillRef>
-      <a:effectRef idx="0">
-        <a:scrgbClr r="0" g="0" b="0"/>
-      </a:effectRef>
-      <a:fontRef idx="minor"/>
-    </dgm:style>
-  </dgm:styleLbl>
-  <dgm:styleLbl name="trAlignAcc1">
-    <dgm:scene3d>
-      <a:camera prst="orthographicFront"/>
-      <a:lightRig rig="threePt" dir="t"/>
-    </dgm:scene3d>
-    <dgm:sp3d/>
-    <dgm:txPr/>
-    <dgm:style>
-      <a:lnRef idx="1">
-        <a:scrgbClr r="0" g="0" b="0"/>
-      </a:lnRef>
-      <a:fillRef idx="1">
-        <a:scrgbClr r="0" g="0" b="0"/>
-      </a:fillRef>
-      <a:effectRef idx="0">
-        <a:scrgbClr r="0" g="0" b="0"/>
-      </a:effectRef>
-      <a:fontRef idx="minor"/>
-    </dgm:style>
-  </dgm:styleLbl>
-  <dgm:styleLbl name="bgAcc1">
-    <dgm:scene3d>
-      <a:camera prst="orthographicFront"/>
-      <a:lightRig rig="threePt" dir="t"/>
-    </dgm:scene3d>
-    <dgm:sp3d/>
-    <dgm:txPr/>
-    <dgm:style>
-      <a:lnRef idx="2">
-        <a:scrgbClr r="0" g="0" b="0"/>
-      </a:lnRef>
-      <a:fillRef idx="1">
-        <a:scrgbClr r="0" g="0" b="0"/>
-      </a:fillRef>
-      <a:effectRef idx="0">
-        <a:scrgbClr r="0" g="0" b="0"/>
-      </a:effectRef>
-      <a:fontRef idx="minor"/>
-    </dgm:style>
-  </dgm:styleLbl>
-  <dgm:styleLbl name="solidFgAcc1">
-    <dgm:scene3d>
-      <a:camera prst="orthographicFront"/>
-      <a:lightRig rig="threePt" dir="t"/>
-    </dgm:scene3d>
-    <dgm:sp3d/>
-    <dgm:txPr/>
-    <dgm:style>
-      <a:lnRef idx="2">
-        <a:scrgbClr r="0" g="0" b="0"/>
-      </a:lnRef>
-      <a:fillRef idx="1">
-        <a:scrgbClr r="0" g="0" b="0"/>
-      </a:fillRef>
-      <a:effectRef idx="0">
-        <a:scrgbClr r="0" g="0" b="0"/>
-      </a:effectRef>
-      <a:fontRef idx="minor"/>
-    </dgm:style>
-  </dgm:styleLbl>
-  <dgm:styleLbl name="solidAlignAcc1">
-    <dgm:scene3d>
-      <a:camera prst="orthographicFront"/>
-      <a:lightRig rig="threePt" dir="t"/>
-    </dgm:scene3d>
-    <dgm:sp3d/>
-    <dgm:txPr/>
-    <dgm:style>
-      <a:lnRef idx="2">
-        <a:scrgbClr r="0" g="0" b="0"/>
-      </a:lnRef>
-      <a:fillRef idx="1">
-        <a:scrgbClr r="0" g="0" b="0"/>
-      </a:fillRef>
-      <a:effectRef idx="0">
-        <a:scrgbClr r="0" g="0" b="0"/>
-      </a:effectRef>
-      <a:fontRef idx="minor"/>
-    </dgm:style>
-  </dgm:styleLbl>
-  <dgm:styleLbl name="solidBgAcc1">
-    <dgm:scene3d>
-      <a:camera prst="orthographicFront"/>
-      <a:lightRig rig="threePt" dir="t"/>
-    </dgm:scene3d>
-    <dgm:sp3d/>
-    <dgm:txPr/>
-    <dgm:style>
-      <a:lnRef idx="2">
-        <a:scrgbClr r="0" g="0" b="0"/>
-      </a:lnRef>
-      <a:fillRef idx="1">
-        <a:scrgbClr r="0" g="0" b="0"/>
-      </a:fillRef>
-      <a:effectRef idx="0">
-        <a:scrgbClr r="0" g="0" b="0"/>
-      </a:effectRef>
-      <a:fontRef idx="minor"/>
-    </dgm:style>
-  </dgm:styleLbl>
-  <dgm:styleLbl name="fgAccFollowNode1">
-    <dgm:scene3d>
-      <a:camera prst="orthographicFront"/>
-      <a:lightRig rig="threePt" dir="t"/>
-    </dgm:scene3d>
-    <dgm:sp3d/>
-    <dgm:txPr/>
-    <dgm:style>
-      <a:lnRef idx="2">
-        <a:scrgbClr r="0" g="0" b="0"/>
-      </a:lnRef>
-      <a:fillRef idx="1">
-        <a:scrgbClr r="0" g="0" b="0"/>
-      </a:fillRef>
-      <a:effectRef idx="0">
-        <a:scrgbClr r="0" g="0" b="0"/>
-      </a:effectRef>
-      <a:fontRef idx="minor"/>
-    </dgm:style>
-  </dgm:styleLbl>
-  <dgm:styleLbl name="alignAccFollowNode1">
-    <dgm:scene3d>
-      <a:camera prst="orthographicFront"/>
-      <a:lightRig rig="threePt" dir="t"/>
-    </dgm:scene3d>
-    <dgm:sp3d/>
-    <dgm:txPr/>
-    <dgm:style>
-      <a:lnRef idx="2">
-        <a:scrgbClr r="0" g="0" b="0"/>
-      </a:lnRef>
-      <a:fillRef idx="1">
-        <a:scrgbClr r="0" g="0" b="0"/>
-      </a:fillRef>
-      <a:effectRef idx="0">
-        <a:scrgbClr r="0" g="0" b="0"/>
-      </a:effectRef>
-      <a:fontRef idx="minor"/>
-    </dgm:style>
-  </dgm:styleLbl>
-  <dgm:styleLbl name="bgAccFollowNode1">
-    <dgm:scene3d>
-      <a:camera prst="orthographicFront"/>
-      <a:lightRig rig="threePt" dir="t"/>
-    </dgm:scene3d>
-    <dgm:sp3d/>
-    <dgm:txPr/>
-    <dgm:style>
-      <a:lnRef idx="2">
-        <a:scrgbClr r="0" g="0" b="0"/>
-      </a:lnRef>
-      <a:fillRef idx="1">
-        <a:scrgbClr r="0" g="0" b="0"/>
-      </a:fillRef>
-      <a:effectRef idx="0">
-        <a:scrgbClr r="0" g="0" b="0"/>
-      </a:effectRef>
-      <a:fontRef idx="minor"/>
-    </dgm:style>
-  </dgm:styleLbl>
-  <dgm:styleLbl name="fgAcc0">
-    <dgm:scene3d>
-      <a:camera prst="orthographicFront"/>
-      <a:lightRig rig="threePt" dir="t"/>
-    </dgm:scene3d>
-    <dgm:sp3d/>
-    <dgm:txPr/>
-    <dgm:style>
-      <a:lnRef idx="2">
-        <a:scrgbClr r="0" g="0" b="0"/>
-      </a:lnRef>
-      <a:fillRef idx="1">
-        <a:scrgbClr r="0" g="0" b="0"/>
-      </a:fillRef>
-      <a:effectRef idx="0">
-        <a:scrgbClr r="0" g="0" b="0"/>
-      </a:effectRef>
-      <a:fontRef idx="minor"/>
-    </dgm:style>
-  </dgm:styleLbl>
-  <dgm:styleLbl name="fgAcc2">
-    <dgm:scene3d>
-      <a:camera prst="orthographicFront"/>
-      <a:lightRig rig="threePt" dir="t"/>
-    </dgm:scene3d>
-    <dgm:sp3d/>
-    <dgm:txPr/>
-    <dgm:style>
-      <a:lnRef idx="2">
-        <a:scrgbClr r="0" g="0" b="0"/>
-      </a:lnRef>
-      <a:fillRef idx="1">
-        <a:scrgbClr r="0" g="0" b="0"/>
-      </a:fillRef>
-      <a:effectRef idx="0">
-        <a:scrgbClr r="0" g="0" b="0"/>
-      </a:effectRef>
-      <a:fontRef idx="minor"/>
-    </dgm:style>
-  </dgm:styleLbl>
-  <dgm:styleLbl name="fgAcc3">
-    <dgm:scene3d>
-      <a:camera prst="orthographicFront"/>
-      <a:lightRig rig="threePt" dir="t"/>
-    </dgm:scene3d>
-    <dgm:sp3d/>
-    <dgm:txPr/>
-    <dgm:style>
-      <a:lnRef idx="2">
-        <a:scrgbClr r="0" g="0" b="0"/>
-      </a:lnRef>
-      <a:fillRef idx="1">
-        <a:scrgbClr r="0" g="0" b="0"/>
-      </a:fillRef>
-      <a:effectRef idx="0">
-        <a:scrgbClr r="0" g="0" b="0"/>
-      </a:effectRef>
-      <a:fontRef idx="minor"/>
-    </dgm:style>
-  </dgm:styleLbl>
-  <dgm:styleLbl name="fgAcc4">
-    <dgm:scene3d>
-      <a:camera prst="orthographicFront"/>
-      <a:lightRig rig="threePt" dir="t"/>
-    </dgm:scene3d>
-    <dgm:sp3d/>
-    <dgm:txPr/>
-    <dgm:style>
-      <a:lnRef idx="2">
-        <a:scrgbClr r="0" g="0" b="0"/>
-      </a:lnRef>
-      <a:fillRef idx="1">
-        <a:scrgbClr r="0" g="0" b="0"/>
-      </a:fillRef>
-      <a:effectRef idx="0">
-        <a:scrgbClr r="0" g="0" b="0"/>
-      </a:effectRef>
-      <a:fontRef idx="minor"/>
-    </dgm:style>
-  </dgm:styleLbl>
-  <dgm:styleLbl name="bgShp">
-    <dgm:scene3d>
-      <a:camera prst="orthographicFront"/>
-      <a:lightRig rig="threePt" dir="t"/>
-    </dgm:scene3d>
-    <dgm:sp3d/>
-    <dgm:txPr/>
-    <dgm:style>
-      <a:lnRef idx="0">
-        <a:scrgbClr r="0" g="0" b="0"/>
-      </a:lnRef>
-      <a:fillRef idx="1">
-        <a:scrgbClr r="0" g="0" b="0"/>
-      </a:fillRef>
-      <a:effectRef idx="0">
-        <a:scrgbClr r="0" g="0" b="0"/>
-      </a:effectRef>
-      <a:fontRef idx="minor"/>
-    </dgm:style>
-  </dgm:styleLbl>
-  <dgm:styleLbl name="dkBgShp">
-    <dgm:scene3d>
-      <a:camera prst="orthographicFront"/>
-      <a:lightRig rig="threePt" dir="t"/>
-    </dgm:scene3d>
-    <dgm:sp3d/>
-    <dgm:txPr/>
-    <dgm:style>
-      <a:lnRef idx="0">
-        <a:scrgbClr r="0" g="0" b="0"/>
-      </a:lnRef>
-      <a:fillRef idx="1">
-        <a:scrgbClr r="0" g="0" b="0"/>
-      </a:fillRef>
-      <a:effectRef idx="0">
-        <a:scrgbClr r="0" g="0" b="0"/>
-      </a:effectRef>
-      <a:fontRef idx="minor"/>
-    </dgm:style>
-  </dgm:styleLbl>
-  <dgm:styleLbl name="trBgShp">
-    <dgm:scene3d>
-      <a:camera prst="orthographicFront"/>
-      <a:lightRig rig="threePt" dir="t"/>
-    </dgm:scene3d>
-    <dgm:sp3d/>
-    <dgm:txPr/>
-    <dgm:style>
-      <a:lnRef idx="0">
-        <a:scrgbClr r="0" g="0" b="0"/>
-      </a:lnRef>
-      <a:fillRef idx="1">
-        <a:scrgbClr r="0" g="0" b="0"/>
-      </a:fillRef>
-      <a:effectRef idx="0">
-        <a:scrgbClr r="0" g="0" b="0"/>
-      </a:effectRef>
-      <a:fontRef idx="minor"/>
-    </dgm:style>
-  </dgm:styleLbl>
-  <dgm:styleLbl name="fgShp">
-    <dgm:scene3d>
-      <a:camera prst="orthographicFront"/>
-      <a:lightRig rig="threePt" dir="t"/>
-    </dgm:scene3d>
-    <dgm:sp3d/>
-    <dgm:txPr/>
-    <dgm:style>
-      <a:lnRef idx="2">
-        <a:scrgbClr r="0" g="0" b="0"/>
-      </a:lnRef>
-      <a:fillRef idx="1">
-        <a:scrgbClr r="0" g="0" b="0"/>
-      </a:fillRef>
-      <a:effectRef idx="0">
-        <a:scrgbClr r="0" g="0" b="0"/>
-      </a:effectRef>
-      <a:fontRef idx="minor"/>
-    </dgm:style>
-  </dgm:styleLbl>
-  <dgm:styleLbl name="revTx">
-    <dgm:scene3d>
-      <a:camera prst="orthographicFront"/>
-      <a:lightRig rig="threePt" dir="t"/>
-    </dgm:scene3d>
-    <dgm:sp3d/>
-    <dgm:txPr/>
-    <dgm:style>
-      <a:lnRef idx="0">
-        <a:scrgbClr r="0" g="0" b="0"/>
-      </a:lnRef>
-      <a:fillRef idx="0">
-        <a:scrgbClr r="0" g="0" b="0"/>
-      </a:fillRef>
-      <a:effectRef idx="0">
-        <a:scrgbClr r="0" g="0" b="0"/>
-      </a:effectRef>
-      <a:fontRef idx="minor"/>
-    </dgm:style>
-  </dgm:styleLbl>
-</dgm:styleDef>
-</file>
-
-<file path=ppt/diagrams/quickStyle5.xml><?xml version="1.0" encoding="utf-8"?>
 <dgm:styleDef xmlns:dgm="http://schemas.openxmlformats.org/drawingml/2006/diagram" xmlns:a="http://schemas.openxmlformats.org/drawingml/2006/main" uniqueId="urn:microsoft.com/office/officeart/2005/8/quickstyle/simple1">
   <dgm:title val=""/>
   <dgm:desc val=""/>
@@ -22549,7 +17675,7 @@
           <a:p>
             <a:fld id="{E7736193-EDE3-4BB5-AE5F-E6E5472AB8BE}" type="datetimeFigureOut">
               <a:rPr lang="en-US" smtClean="0"/>
-              <a:t>1/16/2025</a:t>
+              <a:t>1/17/2025</a:t>
             </a:fld>
             <a:endParaRPr lang="en-US"/>
           </a:p>
@@ -22881,7 +18007,7 @@
           <a:p>
             <a:fld id="{E7736193-EDE3-4BB5-AE5F-E6E5472AB8BE}" type="datetimeFigureOut">
               <a:rPr lang="en-US" smtClean="0"/>
-              <a:t>1/16/2025</a:t>
+              <a:t>1/17/2025</a:t>
             </a:fld>
             <a:endParaRPr lang="en-US"/>
           </a:p>
@@ -23129,7 +18255,7 @@
           <a:p>
             <a:fld id="{E7736193-EDE3-4BB5-AE5F-E6E5472AB8BE}" type="datetimeFigureOut">
               <a:rPr lang="en-US" smtClean="0"/>
-              <a:t>1/16/2025</a:t>
+              <a:t>1/17/2025</a:t>
             </a:fld>
             <a:endParaRPr lang="en-US"/>
           </a:p>
@@ -23475,7 +18601,7 @@
           <a:p>
             <a:fld id="{E7736193-EDE3-4BB5-AE5F-E6E5472AB8BE}" type="datetimeFigureOut">
               <a:rPr lang="en-US" smtClean="0"/>
-              <a:t>1/16/2025</a:t>
+              <a:t>1/17/2025</a:t>
             </a:fld>
             <a:endParaRPr lang="en-US"/>
           </a:p>
@@ -23829,7 +18955,7 @@
           <a:p>
             <a:fld id="{E7736193-EDE3-4BB5-AE5F-E6E5472AB8BE}" type="datetimeFigureOut">
               <a:rPr lang="en-US" smtClean="0"/>
-              <a:t>1/16/2025</a:t>
+              <a:t>1/17/2025</a:t>
             </a:fld>
             <a:endParaRPr lang="en-US"/>
           </a:p>
@@ -24203,7 +19329,7 @@
           <a:p>
             <a:fld id="{E7736193-EDE3-4BB5-AE5F-E6E5472AB8BE}" type="datetimeFigureOut">
               <a:rPr lang="en-US" smtClean="0"/>
-              <a:t>1/16/2025</a:t>
+              <a:t>1/17/2025</a:t>
             </a:fld>
             <a:endParaRPr lang="en-US"/>
           </a:p>
@@ -24680,7 +19806,7 @@
           <a:p>
             <a:fld id="{E7736193-EDE3-4BB5-AE5F-E6E5472AB8BE}" type="datetimeFigureOut">
               <a:rPr lang="en-US" smtClean="0"/>
-              <a:t>1/16/2025</a:t>
+              <a:t>1/17/2025</a:t>
             </a:fld>
             <a:endParaRPr lang="en-US"/>
           </a:p>
@@ -24892,7 +20018,7 @@
           <a:p>
             <a:fld id="{E7736193-EDE3-4BB5-AE5F-E6E5472AB8BE}" type="datetimeFigureOut">
               <a:rPr lang="en-US" smtClean="0"/>
-              <a:t>1/16/2025</a:t>
+              <a:t>1/17/2025</a:t>
             </a:fld>
             <a:endParaRPr lang="en-US"/>
           </a:p>
@@ -25110,7 +20236,7 @@
           <a:p>
             <a:fld id="{E7736193-EDE3-4BB5-AE5F-E6E5472AB8BE}" type="datetimeFigureOut">
               <a:rPr lang="en-US" smtClean="0"/>
-              <a:t>1/16/2025</a:t>
+              <a:t>1/17/2025</a:t>
             </a:fld>
             <a:endParaRPr lang="en-US"/>
           </a:p>
@@ -25356,7 +20482,7 @@
           <a:p>
             <a:fld id="{E7736193-EDE3-4BB5-AE5F-E6E5472AB8BE}" type="datetimeFigureOut">
               <a:rPr lang="en-US" smtClean="0"/>
-              <a:t>1/16/2025</a:t>
+              <a:t>1/17/2025</a:t>
             </a:fld>
             <a:endParaRPr lang="en-US"/>
           </a:p>
@@ -25604,7 +20730,7 @@
           <a:p>
             <a:fld id="{E7736193-EDE3-4BB5-AE5F-E6E5472AB8BE}" type="datetimeFigureOut">
               <a:rPr lang="en-US" smtClean="0"/>
-              <a:t>1/16/2025</a:t>
+              <a:t>1/17/2025</a:t>
             </a:fld>
             <a:endParaRPr lang="en-US"/>
           </a:p>
@@ -25916,7 +21042,7 @@
           <a:p>
             <a:fld id="{E7736193-EDE3-4BB5-AE5F-E6E5472AB8BE}" type="datetimeFigureOut">
               <a:rPr lang="en-US" smtClean="0"/>
-              <a:t>1/16/2025</a:t>
+              <a:t>1/17/2025</a:t>
             </a:fld>
             <a:endParaRPr lang="en-US"/>
           </a:p>
@@ -26298,7 +21424,7 @@
           <a:p>
             <a:fld id="{E7736193-EDE3-4BB5-AE5F-E6E5472AB8BE}" type="datetimeFigureOut">
               <a:rPr lang="en-US" smtClean="0"/>
-              <a:t>1/16/2025</a:t>
+              <a:t>1/17/2025</a:t>
             </a:fld>
             <a:endParaRPr lang="en-US"/>
           </a:p>
@@ -26454,7 +21580,7 @@
           <a:p>
             <a:fld id="{E7736193-EDE3-4BB5-AE5F-E6E5472AB8BE}" type="datetimeFigureOut">
               <a:rPr lang="en-US" smtClean="0"/>
-              <a:t>1/16/2025</a:t>
+              <a:t>1/17/2025</a:t>
             </a:fld>
             <a:endParaRPr lang="en-US"/>
           </a:p>
@@ -26587,7 +21713,7 @@
           <a:p>
             <a:fld id="{E7736193-EDE3-4BB5-AE5F-E6E5472AB8BE}" type="datetimeFigureOut">
               <a:rPr lang="en-US" smtClean="0"/>
-              <a:t>1/16/2025</a:t>
+              <a:t>1/17/2025</a:t>
             </a:fld>
             <a:endParaRPr lang="en-US"/>
           </a:p>
@@ -26842,7 +21968,7 @@
           <a:p>
             <a:fld id="{E7736193-EDE3-4BB5-AE5F-E6E5472AB8BE}" type="datetimeFigureOut">
               <a:rPr lang="en-US" smtClean="0"/>
-              <a:t>1/16/2025</a:t>
+              <a:t>1/17/2025</a:t>
             </a:fld>
             <a:endParaRPr lang="en-US"/>
           </a:p>
@@ -27164,7 +22290,7 @@
           <a:p>
             <a:fld id="{E7736193-EDE3-4BB5-AE5F-E6E5472AB8BE}" type="datetimeFigureOut">
               <a:rPr lang="en-US" smtClean="0"/>
-              <a:t>1/16/2025</a:t>
+              <a:t>1/17/2025</a:t>
             </a:fld>
             <a:endParaRPr lang="en-US"/>
           </a:p>
@@ -27408,7 +22534,7 @@
           <a:p>
             <a:fld id="{E7736193-EDE3-4BB5-AE5F-E6E5472AB8BE}" type="datetimeFigureOut">
               <a:rPr lang="en-US" smtClean="0"/>
-              <a:t>1/16/2025</a:t>
+              <a:t>1/17/2025</a:t>
             </a:fld>
             <a:endParaRPr lang="en-US"/>
           </a:p>
@@ -28065,7 +23191,7 @@
             <p:ph idx="1"/>
             <p:extLst>
               <p:ext uri="{D42A27DB-BD31-4B8C-83A1-F6EECF244321}">
-                <p14:modId xmlns:p14="http://schemas.microsoft.com/office/powerpoint/2010/main" val="3969497854"/>
+                <p14:modId xmlns:p14="http://schemas.microsoft.com/office/powerpoint/2010/main" val="2963386963"/>
               </p:ext>
             </p:extLst>
           </p:nvPr>
@@ -28134,7 +23260,7 @@
             <p:ph idx="1"/>
             <p:extLst>
               <p:ext uri="{D42A27DB-BD31-4B8C-83A1-F6EECF244321}">
-                <p14:modId xmlns:p14="http://schemas.microsoft.com/office/powerpoint/2010/main" val="388410566"/>
+                <p14:modId xmlns:p14="http://schemas.microsoft.com/office/powerpoint/2010/main" val="2398828123"/>
               </p:ext>
             </p:extLst>
           </p:nvPr>
@@ -28203,7 +23329,7 @@
             <p:ph idx="1"/>
             <p:extLst>
               <p:ext uri="{D42A27DB-BD31-4B8C-83A1-F6EECF244321}">
-                <p14:modId xmlns:p14="http://schemas.microsoft.com/office/powerpoint/2010/main" val="3424613385"/>
+                <p14:modId xmlns:p14="http://schemas.microsoft.com/office/powerpoint/2010/main" val="2741363770"/>
               </p:ext>
             </p:extLst>
           </p:nvPr>
@@ -28272,76 +23398,7 @@
             <p:ph idx="1"/>
             <p:extLst>
               <p:ext uri="{D42A27DB-BD31-4B8C-83A1-F6EECF244321}">
-                <p14:modId xmlns:p14="http://schemas.microsoft.com/office/powerpoint/2010/main" val="3537893262"/>
-              </p:ext>
-            </p:extLst>
-          </p:nvPr>
-        </p:nvGraphicFramePr>
-        <p:xfrm>
-          <a:off x="914400" y="1044575"/>
-          <a:ext cx="10515600" cy="4351338"/>
-        </p:xfrm>
-        <a:graphic>
-          <a:graphicData uri="http://schemas.openxmlformats.org/drawingml/2006/diagram">
-            <dgm:relIds xmlns:dgm="http://schemas.openxmlformats.org/drawingml/2006/diagram" xmlns:r="http://schemas.openxmlformats.org/officeDocument/2006/relationships" r:dm="rId2" r:lo="rId3" r:qs="rId4" r:cs="rId5"/>
-          </a:graphicData>
-        </a:graphic>
-      </p:graphicFrame>
-    </p:spTree>
-    <p:extLst>
-      <p:ext uri="{BB962C8B-B14F-4D97-AF65-F5344CB8AC3E}">
-        <p14:creationId xmlns:p14="http://schemas.microsoft.com/office/powerpoint/2010/main" val="3101508634"/>
-      </p:ext>
-    </p:extLst>
-  </p:cSld>
-  <p:clrMapOvr>
-    <a:masterClrMapping/>
-  </p:clrMapOvr>
-</p:sld>
-</file>
-
-<file path=ppt/slides/slide6.xml><?xml version="1.0" encoding="utf-8"?>
-<p:sld xmlns:a="http://schemas.openxmlformats.org/drawingml/2006/main" xmlns:r="http://schemas.openxmlformats.org/officeDocument/2006/relationships" xmlns:p="http://schemas.openxmlformats.org/presentationml/2006/main">
-  <p:cSld>
-    <p:bg>
-      <p:bgPr>
-        <a:solidFill>
-          <a:schemeClr val="bg1"/>
-        </a:solidFill>
-        <a:effectLst/>
-      </p:bgPr>
-    </p:bg>
-    <p:spTree>
-      <p:nvGrpSpPr>
-        <p:cNvPr id="1" name=""/>
-        <p:cNvGrpSpPr/>
-        <p:nvPr/>
-      </p:nvGrpSpPr>
-      <p:grpSpPr>
-        <a:xfrm>
-          <a:off x="0" y="0"/>
-          <a:ext cx="0" cy="0"/>
-          <a:chOff x="0" y="0"/>
-          <a:chExt cx="0" cy="0"/>
-        </a:xfrm>
-      </p:grpSpPr>
-      <p:graphicFrame>
-        <p:nvGraphicFramePr>
-          <p:cNvPr id="20" name="Content Placeholder 2">
-            <a:extLst>
-              <a:ext uri="{FF2B5EF4-FFF2-40B4-BE49-F238E27FC236}">
-                <a16:creationId xmlns:a16="http://schemas.microsoft.com/office/drawing/2014/main" id="{550A4821-F32D-84FE-1A8B-54008D30F85C}"/>
-              </a:ext>
-            </a:extLst>
-          </p:cNvPr>
-          <p:cNvGraphicFramePr>
-            <a:graphicFrameLocks noGrp="1"/>
-          </p:cNvGraphicFramePr>
-          <p:nvPr>
-            <p:ph idx="1"/>
-            <p:extLst>
-              <p:ext uri="{D42A27DB-BD31-4B8C-83A1-F6EECF244321}">
-                <p14:modId xmlns:p14="http://schemas.microsoft.com/office/powerpoint/2010/main" val="4146723553"/>
+                <p14:modId xmlns:p14="http://schemas.microsoft.com/office/powerpoint/2010/main" val="197001418"/>
               </p:ext>
             </p:extLst>
           </p:nvPr>
